--- a/Manual/figures/figures.pptx
+++ b/Manual/figures/figures.pptx
@@ -5,12 +5,15 @@
     <p:sldMasterId id="2147483648" r:id="rId1"/>
   </p:sldMasterIdLst>
   <p:notesMasterIdLst>
-    <p:notesMasterId r:id="rId5"/>
+    <p:notesMasterId r:id="rId8"/>
   </p:notesMasterIdLst>
   <p:sldIdLst>
     <p:sldId id="257" r:id="rId2"/>
     <p:sldId id="258" r:id="rId3"/>
-    <p:sldId id="256" r:id="rId4"/>
+    <p:sldId id="259" r:id="rId4"/>
+    <p:sldId id="262" r:id="rId5"/>
+    <p:sldId id="260" r:id="rId6"/>
+    <p:sldId id="261" r:id="rId7"/>
   </p:sldIdLst>
   <p:sldSz cx="12192000" cy="6858000"/>
   <p:notesSz cx="6858000" cy="9144000"/>
@@ -199,7 +202,7 @@
           <a:p>
             <a:fld id="{B1413DDB-E7A0-4142-B816-DD8641C6EAE9}" type="datetimeFigureOut">
               <a:rPr kumimoji="1" lang="ja-JP" altLang="en-US" smtClean="0"/>
-              <a:t>2024/12/25</a:t>
+              <a:t>2025/1/10</a:t>
             </a:fld>
             <a:endParaRPr kumimoji="1" lang="ja-JP" altLang="en-US"/>
           </a:p>
@@ -700,7 +703,7 @@
           <a:p>
             <a:fld id="{6DA9663F-8273-4940-8EEA-278A6AA62F30}" type="datetimeFigureOut">
               <a:rPr kumimoji="1" lang="ja-JP" altLang="en-US" smtClean="0"/>
-              <a:t>2024/12/25</a:t>
+              <a:t>2025/1/10</a:t>
             </a:fld>
             <a:endParaRPr kumimoji="1" lang="ja-JP" altLang="en-US"/>
           </a:p>
@@ -900,7 +903,7 @@
           <a:p>
             <a:fld id="{6DA9663F-8273-4940-8EEA-278A6AA62F30}" type="datetimeFigureOut">
               <a:rPr kumimoji="1" lang="ja-JP" altLang="en-US" smtClean="0"/>
-              <a:t>2024/12/25</a:t>
+              <a:t>2025/1/10</a:t>
             </a:fld>
             <a:endParaRPr kumimoji="1" lang="ja-JP" altLang="en-US"/>
           </a:p>
@@ -1110,7 +1113,7 @@
           <a:p>
             <a:fld id="{6DA9663F-8273-4940-8EEA-278A6AA62F30}" type="datetimeFigureOut">
               <a:rPr kumimoji="1" lang="ja-JP" altLang="en-US" smtClean="0"/>
-              <a:t>2024/12/25</a:t>
+              <a:t>2025/1/10</a:t>
             </a:fld>
             <a:endParaRPr kumimoji="1" lang="ja-JP" altLang="en-US"/>
           </a:p>
@@ -1310,7 +1313,7 @@
           <a:p>
             <a:fld id="{6DA9663F-8273-4940-8EEA-278A6AA62F30}" type="datetimeFigureOut">
               <a:rPr kumimoji="1" lang="ja-JP" altLang="en-US" smtClean="0"/>
-              <a:t>2024/12/25</a:t>
+              <a:t>2025/1/10</a:t>
             </a:fld>
             <a:endParaRPr kumimoji="1" lang="ja-JP" altLang="en-US"/>
           </a:p>
@@ -1586,7 +1589,7 @@
           <a:p>
             <a:fld id="{6DA9663F-8273-4940-8EEA-278A6AA62F30}" type="datetimeFigureOut">
               <a:rPr kumimoji="1" lang="ja-JP" altLang="en-US" smtClean="0"/>
-              <a:t>2024/12/25</a:t>
+              <a:t>2025/1/10</a:t>
             </a:fld>
             <a:endParaRPr kumimoji="1" lang="ja-JP" altLang="en-US"/>
           </a:p>
@@ -1854,7 +1857,7 @@
           <a:p>
             <a:fld id="{6DA9663F-8273-4940-8EEA-278A6AA62F30}" type="datetimeFigureOut">
               <a:rPr kumimoji="1" lang="ja-JP" altLang="en-US" smtClean="0"/>
-              <a:t>2024/12/25</a:t>
+              <a:t>2025/1/10</a:t>
             </a:fld>
             <a:endParaRPr kumimoji="1" lang="ja-JP" altLang="en-US"/>
           </a:p>
@@ -2269,7 +2272,7 @@
           <a:p>
             <a:fld id="{6DA9663F-8273-4940-8EEA-278A6AA62F30}" type="datetimeFigureOut">
               <a:rPr kumimoji="1" lang="ja-JP" altLang="en-US" smtClean="0"/>
-              <a:t>2024/12/25</a:t>
+              <a:t>2025/1/10</a:t>
             </a:fld>
             <a:endParaRPr kumimoji="1" lang="ja-JP" altLang="en-US"/>
           </a:p>
@@ -2411,7 +2414,7 @@
           <a:p>
             <a:fld id="{6DA9663F-8273-4940-8EEA-278A6AA62F30}" type="datetimeFigureOut">
               <a:rPr kumimoji="1" lang="ja-JP" altLang="en-US" smtClean="0"/>
-              <a:t>2024/12/25</a:t>
+              <a:t>2025/1/10</a:t>
             </a:fld>
             <a:endParaRPr kumimoji="1" lang="ja-JP" altLang="en-US"/>
           </a:p>
@@ -2524,7 +2527,7 @@
           <a:p>
             <a:fld id="{6DA9663F-8273-4940-8EEA-278A6AA62F30}" type="datetimeFigureOut">
               <a:rPr kumimoji="1" lang="ja-JP" altLang="en-US" smtClean="0"/>
-              <a:t>2024/12/25</a:t>
+              <a:t>2025/1/10</a:t>
             </a:fld>
             <a:endParaRPr kumimoji="1" lang="ja-JP" altLang="en-US"/>
           </a:p>
@@ -2837,7 +2840,7 @@
           <a:p>
             <a:fld id="{6DA9663F-8273-4940-8EEA-278A6AA62F30}" type="datetimeFigureOut">
               <a:rPr kumimoji="1" lang="ja-JP" altLang="en-US" smtClean="0"/>
-              <a:t>2024/12/25</a:t>
+              <a:t>2025/1/10</a:t>
             </a:fld>
             <a:endParaRPr kumimoji="1" lang="ja-JP" altLang="en-US"/>
           </a:p>
@@ -3126,7 +3129,7 @@
           <a:p>
             <a:fld id="{6DA9663F-8273-4940-8EEA-278A6AA62F30}" type="datetimeFigureOut">
               <a:rPr kumimoji="1" lang="ja-JP" altLang="en-US" smtClean="0"/>
-              <a:t>2024/12/25</a:t>
+              <a:t>2025/1/10</a:t>
             </a:fld>
             <a:endParaRPr kumimoji="1" lang="ja-JP" altLang="en-US"/>
           </a:p>
@@ -3369,7 +3372,7 @@
           <a:p>
             <a:fld id="{6DA9663F-8273-4940-8EEA-278A6AA62F30}" type="datetimeFigureOut">
               <a:rPr kumimoji="1" lang="ja-JP" altLang="en-US" smtClean="0"/>
-              <a:t>2024/12/25</a:t>
+              <a:t>2025/1/10</a:t>
             </a:fld>
             <a:endParaRPr kumimoji="1" lang="ja-JP" altLang="en-US"/>
           </a:p>
@@ -3806,7 +3809,7 @@
         </p:nvGrpSpPr>
         <p:grpSpPr>
           <a:xfrm>
-            <a:off x="856037" y="1322960"/>
+            <a:off x="2558377" y="1741250"/>
             <a:ext cx="6361889" cy="2490281"/>
             <a:chOff x="856037" y="1322960"/>
             <a:chExt cx="6361889" cy="2490281"/>
@@ -13612,7 +13615,7 @@
         </p:nvGrpSpPr>
         <p:grpSpPr>
           <a:xfrm>
-            <a:off x="-593385" y="576890"/>
+            <a:off x="2655652" y="2259776"/>
             <a:ext cx="6361889" cy="2137127"/>
             <a:chOff x="-593385" y="576890"/>
             <a:chExt cx="6361889" cy="2137127"/>
@@ -15332,6 +15335,337 @@
 </file>
 
 <file path=ppt/slides/slide3.xml><?xml version="1.0" encoding="utf-8"?>
+<p:sld xmlns:a="http://schemas.openxmlformats.org/drawingml/2006/main" xmlns:r="http://schemas.openxmlformats.org/officeDocument/2006/relationships" xmlns:p="http://schemas.openxmlformats.org/presentationml/2006/main">
+  <p:cSld>
+    <p:spTree>
+      <p:nvGrpSpPr>
+        <p:cNvPr id="1" name=""/>
+        <p:cNvGrpSpPr/>
+        <p:nvPr/>
+      </p:nvGrpSpPr>
+      <p:grpSpPr>
+        <a:xfrm>
+          <a:off x="0" y="0"/>
+          <a:ext cx="0" cy="0"/>
+          <a:chOff x="0" y="0"/>
+          <a:chExt cx="0" cy="0"/>
+        </a:xfrm>
+      </p:grpSpPr>
+      <p:grpSp>
+        <p:nvGrpSpPr>
+          <p:cNvPr id="228" name="Group 227">
+            <a:extLst>
+              <a:ext uri="{FF2B5EF4-FFF2-40B4-BE49-F238E27FC236}">
+                <a16:creationId xmlns:a16="http://schemas.microsoft.com/office/drawing/2014/main" id="{2E835723-7BE6-AE6B-E69B-408213426F32}"/>
+              </a:ext>
+            </a:extLst>
+          </p:cNvPr>
+          <p:cNvGrpSpPr/>
+          <p:nvPr/>
+        </p:nvGrpSpPr>
+        <p:grpSpPr>
+          <a:xfrm>
+            <a:off x="1126100" y="1237207"/>
+            <a:ext cx="4236720" cy="2025307"/>
+            <a:chOff x="1126100" y="1237207"/>
+            <a:chExt cx="4236720" cy="2025307"/>
+          </a:xfrm>
+        </p:grpSpPr>
+        <p:sp>
+          <p:nvSpPr>
+            <p:cNvPr id="226" name="Rectangle 225">
+              <a:extLst>
+                <a:ext uri="{FF2B5EF4-FFF2-40B4-BE49-F238E27FC236}">
+                  <a16:creationId xmlns:a16="http://schemas.microsoft.com/office/drawing/2014/main" id="{C76F7ADF-6534-C808-DB6B-AD62F475A004}"/>
+                </a:ext>
+              </a:extLst>
+            </p:cNvPr>
+            <p:cNvSpPr/>
+            <p:nvPr/>
+          </p:nvSpPr>
+          <p:spPr>
+            <a:xfrm>
+              <a:off x="1126100" y="1237207"/>
+              <a:ext cx="4236720" cy="2025307"/>
+            </a:xfrm>
+            <a:prstGeom prst="rect">
+              <a:avLst/>
+            </a:prstGeom>
+            <a:noFill/>
+            <a:ln>
+              <a:noFill/>
+            </a:ln>
+          </p:spPr>
+          <p:style>
+            <a:lnRef idx="2">
+              <a:schemeClr val="accent1">
+                <a:shade val="15000"/>
+              </a:schemeClr>
+            </a:lnRef>
+            <a:fillRef idx="1">
+              <a:schemeClr val="accent1"/>
+            </a:fillRef>
+            <a:effectRef idx="0">
+              <a:schemeClr val="accent1"/>
+            </a:effectRef>
+            <a:fontRef idx="minor">
+              <a:schemeClr val="lt1"/>
+            </a:fontRef>
+          </p:style>
+          <p:txBody>
+            <a:bodyPr rtlCol="0" anchor="ctr"/>
+            <a:lstStyle/>
+            <a:p>
+              <a:pPr algn="ctr"/>
+              <a:endParaRPr kumimoji="1" lang="ja-JP" altLang="en-US"/>
+            </a:p>
+          </p:txBody>
+        </p:sp>
+        <p:grpSp>
+          <p:nvGrpSpPr>
+            <p:cNvPr id="8" name="Group 7">
+              <a:extLst>
+                <a:ext uri="{FF2B5EF4-FFF2-40B4-BE49-F238E27FC236}">
+                  <a16:creationId xmlns:a16="http://schemas.microsoft.com/office/drawing/2014/main" id="{CD65BE40-3A17-2798-A348-4EFEFB8B58E6}"/>
+                </a:ext>
+              </a:extLst>
+            </p:cNvPr>
+            <p:cNvGrpSpPr/>
+            <p:nvPr/>
+          </p:nvGrpSpPr>
+          <p:grpSpPr>
+            <a:xfrm>
+              <a:off x="1745604" y="1295575"/>
+              <a:ext cx="2997713" cy="1892092"/>
+              <a:chOff x="303695" y="1890404"/>
+              <a:chExt cx="5632361" cy="3555022"/>
+            </a:xfrm>
+            <a:effectLst>
+              <a:outerShdw blurRad="50800" dist="38100" dir="2700000" algn="tl" rotWithShape="0">
+                <a:prstClr val="black">
+                  <a:alpha val="40000"/>
+                </a:prstClr>
+              </a:outerShdw>
+            </a:effectLst>
+          </p:grpSpPr>
+          <p:pic>
+            <p:nvPicPr>
+              <p:cNvPr id="2" name="Picture 1">
+                <a:extLst>
+                  <a:ext uri="{FF2B5EF4-FFF2-40B4-BE49-F238E27FC236}">
+                    <a16:creationId xmlns:a16="http://schemas.microsoft.com/office/drawing/2014/main" id="{E51016A8-945F-EF99-EFFA-BCC439A1D5DA}"/>
+                  </a:ext>
+                </a:extLst>
+              </p:cNvPr>
+              <p:cNvPicPr>
+                <a:picLocks noChangeAspect="1"/>
+              </p:cNvPicPr>
+              <p:nvPr/>
+            </p:nvPicPr>
+            <p:blipFill>
+              <a:blip r:embed="rId2"/>
+              <a:stretch>
+                <a:fillRect/>
+              </a:stretch>
+            </p:blipFill>
+            <p:spPr>
+              <a:xfrm>
+                <a:off x="1689575" y="1890408"/>
+                <a:ext cx="1419130" cy="1419131"/>
+              </a:xfrm>
+              <a:prstGeom prst="rect">
+                <a:avLst/>
+              </a:prstGeom>
+            </p:spPr>
+          </p:pic>
+          <p:pic>
+            <p:nvPicPr>
+              <p:cNvPr id="3" name="Picture 2">
+                <a:extLst>
+                  <a:ext uri="{FF2B5EF4-FFF2-40B4-BE49-F238E27FC236}">
+                    <a16:creationId xmlns:a16="http://schemas.microsoft.com/office/drawing/2014/main" id="{11E2F373-64A2-5050-3FF9-D4F713C840C9}"/>
+                  </a:ext>
+                </a:extLst>
+              </p:cNvPr>
+              <p:cNvPicPr>
+                <a:picLocks noChangeAspect="1"/>
+              </p:cNvPicPr>
+              <p:nvPr/>
+            </p:nvPicPr>
+            <p:blipFill>
+              <a:blip r:embed="rId3"/>
+              <a:stretch>
+                <a:fillRect/>
+              </a:stretch>
+            </p:blipFill>
+            <p:spPr>
+              <a:xfrm>
+                <a:off x="303699" y="1890410"/>
+                <a:ext cx="1419130" cy="1419131"/>
+              </a:xfrm>
+              <a:prstGeom prst="rect">
+                <a:avLst/>
+              </a:prstGeom>
+            </p:spPr>
+          </p:pic>
+          <p:pic>
+            <p:nvPicPr>
+              <p:cNvPr id="4" name="Picture 3">
+                <a:extLst>
+                  <a:ext uri="{FF2B5EF4-FFF2-40B4-BE49-F238E27FC236}">
+                    <a16:creationId xmlns:a16="http://schemas.microsoft.com/office/drawing/2014/main" id="{D0183458-135B-7043-F18A-0F36708D401F}"/>
+                  </a:ext>
+                </a:extLst>
+              </p:cNvPr>
+              <p:cNvPicPr>
+                <a:picLocks noChangeAspect="1"/>
+              </p:cNvPicPr>
+              <p:nvPr/>
+            </p:nvPicPr>
+            <p:blipFill>
+              <a:blip r:embed="rId4">
+                <a:extLst>
+                  <a:ext uri="{BEBA8EAE-BF5A-486C-A8C5-ECC9F3942E4B}">
+                    <a14:imgProps xmlns:a14="http://schemas.microsoft.com/office/drawing/2010/main">
+                      <a14:imgLayer r:embed="rId5">
+                        <a14:imgEffect>
+                          <a14:brightnessContrast contrast="40000"/>
+                        </a14:imgEffect>
+                      </a14:imgLayer>
+                    </a14:imgProps>
+                  </a:ext>
+                </a:extLst>
+              </a:blip>
+              <a:srcRect l="3330" t="13128" r="5625" b="19580"/>
+              <a:stretch/>
+            </p:blipFill>
+            <p:spPr>
+              <a:xfrm>
+                <a:off x="303695" y="3285829"/>
+                <a:ext cx="2921899" cy="2159597"/>
+              </a:xfrm>
+              <a:prstGeom prst="rect">
+                <a:avLst/>
+              </a:prstGeom>
+            </p:spPr>
+          </p:pic>
+          <p:pic>
+            <p:nvPicPr>
+              <p:cNvPr id="5" name="Picture 4">
+                <a:extLst>
+                  <a:ext uri="{FF2B5EF4-FFF2-40B4-BE49-F238E27FC236}">
+                    <a16:creationId xmlns:a16="http://schemas.microsoft.com/office/drawing/2014/main" id="{A86DBA70-4616-4C61-4425-B0AF7F8CEDDB}"/>
+                  </a:ext>
+                </a:extLst>
+              </p:cNvPr>
+              <p:cNvPicPr>
+                <a:picLocks noChangeAspect="1"/>
+              </p:cNvPicPr>
+              <p:nvPr/>
+            </p:nvPicPr>
+            <p:blipFill>
+              <a:blip r:embed="rId6">
+                <a:extLst>
+                  <a:ext uri="{BEBA8EAE-BF5A-486C-A8C5-ECC9F3942E4B}">
+                    <a14:imgProps xmlns:a14="http://schemas.microsoft.com/office/drawing/2010/main">
+                      <a14:imgLayer r:embed="rId7">
+                        <a14:imgEffect>
+                          <a14:brightnessContrast contrast="40000"/>
+                        </a14:imgEffect>
+                      </a14:imgLayer>
+                    </a14:imgProps>
+                  </a:ext>
+                </a:extLst>
+              </a:blip>
+              <a:srcRect l="3330" t="13128" r="5625" b="19580"/>
+              <a:stretch/>
+            </p:blipFill>
+            <p:spPr>
+              <a:xfrm>
+                <a:off x="3014157" y="3285829"/>
+                <a:ext cx="2921899" cy="2159597"/>
+              </a:xfrm>
+              <a:prstGeom prst="rect">
+                <a:avLst/>
+              </a:prstGeom>
+            </p:spPr>
+          </p:pic>
+          <p:pic>
+            <p:nvPicPr>
+              <p:cNvPr id="6" name="Picture 5">
+                <a:extLst>
+                  <a:ext uri="{FF2B5EF4-FFF2-40B4-BE49-F238E27FC236}">
+                    <a16:creationId xmlns:a16="http://schemas.microsoft.com/office/drawing/2014/main" id="{31C96EAA-CE63-DCDB-A8BA-5CD20C957763}"/>
+                  </a:ext>
+                </a:extLst>
+              </p:cNvPr>
+              <p:cNvPicPr>
+                <a:picLocks noChangeAspect="1"/>
+              </p:cNvPicPr>
+              <p:nvPr/>
+            </p:nvPicPr>
+            <p:blipFill>
+              <a:blip r:embed="rId8"/>
+              <a:stretch>
+                <a:fillRect/>
+              </a:stretch>
+            </p:blipFill>
+            <p:spPr>
+              <a:xfrm>
+                <a:off x="3104087" y="1890404"/>
+                <a:ext cx="1419130" cy="1419136"/>
+              </a:xfrm>
+              <a:prstGeom prst="rect">
+                <a:avLst/>
+              </a:prstGeom>
+            </p:spPr>
+          </p:pic>
+          <p:pic>
+            <p:nvPicPr>
+              <p:cNvPr id="7" name="Picture 6">
+                <a:extLst>
+                  <a:ext uri="{FF2B5EF4-FFF2-40B4-BE49-F238E27FC236}">
+                    <a16:creationId xmlns:a16="http://schemas.microsoft.com/office/drawing/2014/main" id="{4D9DEBB6-42D6-EB1D-EA71-1C2A76134BC1}"/>
+                  </a:ext>
+                </a:extLst>
+              </p:cNvPr>
+              <p:cNvPicPr>
+                <a:picLocks noChangeAspect="1"/>
+              </p:cNvPicPr>
+              <p:nvPr/>
+            </p:nvPicPr>
+            <p:blipFill>
+              <a:blip r:embed="rId9"/>
+              <a:stretch>
+                <a:fillRect/>
+              </a:stretch>
+            </p:blipFill>
+            <p:spPr>
+              <a:xfrm>
+                <a:off x="4516926" y="1890404"/>
+                <a:ext cx="1419130" cy="1419136"/>
+              </a:xfrm>
+              <a:prstGeom prst="rect">
+                <a:avLst/>
+              </a:prstGeom>
+            </p:spPr>
+          </p:pic>
+        </p:grpSp>
+      </p:grpSp>
+    </p:spTree>
+    <p:extLst>
+      <p:ext uri="{BB962C8B-B14F-4D97-AF65-F5344CB8AC3E}">
+        <p14:creationId xmlns:p14="http://schemas.microsoft.com/office/powerpoint/2010/main" val="3101446346"/>
+      </p:ext>
+    </p:extLst>
+  </p:cSld>
+  <p:clrMapOvr>
+    <a:masterClrMapping/>
+  </p:clrMapOvr>
+</p:sld>
+</file>
+
+<file path=ppt/slides/slide4.xml><?xml version="1.0" encoding="utf-8"?>
 <p:sld xmlns:a="http://schemas.openxmlformats.org/drawingml/2006/main" xmlns:r="http://schemas.openxmlformats.org/officeDocument/2006/relationships" xmlns:p="http://schemas.openxmlformats.org/presentationml/2006/main" show="0">
   <p:cSld>
     <p:spTree>
@@ -15348,9159 +15682,250 @@
           <a:chExt cx="0" cy="0"/>
         </a:xfrm>
       </p:grpSpPr>
-      <p:cxnSp>
-        <p:nvCxnSpPr>
-          <p:cNvPr id="4" name="Straight Connector 3">
+      <p:pic>
+        <p:nvPicPr>
+          <p:cNvPr id="2" name="Picture 1">
             <a:extLst>
               <a:ext uri="{FF2B5EF4-FFF2-40B4-BE49-F238E27FC236}">
-                <a16:creationId xmlns:a16="http://schemas.microsoft.com/office/drawing/2014/main" id="{89A7A968-D44D-AB91-4992-67D023C870EC}"/>
+                <a16:creationId xmlns:a16="http://schemas.microsoft.com/office/drawing/2014/main" id="{BF67DD3D-FCE6-B9C2-9841-F38314EFE7B0}"/>
               </a:ext>
             </a:extLst>
           </p:cNvPr>
-          <p:cNvCxnSpPr>
-            <a:cxnSpLocks/>
-          </p:cNvCxnSpPr>
+          <p:cNvPicPr>
+            <a:picLocks noChangeAspect="1"/>
+          </p:cNvPicPr>
           <p:nvPr/>
-        </p:nvCxnSpPr>
-        <p:spPr>
-          <a:xfrm flipH="1">
-            <a:off x="2140938" y="1257126"/>
-            <a:ext cx="0" cy="1050409"/>
-          </a:xfrm>
-          <a:prstGeom prst="line">
-            <a:avLst/>
-          </a:prstGeom>
-          <a:ln w="9525">
-            <a:solidFill>
-              <a:schemeClr val="tx1"/>
-            </a:solidFill>
-            <a:prstDash val="sysDot"/>
-          </a:ln>
-        </p:spPr>
-        <p:style>
-          <a:lnRef idx="1">
-            <a:schemeClr val="accent1"/>
-          </a:lnRef>
-          <a:fillRef idx="0">
-            <a:schemeClr val="accent1"/>
-          </a:fillRef>
-          <a:effectRef idx="0">
-            <a:schemeClr val="accent1"/>
-          </a:effectRef>
-          <a:fontRef idx="minor">
-            <a:schemeClr val="tx1"/>
-          </a:fontRef>
-        </p:style>
-      </p:cxnSp>
-      <p:cxnSp>
-        <p:nvCxnSpPr>
-          <p:cNvPr id="5" name="Straight Connector 4">
-            <a:extLst>
-              <a:ext uri="{FF2B5EF4-FFF2-40B4-BE49-F238E27FC236}">
-                <a16:creationId xmlns:a16="http://schemas.microsoft.com/office/drawing/2014/main" id="{F08F9518-8C7B-355E-EF20-B47AEBCE9017}"/>
-              </a:ext>
-            </a:extLst>
-          </p:cNvPr>
-          <p:cNvCxnSpPr>
-            <a:cxnSpLocks/>
-          </p:cNvCxnSpPr>
-          <p:nvPr/>
-        </p:nvCxnSpPr>
-        <p:spPr>
-          <a:xfrm flipH="1">
-            <a:off x="2209935" y="1257126"/>
-            <a:ext cx="0" cy="1050409"/>
-          </a:xfrm>
-          <a:prstGeom prst="line">
-            <a:avLst/>
-          </a:prstGeom>
-          <a:ln w="9525">
-            <a:solidFill>
-              <a:schemeClr val="tx1"/>
-            </a:solidFill>
-            <a:prstDash val="sysDot"/>
-          </a:ln>
-        </p:spPr>
-        <p:style>
-          <a:lnRef idx="1">
-            <a:schemeClr val="accent1"/>
-          </a:lnRef>
-          <a:fillRef idx="0">
-            <a:schemeClr val="accent1"/>
-          </a:fillRef>
-          <a:effectRef idx="0">
-            <a:schemeClr val="accent1"/>
-          </a:effectRef>
-          <a:fontRef idx="minor">
-            <a:schemeClr val="tx1"/>
-          </a:fontRef>
-        </p:style>
-      </p:cxnSp>
-      <p:cxnSp>
-        <p:nvCxnSpPr>
-          <p:cNvPr id="6" name="Straight Connector 5">
-            <a:extLst>
-              <a:ext uri="{FF2B5EF4-FFF2-40B4-BE49-F238E27FC236}">
-                <a16:creationId xmlns:a16="http://schemas.microsoft.com/office/drawing/2014/main" id="{C7EFF7FD-242E-3C02-461D-19946ED9A05B}"/>
-              </a:ext>
-            </a:extLst>
-          </p:cNvPr>
-          <p:cNvCxnSpPr>
-            <a:cxnSpLocks/>
-          </p:cNvCxnSpPr>
-          <p:nvPr/>
-        </p:nvCxnSpPr>
-        <p:spPr>
-          <a:xfrm flipH="1">
-            <a:off x="2276435" y="1257126"/>
-            <a:ext cx="0" cy="1050409"/>
-          </a:xfrm>
-          <a:prstGeom prst="line">
-            <a:avLst/>
-          </a:prstGeom>
-          <a:ln w="9525">
-            <a:solidFill>
-              <a:schemeClr val="tx1"/>
-            </a:solidFill>
-            <a:prstDash val="sysDot"/>
-          </a:ln>
-        </p:spPr>
-        <p:style>
-          <a:lnRef idx="1">
-            <a:schemeClr val="accent1"/>
-          </a:lnRef>
-          <a:fillRef idx="0">
-            <a:schemeClr val="accent1"/>
-          </a:fillRef>
-          <a:effectRef idx="0">
-            <a:schemeClr val="accent1"/>
-          </a:effectRef>
-          <a:fontRef idx="minor">
-            <a:schemeClr val="tx1"/>
-          </a:fontRef>
-        </p:style>
-      </p:cxnSp>
-      <p:sp>
-        <p:nvSpPr>
-          <p:cNvPr id="8" name="Left Brace 7">
-            <a:extLst>
-              <a:ext uri="{FF2B5EF4-FFF2-40B4-BE49-F238E27FC236}">
-                <a16:creationId xmlns:a16="http://schemas.microsoft.com/office/drawing/2014/main" id="{EB488B3F-5BAD-3575-F23B-558F90BAE5AE}"/>
-              </a:ext>
-            </a:extLst>
-          </p:cNvPr>
-          <p:cNvSpPr/>
-          <p:nvPr/>
-        </p:nvSpPr>
-        <p:spPr bwMode="auto">
-          <a:xfrm flipH="1">
-            <a:off x="1447187" y="1100090"/>
-            <a:ext cx="113239" cy="274978"/>
-          </a:xfrm>
-          <a:prstGeom prst="leftBrace">
-            <a:avLst>
-              <a:gd name="adj1" fmla="val 8333"/>
-              <a:gd name="adj2" fmla="val 47892"/>
-            </a:avLst>
-          </a:prstGeom>
-          <a:noFill/>
-          <a:ln w="19050" cap="flat" cmpd="sng" algn="ctr">
-            <a:solidFill>
-              <a:schemeClr val="tx1"/>
-            </a:solidFill>
-            <a:prstDash val="solid"/>
-            <a:round/>
-            <a:headEnd type="none" w="med" len="med"/>
-            <a:tailEnd type="none"/>
-          </a:ln>
-          <a:effectLst/>
-        </p:spPr>
-        <p:txBody>
-          <a:bodyPr rtlCol="0" anchor="ctr"/>
-          <a:lstStyle/>
-          <a:p>
-            <a:pPr algn="ctr"/>
-            <a:endParaRPr lang="en-US" sz="1801">
-              <a:latin typeface="Arial" panose="020B0604020202020204" pitchFamily="34" charset="0"/>
-              <a:cs typeface="Arial" panose="020B0604020202020204" pitchFamily="34" charset="0"/>
-            </a:endParaRPr>
-          </a:p>
-        </p:txBody>
-      </p:sp>
-      <p:grpSp>
-        <p:nvGrpSpPr>
-          <p:cNvPr id="10" name="Group 9">
-            <a:extLst>
-              <a:ext uri="{FF2B5EF4-FFF2-40B4-BE49-F238E27FC236}">
-                <a16:creationId xmlns:a16="http://schemas.microsoft.com/office/drawing/2014/main" id="{DB5D3E57-F017-EB13-E97F-D451EAB3AC3A}"/>
-              </a:ext>
-            </a:extLst>
-          </p:cNvPr>
-          <p:cNvGrpSpPr/>
-          <p:nvPr/>
-        </p:nvGrpSpPr>
-        <p:grpSpPr>
-          <a:xfrm>
-            <a:off x="590997" y="1545833"/>
-            <a:ext cx="1130892" cy="979529"/>
-            <a:chOff x="-478734" y="977298"/>
-            <a:chExt cx="1130892" cy="979528"/>
-          </a:xfrm>
-        </p:grpSpPr>
-        <p:cxnSp>
-          <p:nvCxnSpPr>
-            <p:cNvPr id="41" name="Straight Arrow Connector 40">
-              <a:extLst>
-                <a:ext uri="{FF2B5EF4-FFF2-40B4-BE49-F238E27FC236}">
-                  <a16:creationId xmlns:a16="http://schemas.microsoft.com/office/drawing/2014/main" id="{A9783100-859A-6A28-BC5A-05F78DAEBF43}"/>
-                </a:ext>
-              </a:extLst>
-            </p:cNvPr>
-            <p:cNvCxnSpPr/>
-            <p:nvPr/>
-          </p:nvCxnSpPr>
-          <p:spPr bwMode="auto">
-            <a:xfrm>
-              <a:off x="401969" y="1109530"/>
-              <a:ext cx="0" cy="640080"/>
-            </a:xfrm>
-            <a:prstGeom prst="straightConnector1">
-              <a:avLst/>
-            </a:prstGeom>
-            <a:noFill/>
-            <a:ln w="19050" cap="flat" cmpd="sng" algn="ctr">
-              <a:solidFill>
-                <a:schemeClr val="tx1"/>
-              </a:solidFill>
-              <a:prstDash val="solid"/>
-              <a:round/>
-              <a:headEnd type="none" w="med" len="med"/>
-              <a:tailEnd type="triangle"/>
-            </a:ln>
-            <a:effectLst/>
-          </p:spPr>
-        </p:cxnSp>
-        <p:sp>
-          <p:nvSpPr>
-            <p:cNvPr id="42" name="TextBox 41">
-              <a:extLst>
-                <a:ext uri="{FF2B5EF4-FFF2-40B4-BE49-F238E27FC236}">
-                  <a16:creationId xmlns:a16="http://schemas.microsoft.com/office/drawing/2014/main" id="{0377226C-F2D5-E7B2-1862-B579DEB17DDC}"/>
-                </a:ext>
-              </a:extLst>
-            </p:cNvPr>
-            <p:cNvSpPr txBox="1"/>
-            <p:nvPr/>
-          </p:nvSpPr>
-          <p:spPr>
-            <a:xfrm>
-              <a:off x="-478734" y="1656044"/>
-              <a:ext cx="312906" cy="230832"/>
-            </a:xfrm>
-            <a:prstGeom prst="rect">
-              <a:avLst/>
-            </a:prstGeom>
-            <a:noFill/>
-          </p:spPr>
-          <p:txBody>
-            <a:bodyPr wrap="none" rtlCol="0">
-              <a:spAutoFit/>
-            </a:bodyPr>
-            <a:lstStyle/>
-            <a:p>
-              <a:pPr algn="ctr"/>
-              <a:r>
-                <a:rPr lang="en-US" sz="900" dirty="0">
-                  <a:latin typeface="Arial" panose="020B0604020202020204" pitchFamily="34" charset="0"/>
-                  <a:cs typeface="Arial" panose="020B0604020202020204" pitchFamily="34" charset="0"/>
-                </a:rPr>
-                <a:t>(</a:t>
-              </a:r>
-              <a:r>
-                <a:rPr lang="en-US" sz="900" i="1" dirty="0">
-                  <a:latin typeface="Times New Roman" panose="02020603050405020304" pitchFamily="18" charset="0"/>
-                  <a:cs typeface="Times New Roman" panose="02020603050405020304" pitchFamily="18" charset="0"/>
-                </a:rPr>
-                <a:t>x</a:t>
-              </a:r>
-              <a:r>
-                <a:rPr lang="en-US" sz="900" dirty="0">
-                  <a:latin typeface="Arial" panose="020B0604020202020204" pitchFamily="34" charset="0"/>
-                  <a:cs typeface="Arial" panose="020B0604020202020204" pitchFamily="34" charset="0"/>
-                </a:rPr>
-                <a:t>)</a:t>
-              </a:r>
-            </a:p>
-          </p:txBody>
-        </p:sp>
-        <p:cxnSp>
-          <p:nvCxnSpPr>
-            <p:cNvPr id="43" name="Straight Arrow Connector 42">
-              <a:extLst>
-                <a:ext uri="{FF2B5EF4-FFF2-40B4-BE49-F238E27FC236}">
-                  <a16:creationId xmlns:a16="http://schemas.microsoft.com/office/drawing/2014/main" id="{FC5E20CE-4EC8-E5BA-E024-6AF294C2444B}"/>
-                </a:ext>
-              </a:extLst>
-            </p:cNvPr>
-            <p:cNvCxnSpPr/>
-            <p:nvPr/>
-          </p:nvCxnSpPr>
-          <p:spPr bwMode="auto">
-            <a:xfrm flipH="1">
-              <a:off x="-230175" y="1752516"/>
-              <a:ext cx="640080" cy="0"/>
-            </a:xfrm>
-            <a:prstGeom prst="straightConnector1">
-              <a:avLst/>
-            </a:prstGeom>
-            <a:noFill/>
-            <a:ln w="19050" cap="flat" cmpd="sng" algn="ctr">
-              <a:solidFill>
-                <a:schemeClr val="tx1"/>
-              </a:solidFill>
-              <a:prstDash val="solid"/>
-              <a:round/>
-              <a:headEnd type="none" w="med" len="med"/>
-              <a:tailEnd type="triangle"/>
-            </a:ln>
-            <a:effectLst/>
-          </p:spPr>
-        </p:cxnSp>
-        <p:sp>
-          <p:nvSpPr>
-            <p:cNvPr id="44" name="TextBox 43">
-              <a:extLst>
-                <a:ext uri="{FF2B5EF4-FFF2-40B4-BE49-F238E27FC236}">
-                  <a16:creationId xmlns:a16="http://schemas.microsoft.com/office/drawing/2014/main" id="{27F4FA73-19C9-9BBE-9B62-D091B265D7CD}"/>
-                </a:ext>
-              </a:extLst>
-            </p:cNvPr>
-            <p:cNvSpPr txBox="1"/>
-            <p:nvPr/>
-          </p:nvSpPr>
-          <p:spPr>
-            <a:xfrm rot="16200000">
-              <a:off x="293214" y="1587763"/>
-              <a:ext cx="453886" cy="230832"/>
-            </a:xfrm>
-            <a:prstGeom prst="rect">
-              <a:avLst/>
-            </a:prstGeom>
-            <a:noFill/>
-          </p:spPr>
-          <p:txBody>
-            <a:bodyPr wrap="square" rtlCol="0">
-              <a:spAutoFit/>
-            </a:bodyPr>
-            <a:lstStyle/>
-            <a:p>
-              <a:pPr algn="ctr"/>
-              <a:r>
-                <a:rPr lang="en-US" sz="900" dirty="0">
-                  <a:latin typeface="Arial" panose="020B0604020202020204" pitchFamily="34" charset="0"/>
-                  <a:cs typeface="Arial" panose="020B0604020202020204" pitchFamily="34" charset="0"/>
-                </a:rPr>
-                <a:t>(</a:t>
-              </a:r>
-              <a:r>
-                <a:rPr lang="en-US" sz="900" i="1" dirty="0">
-                  <a:latin typeface="Times New Roman" panose="02020603050405020304" pitchFamily="18" charset="0"/>
-                  <a:cs typeface="Times New Roman" panose="02020603050405020304" pitchFamily="18" charset="0"/>
-                </a:rPr>
-                <a:t>y</a:t>
-              </a:r>
-              <a:r>
-                <a:rPr lang="en-US" sz="900" dirty="0">
-                  <a:latin typeface="Arial" panose="020B0604020202020204" pitchFamily="34" charset="0"/>
-                  <a:cs typeface="Arial" panose="020B0604020202020204" pitchFamily="34" charset="0"/>
-                </a:rPr>
-                <a:t>)</a:t>
-              </a:r>
-            </a:p>
-          </p:txBody>
-        </p:sp>
-        <p:sp>
-          <p:nvSpPr>
-            <p:cNvPr id="45" name="TextBox 44">
-              <a:extLst>
-                <a:ext uri="{FF2B5EF4-FFF2-40B4-BE49-F238E27FC236}">
-                  <a16:creationId xmlns:a16="http://schemas.microsoft.com/office/drawing/2014/main" id="{3D13E0E7-698D-9C58-D70A-70889C5090C8}"/>
-                </a:ext>
-              </a:extLst>
-            </p:cNvPr>
-            <p:cNvSpPr txBox="1"/>
-            <p:nvPr/>
-          </p:nvSpPr>
-          <p:spPr>
-            <a:xfrm rot="16200000">
-              <a:off x="181517" y="1217107"/>
-              <a:ext cx="710450" cy="230832"/>
-            </a:xfrm>
-            <a:prstGeom prst="rect">
-              <a:avLst/>
-            </a:prstGeom>
-            <a:noFill/>
-          </p:spPr>
-          <p:txBody>
-            <a:bodyPr wrap="none" rtlCol="0">
-              <a:spAutoFit/>
-            </a:bodyPr>
-            <a:lstStyle/>
-            <a:p>
-              <a:pPr algn="ctr"/>
-              <a:r>
-                <a:rPr lang="en-US" sz="900" dirty="0">
-                  <a:latin typeface="Arial" panose="020B0604020202020204" pitchFamily="34" charset="0"/>
-                  <a:cs typeface="Arial" panose="020B0604020202020204" pitchFamily="34" charset="0"/>
-                </a:rPr>
-                <a:t>Slow scan</a:t>
-              </a:r>
-            </a:p>
-          </p:txBody>
-        </p:sp>
-        <p:sp>
-          <p:nvSpPr>
-            <p:cNvPr id="46" name="TextBox 45">
-              <a:extLst>
-                <a:ext uri="{FF2B5EF4-FFF2-40B4-BE49-F238E27FC236}">
-                  <a16:creationId xmlns:a16="http://schemas.microsoft.com/office/drawing/2014/main" id="{E88CF793-F17C-3E01-4A9D-88CB52661A83}"/>
-                </a:ext>
-              </a:extLst>
-            </p:cNvPr>
-            <p:cNvSpPr txBox="1"/>
-            <p:nvPr/>
-          </p:nvSpPr>
-          <p:spPr>
-            <a:xfrm>
-              <a:off x="-236014" y="1725994"/>
-              <a:ext cx="684803" cy="230832"/>
-            </a:xfrm>
-            <a:prstGeom prst="rect">
-              <a:avLst/>
-            </a:prstGeom>
-            <a:noFill/>
-          </p:spPr>
-          <p:txBody>
-            <a:bodyPr wrap="none" rtlCol="0">
-              <a:spAutoFit/>
-            </a:bodyPr>
-            <a:lstStyle/>
-            <a:p>
-              <a:pPr algn="ctr"/>
-              <a:r>
-                <a:rPr lang="en-US" sz="900" dirty="0">
-                  <a:latin typeface="Arial" panose="020B0604020202020204" pitchFamily="34" charset="0"/>
-                  <a:cs typeface="Arial" panose="020B0604020202020204" pitchFamily="34" charset="0"/>
-                </a:rPr>
-                <a:t>Fast scan</a:t>
-              </a:r>
-            </a:p>
-          </p:txBody>
-        </p:sp>
-      </p:grpSp>
-      <p:sp>
-        <p:nvSpPr>
-          <p:cNvPr id="11" name="TextBox 10">
-            <a:extLst>
-              <a:ext uri="{FF2B5EF4-FFF2-40B4-BE49-F238E27FC236}">
-                <a16:creationId xmlns:a16="http://schemas.microsoft.com/office/drawing/2014/main" id="{316BD508-6479-108B-D0BF-526CA2AD5E0B}"/>
-              </a:ext>
-            </a:extLst>
-          </p:cNvPr>
-          <p:cNvSpPr txBox="1"/>
-          <p:nvPr/>
-        </p:nvSpPr>
+        </p:nvPicPr>
+        <p:blipFill>
+          <a:blip r:embed="rId2"/>
+          <a:stretch>
+            <a:fillRect/>
+          </a:stretch>
+        </p:blipFill>
         <p:spPr>
           <a:xfrm>
-            <a:off x="405756" y="853869"/>
-            <a:ext cx="1124191" cy="246221"/>
+            <a:off x="3697028" y="1292157"/>
+            <a:ext cx="2398972" cy="2398972"/>
           </a:xfrm>
           <a:prstGeom prst="rect">
             <a:avLst/>
           </a:prstGeom>
-          <a:noFill/>
         </p:spPr>
-        <p:txBody>
-          <a:bodyPr wrap="square" rtlCol="0">
-            <a:spAutoFit/>
-          </a:bodyPr>
-          <a:lstStyle/>
-          <a:p>
-            <a:r>
-              <a:rPr lang="en-US" sz="1000" i="1" dirty="0" err="1">
-                <a:latin typeface="Arial" panose="020B0604020202020204" pitchFamily="34" charset="0"/>
-                <a:cs typeface="Arial" panose="020B0604020202020204" pitchFamily="34" charset="0"/>
-              </a:rPr>
-              <a:t>En</a:t>
-            </a:r>
-            <a:r>
-              <a:rPr lang="en-US" sz="1000" i="1" dirty="0">
-                <a:latin typeface="Arial" panose="020B0604020202020204" pitchFamily="34" charset="0"/>
-                <a:cs typeface="Arial" panose="020B0604020202020204" pitchFamily="34" charset="0"/>
-              </a:rPr>
-              <a:t> face </a:t>
-            </a:r>
-            <a:r>
-              <a:rPr lang="en-US" sz="1000" dirty="0">
-                <a:latin typeface="Arial" panose="020B0604020202020204" pitchFamily="34" charset="0"/>
-                <a:cs typeface="Arial" panose="020B0604020202020204" pitchFamily="34" charset="0"/>
-              </a:rPr>
-              <a:t>plane</a:t>
-            </a:r>
-          </a:p>
-        </p:txBody>
-      </p:sp>
-      <p:sp>
-        <p:nvSpPr>
-          <p:cNvPr id="12" name="TextBox 11">
+      </p:pic>
+      <p:pic>
+        <p:nvPicPr>
+          <p:cNvPr id="3" name="Picture 2">
             <a:extLst>
               <a:ext uri="{FF2B5EF4-FFF2-40B4-BE49-F238E27FC236}">
-                <a16:creationId xmlns:a16="http://schemas.microsoft.com/office/drawing/2014/main" id="{128D6F56-28D1-EF67-FF36-441A7F948A1C}"/>
+                <a16:creationId xmlns:a16="http://schemas.microsoft.com/office/drawing/2014/main" id="{C4250331-5838-4F5F-4160-94B2EF0D7F2E}"/>
               </a:ext>
             </a:extLst>
           </p:cNvPr>
-          <p:cNvSpPr txBox="1"/>
+          <p:cNvPicPr>
+            <a:picLocks noChangeAspect="1"/>
+          </p:cNvPicPr>
           <p:nvPr/>
-        </p:nvSpPr>
+        </p:nvPicPr>
+        <p:blipFill>
+          <a:blip r:embed="rId3"/>
+          <a:stretch>
+            <a:fillRect/>
+          </a:stretch>
+        </p:blipFill>
         <p:spPr>
-          <a:xfrm rot="16200000">
-            <a:off x="-127842" y="1097354"/>
-            <a:ext cx="522900" cy="215444"/>
+          <a:xfrm>
+            <a:off x="1208368" y="1292157"/>
+            <a:ext cx="2398972" cy="2398972"/>
           </a:xfrm>
           <a:prstGeom prst="rect">
             <a:avLst/>
           </a:prstGeom>
-          <a:noFill/>
         </p:spPr>
-        <p:txBody>
-          <a:bodyPr wrap="none" rtlCol="0">
-            <a:spAutoFit/>
-          </a:bodyPr>
-          <a:lstStyle/>
-          <a:p>
-            <a:pPr algn="ctr"/>
-            <a:r>
-              <a:rPr lang="en-US" sz="800" dirty="0">
-                <a:solidFill>
-                  <a:srgbClr val="00B0F0"/>
-                </a:solidFill>
-                <a:latin typeface="Arial" panose="020B0604020202020204" pitchFamily="34" charset="0"/>
-                <a:cs typeface="Arial" panose="020B0604020202020204" pitchFamily="34" charset="0"/>
-              </a:rPr>
-              <a:t>Block 1</a:t>
-            </a:r>
-          </a:p>
-        </p:txBody>
-      </p:sp>
-      <p:sp>
-        <p:nvSpPr>
-          <p:cNvPr id="13" name="TextBox 12">
+      </p:pic>
+    </p:spTree>
+    <p:extLst>
+      <p:ext uri="{BB962C8B-B14F-4D97-AF65-F5344CB8AC3E}">
+        <p14:creationId xmlns:p14="http://schemas.microsoft.com/office/powerpoint/2010/main" val="333004365"/>
+      </p:ext>
+    </p:extLst>
+  </p:cSld>
+  <p:clrMapOvr>
+    <a:masterClrMapping/>
+  </p:clrMapOvr>
+</p:sld>
+</file>
+
+<file path=ppt/slides/slide5.xml><?xml version="1.0" encoding="utf-8"?>
+<p:sld xmlns:a="http://schemas.openxmlformats.org/drawingml/2006/main" xmlns:r="http://schemas.openxmlformats.org/officeDocument/2006/relationships" xmlns:p="http://schemas.openxmlformats.org/presentationml/2006/main" show="0">
+  <p:cSld>
+    <p:spTree>
+      <p:nvGrpSpPr>
+        <p:cNvPr id="1" name=""/>
+        <p:cNvGrpSpPr/>
+        <p:nvPr/>
+      </p:nvGrpSpPr>
+      <p:grpSpPr>
+        <a:xfrm>
+          <a:off x="0" y="0"/>
+          <a:ext cx="0" cy="0"/>
+          <a:chOff x="0" y="0"/>
+          <a:chExt cx="0" cy="0"/>
+        </a:xfrm>
+      </p:grpSpPr>
+      <p:pic>
+        <p:nvPicPr>
+          <p:cNvPr id="2" name="Picture 1">
             <a:extLst>
               <a:ext uri="{FF2B5EF4-FFF2-40B4-BE49-F238E27FC236}">
-                <a16:creationId xmlns:a16="http://schemas.microsoft.com/office/drawing/2014/main" id="{87668621-F702-6E2B-AE4E-46A1245DBDDF}"/>
+                <a16:creationId xmlns:a16="http://schemas.microsoft.com/office/drawing/2014/main" id="{FE2D2F26-F884-0BBD-6DE9-E574ECB0B283}"/>
               </a:ext>
             </a:extLst>
           </p:cNvPr>
-          <p:cNvSpPr txBox="1"/>
+          <p:cNvPicPr>
+            <a:picLocks noChangeAspect="1"/>
+          </p:cNvPicPr>
           <p:nvPr/>
-        </p:nvSpPr>
+        </p:nvPicPr>
+        <p:blipFill>
+          <a:blip r:embed="rId2"/>
+          <a:stretch>
+            <a:fillRect/>
+          </a:stretch>
+        </p:blipFill>
         <p:spPr>
-          <a:xfrm rot="16200000">
-            <a:off x="-127843" y="2063905"/>
-            <a:ext cx="522900" cy="215444"/>
+          <a:xfrm>
+            <a:off x="381838" y="373803"/>
+            <a:ext cx="4876800" cy="4876800"/>
           </a:xfrm>
           <a:prstGeom prst="rect">
             <a:avLst/>
           </a:prstGeom>
-          <a:noFill/>
         </p:spPr>
-        <p:txBody>
-          <a:bodyPr wrap="none" rtlCol="0">
-            <a:spAutoFit/>
-          </a:bodyPr>
-          <a:lstStyle/>
-          <a:p>
-            <a:pPr algn="ctr"/>
-            <a:r>
-              <a:rPr lang="en-US" sz="800" dirty="0">
-                <a:solidFill>
-                  <a:srgbClr val="00B050"/>
-                </a:solidFill>
-                <a:latin typeface="Arial" panose="020B0604020202020204" pitchFamily="34" charset="0"/>
-                <a:cs typeface="Arial" panose="020B0604020202020204" pitchFamily="34" charset="0"/>
-              </a:rPr>
-              <a:t>Block 8</a:t>
-            </a:r>
-          </a:p>
-        </p:txBody>
-      </p:sp>
-      <p:sp>
-        <p:nvSpPr>
-          <p:cNvPr id="14" name="TextBox 13">
+      </p:pic>
+      <p:pic>
+        <p:nvPicPr>
+          <p:cNvPr id="3" name="Picture 2">
             <a:extLst>
               <a:ext uri="{FF2B5EF4-FFF2-40B4-BE49-F238E27FC236}">
-                <a16:creationId xmlns:a16="http://schemas.microsoft.com/office/drawing/2014/main" id="{4EA3AFD9-9A39-234B-A5AB-DE4872FF3D4F}"/>
+                <a16:creationId xmlns:a16="http://schemas.microsoft.com/office/drawing/2014/main" id="{CAC827C3-F884-3645-789A-33232B0C28F7}"/>
               </a:ext>
             </a:extLst>
           </p:cNvPr>
-          <p:cNvSpPr txBox="1"/>
+          <p:cNvPicPr>
+            <a:picLocks noChangeAspect="1"/>
+          </p:cNvPicPr>
           <p:nvPr/>
-        </p:nvSpPr>
+        </p:nvPicPr>
+        <p:blipFill>
+          <a:blip r:embed="rId3"/>
+          <a:stretch>
+            <a:fillRect/>
+          </a:stretch>
+        </p:blipFill>
         <p:spPr>
-          <a:xfrm rot="16200000">
-            <a:off x="-127843" y="1503049"/>
-            <a:ext cx="522900" cy="215444"/>
+          <a:xfrm>
+            <a:off x="5258638" y="373803"/>
+            <a:ext cx="4876800" cy="4876800"/>
           </a:xfrm>
           <a:prstGeom prst="rect">
             <a:avLst/>
           </a:prstGeom>
-          <a:noFill/>
         </p:spPr>
-        <p:txBody>
-          <a:bodyPr wrap="none" rtlCol="0">
-            <a:spAutoFit/>
-          </a:bodyPr>
-          <a:lstStyle/>
-          <a:p>
-            <a:pPr algn="ctr"/>
-            <a:r>
-              <a:rPr lang="en-US" sz="800" dirty="0">
-                <a:solidFill>
-                  <a:schemeClr val="accent2"/>
-                </a:solidFill>
-                <a:latin typeface="Arial" panose="020B0604020202020204" pitchFamily="34" charset="0"/>
-                <a:cs typeface="Arial" panose="020B0604020202020204" pitchFamily="34" charset="0"/>
-              </a:rPr>
-              <a:t>Block 2</a:t>
-            </a:r>
-          </a:p>
-        </p:txBody>
-      </p:sp>
-      <p:cxnSp>
-        <p:nvCxnSpPr>
-          <p:cNvPr id="15" name="Straight Connector 14">
+      </p:pic>
+    </p:spTree>
+    <p:extLst>
+      <p:ext uri="{BB962C8B-B14F-4D97-AF65-F5344CB8AC3E}">
+        <p14:creationId xmlns:p14="http://schemas.microsoft.com/office/powerpoint/2010/main" val="545343639"/>
+      </p:ext>
+    </p:extLst>
+  </p:cSld>
+  <p:clrMapOvr>
+    <a:masterClrMapping/>
+  </p:clrMapOvr>
+</p:sld>
+</file>
+
+<file path=ppt/slides/slide6.xml><?xml version="1.0" encoding="utf-8"?>
+<p:sld xmlns:a="http://schemas.openxmlformats.org/drawingml/2006/main" xmlns:r="http://schemas.openxmlformats.org/officeDocument/2006/relationships" xmlns:p="http://schemas.openxmlformats.org/presentationml/2006/main" show="0">
+  <p:cSld>
+    <p:spTree>
+      <p:nvGrpSpPr>
+        <p:cNvPr id="1" name=""/>
+        <p:cNvGrpSpPr/>
+        <p:nvPr/>
+      </p:nvGrpSpPr>
+      <p:grpSpPr>
+        <a:xfrm>
+          <a:off x="0" y="0"/>
+          <a:ext cx="0" cy="0"/>
+          <a:chOff x="0" y="0"/>
+          <a:chExt cx="0" cy="0"/>
+        </a:xfrm>
+      </p:grpSpPr>
+      <p:pic>
+        <p:nvPicPr>
+          <p:cNvPr id="2" name="Picture 1">
             <a:extLst>
               <a:ext uri="{FF2B5EF4-FFF2-40B4-BE49-F238E27FC236}">
-                <a16:creationId xmlns:a16="http://schemas.microsoft.com/office/drawing/2014/main" id="{9B8C7479-91E8-7E1A-B9A8-33E514D7797D}"/>
+                <a16:creationId xmlns:a16="http://schemas.microsoft.com/office/drawing/2014/main" id="{1D48342D-955A-B3CD-AFAF-F6E7010329E3}"/>
               </a:ext>
             </a:extLst>
           </p:cNvPr>
-          <p:cNvCxnSpPr>
-            <a:cxnSpLocks/>
-          </p:cNvCxnSpPr>
+          <p:cNvPicPr>
+            <a:picLocks noChangeAspect="1"/>
+          </p:cNvPicPr>
           <p:nvPr/>
-        </p:nvCxnSpPr>
-        <p:spPr bwMode="auto">
-          <a:xfrm>
-            <a:off x="133607" y="1804122"/>
-            <a:ext cx="0" cy="179029"/>
-          </a:xfrm>
-          <a:prstGeom prst="line">
-            <a:avLst/>
-          </a:prstGeom>
-          <a:noFill/>
-          <a:ln w="19050" cap="flat" cmpd="sng" algn="ctr">
-            <a:solidFill>
-              <a:schemeClr val="tx1"/>
-            </a:solidFill>
-            <a:prstDash val="sysDot"/>
-            <a:round/>
-            <a:headEnd type="none" w="med" len="med"/>
-            <a:tailEnd type="none"/>
-          </a:ln>
-          <a:effectLst/>
-        </p:spPr>
-      </p:cxnSp>
-      <p:grpSp>
-        <p:nvGrpSpPr>
-          <p:cNvPr id="16" name="Group 15">
-            <a:extLst>
-              <a:ext uri="{FF2B5EF4-FFF2-40B4-BE49-F238E27FC236}">
-                <a16:creationId xmlns:a16="http://schemas.microsoft.com/office/drawing/2014/main" id="{8B21C7B8-1298-F587-02BB-FFB95FCC18EF}"/>
-              </a:ext>
-            </a:extLst>
-          </p:cNvPr>
-          <p:cNvGrpSpPr>
-            <a:grpSpLocks noChangeAspect="1"/>
-          </p:cNvGrpSpPr>
-          <p:nvPr/>
-        </p:nvGrpSpPr>
-        <p:grpSpPr>
-          <a:xfrm>
-            <a:off x="219326" y="1084481"/>
-            <a:ext cx="1214360" cy="1188720"/>
-            <a:chOff x="1108501" y="239934"/>
-            <a:chExt cx="1868243" cy="1828800"/>
-          </a:xfrm>
-        </p:grpSpPr>
-        <p:pic>
-          <p:nvPicPr>
-            <p:cNvPr id="17" name="Picture 16">
-              <a:extLst>
-                <a:ext uri="{FF2B5EF4-FFF2-40B4-BE49-F238E27FC236}">
-                  <a16:creationId xmlns:a16="http://schemas.microsoft.com/office/drawing/2014/main" id="{87BBCA25-46B9-21B7-E0C5-86F297E97AD8}"/>
-                </a:ext>
-              </a:extLst>
-            </p:cNvPr>
-            <p:cNvPicPr>
-              <a:picLocks noChangeAspect="1"/>
-            </p:cNvPicPr>
-            <p:nvPr/>
-          </p:nvPicPr>
-          <p:blipFill rotWithShape="1">
-            <a:blip r:embed="rId2" cstate="print">
-              <a:extLst>
-                <a:ext uri="{28A0092B-C50C-407E-A947-70E740481C1C}">
-                  <a14:useLocalDpi xmlns:a14="http://schemas.microsoft.com/office/drawing/2010/main" val="0"/>
-                </a:ext>
-              </a:extLst>
-            </a:blip>
-            <a:srcRect l="17942" t="20694" r="23586" b="21110"/>
-            <a:stretch/>
-          </p:blipFill>
-          <p:spPr>
-            <a:xfrm>
-              <a:off x="1135380" y="240030"/>
-              <a:ext cx="1828800" cy="1820112"/>
-            </a:xfrm>
-            <a:prstGeom prst="rect">
-              <a:avLst/>
-            </a:prstGeom>
-          </p:spPr>
-        </p:pic>
-        <p:sp>
-          <p:nvSpPr>
-            <p:cNvPr id="18" name="Rectangle 17">
-              <a:extLst>
-                <a:ext uri="{FF2B5EF4-FFF2-40B4-BE49-F238E27FC236}">
-                  <a16:creationId xmlns:a16="http://schemas.microsoft.com/office/drawing/2014/main" id="{D50B4B91-0C36-DC1A-5BCA-08DAF4789756}"/>
-                </a:ext>
-              </a:extLst>
-            </p:cNvPr>
-            <p:cNvSpPr>
-              <a:spLocks/>
-            </p:cNvSpPr>
-            <p:nvPr/>
-          </p:nvSpPr>
-          <p:spPr bwMode="auto">
-            <a:xfrm>
-              <a:off x="1132075" y="239934"/>
-              <a:ext cx="1828800" cy="1828800"/>
-            </a:xfrm>
-            <a:prstGeom prst="rect">
-              <a:avLst/>
-            </a:prstGeom>
-            <a:noFill/>
-            <a:ln w="19050" cap="flat" cmpd="sng" algn="ctr">
-              <a:solidFill>
-                <a:srgbClr val="FFFF00"/>
-              </a:solidFill>
-              <a:prstDash val="solid"/>
-              <a:round/>
-              <a:headEnd type="none" w="med" len="med"/>
-              <a:tailEnd type="none" w="med" len="med"/>
-            </a:ln>
-            <a:effectLst/>
-          </p:spPr>
-          <p:txBody>
-            <a:bodyPr rtlCol="0" anchor="ctr"/>
-            <a:lstStyle/>
-            <a:p>
-              <a:pPr algn="ctr"/>
-              <a:endParaRPr lang="en-US" sz="1801">
-                <a:latin typeface="Arial" panose="020B0604020202020204" pitchFamily="34" charset="0"/>
-                <a:cs typeface="Arial" panose="020B0604020202020204" pitchFamily="34" charset="0"/>
-              </a:endParaRPr>
-            </a:p>
-          </p:txBody>
-        </p:sp>
-        <p:cxnSp>
-          <p:nvCxnSpPr>
-            <p:cNvPr id="19" name="Straight Connector 18">
-              <a:extLst>
-                <a:ext uri="{FF2B5EF4-FFF2-40B4-BE49-F238E27FC236}">
-                  <a16:creationId xmlns:a16="http://schemas.microsoft.com/office/drawing/2014/main" id="{7F7D53E7-9D3E-6765-4213-4186E1BBB662}"/>
-                </a:ext>
-              </a:extLst>
-            </p:cNvPr>
-            <p:cNvCxnSpPr/>
-            <p:nvPr/>
-          </p:nvCxnSpPr>
-          <p:spPr bwMode="auto">
-            <a:xfrm>
-              <a:off x="1132075" y="334531"/>
-              <a:ext cx="1828800" cy="0"/>
-            </a:xfrm>
-            <a:prstGeom prst="line">
-              <a:avLst/>
-            </a:prstGeom>
-            <a:noFill/>
-            <a:ln w="15875" cap="flat" cmpd="sng" algn="ctr">
-              <a:solidFill>
-                <a:srgbClr val="00B0F0"/>
-              </a:solidFill>
-              <a:prstDash val="solid"/>
-              <a:round/>
-              <a:headEnd type="none" w="med" len="med"/>
-              <a:tailEnd type="none"/>
-            </a:ln>
-            <a:effectLst/>
-          </p:spPr>
-        </p:cxnSp>
-        <p:cxnSp>
-          <p:nvCxnSpPr>
-            <p:cNvPr id="20" name="Straight Connector 19">
-              <a:extLst>
-                <a:ext uri="{FF2B5EF4-FFF2-40B4-BE49-F238E27FC236}">
-                  <a16:creationId xmlns:a16="http://schemas.microsoft.com/office/drawing/2014/main" id="{16DB2163-BA14-04D5-2448-777026859CCB}"/>
-                </a:ext>
-              </a:extLst>
-            </p:cNvPr>
-            <p:cNvCxnSpPr/>
-            <p:nvPr/>
-          </p:nvCxnSpPr>
-          <p:spPr bwMode="auto">
-            <a:xfrm>
-              <a:off x="1132075" y="457569"/>
-              <a:ext cx="1828800" cy="0"/>
-            </a:xfrm>
-            <a:prstGeom prst="line">
-              <a:avLst/>
-            </a:prstGeom>
-            <a:noFill/>
-            <a:ln w="15875" cap="flat" cmpd="sng" algn="ctr">
-              <a:solidFill>
-                <a:srgbClr val="00B0F0"/>
-              </a:solidFill>
-              <a:prstDash val="solid"/>
-              <a:round/>
-              <a:headEnd type="none" w="med" len="med"/>
-              <a:tailEnd type="none"/>
-            </a:ln>
-            <a:effectLst/>
-          </p:spPr>
-        </p:cxnSp>
-        <p:cxnSp>
-          <p:nvCxnSpPr>
-            <p:cNvPr id="21" name="Straight Connector 20">
-              <a:extLst>
-                <a:ext uri="{FF2B5EF4-FFF2-40B4-BE49-F238E27FC236}">
-                  <a16:creationId xmlns:a16="http://schemas.microsoft.com/office/drawing/2014/main" id="{095C352D-9ABB-BC8E-6CAE-1BBEF573997F}"/>
-                </a:ext>
-              </a:extLst>
-            </p:cNvPr>
-            <p:cNvCxnSpPr/>
-            <p:nvPr/>
-          </p:nvCxnSpPr>
-          <p:spPr bwMode="auto">
-            <a:xfrm>
-              <a:off x="1132075" y="576954"/>
-              <a:ext cx="1828800" cy="0"/>
-            </a:xfrm>
-            <a:prstGeom prst="line">
-              <a:avLst/>
-            </a:prstGeom>
-            <a:noFill/>
-            <a:ln w="15875" cap="flat" cmpd="sng" algn="ctr">
-              <a:solidFill>
-                <a:srgbClr val="00B0F0"/>
-              </a:solidFill>
-              <a:prstDash val="solid"/>
-              <a:round/>
-              <a:headEnd type="none" w="med" len="med"/>
-              <a:tailEnd type="none"/>
-            </a:ln>
-            <a:effectLst/>
-          </p:spPr>
-        </p:cxnSp>
-        <p:cxnSp>
-          <p:nvCxnSpPr>
-            <p:cNvPr id="22" name="Straight Connector 21">
-              <a:extLst>
-                <a:ext uri="{FF2B5EF4-FFF2-40B4-BE49-F238E27FC236}">
-                  <a16:creationId xmlns:a16="http://schemas.microsoft.com/office/drawing/2014/main" id="{8F0C9860-CB2F-1D98-0F1C-F82148CC509C}"/>
-                </a:ext>
-              </a:extLst>
-            </p:cNvPr>
-            <p:cNvCxnSpPr/>
-            <p:nvPr/>
-          </p:nvCxnSpPr>
-          <p:spPr bwMode="auto">
-            <a:xfrm>
-              <a:off x="1147944" y="695054"/>
-              <a:ext cx="1828800" cy="0"/>
-            </a:xfrm>
-            <a:prstGeom prst="line">
-              <a:avLst/>
-            </a:prstGeom>
-            <a:noFill/>
-            <a:ln w="15875" cap="flat" cmpd="sng" algn="ctr">
-              <a:solidFill>
-                <a:srgbClr val="00B0F0"/>
-              </a:solidFill>
-              <a:prstDash val="solid"/>
-              <a:round/>
-              <a:headEnd type="none" w="med" len="med"/>
-              <a:tailEnd type="none"/>
-            </a:ln>
-            <a:effectLst/>
-          </p:spPr>
-        </p:cxnSp>
-        <p:cxnSp>
-          <p:nvCxnSpPr>
-            <p:cNvPr id="23" name="Straight Arrow Connector 22">
-              <a:extLst>
-                <a:ext uri="{FF2B5EF4-FFF2-40B4-BE49-F238E27FC236}">
-                  <a16:creationId xmlns:a16="http://schemas.microsoft.com/office/drawing/2014/main" id="{47AED061-4C82-19A3-E7EB-4CF6AA75100E}"/>
-                </a:ext>
-              </a:extLst>
-            </p:cNvPr>
-            <p:cNvCxnSpPr/>
-            <p:nvPr/>
-          </p:nvCxnSpPr>
-          <p:spPr bwMode="auto">
-            <a:xfrm flipH="1">
-              <a:off x="1118573" y="334531"/>
-              <a:ext cx="1836480" cy="113071"/>
-            </a:xfrm>
-            <a:prstGeom prst="straightConnector1">
-              <a:avLst/>
-            </a:prstGeom>
-            <a:noFill/>
-            <a:ln w="15875" cap="flat" cmpd="sng" algn="ctr">
-              <a:solidFill>
-                <a:srgbClr val="00B0F0"/>
-              </a:solidFill>
-              <a:prstDash val="sysDash"/>
-              <a:round/>
-              <a:headEnd type="none" w="med" len="med"/>
-              <a:tailEnd type="triangle"/>
-            </a:ln>
-            <a:effectLst/>
-          </p:spPr>
-        </p:cxnSp>
-        <p:cxnSp>
-          <p:nvCxnSpPr>
-            <p:cNvPr id="24" name="Straight Arrow Connector 23">
-              <a:extLst>
-                <a:ext uri="{FF2B5EF4-FFF2-40B4-BE49-F238E27FC236}">
-                  <a16:creationId xmlns:a16="http://schemas.microsoft.com/office/drawing/2014/main" id="{6DAFC6AB-E3F9-7FC8-11BF-55D00A2EF4AF}"/>
-                </a:ext>
-              </a:extLst>
-            </p:cNvPr>
-            <p:cNvCxnSpPr/>
-            <p:nvPr/>
-          </p:nvCxnSpPr>
-          <p:spPr bwMode="auto">
-            <a:xfrm flipH="1">
-              <a:off x="1137611" y="457568"/>
-              <a:ext cx="1837944" cy="109728"/>
-            </a:xfrm>
-            <a:prstGeom prst="straightConnector1">
-              <a:avLst/>
-            </a:prstGeom>
-            <a:noFill/>
-            <a:ln w="15875" cap="flat" cmpd="sng" algn="ctr">
-              <a:solidFill>
-                <a:srgbClr val="00B0F0"/>
-              </a:solidFill>
-              <a:prstDash val="sysDash"/>
-              <a:round/>
-              <a:headEnd type="none" w="med" len="med"/>
-              <a:tailEnd type="triangle"/>
-            </a:ln>
-            <a:effectLst/>
-          </p:spPr>
-        </p:cxnSp>
-        <p:cxnSp>
-          <p:nvCxnSpPr>
-            <p:cNvPr id="25" name="Straight Arrow Connector 24">
-              <a:extLst>
-                <a:ext uri="{FF2B5EF4-FFF2-40B4-BE49-F238E27FC236}">
-                  <a16:creationId xmlns:a16="http://schemas.microsoft.com/office/drawing/2014/main" id="{5622EA8B-5ED2-B700-BC25-AA745249F86D}"/>
-                </a:ext>
-              </a:extLst>
-            </p:cNvPr>
-            <p:cNvCxnSpPr/>
-            <p:nvPr/>
-          </p:nvCxnSpPr>
-          <p:spPr bwMode="auto">
-            <a:xfrm flipH="1">
-              <a:off x="1117395" y="577262"/>
-              <a:ext cx="1837944" cy="109728"/>
-            </a:xfrm>
-            <a:prstGeom prst="straightConnector1">
-              <a:avLst/>
-            </a:prstGeom>
-            <a:noFill/>
-            <a:ln w="15875" cap="flat" cmpd="sng" algn="ctr">
-              <a:solidFill>
-                <a:srgbClr val="00B0F0"/>
-              </a:solidFill>
-              <a:prstDash val="sysDash"/>
-              <a:round/>
-              <a:headEnd type="none" w="med" len="med"/>
-              <a:tailEnd type="triangle"/>
-            </a:ln>
-            <a:effectLst/>
-          </p:spPr>
-        </p:cxnSp>
-        <p:cxnSp>
-          <p:nvCxnSpPr>
-            <p:cNvPr id="26" name="Straight Connector 25">
-              <a:extLst>
-                <a:ext uri="{FF2B5EF4-FFF2-40B4-BE49-F238E27FC236}">
-                  <a16:creationId xmlns:a16="http://schemas.microsoft.com/office/drawing/2014/main" id="{F1E1E18A-B1F8-EEFD-4D06-C66CE831E07E}"/>
-                </a:ext>
-              </a:extLst>
-            </p:cNvPr>
-            <p:cNvCxnSpPr/>
-            <p:nvPr/>
-          </p:nvCxnSpPr>
-          <p:spPr bwMode="auto">
-            <a:xfrm>
-              <a:off x="2011394" y="1229172"/>
-              <a:ext cx="0" cy="330158"/>
-            </a:xfrm>
-            <a:prstGeom prst="line">
-              <a:avLst/>
-            </a:prstGeom>
-            <a:noFill/>
-            <a:ln w="15875" cap="flat" cmpd="sng" algn="ctr">
-              <a:solidFill>
-                <a:schemeClr val="tx1"/>
-              </a:solidFill>
-              <a:prstDash val="sysDot"/>
-              <a:round/>
-              <a:headEnd type="none" w="med" len="med"/>
-              <a:tailEnd type="none"/>
-            </a:ln>
-            <a:effectLst/>
-          </p:spPr>
-        </p:cxnSp>
-        <p:cxnSp>
-          <p:nvCxnSpPr>
-            <p:cNvPr id="27" name="Straight Connector 26">
-              <a:extLst>
-                <a:ext uri="{FF2B5EF4-FFF2-40B4-BE49-F238E27FC236}">
-                  <a16:creationId xmlns:a16="http://schemas.microsoft.com/office/drawing/2014/main" id="{4F6B9D42-978F-497A-DB52-2C2618586292}"/>
-                </a:ext>
-              </a:extLst>
-            </p:cNvPr>
-            <p:cNvCxnSpPr/>
-            <p:nvPr/>
-          </p:nvCxnSpPr>
-          <p:spPr bwMode="auto">
-            <a:xfrm>
-              <a:off x="1130331" y="801723"/>
-              <a:ext cx="1828800" cy="0"/>
-            </a:xfrm>
-            <a:prstGeom prst="line">
-              <a:avLst/>
-            </a:prstGeom>
-            <a:noFill/>
-            <a:ln w="15875" cap="flat" cmpd="sng" algn="ctr">
-              <a:solidFill>
-                <a:schemeClr val="accent2"/>
-              </a:solidFill>
-              <a:prstDash val="solid"/>
-              <a:round/>
-              <a:headEnd type="none" w="med" len="med"/>
-              <a:tailEnd type="none"/>
-            </a:ln>
-            <a:effectLst/>
-          </p:spPr>
-        </p:cxnSp>
-        <p:cxnSp>
-          <p:nvCxnSpPr>
-            <p:cNvPr id="28" name="Straight Connector 27">
-              <a:extLst>
-                <a:ext uri="{FF2B5EF4-FFF2-40B4-BE49-F238E27FC236}">
-                  <a16:creationId xmlns:a16="http://schemas.microsoft.com/office/drawing/2014/main" id="{B720BE23-0544-3F99-20E3-5E44DF8BB487}"/>
-                </a:ext>
-              </a:extLst>
-            </p:cNvPr>
-            <p:cNvCxnSpPr/>
-            <p:nvPr/>
-          </p:nvCxnSpPr>
-          <p:spPr bwMode="auto">
-            <a:xfrm>
-              <a:off x="1124510" y="929735"/>
-              <a:ext cx="1828800" cy="0"/>
-            </a:xfrm>
-            <a:prstGeom prst="line">
-              <a:avLst/>
-            </a:prstGeom>
-            <a:noFill/>
-            <a:ln w="15875" cap="flat" cmpd="sng" algn="ctr">
-              <a:solidFill>
-                <a:schemeClr val="accent2"/>
-              </a:solidFill>
-              <a:prstDash val="solid"/>
-              <a:round/>
-              <a:headEnd type="none" w="med" len="med"/>
-              <a:tailEnd type="none"/>
-            </a:ln>
-            <a:effectLst/>
-          </p:spPr>
-        </p:cxnSp>
-        <p:cxnSp>
-          <p:nvCxnSpPr>
-            <p:cNvPr id="29" name="Straight Connector 28">
-              <a:extLst>
-                <a:ext uri="{FF2B5EF4-FFF2-40B4-BE49-F238E27FC236}">
-                  <a16:creationId xmlns:a16="http://schemas.microsoft.com/office/drawing/2014/main" id="{422A7DFD-B563-E19B-FAD6-67501EF017AC}"/>
-                </a:ext>
-              </a:extLst>
-            </p:cNvPr>
-            <p:cNvCxnSpPr/>
-            <p:nvPr/>
-          </p:nvCxnSpPr>
-          <p:spPr bwMode="auto">
-            <a:xfrm>
-              <a:off x="1132075" y="1055370"/>
-              <a:ext cx="1828800" cy="0"/>
-            </a:xfrm>
-            <a:prstGeom prst="line">
-              <a:avLst/>
-            </a:prstGeom>
-            <a:noFill/>
-            <a:ln w="15875" cap="flat" cmpd="sng" algn="ctr">
-              <a:solidFill>
-                <a:schemeClr val="accent2"/>
-              </a:solidFill>
-              <a:prstDash val="solid"/>
-              <a:round/>
-              <a:headEnd type="none" w="med" len="med"/>
-              <a:tailEnd type="none"/>
-            </a:ln>
-            <a:effectLst/>
-          </p:spPr>
-        </p:cxnSp>
-        <p:cxnSp>
-          <p:nvCxnSpPr>
-            <p:cNvPr id="30" name="Straight Connector 29">
-              <a:extLst>
-                <a:ext uri="{FF2B5EF4-FFF2-40B4-BE49-F238E27FC236}">
-                  <a16:creationId xmlns:a16="http://schemas.microsoft.com/office/drawing/2014/main" id="{CEE28F3D-8F82-0CAE-270A-A8F04BA03FCC}"/>
-                </a:ext>
-              </a:extLst>
-            </p:cNvPr>
-            <p:cNvCxnSpPr/>
-            <p:nvPr/>
-          </p:nvCxnSpPr>
-          <p:spPr bwMode="auto">
-            <a:xfrm>
-              <a:off x="1140247" y="1186123"/>
-              <a:ext cx="1828800" cy="0"/>
-            </a:xfrm>
-            <a:prstGeom prst="line">
-              <a:avLst/>
-            </a:prstGeom>
-            <a:noFill/>
-            <a:ln w="15875" cap="flat" cmpd="sng" algn="ctr">
-              <a:solidFill>
-                <a:schemeClr val="accent2"/>
-              </a:solidFill>
-              <a:prstDash val="solid"/>
-              <a:round/>
-              <a:headEnd type="none" w="med" len="med"/>
-              <a:tailEnd type="none"/>
-            </a:ln>
-            <a:effectLst/>
-          </p:spPr>
-        </p:cxnSp>
-        <p:cxnSp>
-          <p:nvCxnSpPr>
-            <p:cNvPr id="31" name="Straight Arrow Connector 30">
-              <a:extLst>
-                <a:ext uri="{FF2B5EF4-FFF2-40B4-BE49-F238E27FC236}">
-                  <a16:creationId xmlns:a16="http://schemas.microsoft.com/office/drawing/2014/main" id="{E8CCE86B-5D43-BFEA-6E17-19323DAD2BFF}"/>
-                </a:ext>
-              </a:extLst>
-            </p:cNvPr>
-            <p:cNvCxnSpPr/>
-            <p:nvPr/>
-          </p:nvCxnSpPr>
-          <p:spPr bwMode="auto">
-            <a:xfrm flipH="1">
-              <a:off x="1116206" y="812208"/>
-              <a:ext cx="1837944" cy="109728"/>
-            </a:xfrm>
-            <a:prstGeom prst="straightConnector1">
-              <a:avLst/>
-            </a:prstGeom>
-            <a:noFill/>
-            <a:ln w="15875" cap="flat" cmpd="sng" algn="ctr">
-              <a:solidFill>
-                <a:schemeClr val="accent2"/>
-              </a:solidFill>
-              <a:prstDash val="sysDash"/>
-              <a:round/>
-              <a:headEnd type="none" w="med" len="med"/>
-              <a:tailEnd type="triangle"/>
-            </a:ln>
-            <a:effectLst/>
-          </p:spPr>
-        </p:cxnSp>
-        <p:cxnSp>
-          <p:nvCxnSpPr>
-            <p:cNvPr id="32" name="Straight Arrow Connector 31">
-              <a:extLst>
-                <a:ext uri="{FF2B5EF4-FFF2-40B4-BE49-F238E27FC236}">
-                  <a16:creationId xmlns:a16="http://schemas.microsoft.com/office/drawing/2014/main" id="{1C28C772-9294-525E-EC75-A69C97618B46}"/>
-                </a:ext>
-              </a:extLst>
-            </p:cNvPr>
-            <p:cNvCxnSpPr/>
-            <p:nvPr/>
-          </p:nvCxnSpPr>
-          <p:spPr bwMode="auto">
-            <a:xfrm flipH="1">
-              <a:off x="1108501" y="936780"/>
-              <a:ext cx="1837944" cy="109728"/>
-            </a:xfrm>
-            <a:prstGeom prst="straightConnector1">
-              <a:avLst/>
-            </a:prstGeom>
-            <a:noFill/>
-            <a:ln w="15875" cap="flat" cmpd="sng" algn="ctr">
-              <a:solidFill>
-                <a:schemeClr val="accent2"/>
-              </a:solidFill>
-              <a:prstDash val="sysDash"/>
-              <a:round/>
-              <a:headEnd type="none" w="med" len="med"/>
-              <a:tailEnd type="triangle"/>
-            </a:ln>
-            <a:effectLst/>
-          </p:spPr>
-        </p:cxnSp>
-        <p:cxnSp>
-          <p:nvCxnSpPr>
-            <p:cNvPr id="33" name="Straight Arrow Connector 32">
-              <a:extLst>
-                <a:ext uri="{FF2B5EF4-FFF2-40B4-BE49-F238E27FC236}">
-                  <a16:creationId xmlns:a16="http://schemas.microsoft.com/office/drawing/2014/main" id="{7C975951-3E55-CA3C-96BD-F3F51EABA4DD}"/>
-                </a:ext>
-              </a:extLst>
-            </p:cNvPr>
-            <p:cNvCxnSpPr/>
-            <p:nvPr/>
-          </p:nvCxnSpPr>
-          <p:spPr bwMode="auto">
-            <a:xfrm flipH="1">
-              <a:off x="1128123" y="1060166"/>
-              <a:ext cx="1837944" cy="109728"/>
-            </a:xfrm>
-            <a:prstGeom prst="straightConnector1">
-              <a:avLst/>
-            </a:prstGeom>
-            <a:noFill/>
-            <a:ln w="15875" cap="flat" cmpd="sng" algn="ctr">
-              <a:solidFill>
-                <a:schemeClr val="accent2"/>
-              </a:solidFill>
-              <a:prstDash val="sysDash"/>
-              <a:round/>
-              <a:headEnd type="none" w="med" len="med"/>
-              <a:tailEnd type="triangle"/>
-            </a:ln>
-            <a:effectLst/>
-          </p:spPr>
-        </p:cxnSp>
-        <p:cxnSp>
-          <p:nvCxnSpPr>
-            <p:cNvPr id="34" name="Straight Connector 33">
-              <a:extLst>
-                <a:ext uri="{FF2B5EF4-FFF2-40B4-BE49-F238E27FC236}">
-                  <a16:creationId xmlns:a16="http://schemas.microsoft.com/office/drawing/2014/main" id="{BC7D9990-84EF-BDF8-7048-374C742BE272}"/>
-                </a:ext>
-              </a:extLst>
-            </p:cNvPr>
-            <p:cNvCxnSpPr/>
-            <p:nvPr/>
-          </p:nvCxnSpPr>
-          <p:spPr bwMode="auto">
-            <a:xfrm>
-              <a:off x="1132075" y="1605824"/>
-              <a:ext cx="1828800" cy="0"/>
-            </a:xfrm>
-            <a:prstGeom prst="line">
-              <a:avLst/>
-            </a:prstGeom>
-            <a:noFill/>
-            <a:ln w="15875" cap="flat" cmpd="sng" algn="ctr">
-              <a:solidFill>
-                <a:srgbClr val="00B050"/>
-              </a:solidFill>
-              <a:prstDash val="solid"/>
-              <a:round/>
-              <a:headEnd type="none" w="med" len="med"/>
-              <a:tailEnd type="none"/>
-            </a:ln>
-            <a:effectLst/>
-          </p:spPr>
-        </p:cxnSp>
-        <p:cxnSp>
-          <p:nvCxnSpPr>
-            <p:cNvPr id="35" name="Straight Connector 34">
-              <a:extLst>
-                <a:ext uri="{FF2B5EF4-FFF2-40B4-BE49-F238E27FC236}">
-                  <a16:creationId xmlns:a16="http://schemas.microsoft.com/office/drawing/2014/main" id="{2EBCF874-EDA8-2E36-4F5E-BFE294C444C3}"/>
-                </a:ext>
-              </a:extLst>
-            </p:cNvPr>
-            <p:cNvCxnSpPr/>
-            <p:nvPr/>
-          </p:nvCxnSpPr>
-          <p:spPr bwMode="auto">
-            <a:xfrm>
-              <a:off x="1130331" y="1727967"/>
-              <a:ext cx="1828800" cy="0"/>
-            </a:xfrm>
-            <a:prstGeom prst="line">
-              <a:avLst/>
-            </a:prstGeom>
-            <a:noFill/>
-            <a:ln w="15875" cap="flat" cmpd="sng" algn="ctr">
-              <a:solidFill>
-                <a:srgbClr val="00B050"/>
-              </a:solidFill>
-              <a:prstDash val="solid"/>
-              <a:round/>
-              <a:headEnd type="none" w="med" len="med"/>
-              <a:tailEnd type="none"/>
-            </a:ln>
-            <a:effectLst/>
-          </p:spPr>
-        </p:cxnSp>
-        <p:cxnSp>
-          <p:nvCxnSpPr>
-            <p:cNvPr id="36" name="Straight Connector 35">
-              <a:extLst>
-                <a:ext uri="{FF2B5EF4-FFF2-40B4-BE49-F238E27FC236}">
-                  <a16:creationId xmlns:a16="http://schemas.microsoft.com/office/drawing/2014/main" id="{86E493F3-9AD2-7D63-FEE0-0B06C273E8DD}"/>
-                </a:ext>
-              </a:extLst>
-            </p:cNvPr>
-            <p:cNvCxnSpPr/>
-            <p:nvPr/>
-          </p:nvCxnSpPr>
-          <p:spPr bwMode="auto">
-            <a:xfrm>
-              <a:off x="1140247" y="1849964"/>
-              <a:ext cx="1828800" cy="0"/>
-            </a:xfrm>
-            <a:prstGeom prst="line">
-              <a:avLst/>
-            </a:prstGeom>
-            <a:noFill/>
-            <a:ln w="15875" cap="flat" cmpd="sng" algn="ctr">
-              <a:solidFill>
-                <a:srgbClr val="00B050"/>
-              </a:solidFill>
-              <a:prstDash val="solid"/>
-              <a:round/>
-              <a:headEnd type="none" w="med" len="med"/>
-              <a:tailEnd type="none"/>
-            </a:ln>
-            <a:effectLst/>
-          </p:spPr>
-        </p:cxnSp>
-        <p:cxnSp>
-          <p:nvCxnSpPr>
-            <p:cNvPr id="37" name="Straight Connector 36">
-              <a:extLst>
-                <a:ext uri="{FF2B5EF4-FFF2-40B4-BE49-F238E27FC236}">
-                  <a16:creationId xmlns:a16="http://schemas.microsoft.com/office/drawing/2014/main" id="{B7CBA5F8-5C85-97C7-B483-EF2B1FC0F60B}"/>
-                </a:ext>
-              </a:extLst>
-            </p:cNvPr>
-            <p:cNvCxnSpPr/>
-            <p:nvPr/>
-          </p:nvCxnSpPr>
-          <p:spPr bwMode="auto">
-            <a:xfrm>
-              <a:off x="1146068" y="1983335"/>
-              <a:ext cx="1828800" cy="0"/>
-            </a:xfrm>
-            <a:prstGeom prst="line">
-              <a:avLst/>
-            </a:prstGeom>
-            <a:noFill/>
-            <a:ln w="15875" cap="flat" cmpd="sng" algn="ctr">
-              <a:solidFill>
-                <a:srgbClr val="00B050"/>
-              </a:solidFill>
-              <a:prstDash val="solid"/>
-              <a:round/>
-              <a:headEnd type="none" w="med" len="med"/>
-              <a:tailEnd type="none"/>
-            </a:ln>
-            <a:effectLst/>
-          </p:spPr>
-        </p:cxnSp>
-        <p:cxnSp>
-          <p:nvCxnSpPr>
-            <p:cNvPr id="38" name="Straight Arrow Connector 37">
-              <a:extLst>
-                <a:ext uri="{FF2B5EF4-FFF2-40B4-BE49-F238E27FC236}">
-                  <a16:creationId xmlns:a16="http://schemas.microsoft.com/office/drawing/2014/main" id="{7E27C06C-D867-9927-1606-31C1CC4BBFE6}"/>
-                </a:ext>
-              </a:extLst>
-            </p:cNvPr>
-            <p:cNvCxnSpPr/>
-            <p:nvPr/>
-          </p:nvCxnSpPr>
-          <p:spPr bwMode="auto">
-            <a:xfrm flipH="1">
-              <a:off x="1123903" y="1603005"/>
-              <a:ext cx="1837944" cy="109728"/>
-            </a:xfrm>
-            <a:prstGeom prst="straightConnector1">
-              <a:avLst/>
-            </a:prstGeom>
-            <a:noFill/>
-            <a:ln w="15875" cap="flat" cmpd="sng" algn="ctr">
-              <a:solidFill>
-                <a:srgbClr val="00B050"/>
-              </a:solidFill>
-              <a:prstDash val="sysDash"/>
-              <a:round/>
-              <a:headEnd type="none" w="med" len="med"/>
-              <a:tailEnd type="triangle"/>
-            </a:ln>
-            <a:effectLst/>
-          </p:spPr>
-        </p:cxnSp>
-        <p:cxnSp>
-          <p:nvCxnSpPr>
-            <p:cNvPr id="39" name="Straight Arrow Connector 38">
-              <a:extLst>
-                <a:ext uri="{FF2B5EF4-FFF2-40B4-BE49-F238E27FC236}">
-                  <a16:creationId xmlns:a16="http://schemas.microsoft.com/office/drawing/2014/main" id="{98EC9111-2C16-D721-794E-83BDF4DDBD55}"/>
-                </a:ext>
-              </a:extLst>
-            </p:cNvPr>
-            <p:cNvCxnSpPr/>
-            <p:nvPr/>
-          </p:nvCxnSpPr>
-          <p:spPr bwMode="auto">
-            <a:xfrm flipH="1">
-              <a:off x="1134310" y="1726865"/>
-              <a:ext cx="1837944" cy="109728"/>
-            </a:xfrm>
-            <a:prstGeom prst="straightConnector1">
-              <a:avLst/>
-            </a:prstGeom>
-            <a:noFill/>
-            <a:ln w="15875" cap="flat" cmpd="sng" algn="ctr">
-              <a:solidFill>
-                <a:srgbClr val="00B050"/>
-              </a:solidFill>
-              <a:prstDash val="sysDash"/>
-              <a:round/>
-              <a:headEnd type="none" w="med" len="med"/>
-              <a:tailEnd type="triangle"/>
-            </a:ln>
-            <a:effectLst/>
-          </p:spPr>
-        </p:cxnSp>
-        <p:cxnSp>
-          <p:nvCxnSpPr>
-            <p:cNvPr id="40" name="Straight Arrow Connector 39">
-              <a:extLst>
-                <a:ext uri="{FF2B5EF4-FFF2-40B4-BE49-F238E27FC236}">
-                  <a16:creationId xmlns:a16="http://schemas.microsoft.com/office/drawing/2014/main" id="{5B3FE5B1-8BCF-28D2-C810-8A77CB0603B3}"/>
-                </a:ext>
-              </a:extLst>
-            </p:cNvPr>
-            <p:cNvCxnSpPr/>
-            <p:nvPr/>
-          </p:nvCxnSpPr>
-          <p:spPr bwMode="auto">
-            <a:xfrm flipH="1">
-              <a:off x="1134311" y="1850612"/>
-              <a:ext cx="1837944" cy="109728"/>
-            </a:xfrm>
-            <a:prstGeom prst="straightConnector1">
-              <a:avLst/>
-            </a:prstGeom>
-            <a:noFill/>
-            <a:ln w="15875" cap="flat" cmpd="sng" algn="ctr">
-              <a:solidFill>
-                <a:srgbClr val="00B050"/>
-              </a:solidFill>
-              <a:prstDash val="sysDash"/>
-              <a:round/>
-              <a:headEnd type="none" w="med" len="med"/>
-              <a:tailEnd type="triangle"/>
-            </a:ln>
-            <a:effectLst/>
-          </p:spPr>
-        </p:cxnSp>
-      </p:grpSp>
-      <p:cxnSp>
-        <p:nvCxnSpPr>
-          <p:cNvPr id="47" name="Straight Arrow Connector 46">
-            <a:extLst>
-              <a:ext uri="{FF2B5EF4-FFF2-40B4-BE49-F238E27FC236}">
-                <a16:creationId xmlns:a16="http://schemas.microsoft.com/office/drawing/2014/main" id="{1429797B-4559-A11C-7BE2-13C82A11AFDB}"/>
-              </a:ext>
-            </a:extLst>
-          </p:cNvPr>
-          <p:cNvCxnSpPr/>
-          <p:nvPr/>
-        </p:nvCxnSpPr>
-        <p:spPr>
-          <a:xfrm flipV="1">
-            <a:off x="2077513" y="616970"/>
-            <a:ext cx="0" cy="914400"/>
-          </a:xfrm>
-          <a:prstGeom prst="straightConnector1">
-            <a:avLst/>
-          </a:prstGeom>
-          <a:ln w="19050">
-            <a:solidFill>
-              <a:schemeClr val="tx1"/>
-            </a:solidFill>
-            <a:tailEnd type="none"/>
-          </a:ln>
-        </p:spPr>
-        <p:style>
-          <a:lnRef idx="1">
-            <a:schemeClr val="accent1"/>
-          </a:lnRef>
-          <a:fillRef idx="0">
-            <a:schemeClr val="accent1"/>
-          </a:fillRef>
-          <a:effectRef idx="0">
-            <a:schemeClr val="accent1"/>
-          </a:effectRef>
-          <a:fontRef idx="minor">
-            <a:schemeClr val="tx1"/>
-          </a:fontRef>
-        </p:style>
-      </p:cxnSp>
-      <p:sp>
-        <p:nvSpPr>
-          <p:cNvPr id="48" name="TextBox 47">
-            <a:extLst>
-              <a:ext uri="{FF2B5EF4-FFF2-40B4-BE49-F238E27FC236}">
-                <a16:creationId xmlns:a16="http://schemas.microsoft.com/office/drawing/2014/main" id="{627ACE47-8664-B18B-76BF-E7AC39891CD9}"/>
-              </a:ext>
-            </a:extLst>
-          </p:cNvPr>
-          <p:cNvSpPr txBox="1"/>
-          <p:nvPr/>
-        </p:nvSpPr>
+        </p:nvPicPr>
+        <p:blipFill>
+          <a:blip r:embed="rId2"/>
+          <a:stretch>
+            <a:fillRect/>
+          </a:stretch>
+        </p:blipFill>
         <p:spPr>
           <a:xfrm>
-            <a:off x="3202137" y="2460245"/>
-            <a:ext cx="639919" cy="246221"/>
+            <a:off x="1592015" y="1900457"/>
+            <a:ext cx="2992589" cy="2992599"/>
           </a:xfrm>
           <a:prstGeom prst="rect">
             <a:avLst/>
           </a:prstGeom>
-          <a:noFill/>
         </p:spPr>
-        <p:txBody>
-          <a:bodyPr wrap="none" rtlCol="0">
-            <a:spAutoFit/>
-          </a:bodyPr>
-          <a:lstStyle/>
-          <a:p>
-            <a:r>
-              <a:rPr lang="en-US" sz="1000" dirty="0">
-                <a:latin typeface="Arial" panose="020B0604020202020204" pitchFamily="34" charset="0"/>
-                <a:cs typeface="Arial" panose="020B0604020202020204" pitchFamily="34" charset="0"/>
-              </a:rPr>
-              <a:t>Time [s]</a:t>
-            </a:r>
-          </a:p>
-        </p:txBody>
-      </p:sp>
-      <p:sp>
-        <p:nvSpPr>
-          <p:cNvPr id="49" name="TextBox 48">
+      </p:pic>
+      <p:pic>
+        <p:nvPicPr>
+          <p:cNvPr id="3" name="Picture 2">
             <a:extLst>
               <a:ext uri="{FF2B5EF4-FFF2-40B4-BE49-F238E27FC236}">
-                <a16:creationId xmlns:a16="http://schemas.microsoft.com/office/drawing/2014/main" id="{963D21A5-ED26-0A30-B24B-8B01B7E9A659}"/>
+                <a16:creationId xmlns:a16="http://schemas.microsoft.com/office/drawing/2014/main" id="{E3A7CA3B-E042-6125-EA0C-68A56659F49A}"/>
               </a:ext>
             </a:extLst>
           </p:cNvPr>
-          <p:cNvSpPr txBox="1"/>
+          <p:cNvPicPr>
+            <a:picLocks noChangeAspect="1"/>
+          </p:cNvPicPr>
           <p:nvPr/>
-        </p:nvSpPr>
+        </p:nvPicPr>
+        <p:blipFill>
+          <a:blip r:embed="rId3"/>
+          <a:stretch>
+            <a:fillRect/>
+          </a:stretch>
+        </p:blipFill>
         <p:spPr>
           <a:xfrm>
-            <a:off x="2110710" y="93720"/>
-            <a:ext cx="551754" cy="215444"/>
+            <a:off x="4708690" y="1900457"/>
+            <a:ext cx="2992589" cy="2992599"/>
           </a:xfrm>
           <a:prstGeom prst="rect">
             <a:avLst/>
           </a:prstGeom>
-          <a:noFill/>
         </p:spPr>
-        <p:txBody>
-          <a:bodyPr wrap="none" rtlCol="0">
-            <a:spAutoFit/>
-          </a:bodyPr>
-          <a:lstStyle/>
-          <a:p>
-            <a:pPr algn="ctr"/>
-            <a:r>
-              <a:rPr lang="en-US" sz="800" dirty="0">
-                <a:solidFill>
-                  <a:srgbClr val="00B0F0"/>
-                </a:solidFill>
-                <a:latin typeface="Arial" panose="020B0604020202020204" pitchFamily="34" charset="0"/>
-                <a:cs typeface="Arial" panose="020B0604020202020204" pitchFamily="34" charset="0"/>
-              </a:rPr>
-              <a:t>Block 1 </a:t>
-            </a:r>
-          </a:p>
-        </p:txBody>
-      </p:sp>
-      <p:cxnSp>
-        <p:nvCxnSpPr>
-          <p:cNvPr id="50" name="Straight Arrow Connector 49">
-            <a:extLst>
-              <a:ext uri="{FF2B5EF4-FFF2-40B4-BE49-F238E27FC236}">
-                <a16:creationId xmlns:a16="http://schemas.microsoft.com/office/drawing/2014/main" id="{C7AA118E-C5C7-BBC0-498B-51BB21A4F2C4}"/>
-              </a:ext>
-            </a:extLst>
-          </p:cNvPr>
-          <p:cNvCxnSpPr>
-            <a:cxnSpLocks/>
-          </p:cNvCxnSpPr>
-          <p:nvPr/>
-        </p:nvCxnSpPr>
-        <p:spPr>
-          <a:xfrm>
-            <a:off x="2070081" y="1537361"/>
-            <a:ext cx="2830902" cy="1"/>
-          </a:xfrm>
-          <a:prstGeom prst="straightConnector1">
-            <a:avLst/>
-          </a:prstGeom>
-          <a:ln w="19050">
-            <a:solidFill>
-              <a:schemeClr val="tx1"/>
-            </a:solidFill>
-            <a:tailEnd type="triangle"/>
-          </a:ln>
-        </p:spPr>
-        <p:style>
-          <a:lnRef idx="1">
-            <a:schemeClr val="accent1"/>
-          </a:lnRef>
-          <a:fillRef idx="0">
-            <a:schemeClr val="accent1"/>
-          </a:fillRef>
-          <a:effectRef idx="0">
-            <a:schemeClr val="accent1"/>
-          </a:effectRef>
-          <a:fontRef idx="minor">
-            <a:schemeClr val="tx1"/>
-          </a:fontRef>
-        </p:style>
-      </p:cxnSp>
-      <p:cxnSp>
-        <p:nvCxnSpPr>
-          <p:cNvPr id="51" name="Straight Arrow Connector 50">
-            <a:extLst>
-              <a:ext uri="{FF2B5EF4-FFF2-40B4-BE49-F238E27FC236}">
-                <a16:creationId xmlns:a16="http://schemas.microsoft.com/office/drawing/2014/main" id="{3FE65107-498C-9C91-51CB-E2E206237297}"/>
-              </a:ext>
-            </a:extLst>
-          </p:cNvPr>
-          <p:cNvCxnSpPr/>
-          <p:nvPr/>
-        </p:nvCxnSpPr>
-        <p:spPr>
-          <a:xfrm flipV="1">
-            <a:off x="2077513" y="1830289"/>
-            <a:ext cx="0" cy="486406"/>
-          </a:xfrm>
-          <a:prstGeom prst="straightConnector1">
-            <a:avLst/>
-          </a:prstGeom>
-          <a:ln w="19050">
-            <a:solidFill>
-              <a:schemeClr val="tx1"/>
-            </a:solidFill>
-            <a:tailEnd type="triangle"/>
-          </a:ln>
-        </p:spPr>
-        <p:style>
-          <a:lnRef idx="1">
-            <a:schemeClr val="accent1"/>
-          </a:lnRef>
-          <a:fillRef idx="0">
-            <a:schemeClr val="accent1"/>
-          </a:fillRef>
-          <a:effectRef idx="0">
-            <a:schemeClr val="accent1"/>
-          </a:effectRef>
-          <a:fontRef idx="minor">
-            <a:schemeClr val="tx1"/>
-          </a:fontRef>
-        </p:style>
-      </p:cxnSp>
-      <p:sp>
-        <p:nvSpPr>
-          <p:cNvPr id="52" name="TextBox 51">
-            <a:extLst>
-              <a:ext uri="{FF2B5EF4-FFF2-40B4-BE49-F238E27FC236}">
-                <a16:creationId xmlns:a16="http://schemas.microsoft.com/office/drawing/2014/main" id="{664AF543-FFFD-37E9-424A-254D1CE4C522}"/>
-              </a:ext>
-            </a:extLst>
-          </p:cNvPr>
-          <p:cNvSpPr txBox="1"/>
-          <p:nvPr/>
-        </p:nvSpPr>
-        <p:spPr>
-          <a:xfrm rot="16200000">
-            <a:off x="1376506" y="781454"/>
-            <a:ext cx="1140056" cy="230832"/>
-          </a:xfrm>
-          <a:prstGeom prst="rect">
-            <a:avLst/>
-          </a:prstGeom>
-          <a:noFill/>
-        </p:spPr>
-        <p:txBody>
-          <a:bodyPr wrap="none" rtlCol="0">
-            <a:spAutoFit/>
-          </a:bodyPr>
-          <a:lstStyle/>
-          <a:p>
-            <a:r>
-              <a:rPr lang="en-US" sz="900" dirty="0">
-                <a:latin typeface="Arial" panose="020B0604020202020204" pitchFamily="34" charset="0"/>
-                <a:cs typeface="Arial" panose="020B0604020202020204" pitchFamily="34" charset="0"/>
-              </a:rPr>
-              <a:t>Slow scan location</a:t>
-            </a:r>
-          </a:p>
-        </p:txBody>
-      </p:sp>
-      <p:grpSp>
-        <p:nvGrpSpPr>
-          <p:cNvPr id="53" name="Group 52">
-            <a:extLst>
-              <a:ext uri="{FF2B5EF4-FFF2-40B4-BE49-F238E27FC236}">
-                <a16:creationId xmlns:a16="http://schemas.microsoft.com/office/drawing/2014/main" id="{F818773D-4A68-DF9C-B8A0-0378E8D86A0E}"/>
-              </a:ext>
-            </a:extLst>
-          </p:cNvPr>
-          <p:cNvGrpSpPr/>
-          <p:nvPr/>
-        </p:nvGrpSpPr>
-        <p:grpSpPr>
-          <a:xfrm>
-            <a:off x="2398438" y="1474283"/>
-            <a:ext cx="57365" cy="101335"/>
-            <a:chOff x="1602622" y="515214"/>
-            <a:chExt cx="77646" cy="137160"/>
-          </a:xfrm>
-        </p:grpSpPr>
-        <p:sp>
-          <p:nvSpPr>
-            <p:cNvPr id="54" name="Freeform 146">
-              <a:extLst>
-                <a:ext uri="{FF2B5EF4-FFF2-40B4-BE49-F238E27FC236}">
-                  <a16:creationId xmlns:a16="http://schemas.microsoft.com/office/drawing/2014/main" id="{A946328F-B613-A8B9-4E23-33592B17AF05}"/>
-                </a:ext>
-              </a:extLst>
-            </p:cNvPr>
-            <p:cNvSpPr/>
-            <p:nvPr/>
-          </p:nvSpPr>
-          <p:spPr>
-            <a:xfrm>
-              <a:off x="1602622" y="515214"/>
-              <a:ext cx="45720" cy="137160"/>
-            </a:xfrm>
-            <a:custGeom>
-              <a:avLst/>
-              <a:gdLst>
-                <a:gd name="connsiteX0" fmla="*/ 50901 w 83746"/>
-                <a:gd name="connsiteY0" fmla="*/ 0 h 418222"/>
-                <a:gd name="connsiteX1" fmla="*/ 81767 w 83746"/>
-                <a:gd name="connsiteY1" fmla="*/ 162046 h 418222"/>
-                <a:gd name="connsiteX2" fmla="*/ 744 w 83746"/>
-                <a:gd name="connsiteY2" fmla="*/ 289367 h 418222"/>
-                <a:gd name="connsiteX3" fmla="*/ 39327 w 83746"/>
-                <a:gd name="connsiteY3" fmla="*/ 408972 h 418222"/>
-                <a:gd name="connsiteX4" fmla="*/ 39327 w 83746"/>
-                <a:gd name="connsiteY4" fmla="*/ 401256 h 418222"/>
-              </a:gdLst>
-              <a:ahLst/>
-              <a:cxnLst>
-                <a:cxn ang="0">
-                  <a:pos x="connsiteX0" y="connsiteY0"/>
-                </a:cxn>
-                <a:cxn ang="0">
-                  <a:pos x="connsiteX1" y="connsiteY1"/>
-                </a:cxn>
-                <a:cxn ang="0">
-                  <a:pos x="connsiteX2" y="connsiteY2"/>
-                </a:cxn>
-                <a:cxn ang="0">
-                  <a:pos x="connsiteX3" y="connsiteY3"/>
-                </a:cxn>
-                <a:cxn ang="0">
-                  <a:pos x="connsiteX4" y="connsiteY4"/>
-                </a:cxn>
-              </a:cxnLst>
-              <a:rect l="l" t="t" r="r" b="b"/>
-              <a:pathLst>
-                <a:path w="83746" h="418222">
-                  <a:moveTo>
-                    <a:pt x="50901" y="0"/>
-                  </a:moveTo>
-                  <a:cubicBezTo>
-                    <a:pt x="70513" y="56909"/>
-                    <a:pt x="90126" y="113818"/>
-                    <a:pt x="81767" y="162046"/>
-                  </a:cubicBezTo>
-                  <a:cubicBezTo>
-                    <a:pt x="73408" y="210274"/>
-                    <a:pt x="7817" y="248213"/>
-                    <a:pt x="744" y="289367"/>
-                  </a:cubicBezTo>
-                  <a:cubicBezTo>
-                    <a:pt x="-6329" y="330521"/>
-                    <a:pt x="39327" y="408972"/>
-                    <a:pt x="39327" y="408972"/>
-                  </a:cubicBezTo>
-                  <a:cubicBezTo>
-                    <a:pt x="45757" y="427620"/>
-                    <a:pt x="42542" y="414438"/>
-                    <a:pt x="39327" y="401256"/>
-                  </a:cubicBezTo>
-                </a:path>
-              </a:pathLst>
-            </a:custGeom>
-            <a:noFill/>
-            <a:ln>
-              <a:solidFill>
-                <a:schemeClr val="tx1"/>
-              </a:solidFill>
-            </a:ln>
-          </p:spPr>
-          <p:style>
-            <a:lnRef idx="2">
-              <a:schemeClr val="accent1">
-                <a:shade val="50000"/>
-              </a:schemeClr>
-            </a:lnRef>
-            <a:fillRef idx="1">
-              <a:schemeClr val="accent1"/>
-            </a:fillRef>
-            <a:effectRef idx="0">
-              <a:schemeClr val="accent1"/>
-            </a:effectRef>
-            <a:fontRef idx="minor">
-              <a:schemeClr val="lt1"/>
-            </a:fontRef>
-          </p:style>
-          <p:txBody>
-            <a:bodyPr rot="0" spcFirstLastPara="0" vertOverflow="overflow" horzOverflow="overflow" vert="horz" wrap="square" lIns="91440" tIns="45720" rIns="91440" bIns="45720" numCol="1" spcCol="0" rtlCol="0" fromWordArt="0" anchor="ctr" anchorCtr="0" forceAA="0" compatLnSpc="1">
-              <a:prstTxWarp prst="textNoShape">
-                <a:avLst/>
-              </a:prstTxWarp>
-              <a:noAutofit/>
-            </a:bodyPr>
-            <a:lstStyle/>
-            <a:p>
-              <a:pPr algn="ctr"/>
-              <a:endParaRPr lang="en-US">
-                <a:latin typeface="Arial" panose="020B0604020202020204" pitchFamily="34" charset="0"/>
-                <a:cs typeface="Arial" panose="020B0604020202020204" pitchFamily="34" charset="0"/>
-              </a:endParaRPr>
-            </a:p>
-          </p:txBody>
-        </p:sp>
-        <p:sp>
-          <p:nvSpPr>
-            <p:cNvPr id="55" name="Freeform 147">
-              <a:extLst>
-                <a:ext uri="{FF2B5EF4-FFF2-40B4-BE49-F238E27FC236}">
-                  <a16:creationId xmlns:a16="http://schemas.microsoft.com/office/drawing/2014/main" id="{20A43E22-EF36-DAF4-C3D0-550105980EFA}"/>
-                </a:ext>
-              </a:extLst>
-            </p:cNvPr>
-            <p:cNvSpPr/>
-            <p:nvPr/>
-          </p:nvSpPr>
-          <p:spPr>
-            <a:xfrm>
-              <a:off x="1634548" y="515214"/>
-              <a:ext cx="45720" cy="137160"/>
-            </a:xfrm>
-            <a:custGeom>
-              <a:avLst/>
-              <a:gdLst>
-                <a:gd name="connsiteX0" fmla="*/ 50901 w 83746"/>
-                <a:gd name="connsiteY0" fmla="*/ 0 h 418222"/>
-                <a:gd name="connsiteX1" fmla="*/ 81767 w 83746"/>
-                <a:gd name="connsiteY1" fmla="*/ 162046 h 418222"/>
-                <a:gd name="connsiteX2" fmla="*/ 744 w 83746"/>
-                <a:gd name="connsiteY2" fmla="*/ 289367 h 418222"/>
-                <a:gd name="connsiteX3" fmla="*/ 39327 w 83746"/>
-                <a:gd name="connsiteY3" fmla="*/ 408972 h 418222"/>
-                <a:gd name="connsiteX4" fmla="*/ 39327 w 83746"/>
-                <a:gd name="connsiteY4" fmla="*/ 401256 h 418222"/>
-              </a:gdLst>
-              <a:ahLst/>
-              <a:cxnLst>
-                <a:cxn ang="0">
-                  <a:pos x="connsiteX0" y="connsiteY0"/>
-                </a:cxn>
-                <a:cxn ang="0">
-                  <a:pos x="connsiteX1" y="connsiteY1"/>
-                </a:cxn>
-                <a:cxn ang="0">
-                  <a:pos x="connsiteX2" y="connsiteY2"/>
-                </a:cxn>
-                <a:cxn ang="0">
-                  <a:pos x="connsiteX3" y="connsiteY3"/>
-                </a:cxn>
-                <a:cxn ang="0">
-                  <a:pos x="connsiteX4" y="connsiteY4"/>
-                </a:cxn>
-              </a:cxnLst>
-              <a:rect l="l" t="t" r="r" b="b"/>
-              <a:pathLst>
-                <a:path w="83746" h="418222">
-                  <a:moveTo>
-                    <a:pt x="50901" y="0"/>
-                  </a:moveTo>
-                  <a:cubicBezTo>
-                    <a:pt x="70513" y="56909"/>
-                    <a:pt x="90126" y="113818"/>
-                    <a:pt x="81767" y="162046"/>
-                  </a:cubicBezTo>
-                  <a:cubicBezTo>
-                    <a:pt x="73408" y="210274"/>
-                    <a:pt x="7817" y="248213"/>
-                    <a:pt x="744" y="289367"/>
-                  </a:cubicBezTo>
-                  <a:cubicBezTo>
-                    <a:pt x="-6329" y="330521"/>
-                    <a:pt x="39327" y="408972"/>
-                    <a:pt x="39327" y="408972"/>
-                  </a:cubicBezTo>
-                  <a:cubicBezTo>
-                    <a:pt x="45757" y="427620"/>
-                    <a:pt x="42542" y="414438"/>
-                    <a:pt x="39327" y="401256"/>
-                  </a:cubicBezTo>
-                </a:path>
-              </a:pathLst>
-            </a:custGeom>
-            <a:noFill/>
-            <a:ln>
-              <a:solidFill>
-                <a:schemeClr val="tx1"/>
-              </a:solidFill>
-            </a:ln>
-          </p:spPr>
-          <p:style>
-            <a:lnRef idx="2">
-              <a:schemeClr val="accent1">
-                <a:shade val="50000"/>
-              </a:schemeClr>
-            </a:lnRef>
-            <a:fillRef idx="1">
-              <a:schemeClr val="accent1"/>
-            </a:fillRef>
-            <a:effectRef idx="0">
-              <a:schemeClr val="accent1"/>
-            </a:effectRef>
-            <a:fontRef idx="minor">
-              <a:schemeClr val="lt1"/>
-            </a:fontRef>
-          </p:style>
-          <p:txBody>
-            <a:bodyPr rot="0" spcFirstLastPara="0" vertOverflow="overflow" horzOverflow="overflow" vert="horz" wrap="square" lIns="91440" tIns="45720" rIns="91440" bIns="45720" numCol="1" spcCol="0" rtlCol="0" fromWordArt="0" anchor="ctr" anchorCtr="0" forceAA="0" compatLnSpc="1">
-              <a:prstTxWarp prst="textNoShape">
-                <a:avLst/>
-              </a:prstTxWarp>
-              <a:noAutofit/>
-            </a:bodyPr>
-            <a:lstStyle/>
-            <a:p>
-              <a:pPr algn="ctr"/>
-              <a:endParaRPr lang="en-US">
-                <a:latin typeface="Arial" panose="020B0604020202020204" pitchFamily="34" charset="0"/>
-                <a:cs typeface="Arial" panose="020B0604020202020204" pitchFamily="34" charset="0"/>
-              </a:endParaRPr>
-            </a:p>
-          </p:txBody>
-        </p:sp>
-      </p:grpSp>
-      <p:sp>
-        <p:nvSpPr>
-          <p:cNvPr id="56" name="Right Brace 55">
-            <a:extLst>
-              <a:ext uri="{FF2B5EF4-FFF2-40B4-BE49-F238E27FC236}">
-                <a16:creationId xmlns:a16="http://schemas.microsoft.com/office/drawing/2014/main" id="{F62F59D1-F293-B565-6D7A-D75EBD562570}"/>
-              </a:ext>
-            </a:extLst>
-          </p:cNvPr>
-          <p:cNvSpPr/>
-          <p:nvPr/>
-        </p:nvSpPr>
-        <p:spPr>
-          <a:xfrm rot="16200000">
-            <a:off x="2365851" y="629487"/>
-            <a:ext cx="110643" cy="672593"/>
-          </a:xfrm>
-          <a:prstGeom prst="rightBrace">
-            <a:avLst/>
-          </a:prstGeom>
-          <a:ln w="9525">
-            <a:solidFill>
-              <a:schemeClr val="tx1"/>
-            </a:solidFill>
-          </a:ln>
-        </p:spPr>
-        <p:style>
-          <a:lnRef idx="1">
-            <a:schemeClr val="accent1"/>
-          </a:lnRef>
-          <a:fillRef idx="0">
-            <a:schemeClr val="accent1"/>
-          </a:fillRef>
-          <a:effectRef idx="0">
-            <a:schemeClr val="accent1"/>
-          </a:effectRef>
-          <a:fontRef idx="minor">
-            <a:schemeClr val="tx1"/>
-          </a:fontRef>
-        </p:style>
-        <p:txBody>
-          <a:bodyPr rot="0" spcFirstLastPara="0" vertOverflow="overflow" horzOverflow="overflow" vert="horz" wrap="square" lIns="91440" tIns="45720" rIns="91440" bIns="45720" numCol="1" spcCol="0" rtlCol="0" fromWordArt="0" anchor="ctr" anchorCtr="0" forceAA="0" compatLnSpc="1">
-            <a:prstTxWarp prst="textNoShape">
-              <a:avLst/>
-            </a:prstTxWarp>
-            <a:noAutofit/>
-          </a:bodyPr>
-          <a:lstStyle/>
-          <a:p>
-            <a:pPr algn="ctr"/>
-            <a:endParaRPr lang="en-US">
-              <a:latin typeface="Arial" panose="020B0604020202020204" pitchFamily="34" charset="0"/>
-              <a:cs typeface="Arial" panose="020B0604020202020204" pitchFamily="34" charset="0"/>
-            </a:endParaRPr>
-          </a:p>
-        </p:txBody>
-      </p:sp>
-      <p:sp>
-        <p:nvSpPr>
-          <p:cNvPr id="57" name="TextBox 56">
-            <a:extLst>
-              <a:ext uri="{FF2B5EF4-FFF2-40B4-BE49-F238E27FC236}">
-                <a16:creationId xmlns:a16="http://schemas.microsoft.com/office/drawing/2014/main" id="{62AC0DDF-470A-E47C-0804-5570C875873D}"/>
-              </a:ext>
-            </a:extLst>
-          </p:cNvPr>
-          <p:cNvSpPr txBox="1"/>
-          <p:nvPr/>
-        </p:nvSpPr>
-        <p:spPr>
-          <a:xfrm rot="16200000">
-            <a:off x="1389330" y="1893608"/>
-            <a:ext cx="1114408" cy="230832"/>
-          </a:xfrm>
-          <a:prstGeom prst="rect">
-            <a:avLst/>
-          </a:prstGeom>
-          <a:noFill/>
-        </p:spPr>
-        <p:txBody>
-          <a:bodyPr wrap="none" rtlCol="0">
-            <a:spAutoFit/>
-          </a:bodyPr>
-          <a:lstStyle/>
-          <a:p>
-            <a:r>
-              <a:rPr lang="en-US" sz="900" dirty="0">
-                <a:latin typeface="Arial" panose="020B0604020202020204" pitchFamily="34" charset="0"/>
-                <a:cs typeface="Arial" panose="020B0604020202020204" pitchFamily="34" charset="0"/>
-              </a:rPr>
-              <a:t>Fast scan location</a:t>
-            </a:r>
-          </a:p>
-        </p:txBody>
-      </p:sp>
-      <p:grpSp>
-        <p:nvGrpSpPr>
-          <p:cNvPr id="58" name="Group 57">
-            <a:extLst>
-              <a:ext uri="{FF2B5EF4-FFF2-40B4-BE49-F238E27FC236}">
-                <a16:creationId xmlns:a16="http://schemas.microsoft.com/office/drawing/2014/main" id="{431B2151-7FF0-4034-9923-61A1F8BC9B71}"/>
-              </a:ext>
-            </a:extLst>
-          </p:cNvPr>
-          <p:cNvGrpSpPr/>
-          <p:nvPr/>
-        </p:nvGrpSpPr>
-        <p:grpSpPr>
-          <a:xfrm>
-            <a:off x="2398438" y="2245254"/>
-            <a:ext cx="57365" cy="101335"/>
-            <a:chOff x="1602622" y="515214"/>
-            <a:chExt cx="77646" cy="137160"/>
-          </a:xfrm>
-        </p:grpSpPr>
-        <p:sp>
-          <p:nvSpPr>
-            <p:cNvPr id="59" name="Freeform 195">
-              <a:extLst>
-                <a:ext uri="{FF2B5EF4-FFF2-40B4-BE49-F238E27FC236}">
-                  <a16:creationId xmlns:a16="http://schemas.microsoft.com/office/drawing/2014/main" id="{AF20B88A-7CFE-4E8A-DD30-5213F42C662A}"/>
-                </a:ext>
-              </a:extLst>
-            </p:cNvPr>
-            <p:cNvSpPr/>
-            <p:nvPr/>
-          </p:nvSpPr>
-          <p:spPr>
-            <a:xfrm>
-              <a:off x="1602622" y="515214"/>
-              <a:ext cx="45720" cy="137160"/>
-            </a:xfrm>
-            <a:custGeom>
-              <a:avLst/>
-              <a:gdLst>
-                <a:gd name="connsiteX0" fmla="*/ 50901 w 83746"/>
-                <a:gd name="connsiteY0" fmla="*/ 0 h 418222"/>
-                <a:gd name="connsiteX1" fmla="*/ 81767 w 83746"/>
-                <a:gd name="connsiteY1" fmla="*/ 162046 h 418222"/>
-                <a:gd name="connsiteX2" fmla="*/ 744 w 83746"/>
-                <a:gd name="connsiteY2" fmla="*/ 289367 h 418222"/>
-                <a:gd name="connsiteX3" fmla="*/ 39327 w 83746"/>
-                <a:gd name="connsiteY3" fmla="*/ 408972 h 418222"/>
-                <a:gd name="connsiteX4" fmla="*/ 39327 w 83746"/>
-                <a:gd name="connsiteY4" fmla="*/ 401256 h 418222"/>
-              </a:gdLst>
-              <a:ahLst/>
-              <a:cxnLst>
-                <a:cxn ang="0">
-                  <a:pos x="connsiteX0" y="connsiteY0"/>
-                </a:cxn>
-                <a:cxn ang="0">
-                  <a:pos x="connsiteX1" y="connsiteY1"/>
-                </a:cxn>
-                <a:cxn ang="0">
-                  <a:pos x="connsiteX2" y="connsiteY2"/>
-                </a:cxn>
-                <a:cxn ang="0">
-                  <a:pos x="connsiteX3" y="connsiteY3"/>
-                </a:cxn>
-                <a:cxn ang="0">
-                  <a:pos x="connsiteX4" y="connsiteY4"/>
-                </a:cxn>
-              </a:cxnLst>
-              <a:rect l="l" t="t" r="r" b="b"/>
-              <a:pathLst>
-                <a:path w="83746" h="418222">
-                  <a:moveTo>
-                    <a:pt x="50901" y="0"/>
-                  </a:moveTo>
-                  <a:cubicBezTo>
-                    <a:pt x="70513" y="56909"/>
-                    <a:pt x="90126" y="113818"/>
-                    <a:pt x="81767" y="162046"/>
-                  </a:cubicBezTo>
-                  <a:cubicBezTo>
-                    <a:pt x="73408" y="210274"/>
-                    <a:pt x="7817" y="248213"/>
-                    <a:pt x="744" y="289367"/>
-                  </a:cubicBezTo>
-                  <a:cubicBezTo>
-                    <a:pt x="-6329" y="330521"/>
-                    <a:pt x="39327" y="408972"/>
-                    <a:pt x="39327" y="408972"/>
-                  </a:cubicBezTo>
-                  <a:cubicBezTo>
-                    <a:pt x="45757" y="427620"/>
-                    <a:pt x="42542" y="414438"/>
-                    <a:pt x="39327" y="401256"/>
-                  </a:cubicBezTo>
-                </a:path>
-              </a:pathLst>
-            </a:custGeom>
-            <a:noFill/>
-            <a:ln>
-              <a:solidFill>
-                <a:schemeClr val="tx1"/>
-              </a:solidFill>
-            </a:ln>
-          </p:spPr>
-          <p:style>
-            <a:lnRef idx="2">
-              <a:schemeClr val="accent1">
-                <a:shade val="50000"/>
-              </a:schemeClr>
-            </a:lnRef>
-            <a:fillRef idx="1">
-              <a:schemeClr val="accent1"/>
-            </a:fillRef>
-            <a:effectRef idx="0">
-              <a:schemeClr val="accent1"/>
-            </a:effectRef>
-            <a:fontRef idx="minor">
-              <a:schemeClr val="lt1"/>
-            </a:fontRef>
-          </p:style>
-          <p:txBody>
-            <a:bodyPr rot="0" spcFirstLastPara="0" vertOverflow="overflow" horzOverflow="overflow" vert="horz" wrap="square" lIns="91440" tIns="45720" rIns="91440" bIns="45720" numCol="1" spcCol="0" rtlCol="0" fromWordArt="0" anchor="ctr" anchorCtr="0" forceAA="0" compatLnSpc="1">
-              <a:prstTxWarp prst="textNoShape">
-                <a:avLst/>
-              </a:prstTxWarp>
-              <a:noAutofit/>
-            </a:bodyPr>
-            <a:lstStyle/>
-            <a:p>
-              <a:pPr algn="ctr"/>
-              <a:endParaRPr lang="en-US"/>
-            </a:p>
-          </p:txBody>
-        </p:sp>
-        <p:sp>
-          <p:nvSpPr>
-            <p:cNvPr id="60" name="Freeform 196">
-              <a:extLst>
-                <a:ext uri="{FF2B5EF4-FFF2-40B4-BE49-F238E27FC236}">
-                  <a16:creationId xmlns:a16="http://schemas.microsoft.com/office/drawing/2014/main" id="{1DA989BC-A6EE-A79A-C52D-8F8A501E3F7F}"/>
-                </a:ext>
-              </a:extLst>
-            </p:cNvPr>
-            <p:cNvSpPr/>
-            <p:nvPr/>
-          </p:nvSpPr>
-          <p:spPr>
-            <a:xfrm>
-              <a:off x="1634548" y="515214"/>
-              <a:ext cx="45720" cy="137160"/>
-            </a:xfrm>
-            <a:custGeom>
-              <a:avLst/>
-              <a:gdLst>
-                <a:gd name="connsiteX0" fmla="*/ 50901 w 83746"/>
-                <a:gd name="connsiteY0" fmla="*/ 0 h 418222"/>
-                <a:gd name="connsiteX1" fmla="*/ 81767 w 83746"/>
-                <a:gd name="connsiteY1" fmla="*/ 162046 h 418222"/>
-                <a:gd name="connsiteX2" fmla="*/ 744 w 83746"/>
-                <a:gd name="connsiteY2" fmla="*/ 289367 h 418222"/>
-                <a:gd name="connsiteX3" fmla="*/ 39327 w 83746"/>
-                <a:gd name="connsiteY3" fmla="*/ 408972 h 418222"/>
-                <a:gd name="connsiteX4" fmla="*/ 39327 w 83746"/>
-                <a:gd name="connsiteY4" fmla="*/ 401256 h 418222"/>
-              </a:gdLst>
-              <a:ahLst/>
-              <a:cxnLst>
-                <a:cxn ang="0">
-                  <a:pos x="connsiteX0" y="connsiteY0"/>
-                </a:cxn>
-                <a:cxn ang="0">
-                  <a:pos x="connsiteX1" y="connsiteY1"/>
-                </a:cxn>
-                <a:cxn ang="0">
-                  <a:pos x="connsiteX2" y="connsiteY2"/>
-                </a:cxn>
-                <a:cxn ang="0">
-                  <a:pos x="connsiteX3" y="connsiteY3"/>
-                </a:cxn>
-                <a:cxn ang="0">
-                  <a:pos x="connsiteX4" y="connsiteY4"/>
-                </a:cxn>
-              </a:cxnLst>
-              <a:rect l="l" t="t" r="r" b="b"/>
-              <a:pathLst>
-                <a:path w="83746" h="418222">
-                  <a:moveTo>
-                    <a:pt x="50901" y="0"/>
-                  </a:moveTo>
-                  <a:cubicBezTo>
-                    <a:pt x="70513" y="56909"/>
-                    <a:pt x="90126" y="113818"/>
-                    <a:pt x="81767" y="162046"/>
-                  </a:cubicBezTo>
-                  <a:cubicBezTo>
-                    <a:pt x="73408" y="210274"/>
-                    <a:pt x="7817" y="248213"/>
-                    <a:pt x="744" y="289367"/>
-                  </a:cubicBezTo>
-                  <a:cubicBezTo>
-                    <a:pt x="-6329" y="330521"/>
-                    <a:pt x="39327" y="408972"/>
-                    <a:pt x="39327" y="408972"/>
-                  </a:cubicBezTo>
-                  <a:cubicBezTo>
-                    <a:pt x="45757" y="427620"/>
-                    <a:pt x="42542" y="414438"/>
-                    <a:pt x="39327" y="401256"/>
-                  </a:cubicBezTo>
-                </a:path>
-              </a:pathLst>
-            </a:custGeom>
-            <a:noFill/>
-            <a:ln>
-              <a:solidFill>
-                <a:schemeClr val="tx1"/>
-              </a:solidFill>
-            </a:ln>
-          </p:spPr>
-          <p:style>
-            <a:lnRef idx="2">
-              <a:schemeClr val="accent1">
-                <a:shade val="50000"/>
-              </a:schemeClr>
-            </a:lnRef>
-            <a:fillRef idx="1">
-              <a:schemeClr val="accent1"/>
-            </a:fillRef>
-            <a:effectRef idx="0">
-              <a:schemeClr val="accent1"/>
-            </a:effectRef>
-            <a:fontRef idx="minor">
-              <a:schemeClr val="lt1"/>
-            </a:fontRef>
-          </p:style>
-          <p:txBody>
-            <a:bodyPr rot="0" spcFirstLastPara="0" vertOverflow="overflow" horzOverflow="overflow" vert="horz" wrap="square" lIns="91440" tIns="45720" rIns="91440" bIns="45720" numCol="1" spcCol="0" rtlCol="0" fromWordArt="0" anchor="ctr" anchorCtr="0" forceAA="0" compatLnSpc="1">
-              <a:prstTxWarp prst="textNoShape">
-                <a:avLst/>
-              </a:prstTxWarp>
-              <a:noAutofit/>
-            </a:bodyPr>
-            <a:lstStyle/>
-            <a:p>
-              <a:pPr algn="ctr"/>
-              <a:endParaRPr lang="en-US"/>
-            </a:p>
-          </p:txBody>
-        </p:sp>
-      </p:grpSp>
-      <p:grpSp>
-        <p:nvGrpSpPr>
-          <p:cNvPr id="61" name="Group 60">
-            <a:extLst>
-              <a:ext uri="{FF2B5EF4-FFF2-40B4-BE49-F238E27FC236}">
-                <a16:creationId xmlns:a16="http://schemas.microsoft.com/office/drawing/2014/main" id="{64923044-6FCE-124C-1953-F236D5057C3C}"/>
-              </a:ext>
-            </a:extLst>
-          </p:cNvPr>
-          <p:cNvGrpSpPr/>
-          <p:nvPr/>
-        </p:nvGrpSpPr>
-        <p:grpSpPr>
-          <a:xfrm>
-            <a:off x="2083034" y="2117380"/>
-            <a:ext cx="254701" cy="197729"/>
-            <a:chOff x="1264082" y="826651"/>
-            <a:chExt cx="344745" cy="267633"/>
-          </a:xfrm>
-        </p:grpSpPr>
-        <p:cxnSp>
-          <p:nvCxnSpPr>
-            <p:cNvPr id="62" name="Straight Connector 61">
-              <a:extLst>
-                <a:ext uri="{FF2B5EF4-FFF2-40B4-BE49-F238E27FC236}">
-                  <a16:creationId xmlns:a16="http://schemas.microsoft.com/office/drawing/2014/main" id="{0662A422-5898-FFA2-A444-C41E1FD0FE2C}"/>
-                </a:ext>
-              </a:extLst>
-            </p:cNvPr>
-            <p:cNvCxnSpPr/>
-            <p:nvPr/>
-          </p:nvCxnSpPr>
-          <p:spPr>
-            <a:xfrm>
-              <a:off x="1348450" y="840287"/>
-              <a:ext cx="0" cy="249746"/>
-            </a:xfrm>
-            <a:prstGeom prst="line">
-              <a:avLst/>
-            </a:prstGeom>
-            <a:ln cap="flat">
-              <a:solidFill>
-                <a:srgbClr val="FF0000"/>
-              </a:solidFill>
-            </a:ln>
-          </p:spPr>
-          <p:style>
-            <a:lnRef idx="1">
-              <a:schemeClr val="accent1"/>
-            </a:lnRef>
-            <a:fillRef idx="0">
-              <a:schemeClr val="accent1"/>
-            </a:fillRef>
-            <a:effectRef idx="0">
-              <a:schemeClr val="accent1"/>
-            </a:effectRef>
-            <a:fontRef idx="minor">
-              <a:schemeClr val="tx1"/>
-            </a:fontRef>
-          </p:style>
-        </p:cxnSp>
-        <p:cxnSp>
-          <p:nvCxnSpPr>
-            <p:cNvPr id="63" name="Straight Connector 62">
-              <a:extLst>
-                <a:ext uri="{FF2B5EF4-FFF2-40B4-BE49-F238E27FC236}">
-                  <a16:creationId xmlns:a16="http://schemas.microsoft.com/office/drawing/2014/main" id="{25226581-61E1-2065-0BDA-548C2B727EBB}"/>
-                </a:ext>
-              </a:extLst>
-            </p:cNvPr>
-            <p:cNvCxnSpPr/>
-            <p:nvPr/>
-          </p:nvCxnSpPr>
-          <p:spPr>
-            <a:xfrm>
-              <a:off x="1439858" y="830152"/>
-              <a:ext cx="0" cy="249743"/>
-            </a:xfrm>
-            <a:prstGeom prst="line">
-              <a:avLst/>
-            </a:prstGeom>
-            <a:ln cap="flat">
-              <a:solidFill>
-                <a:srgbClr val="FF0000"/>
-              </a:solidFill>
-            </a:ln>
-          </p:spPr>
-          <p:style>
-            <a:lnRef idx="1">
-              <a:schemeClr val="accent1"/>
-            </a:lnRef>
-            <a:fillRef idx="0">
-              <a:schemeClr val="accent1"/>
-            </a:fillRef>
-            <a:effectRef idx="0">
-              <a:schemeClr val="accent1"/>
-            </a:effectRef>
-            <a:fontRef idx="minor">
-              <a:schemeClr val="tx1"/>
-            </a:fontRef>
-          </p:style>
-        </p:cxnSp>
-        <p:cxnSp>
-          <p:nvCxnSpPr>
-            <p:cNvPr id="64" name="Straight Connector 63">
-              <a:extLst>
-                <a:ext uri="{FF2B5EF4-FFF2-40B4-BE49-F238E27FC236}">
-                  <a16:creationId xmlns:a16="http://schemas.microsoft.com/office/drawing/2014/main" id="{29E63788-0451-5E76-7A71-F8DC707F4F1A}"/>
-                </a:ext>
-              </a:extLst>
-            </p:cNvPr>
-            <p:cNvCxnSpPr/>
-            <p:nvPr/>
-          </p:nvCxnSpPr>
-          <p:spPr>
-            <a:xfrm>
-              <a:off x="1607705" y="832387"/>
-              <a:ext cx="0" cy="249743"/>
-            </a:xfrm>
-            <a:prstGeom prst="line">
-              <a:avLst/>
-            </a:prstGeom>
-            <a:ln cap="flat">
-              <a:solidFill>
-                <a:srgbClr val="FF0000"/>
-              </a:solidFill>
-            </a:ln>
-          </p:spPr>
-          <p:style>
-            <a:lnRef idx="1">
-              <a:schemeClr val="accent1"/>
-            </a:lnRef>
-            <a:fillRef idx="0">
-              <a:schemeClr val="accent1"/>
-            </a:fillRef>
-            <a:effectRef idx="0">
-              <a:schemeClr val="accent1"/>
-            </a:effectRef>
-            <a:fontRef idx="minor">
-              <a:schemeClr val="tx1"/>
-            </a:fontRef>
-          </p:style>
-        </p:cxnSp>
-        <p:cxnSp>
-          <p:nvCxnSpPr>
-            <p:cNvPr id="65" name="Straight Connector 64">
-              <a:extLst>
-                <a:ext uri="{FF2B5EF4-FFF2-40B4-BE49-F238E27FC236}">
-                  <a16:creationId xmlns:a16="http://schemas.microsoft.com/office/drawing/2014/main" id="{78CA358B-34F9-7612-8DE7-8C5D4EB6A3A5}"/>
-                </a:ext>
-              </a:extLst>
-            </p:cNvPr>
-            <p:cNvCxnSpPr/>
-            <p:nvPr/>
-          </p:nvCxnSpPr>
-          <p:spPr>
-            <a:xfrm flipH="1">
-              <a:off x="1264082" y="836786"/>
-              <a:ext cx="83329" cy="257498"/>
-            </a:xfrm>
-            <a:prstGeom prst="line">
-              <a:avLst/>
-            </a:prstGeom>
-            <a:ln cap="flat">
-              <a:solidFill>
-                <a:srgbClr val="FF0000"/>
-              </a:solidFill>
-            </a:ln>
-          </p:spPr>
-          <p:style>
-            <a:lnRef idx="1">
-              <a:schemeClr val="accent1"/>
-            </a:lnRef>
-            <a:fillRef idx="0">
-              <a:schemeClr val="accent1"/>
-            </a:fillRef>
-            <a:effectRef idx="0">
-              <a:schemeClr val="accent1"/>
-            </a:effectRef>
-            <a:fontRef idx="minor">
-              <a:schemeClr val="tx1"/>
-            </a:fontRef>
-          </p:style>
-        </p:cxnSp>
-        <p:cxnSp>
-          <p:nvCxnSpPr>
-            <p:cNvPr id="66" name="Straight Connector 65">
-              <a:extLst>
-                <a:ext uri="{FF2B5EF4-FFF2-40B4-BE49-F238E27FC236}">
-                  <a16:creationId xmlns:a16="http://schemas.microsoft.com/office/drawing/2014/main" id="{31E3E4B5-B33D-0228-DDEA-5B20E44F9DE0}"/>
-                </a:ext>
-              </a:extLst>
-            </p:cNvPr>
-            <p:cNvCxnSpPr/>
-            <p:nvPr/>
-          </p:nvCxnSpPr>
-          <p:spPr>
-            <a:xfrm flipH="1">
-              <a:off x="1352518" y="826651"/>
-              <a:ext cx="83329" cy="257498"/>
-            </a:xfrm>
-            <a:prstGeom prst="line">
-              <a:avLst/>
-            </a:prstGeom>
-            <a:ln cap="flat">
-              <a:solidFill>
-                <a:srgbClr val="FF0000"/>
-              </a:solidFill>
-            </a:ln>
-          </p:spPr>
-          <p:style>
-            <a:lnRef idx="1">
-              <a:schemeClr val="accent1"/>
-            </a:lnRef>
-            <a:fillRef idx="0">
-              <a:schemeClr val="accent1"/>
-            </a:fillRef>
-            <a:effectRef idx="0">
-              <a:schemeClr val="accent1"/>
-            </a:effectRef>
-            <a:fontRef idx="minor">
-              <a:schemeClr val="tx1"/>
-            </a:fontRef>
-          </p:style>
-        </p:cxnSp>
-        <p:cxnSp>
-          <p:nvCxnSpPr>
-            <p:cNvPr id="67" name="Straight Connector 66">
-              <a:extLst>
-                <a:ext uri="{FF2B5EF4-FFF2-40B4-BE49-F238E27FC236}">
-                  <a16:creationId xmlns:a16="http://schemas.microsoft.com/office/drawing/2014/main" id="{5188A337-6D0E-6248-4645-45DF53BFAF12}"/>
-                </a:ext>
-              </a:extLst>
-            </p:cNvPr>
-            <p:cNvCxnSpPr/>
-            <p:nvPr/>
-          </p:nvCxnSpPr>
-          <p:spPr>
-            <a:xfrm flipH="1">
-              <a:off x="1525498" y="826651"/>
-              <a:ext cx="83329" cy="257498"/>
-            </a:xfrm>
-            <a:prstGeom prst="line">
-              <a:avLst/>
-            </a:prstGeom>
-            <a:ln cap="flat">
-              <a:solidFill>
-                <a:srgbClr val="FF0000"/>
-              </a:solidFill>
-            </a:ln>
-          </p:spPr>
-          <p:style>
-            <a:lnRef idx="1">
-              <a:schemeClr val="accent1"/>
-            </a:lnRef>
-            <a:fillRef idx="0">
-              <a:schemeClr val="accent1"/>
-            </a:fillRef>
-            <a:effectRef idx="0">
-              <a:schemeClr val="accent1"/>
-            </a:effectRef>
-            <a:fontRef idx="minor">
-              <a:schemeClr val="tx1"/>
-            </a:fontRef>
-          </p:style>
-        </p:cxnSp>
-      </p:grpSp>
-      <p:grpSp>
-        <p:nvGrpSpPr>
-          <p:cNvPr id="68" name="Group 67">
-            <a:extLst>
-              <a:ext uri="{FF2B5EF4-FFF2-40B4-BE49-F238E27FC236}">
-                <a16:creationId xmlns:a16="http://schemas.microsoft.com/office/drawing/2014/main" id="{85210454-E24F-3E4D-FAF9-39049FC7B7C2}"/>
-              </a:ext>
-            </a:extLst>
-          </p:cNvPr>
-          <p:cNvGrpSpPr/>
-          <p:nvPr/>
-        </p:nvGrpSpPr>
-        <p:grpSpPr>
-          <a:xfrm>
-            <a:off x="2503597" y="2117380"/>
-            <a:ext cx="254701" cy="197729"/>
-            <a:chOff x="1264082" y="826651"/>
-            <a:chExt cx="344745" cy="267633"/>
-          </a:xfrm>
-        </p:grpSpPr>
-        <p:cxnSp>
-          <p:nvCxnSpPr>
-            <p:cNvPr id="69" name="Straight Connector 68">
-              <a:extLst>
-                <a:ext uri="{FF2B5EF4-FFF2-40B4-BE49-F238E27FC236}">
-                  <a16:creationId xmlns:a16="http://schemas.microsoft.com/office/drawing/2014/main" id="{5B249CE0-988D-263C-EDB8-2DF4AC327962}"/>
-                </a:ext>
-              </a:extLst>
-            </p:cNvPr>
-            <p:cNvCxnSpPr/>
-            <p:nvPr/>
-          </p:nvCxnSpPr>
-          <p:spPr>
-            <a:xfrm>
-              <a:off x="1348450" y="840287"/>
-              <a:ext cx="0" cy="249746"/>
-            </a:xfrm>
-            <a:prstGeom prst="line">
-              <a:avLst/>
-            </a:prstGeom>
-            <a:ln cap="flat">
-              <a:solidFill>
-                <a:srgbClr val="FF0000"/>
-              </a:solidFill>
-            </a:ln>
-          </p:spPr>
-          <p:style>
-            <a:lnRef idx="1">
-              <a:schemeClr val="accent1"/>
-            </a:lnRef>
-            <a:fillRef idx="0">
-              <a:schemeClr val="accent1"/>
-            </a:fillRef>
-            <a:effectRef idx="0">
-              <a:schemeClr val="accent1"/>
-            </a:effectRef>
-            <a:fontRef idx="minor">
-              <a:schemeClr val="tx1"/>
-            </a:fontRef>
-          </p:style>
-        </p:cxnSp>
-        <p:cxnSp>
-          <p:nvCxnSpPr>
-            <p:cNvPr id="70" name="Straight Connector 69">
-              <a:extLst>
-                <a:ext uri="{FF2B5EF4-FFF2-40B4-BE49-F238E27FC236}">
-                  <a16:creationId xmlns:a16="http://schemas.microsoft.com/office/drawing/2014/main" id="{CE88AA43-493D-A4E9-8E35-1DE78D4920B7}"/>
-                </a:ext>
-              </a:extLst>
-            </p:cNvPr>
-            <p:cNvCxnSpPr/>
-            <p:nvPr/>
-          </p:nvCxnSpPr>
-          <p:spPr>
-            <a:xfrm>
-              <a:off x="1439858" y="830152"/>
-              <a:ext cx="0" cy="249743"/>
-            </a:xfrm>
-            <a:prstGeom prst="line">
-              <a:avLst/>
-            </a:prstGeom>
-            <a:ln cap="flat">
-              <a:solidFill>
-                <a:srgbClr val="FF0000"/>
-              </a:solidFill>
-            </a:ln>
-          </p:spPr>
-          <p:style>
-            <a:lnRef idx="1">
-              <a:schemeClr val="accent1"/>
-            </a:lnRef>
-            <a:fillRef idx="0">
-              <a:schemeClr val="accent1"/>
-            </a:fillRef>
-            <a:effectRef idx="0">
-              <a:schemeClr val="accent1"/>
-            </a:effectRef>
-            <a:fontRef idx="minor">
-              <a:schemeClr val="tx1"/>
-            </a:fontRef>
-          </p:style>
-        </p:cxnSp>
-        <p:cxnSp>
-          <p:nvCxnSpPr>
-            <p:cNvPr id="71" name="Straight Connector 70">
-              <a:extLst>
-                <a:ext uri="{FF2B5EF4-FFF2-40B4-BE49-F238E27FC236}">
-                  <a16:creationId xmlns:a16="http://schemas.microsoft.com/office/drawing/2014/main" id="{3D021FA5-E7C6-43A5-1AA8-9DB938A58901}"/>
-                </a:ext>
-              </a:extLst>
-            </p:cNvPr>
-            <p:cNvCxnSpPr/>
-            <p:nvPr/>
-          </p:nvCxnSpPr>
-          <p:spPr>
-            <a:xfrm>
-              <a:off x="1607705" y="832387"/>
-              <a:ext cx="0" cy="249743"/>
-            </a:xfrm>
-            <a:prstGeom prst="line">
-              <a:avLst/>
-            </a:prstGeom>
-            <a:ln cap="flat">
-              <a:solidFill>
-                <a:srgbClr val="FF0000"/>
-              </a:solidFill>
-            </a:ln>
-          </p:spPr>
-          <p:style>
-            <a:lnRef idx="1">
-              <a:schemeClr val="accent1"/>
-            </a:lnRef>
-            <a:fillRef idx="0">
-              <a:schemeClr val="accent1"/>
-            </a:fillRef>
-            <a:effectRef idx="0">
-              <a:schemeClr val="accent1"/>
-            </a:effectRef>
-            <a:fontRef idx="minor">
-              <a:schemeClr val="tx1"/>
-            </a:fontRef>
-          </p:style>
-        </p:cxnSp>
-        <p:cxnSp>
-          <p:nvCxnSpPr>
-            <p:cNvPr id="72" name="Straight Connector 71">
-              <a:extLst>
-                <a:ext uri="{FF2B5EF4-FFF2-40B4-BE49-F238E27FC236}">
-                  <a16:creationId xmlns:a16="http://schemas.microsoft.com/office/drawing/2014/main" id="{39AF4647-A6C5-6413-65A4-FCE687F34458}"/>
-                </a:ext>
-              </a:extLst>
-            </p:cNvPr>
-            <p:cNvCxnSpPr/>
-            <p:nvPr/>
-          </p:nvCxnSpPr>
-          <p:spPr>
-            <a:xfrm flipH="1">
-              <a:off x="1264082" y="836786"/>
-              <a:ext cx="83329" cy="257498"/>
-            </a:xfrm>
-            <a:prstGeom prst="line">
-              <a:avLst/>
-            </a:prstGeom>
-            <a:ln cap="flat">
-              <a:solidFill>
-                <a:srgbClr val="FF0000"/>
-              </a:solidFill>
-            </a:ln>
-          </p:spPr>
-          <p:style>
-            <a:lnRef idx="1">
-              <a:schemeClr val="accent1"/>
-            </a:lnRef>
-            <a:fillRef idx="0">
-              <a:schemeClr val="accent1"/>
-            </a:fillRef>
-            <a:effectRef idx="0">
-              <a:schemeClr val="accent1"/>
-            </a:effectRef>
-            <a:fontRef idx="minor">
-              <a:schemeClr val="tx1"/>
-            </a:fontRef>
-          </p:style>
-        </p:cxnSp>
-        <p:cxnSp>
-          <p:nvCxnSpPr>
-            <p:cNvPr id="73" name="Straight Connector 72">
-              <a:extLst>
-                <a:ext uri="{FF2B5EF4-FFF2-40B4-BE49-F238E27FC236}">
-                  <a16:creationId xmlns:a16="http://schemas.microsoft.com/office/drawing/2014/main" id="{04A6D855-8FB2-7285-B6BA-37FAA0B5667B}"/>
-                </a:ext>
-              </a:extLst>
-            </p:cNvPr>
-            <p:cNvCxnSpPr/>
-            <p:nvPr/>
-          </p:nvCxnSpPr>
-          <p:spPr>
-            <a:xfrm flipH="1">
-              <a:off x="1352518" y="826651"/>
-              <a:ext cx="83329" cy="257498"/>
-            </a:xfrm>
-            <a:prstGeom prst="line">
-              <a:avLst/>
-            </a:prstGeom>
-            <a:ln cap="flat">
-              <a:solidFill>
-                <a:srgbClr val="FF0000"/>
-              </a:solidFill>
-            </a:ln>
-          </p:spPr>
-          <p:style>
-            <a:lnRef idx="1">
-              <a:schemeClr val="accent1"/>
-            </a:lnRef>
-            <a:fillRef idx="0">
-              <a:schemeClr val="accent1"/>
-            </a:fillRef>
-            <a:effectRef idx="0">
-              <a:schemeClr val="accent1"/>
-            </a:effectRef>
-            <a:fontRef idx="minor">
-              <a:schemeClr val="tx1"/>
-            </a:fontRef>
-          </p:style>
-        </p:cxnSp>
-        <p:cxnSp>
-          <p:nvCxnSpPr>
-            <p:cNvPr id="74" name="Straight Connector 73">
-              <a:extLst>
-                <a:ext uri="{FF2B5EF4-FFF2-40B4-BE49-F238E27FC236}">
-                  <a16:creationId xmlns:a16="http://schemas.microsoft.com/office/drawing/2014/main" id="{E41E5FB5-8C00-8410-66A9-AE68CE6E65E4}"/>
-                </a:ext>
-              </a:extLst>
-            </p:cNvPr>
-            <p:cNvCxnSpPr/>
-            <p:nvPr/>
-          </p:nvCxnSpPr>
-          <p:spPr>
-            <a:xfrm flipH="1">
-              <a:off x="1525498" y="826651"/>
-              <a:ext cx="83329" cy="257498"/>
-            </a:xfrm>
-            <a:prstGeom prst="line">
-              <a:avLst/>
-            </a:prstGeom>
-            <a:ln cap="flat">
-              <a:solidFill>
-                <a:srgbClr val="FF0000"/>
-              </a:solidFill>
-            </a:ln>
-          </p:spPr>
-          <p:style>
-            <a:lnRef idx="1">
-              <a:schemeClr val="accent1"/>
-            </a:lnRef>
-            <a:fillRef idx="0">
-              <a:schemeClr val="accent1"/>
-            </a:fillRef>
-            <a:effectRef idx="0">
-              <a:schemeClr val="accent1"/>
-            </a:effectRef>
-            <a:fontRef idx="minor">
-              <a:schemeClr val="tx1"/>
-            </a:fontRef>
-          </p:style>
-        </p:cxnSp>
-      </p:grpSp>
-      <p:grpSp>
-        <p:nvGrpSpPr>
-          <p:cNvPr id="75" name="Group 74">
-            <a:extLst>
-              <a:ext uri="{FF2B5EF4-FFF2-40B4-BE49-F238E27FC236}">
-                <a16:creationId xmlns:a16="http://schemas.microsoft.com/office/drawing/2014/main" id="{AA7E76E3-2B7E-3DF5-3401-827C85B3FA77}"/>
-              </a:ext>
-            </a:extLst>
-          </p:cNvPr>
-          <p:cNvGrpSpPr/>
-          <p:nvPr/>
-        </p:nvGrpSpPr>
-        <p:grpSpPr>
-          <a:xfrm>
-            <a:off x="3072112" y="1148508"/>
-            <a:ext cx="57365" cy="101335"/>
-            <a:chOff x="1602622" y="515214"/>
-            <a:chExt cx="77646" cy="137160"/>
-          </a:xfrm>
-        </p:grpSpPr>
-        <p:sp>
-          <p:nvSpPr>
-            <p:cNvPr id="76" name="Freeform 242">
-              <a:extLst>
-                <a:ext uri="{FF2B5EF4-FFF2-40B4-BE49-F238E27FC236}">
-                  <a16:creationId xmlns:a16="http://schemas.microsoft.com/office/drawing/2014/main" id="{7E65E9DA-B925-228F-8461-0B04F314043C}"/>
-                </a:ext>
-              </a:extLst>
-            </p:cNvPr>
-            <p:cNvSpPr/>
-            <p:nvPr/>
-          </p:nvSpPr>
-          <p:spPr>
-            <a:xfrm>
-              <a:off x="1602622" y="515214"/>
-              <a:ext cx="45720" cy="137160"/>
-            </a:xfrm>
-            <a:custGeom>
-              <a:avLst/>
-              <a:gdLst>
-                <a:gd name="connsiteX0" fmla="*/ 50901 w 83746"/>
-                <a:gd name="connsiteY0" fmla="*/ 0 h 418222"/>
-                <a:gd name="connsiteX1" fmla="*/ 81767 w 83746"/>
-                <a:gd name="connsiteY1" fmla="*/ 162046 h 418222"/>
-                <a:gd name="connsiteX2" fmla="*/ 744 w 83746"/>
-                <a:gd name="connsiteY2" fmla="*/ 289367 h 418222"/>
-                <a:gd name="connsiteX3" fmla="*/ 39327 w 83746"/>
-                <a:gd name="connsiteY3" fmla="*/ 408972 h 418222"/>
-                <a:gd name="connsiteX4" fmla="*/ 39327 w 83746"/>
-                <a:gd name="connsiteY4" fmla="*/ 401256 h 418222"/>
-              </a:gdLst>
-              <a:ahLst/>
-              <a:cxnLst>
-                <a:cxn ang="0">
-                  <a:pos x="connsiteX0" y="connsiteY0"/>
-                </a:cxn>
-                <a:cxn ang="0">
-                  <a:pos x="connsiteX1" y="connsiteY1"/>
-                </a:cxn>
-                <a:cxn ang="0">
-                  <a:pos x="connsiteX2" y="connsiteY2"/>
-                </a:cxn>
-                <a:cxn ang="0">
-                  <a:pos x="connsiteX3" y="connsiteY3"/>
-                </a:cxn>
-                <a:cxn ang="0">
-                  <a:pos x="connsiteX4" y="connsiteY4"/>
-                </a:cxn>
-              </a:cxnLst>
-              <a:rect l="l" t="t" r="r" b="b"/>
-              <a:pathLst>
-                <a:path w="83746" h="418222">
-                  <a:moveTo>
-                    <a:pt x="50901" y="0"/>
-                  </a:moveTo>
-                  <a:cubicBezTo>
-                    <a:pt x="70513" y="56909"/>
-                    <a:pt x="90126" y="113818"/>
-                    <a:pt x="81767" y="162046"/>
-                  </a:cubicBezTo>
-                  <a:cubicBezTo>
-                    <a:pt x="73408" y="210274"/>
-                    <a:pt x="7817" y="248213"/>
-                    <a:pt x="744" y="289367"/>
-                  </a:cubicBezTo>
-                  <a:cubicBezTo>
-                    <a:pt x="-6329" y="330521"/>
-                    <a:pt x="39327" y="408972"/>
-                    <a:pt x="39327" y="408972"/>
-                  </a:cubicBezTo>
-                  <a:cubicBezTo>
-                    <a:pt x="45757" y="427620"/>
-                    <a:pt x="42542" y="414438"/>
-                    <a:pt x="39327" y="401256"/>
-                  </a:cubicBezTo>
-                </a:path>
-              </a:pathLst>
-            </a:custGeom>
-            <a:noFill/>
-            <a:ln>
-              <a:solidFill>
-                <a:schemeClr val="tx1"/>
-              </a:solidFill>
-            </a:ln>
-          </p:spPr>
-          <p:style>
-            <a:lnRef idx="2">
-              <a:schemeClr val="accent1">
-                <a:shade val="50000"/>
-              </a:schemeClr>
-            </a:lnRef>
-            <a:fillRef idx="1">
-              <a:schemeClr val="accent1"/>
-            </a:fillRef>
-            <a:effectRef idx="0">
-              <a:schemeClr val="accent1"/>
-            </a:effectRef>
-            <a:fontRef idx="minor">
-              <a:schemeClr val="lt1"/>
-            </a:fontRef>
-          </p:style>
-          <p:txBody>
-            <a:bodyPr rot="0" spcFirstLastPara="0" vertOverflow="overflow" horzOverflow="overflow" vert="horz" wrap="square" lIns="91440" tIns="45720" rIns="91440" bIns="45720" numCol="1" spcCol="0" rtlCol="0" fromWordArt="0" anchor="ctr" anchorCtr="0" forceAA="0" compatLnSpc="1">
-              <a:prstTxWarp prst="textNoShape">
-                <a:avLst/>
-              </a:prstTxWarp>
-              <a:noAutofit/>
-            </a:bodyPr>
-            <a:lstStyle/>
-            <a:p>
-              <a:pPr algn="ctr"/>
-              <a:endParaRPr lang="en-US">
-                <a:latin typeface="Arial" panose="020B0604020202020204" pitchFamily="34" charset="0"/>
-                <a:cs typeface="Arial" panose="020B0604020202020204" pitchFamily="34" charset="0"/>
-              </a:endParaRPr>
-            </a:p>
-          </p:txBody>
-        </p:sp>
-        <p:sp>
-          <p:nvSpPr>
-            <p:cNvPr id="77" name="Freeform 243">
-              <a:extLst>
-                <a:ext uri="{FF2B5EF4-FFF2-40B4-BE49-F238E27FC236}">
-                  <a16:creationId xmlns:a16="http://schemas.microsoft.com/office/drawing/2014/main" id="{A50FDEB4-DE7D-121A-1753-C61F9B8851EA}"/>
-                </a:ext>
-              </a:extLst>
-            </p:cNvPr>
-            <p:cNvSpPr/>
-            <p:nvPr/>
-          </p:nvSpPr>
-          <p:spPr>
-            <a:xfrm>
-              <a:off x="1634548" y="515214"/>
-              <a:ext cx="45720" cy="137160"/>
-            </a:xfrm>
-            <a:custGeom>
-              <a:avLst/>
-              <a:gdLst>
-                <a:gd name="connsiteX0" fmla="*/ 50901 w 83746"/>
-                <a:gd name="connsiteY0" fmla="*/ 0 h 418222"/>
-                <a:gd name="connsiteX1" fmla="*/ 81767 w 83746"/>
-                <a:gd name="connsiteY1" fmla="*/ 162046 h 418222"/>
-                <a:gd name="connsiteX2" fmla="*/ 744 w 83746"/>
-                <a:gd name="connsiteY2" fmla="*/ 289367 h 418222"/>
-                <a:gd name="connsiteX3" fmla="*/ 39327 w 83746"/>
-                <a:gd name="connsiteY3" fmla="*/ 408972 h 418222"/>
-                <a:gd name="connsiteX4" fmla="*/ 39327 w 83746"/>
-                <a:gd name="connsiteY4" fmla="*/ 401256 h 418222"/>
-              </a:gdLst>
-              <a:ahLst/>
-              <a:cxnLst>
-                <a:cxn ang="0">
-                  <a:pos x="connsiteX0" y="connsiteY0"/>
-                </a:cxn>
-                <a:cxn ang="0">
-                  <a:pos x="connsiteX1" y="connsiteY1"/>
-                </a:cxn>
-                <a:cxn ang="0">
-                  <a:pos x="connsiteX2" y="connsiteY2"/>
-                </a:cxn>
-                <a:cxn ang="0">
-                  <a:pos x="connsiteX3" y="connsiteY3"/>
-                </a:cxn>
-                <a:cxn ang="0">
-                  <a:pos x="connsiteX4" y="connsiteY4"/>
-                </a:cxn>
-              </a:cxnLst>
-              <a:rect l="l" t="t" r="r" b="b"/>
-              <a:pathLst>
-                <a:path w="83746" h="418222">
-                  <a:moveTo>
-                    <a:pt x="50901" y="0"/>
-                  </a:moveTo>
-                  <a:cubicBezTo>
-                    <a:pt x="70513" y="56909"/>
-                    <a:pt x="90126" y="113818"/>
-                    <a:pt x="81767" y="162046"/>
-                  </a:cubicBezTo>
-                  <a:cubicBezTo>
-                    <a:pt x="73408" y="210274"/>
-                    <a:pt x="7817" y="248213"/>
-                    <a:pt x="744" y="289367"/>
-                  </a:cubicBezTo>
-                  <a:cubicBezTo>
-                    <a:pt x="-6329" y="330521"/>
-                    <a:pt x="39327" y="408972"/>
-                    <a:pt x="39327" y="408972"/>
-                  </a:cubicBezTo>
-                  <a:cubicBezTo>
-                    <a:pt x="45757" y="427620"/>
-                    <a:pt x="42542" y="414438"/>
-                    <a:pt x="39327" y="401256"/>
-                  </a:cubicBezTo>
-                </a:path>
-              </a:pathLst>
-            </a:custGeom>
-            <a:noFill/>
-            <a:ln>
-              <a:solidFill>
-                <a:schemeClr val="tx1"/>
-              </a:solidFill>
-            </a:ln>
-          </p:spPr>
-          <p:style>
-            <a:lnRef idx="2">
-              <a:schemeClr val="accent1">
-                <a:shade val="50000"/>
-              </a:schemeClr>
-            </a:lnRef>
-            <a:fillRef idx="1">
-              <a:schemeClr val="accent1"/>
-            </a:fillRef>
-            <a:effectRef idx="0">
-              <a:schemeClr val="accent1"/>
-            </a:effectRef>
-            <a:fontRef idx="minor">
-              <a:schemeClr val="lt1"/>
-            </a:fontRef>
-          </p:style>
-          <p:txBody>
-            <a:bodyPr rot="0" spcFirstLastPara="0" vertOverflow="overflow" horzOverflow="overflow" vert="horz" wrap="square" lIns="91440" tIns="45720" rIns="91440" bIns="45720" numCol="1" spcCol="0" rtlCol="0" fromWordArt="0" anchor="ctr" anchorCtr="0" forceAA="0" compatLnSpc="1">
-              <a:prstTxWarp prst="textNoShape">
-                <a:avLst/>
-              </a:prstTxWarp>
-              <a:noAutofit/>
-            </a:bodyPr>
-            <a:lstStyle/>
-            <a:p>
-              <a:pPr algn="ctr"/>
-              <a:endParaRPr lang="en-US">
-                <a:latin typeface="Arial" panose="020B0604020202020204" pitchFamily="34" charset="0"/>
-                <a:cs typeface="Arial" panose="020B0604020202020204" pitchFamily="34" charset="0"/>
-              </a:endParaRPr>
-            </a:p>
-          </p:txBody>
-        </p:sp>
-      </p:grpSp>
-      <p:grpSp>
-        <p:nvGrpSpPr>
-          <p:cNvPr id="78" name="Group 77">
-            <a:extLst>
-              <a:ext uri="{FF2B5EF4-FFF2-40B4-BE49-F238E27FC236}">
-                <a16:creationId xmlns:a16="http://schemas.microsoft.com/office/drawing/2014/main" id="{E144CD60-1A3F-0415-43D0-F609D0D0A216}"/>
-              </a:ext>
-            </a:extLst>
-          </p:cNvPr>
-          <p:cNvGrpSpPr/>
-          <p:nvPr/>
-        </p:nvGrpSpPr>
-        <p:grpSpPr>
-          <a:xfrm>
-            <a:off x="3072112" y="2234055"/>
-            <a:ext cx="57365" cy="101335"/>
-            <a:chOff x="1602622" y="515214"/>
-            <a:chExt cx="77646" cy="137160"/>
-          </a:xfrm>
-        </p:grpSpPr>
-        <p:sp>
-          <p:nvSpPr>
-            <p:cNvPr id="79" name="Freeform 245">
-              <a:extLst>
-                <a:ext uri="{FF2B5EF4-FFF2-40B4-BE49-F238E27FC236}">
-                  <a16:creationId xmlns:a16="http://schemas.microsoft.com/office/drawing/2014/main" id="{F00C3B32-8DAE-6676-DC28-D325354ED409}"/>
-                </a:ext>
-              </a:extLst>
-            </p:cNvPr>
-            <p:cNvSpPr/>
-            <p:nvPr/>
-          </p:nvSpPr>
-          <p:spPr>
-            <a:xfrm>
-              <a:off x="1602622" y="515214"/>
-              <a:ext cx="45720" cy="137160"/>
-            </a:xfrm>
-            <a:custGeom>
-              <a:avLst/>
-              <a:gdLst>
-                <a:gd name="connsiteX0" fmla="*/ 50901 w 83746"/>
-                <a:gd name="connsiteY0" fmla="*/ 0 h 418222"/>
-                <a:gd name="connsiteX1" fmla="*/ 81767 w 83746"/>
-                <a:gd name="connsiteY1" fmla="*/ 162046 h 418222"/>
-                <a:gd name="connsiteX2" fmla="*/ 744 w 83746"/>
-                <a:gd name="connsiteY2" fmla="*/ 289367 h 418222"/>
-                <a:gd name="connsiteX3" fmla="*/ 39327 w 83746"/>
-                <a:gd name="connsiteY3" fmla="*/ 408972 h 418222"/>
-                <a:gd name="connsiteX4" fmla="*/ 39327 w 83746"/>
-                <a:gd name="connsiteY4" fmla="*/ 401256 h 418222"/>
-              </a:gdLst>
-              <a:ahLst/>
-              <a:cxnLst>
-                <a:cxn ang="0">
-                  <a:pos x="connsiteX0" y="connsiteY0"/>
-                </a:cxn>
-                <a:cxn ang="0">
-                  <a:pos x="connsiteX1" y="connsiteY1"/>
-                </a:cxn>
-                <a:cxn ang="0">
-                  <a:pos x="connsiteX2" y="connsiteY2"/>
-                </a:cxn>
-                <a:cxn ang="0">
-                  <a:pos x="connsiteX3" y="connsiteY3"/>
-                </a:cxn>
-                <a:cxn ang="0">
-                  <a:pos x="connsiteX4" y="connsiteY4"/>
-                </a:cxn>
-              </a:cxnLst>
-              <a:rect l="l" t="t" r="r" b="b"/>
-              <a:pathLst>
-                <a:path w="83746" h="418222">
-                  <a:moveTo>
-                    <a:pt x="50901" y="0"/>
-                  </a:moveTo>
-                  <a:cubicBezTo>
-                    <a:pt x="70513" y="56909"/>
-                    <a:pt x="90126" y="113818"/>
-                    <a:pt x="81767" y="162046"/>
-                  </a:cubicBezTo>
-                  <a:cubicBezTo>
-                    <a:pt x="73408" y="210274"/>
-                    <a:pt x="7817" y="248213"/>
-                    <a:pt x="744" y="289367"/>
-                  </a:cubicBezTo>
-                  <a:cubicBezTo>
-                    <a:pt x="-6329" y="330521"/>
-                    <a:pt x="39327" y="408972"/>
-                    <a:pt x="39327" y="408972"/>
-                  </a:cubicBezTo>
-                  <a:cubicBezTo>
-                    <a:pt x="45757" y="427620"/>
-                    <a:pt x="42542" y="414438"/>
-                    <a:pt x="39327" y="401256"/>
-                  </a:cubicBezTo>
-                </a:path>
-              </a:pathLst>
-            </a:custGeom>
-            <a:noFill/>
-            <a:ln>
-              <a:solidFill>
-                <a:schemeClr val="tx1"/>
-              </a:solidFill>
-            </a:ln>
-          </p:spPr>
-          <p:style>
-            <a:lnRef idx="2">
-              <a:schemeClr val="accent1">
-                <a:shade val="50000"/>
-              </a:schemeClr>
-            </a:lnRef>
-            <a:fillRef idx="1">
-              <a:schemeClr val="accent1"/>
-            </a:fillRef>
-            <a:effectRef idx="0">
-              <a:schemeClr val="accent1"/>
-            </a:effectRef>
-            <a:fontRef idx="minor">
-              <a:schemeClr val="lt1"/>
-            </a:fontRef>
-          </p:style>
-          <p:txBody>
-            <a:bodyPr rot="0" spcFirstLastPara="0" vertOverflow="overflow" horzOverflow="overflow" vert="horz" wrap="square" lIns="91440" tIns="45720" rIns="91440" bIns="45720" numCol="1" spcCol="0" rtlCol="0" fromWordArt="0" anchor="ctr" anchorCtr="0" forceAA="0" compatLnSpc="1">
-              <a:prstTxWarp prst="textNoShape">
-                <a:avLst/>
-              </a:prstTxWarp>
-              <a:noAutofit/>
-            </a:bodyPr>
-            <a:lstStyle/>
-            <a:p>
-              <a:pPr algn="ctr"/>
-              <a:endParaRPr lang="en-US"/>
-            </a:p>
-          </p:txBody>
-        </p:sp>
-        <p:sp>
-          <p:nvSpPr>
-            <p:cNvPr id="80" name="Freeform 246">
-              <a:extLst>
-                <a:ext uri="{FF2B5EF4-FFF2-40B4-BE49-F238E27FC236}">
-                  <a16:creationId xmlns:a16="http://schemas.microsoft.com/office/drawing/2014/main" id="{FE9EA3C9-F5E0-C8E6-0D0B-0EC41CDA2ECA}"/>
-                </a:ext>
-              </a:extLst>
-            </p:cNvPr>
-            <p:cNvSpPr/>
-            <p:nvPr/>
-          </p:nvSpPr>
-          <p:spPr>
-            <a:xfrm>
-              <a:off x="1634548" y="515214"/>
-              <a:ext cx="45720" cy="137160"/>
-            </a:xfrm>
-            <a:custGeom>
-              <a:avLst/>
-              <a:gdLst>
-                <a:gd name="connsiteX0" fmla="*/ 50901 w 83746"/>
-                <a:gd name="connsiteY0" fmla="*/ 0 h 418222"/>
-                <a:gd name="connsiteX1" fmla="*/ 81767 w 83746"/>
-                <a:gd name="connsiteY1" fmla="*/ 162046 h 418222"/>
-                <a:gd name="connsiteX2" fmla="*/ 744 w 83746"/>
-                <a:gd name="connsiteY2" fmla="*/ 289367 h 418222"/>
-                <a:gd name="connsiteX3" fmla="*/ 39327 w 83746"/>
-                <a:gd name="connsiteY3" fmla="*/ 408972 h 418222"/>
-                <a:gd name="connsiteX4" fmla="*/ 39327 w 83746"/>
-                <a:gd name="connsiteY4" fmla="*/ 401256 h 418222"/>
-              </a:gdLst>
-              <a:ahLst/>
-              <a:cxnLst>
-                <a:cxn ang="0">
-                  <a:pos x="connsiteX0" y="connsiteY0"/>
-                </a:cxn>
-                <a:cxn ang="0">
-                  <a:pos x="connsiteX1" y="connsiteY1"/>
-                </a:cxn>
-                <a:cxn ang="0">
-                  <a:pos x="connsiteX2" y="connsiteY2"/>
-                </a:cxn>
-                <a:cxn ang="0">
-                  <a:pos x="connsiteX3" y="connsiteY3"/>
-                </a:cxn>
-                <a:cxn ang="0">
-                  <a:pos x="connsiteX4" y="connsiteY4"/>
-                </a:cxn>
-              </a:cxnLst>
-              <a:rect l="l" t="t" r="r" b="b"/>
-              <a:pathLst>
-                <a:path w="83746" h="418222">
-                  <a:moveTo>
-                    <a:pt x="50901" y="0"/>
-                  </a:moveTo>
-                  <a:cubicBezTo>
-                    <a:pt x="70513" y="56909"/>
-                    <a:pt x="90126" y="113818"/>
-                    <a:pt x="81767" y="162046"/>
-                  </a:cubicBezTo>
-                  <a:cubicBezTo>
-                    <a:pt x="73408" y="210274"/>
-                    <a:pt x="7817" y="248213"/>
-                    <a:pt x="744" y="289367"/>
-                  </a:cubicBezTo>
-                  <a:cubicBezTo>
-                    <a:pt x="-6329" y="330521"/>
-                    <a:pt x="39327" y="408972"/>
-                    <a:pt x="39327" y="408972"/>
-                  </a:cubicBezTo>
-                  <a:cubicBezTo>
-                    <a:pt x="45757" y="427620"/>
-                    <a:pt x="42542" y="414438"/>
-                    <a:pt x="39327" y="401256"/>
-                  </a:cubicBezTo>
-                </a:path>
-              </a:pathLst>
-            </a:custGeom>
-            <a:noFill/>
-            <a:ln>
-              <a:solidFill>
-                <a:schemeClr val="tx1"/>
-              </a:solidFill>
-            </a:ln>
-          </p:spPr>
-          <p:style>
-            <a:lnRef idx="2">
-              <a:schemeClr val="accent1">
-                <a:shade val="50000"/>
-              </a:schemeClr>
-            </a:lnRef>
-            <a:fillRef idx="1">
-              <a:schemeClr val="accent1"/>
-            </a:fillRef>
-            <a:effectRef idx="0">
-              <a:schemeClr val="accent1"/>
-            </a:effectRef>
-            <a:fontRef idx="minor">
-              <a:schemeClr val="lt1"/>
-            </a:fontRef>
-          </p:style>
-          <p:txBody>
-            <a:bodyPr rot="0" spcFirstLastPara="0" vertOverflow="overflow" horzOverflow="overflow" vert="horz" wrap="square" lIns="91440" tIns="45720" rIns="91440" bIns="45720" numCol="1" spcCol="0" rtlCol="0" fromWordArt="0" anchor="ctr" anchorCtr="0" forceAA="0" compatLnSpc="1">
-              <a:prstTxWarp prst="textNoShape">
-                <a:avLst/>
-              </a:prstTxWarp>
-              <a:noAutofit/>
-            </a:bodyPr>
-            <a:lstStyle/>
-            <a:p>
-              <a:pPr algn="ctr"/>
-              <a:endParaRPr lang="en-US"/>
-            </a:p>
-          </p:txBody>
-        </p:sp>
-      </p:grpSp>
-      <p:grpSp>
-        <p:nvGrpSpPr>
-          <p:cNvPr id="81" name="Group 80">
-            <a:extLst>
-              <a:ext uri="{FF2B5EF4-FFF2-40B4-BE49-F238E27FC236}">
-                <a16:creationId xmlns:a16="http://schemas.microsoft.com/office/drawing/2014/main" id="{BE55BD54-1DD7-D342-4FFB-F85CAC061E36}"/>
-              </a:ext>
-            </a:extLst>
-          </p:cNvPr>
-          <p:cNvGrpSpPr/>
-          <p:nvPr/>
-        </p:nvGrpSpPr>
-        <p:grpSpPr>
-          <a:xfrm>
-            <a:off x="2769557" y="2106180"/>
-            <a:ext cx="254701" cy="197729"/>
-            <a:chOff x="1264082" y="826651"/>
-            <a:chExt cx="344745" cy="267633"/>
-          </a:xfrm>
-        </p:grpSpPr>
-        <p:cxnSp>
-          <p:nvCxnSpPr>
-            <p:cNvPr id="82" name="Straight Connector 81">
-              <a:extLst>
-                <a:ext uri="{FF2B5EF4-FFF2-40B4-BE49-F238E27FC236}">
-                  <a16:creationId xmlns:a16="http://schemas.microsoft.com/office/drawing/2014/main" id="{6A8C6BF8-2321-3FA4-3BD9-FDD13E59397A}"/>
-                </a:ext>
-              </a:extLst>
-            </p:cNvPr>
-            <p:cNvCxnSpPr/>
-            <p:nvPr/>
-          </p:nvCxnSpPr>
-          <p:spPr>
-            <a:xfrm>
-              <a:off x="1348450" y="840287"/>
-              <a:ext cx="0" cy="249746"/>
-            </a:xfrm>
-            <a:prstGeom prst="line">
-              <a:avLst/>
-            </a:prstGeom>
-            <a:ln cap="flat">
-              <a:solidFill>
-                <a:srgbClr val="FF0000"/>
-              </a:solidFill>
-            </a:ln>
-          </p:spPr>
-          <p:style>
-            <a:lnRef idx="1">
-              <a:schemeClr val="accent1"/>
-            </a:lnRef>
-            <a:fillRef idx="0">
-              <a:schemeClr val="accent1"/>
-            </a:fillRef>
-            <a:effectRef idx="0">
-              <a:schemeClr val="accent1"/>
-            </a:effectRef>
-            <a:fontRef idx="minor">
-              <a:schemeClr val="tx1"/>
-            </a:fontRef>
-          </p:style>
-        </p:cxnSp>
-        <p:cxnSp>
-          <p:nvCxnSpPr>
-            <p:cNvPr id="83" name="Straight Connector 82">
-              <a:extLst>
-                <a:ext uri="{FF2B5EF4-FFF2-40B4-BE49-F238E27FC236}">
-                  <a16:creationId xmlns:a16="http://schemas.microsoft.com/office/drawing/2014/main" id="{CAC6DA64-C71A-BE78-E6DF-C411EA688BEA}"/>
-                </a:ext>
-              </a:extLst>
-            </p:cNvPr>
-            <p:cNvCxnSpPr/>
-            <p:nvPr/>
-          </p:nvCxnSpPr>
-          <p:spPr>
-            <a:xfrm>
-              <a:off x="1439858" y="830152"/>
-              <a:ext cx="0" cy="249743"/>
-            </a:xfrm>
-            <a:prstGeom prst="line">
-              <a:avLst/>
-            </a:prstGeom>
-            <a:ln cap="flat">
-              <a:solidFill>
-                <a:srgbClr val="FF0000"/>
-              </a:solidFill>
-            </a:ln>
-          </p:spPr>
-          <p:style>
-            <a:lnRef idx="1">
-              <a:schemeClr val="accent1"/>
-            </a:lnRef>
-            <a:fillRef idx="0">
-              <a:schemeClr val="accent1"/>
-            </a:fillRef>
-            <a:effectRef idx="0">
-              <a:schemeClr val="accent1"/>
-            </a:effectRef>
-            <a:fontRef idx="minor">
-              <a:schemeClr val="tx1"/>
-            </a:fontRef>
-          </p:style>
-        </p:cxnSp>
-        <p:cxnSp>
-          <p:nvCxnSpPr>
-            <p:cNvPr id="84" name="Straight Connector 83">
-              <a:extLst>
-                <a:ext uri="{FF2B5EF4-FFF2-40B4-BE49-F238E27FC236}">
-                  <a16:creationId xmlns:a16="http://schemas.microsoft.com/office/drawing/2014/main" id="{28597D52-1081-D66C-7915-AF7CF2958FED}"/>
-                </a:ext>
-              </a:extLst>
-            </p:cNvPr>
-            <p:cNvCxnSpPr/>
-            <p:nvPr/>
-          </p:nvCxnSpPr>
-          <p:spPr>
-            <a:xfrm>
-              <a:off x="1607705" y="832387"/>
-              <a:ext cx="0" cy="249743"/>
-            </a:xfrm>
-            <a:prstGeom prst="line">
-              <a:avLst/>
-            </a:prstGeom>
-            <a:ln cap="flat">
-              <a:solidFill>
-                <a:srgbClr val="FF0000"/>
-              </a:solidFill>
-            </a:ln>
-          </p:spPr>
-          <p:style>
-            <a:lnRef idx="1">
-              <a:schemeClr val="accent1"/>
-            </a:lnRef>
-            <a:fillRef idx="0">
-              <a:schemeClr val="accent1"/>
-            </a:fillRef>
-            <a:effectRef idx="0">
-              <a:schemeClr val="accent1"/>
-            </a:effectRef>
-            <a:fontRef idx="minor">
-              <a:schemeClr val="tx1"/>
-            </a:fontRef>
-          </p:style>
-        </p:cxnSp>
-        <p:cxnSp>
-          <p:nvCxnSpPr>
-            <p:cNvPr id="85" name="Straight Connector 84">
-              <a:extLst>
-                <a:ext uri="{FF2B5EF4-FFF2-40B4-BE49-F238E27FC236}">
-                  <a16:creationId xmlns:a16="http://schemas.microsoft.com/office/drawing/2014/main" id="{0399C724-9B7C-09DF-B913-C98BF785BED8}"/>
-                </a:ext>
-              </a:extLst>
-            </p:cNvPr>
-            <p:cNvCxnSpPr/>
-            <p:nvPr/>
-          </p:nvCxnSpPr>
-          <p:spPr>
-            <a:xfrm flipH="1">
-              <a:off x="1264082" y="836786"/>
-              <a:ext cx="83329" cy="257498"/>
-            </a:xfrm>
-            <a:prstGeom prst="line">
-              <a:avLst/>
-            </a:prstGeom>
-            <a:ln cap="flat">
-              <a:solidFill>
-                <a:srgbClr val="FF0000"/>
-              </a:solidFill>
-            </a:ln>
-          </p:spPr>
-          <p:style>
-            <a:lnRef idx="1">
-              <a:schemeClr val="accent1"/>
-            </a:lnRef>
-            <a:fillRef idx="0">
-              <a:schemeClr val="accent1"/>
-            </a:fillRef>
-            <a:effectRef idx="0">
-              <a:schemeClr val="accent1"/>
-            </a:effectRef>
-            <a:fontRef idx="minor">
-              <a:schemeClr val="tx1"/>
-            </a:fontRef>
-          </p:style>
-        </p:cxnSp>
-        <p:cxnSp>
-          <p:nvCxnSpPr>
-            <p:cNvPr id="86" name="Straight Connector 85">
-              <a:extLst>
-                <a:ext uri="{FF2B5EF4-FFF2-40B4-BE49-F238E27FC236}">
-                  <a16:creationId xmlns:a16="http://schemas.microsoft.com/office/drawing/2014/main" id="{452C6C12-FF08-C1DF-F58C-4DADE35F5B2E}"/>
-                </a:ext>
-              </a:extLst>
-            </p:cNvPr>
-            <p:cNvCxnSpPr/>
-            <p:nvPr/>
-          </p:nvCxnSpPr>
-          <p:spPr>
-            <a:xfrm flipH="1">
-              <a:off x="1352518" y="826651"/>
-              <a:ext cx="83329" cy="257498"/>
-            </a:xfrm>
-            <a:prstGeom prst="line">
-              <a:avLst/>
-            </a:prstGeom>
-            <a:ln cap="flat">
-              <a:solidFill>
-                <a:srgbClr val="FF0000"/>
-              </a:solidFill>
-            </a:ln>
-          </p:spPr>
-          <p:style>
-            <a:lnRef idx="1">
-              <a:schemeClr val="accent1"/>
-            </a:lnRef>
-            <a:fillRef idx="0">
-              <a:schemeClr val="accent1"/>
-            </a:fillRef>
-            <a:effectRef idx="0">
-              <a:schemeClr val="accent1"/>
-            </a:effectRef>
-            <a:fontRef idx="minor">
-              <a:schemeClr val="tx1"/>
-            </a:fontRef>
-          </p:style>
-        </p:cxnSp>
-        <p:cxnSp>
-          <p:nvCxnSpPr>
-            <p:cNvPr id="87" name="Straight Connector 86">
-              <a:extLst>
-                <a:ext uri="{FF2B5EF4-FFF2-40B4-BE49-F238E27FC236}">
-                  <a16:creationId xmlns:a16="http://schemas.microsoft.com/office/drawing/2014/main" id="{1A9A349D-FDD3-FD56-02D3-27D328E05B86}"/>
-                </a:ext>
-              </a:extLst>
-            </p:cNvPr>
-            <p:cNvCxnSpPr/>
-            <p:nvPr/>
-          </p:nvCxnSpPr>
-          <p:spPr>
-            <a:xfrm flipH="1">
-              <a:off x="1525498" y="826651"/>
-              <a:ext cx="83329" cy="257498"/>
-            </a:xfrm>
-            <a:prstGeom prst="line">
-              <a:avLst/>
-            </a:prstGeom>
-            <a:ln cap="flat">
-              <a:solidFill>
-                <a:srgbClr val="FF0000"/>
-              </a:solidFill>
-            </a:ln>
-          </p:spPr>
-          <p:style>
-            <a:lnRef idx="1">
-              <a:schemeClr val="accent1"/>
-            </a:lnRef>
-            <a:fillRef idx="0">
-              <a:schemeClr val="accent1"/>
-            </a:fillRef>
-            <a:effectRef idx="0">
-              <a:schemeClr val="accent1"/>
-            </a:effectRef>
-            <a:fontRef idx="minor">
-              <a:schemeClr val="tx1"/>
-            </a:fontRef>
-          </p:style>
-        </p:cxnSp>
-      </p:grpSp>
-      <p:grpSp>
-        <p:nvGrpSpPr>
-          <p:cNvPr id="88" name="Group 87">
-            <a:extLst>
-              <a:ext uri="{FF2B5EF4-FFF2-40B4-BE49-F238E27FC236}">
-                <a16:creationId xmlns:a16="http://schemas.microsoft.com/office/drawing/2014/main" id="{E4D82DC6-4FD9-67CF-1240-A2FC43D16CEF}"/>
-              </a:ext>
-            </a:extLst>
-          </p:cNvPr>
-          <p:cNvGrpSpPr/>
-          <p:nvPr/>
-        </p:nvGrpSpPr>
-        <p:grpSpPr>
-          <a:xfrm>
-            <a:off x="3190121" y="2106180"/>
-            <a:ext cx="254701" cy="197729"/>
-            <a:chOff x="1264082" y="826651"/>
-            <a:chExt cx="344745" cy="267633"/>
-          </a:xfrm>
-        </p:grpSpPr>
-        <p:cxnSp>
-          <p:nvCxnSpPr>
-            <p:cNvPr id="89" name="Straight Connector 88">
-              <a:extLst>
-                <a:ext uri="{FF2B5EF4-FFF2-40B4-BE49-F238E27FC236}">
-                  <a16:creationId xmlns:a16="http://schemas.microsoft.com/office/drawing/2014/main" id="{CB2D73F8-AD04-857B-9638-263533424DB3}"/>
-                </a:ext>
-              </a:extLst>
-            </p:cNvPr>
-            <p:cNvCxnSpPr/>
-            <p:nvPr/>
-          </p:nvCxnSpPr>
-          <p:spPr>
-            <a:xfrm>
-              <a:off x="1348450" y="840287"/>
-              <a:ext cx="0" cy="249746"/>
-            </a:xfrm>
-            <a:prstGeom prst="line">
-              <a:avLst/>
-            </a:prstGeom>
-            <a:ln cap="flat">
-              <a:solidFill>
-                <a:srgbClr val="FF0000"/>
-              </a:solidFill>
-            </a:ln>
-          </p:spPr>
-          <p:style>
-            <a:lnRef idx="1">
-              <a:schemeClr val="accent1"/>
-            </a:lnRef>
-            <a:fillRef idx="0">
-              <a:schemeClr val="accent1"/>
-            </a:fillRef>
-            <a:effectRef idx="0">
-              <a:schemeClr val="accent1"/>
-            </a:effectRef>
-            <a:fontRef idx="minor">
-              <a:schemeClr val="tx1"/>
-            </a:fontRef>
-          </p:style>
-        </p:cxnSp>
-        <p:cxnSp>
-          <p:nvCxnSpPr>
-            <p:cNvPr id="90" name="Straight Connector 89">
-              <a:extLst>
-                <a:ext uri="{FF2B5EF4-FFF2-40B4-BE49-F238E27FC236}">
-                  <a16:creationId xmlns:a16="http://schemas.microsoft.com/office/drawing/2014/main" id="{C0336786-D4A3-90DA-8331-2109926370E7}"/>
-                </a:ext>
-              </a:extLst>
-            </p:cNvPr>
-            <p:cNvCxnSpPr/>
-            <p:nvPr/>
-          </p:nvCxnSpPr>
-          <p:spPr>
-            <a:xfrm>
-              <a:off x="1439858" y="830152"/>
-              <a:ext cx="0" cy="249743"/>
-            </a:xfrm>
-            <a:prstGeom prst="line">
-              <a:avLst/>
-            </a:prstGeom>
-            <a:ln cap="flat">
-              <a:solidFill>
-                <a:srgbClr val="FF0000"/>
-              </a:solidFill>
-            </a:ln>
-          </p:spPr>
-          <p:style>
-            <a:lnRef idx="1">
-              <a:schemeClr val="accent1"/>
-            </a:lnRef>
-            <a:fillRef idx="0">
-              <a:schemeClr val="accent1"/>
-            </a:fillRef>
-            <a:effectRef idx="0">
-              <a:schemeClr val="accent1"/>
-            </a:effectRef>
-            <a:fontRef idx="minor">
-              <a:schemeClr val="tx1"/>
-            </a:fontRef>
-          </p:style>
-        </p:cxnSp>
-        <p:cxnSp>
-          <p:nvCxnSpPr>
-            <p:cNvPr id="91" name="Straight Connector 90">
-              <a:extLst>
-                <a:ext uri="{FF2B5EF4-FFF2-40B4-BE49-F238E27FC236}">
-                  <a16:creationId xmlns:a16="http://schemas.microsoft.com/office/drawing/2014/main" id="{69258D76-D8D6-F822-DFC9-95E5824D5847}"/>
-                </a:ext>
-              </a:extLst>
-            </p:cNvPr>
-            <p:cNvCxnSpPr/>
-            <p:nvPr/>
-          </p:nvCxnSpPr>
-          <p:spPr>
-            <a:xfrm>
-              <a:off x="1607705" y="832387"/>
-              <a:ext cx="0" cy="249743"/>
-            </a:xfrm>
-            <a:prstGeom prst="line">
-              <a:avLst/>
-            </a:prstGeom>
-            <a:ln cap="flat">
-              <a:solidFill>
-                <a:srgbClr val="FF0000"/>
-              </a:solidFill>
-            </a:ln>
-          </p:spPr>
-          <p:style>
-            <a:lnRef idx="1">
-              <a:schemeClr val="accent1"/>
-            </a:lnRef>
-            <a:fillRef idx="0">
-              <a:schemeClr val="accent1"/>
-            </a:fillRef>
-            <a:effectRef idx="0">
-              <a:schemeClr val="accent1"/>
-            </a:effectRef>
-            <a:fontRef idx="minor">
-              <a:schemeClr val="tx1"/>
-            </a:fontRef>
-          </p:style>
-        </p:cxnSp>
-        <p:cxnSp>
-          <p:nvCxnSpPr>
-            <p:cNvPr id="92" name="Straight Connector 91">
-              <a:extLst>
-                <a:ext uri="{FF2B5EF4-FFF2-40B4-BE49-F238E27FC236}">
-                  <a16:creationId xmlns:a16="http://schemas.microsoft.com/office/drawing/2014/main" id="{A008DA7B-D320-8DE8-5C34-A478DA024FD6}"/>
-                </a:ext>
-              </a:extLst>
-            </p:cNvPr>
-            <p:cNvCxnSpPr/>
-            <p:nvPr/>
-          </p:nvCxnSpPr>
-          <p:spPr>
-            <a:xfrm flipH="1">
-              <a:off x="1264082" y="836786"/>
-              <a:ext cx="83329" cy="257498"/>
-            </a:xfrm>
-            <a:prstGeom prst="line">
-              <a:avLst/>
-            </a:prstGeom>
-            <a:ln cap="flat">
-              <a:solidFill>
-                <a:srgbClr val="FF0000"/>
-              </a:solidFill>
-            </a:ln>
-          </p:spPr>
-          <p:style>
-            <a:lnRef idx="1">
-              <a:schemeClr val="accent1"/>
-            </a:lnRef>
-            <a:fillRef idx="0">
-              <a:schemeClr val="accent1"/>
-            </a:fillRef>
-            <a:effectRef idx="0">
-              <a:schemeClr val="accent1"/>
-            </a:effectRef>
-            <a:fontRef idx="minor">
-              <a:schemeClr val="tx1"/>
-            </a:fontRef>
-          </p:style>
-        </p:cxnSp>
-        <p:cxnSp>
-          <p:nvCxnSpPr>
-            <p:cNvPr id="93" name="Straight Connector 92">
-              <a:extLst>
-                <a:ext uri="{FF2B5EF4-FFF2-40B4-BE49-F238E27FC236}">
-                  <a16:creationId xmlns:a16="http://schemas.microsoft.com/office/drawing/2014/main" id="{5E566DD7-B30E-C64C-3FE3-529E390C79E4}"/>
-                </a:ext>
-              </a:extLst>
-            </p:cNvPr>
-            <p:cNvCxnSpPr/>
-            <p:nvPr/>
-          </p:nvCxnSpPr>
-          <p:spPr>
-            <a:xfrm flipH="1">
-              <a:off x="1352518" y="826651"/>
-              <a:ext cx="83329" cy="257498"/>
-            </a:xfrm>
-            <a:prstGeom prst="line">
-              <a:avLst/>
-            </a:prstGeom>
-            <a:ln cap="flat">
-              <a:solidFill>
-                <a:srgbClr val="FF0000"/>
-              </a:solidFill>
-            </a:ln>
-          </p:spPr>
-          <p:style>
-            <a:lnRef idx="1">
-              <a:schemeClr val="accent1"/>
-            </a:lnRef>
-            <a:fillRef idx="0">
-              <a:schemeClr val="accent1"/>
-            </a:fillRef>
-            <a:effectRef idx="0">
-              <a:schemeClr val="accent1"/>
-            </a:effectRef>
-            <a:fontRef idx="minor">
-              <a:schemeClr val="tx1"/>
-            </a:fontRef>
-          </p:style>
-        </p:cxnSp>
-        <p:cxnSp>
-          <p:nvCxnSpPr>
-            <p:cNvPr id="94" name="Straight Connector 93">
-              <a:extLst>
-                <a:ext uri="{FF2B5EF4-FFF2-40B4-BE49-F238E27FC236}">
-                  <a16:creationId xmlns:a16="http://schemas.microsoft.com/office/drawing/2014/main" id="{15CE62BB-DDD7-E566-9F8F-D9EA776FA6F5}"/>
-                </a:ext>
-              </a:extLst>
-            </p:cNvPr>
-            <p:cNvCxnSpPr/>
-            <p:nvPr/>
-          </p:nvCxnSpPr>
-          <p:spPr>
-            <a:xfrm flipH="1">
-              <a:off x="1525498" y="826651"/>
-              <a:ext cx="83329" cy="257498"/>
-            </a:xfrm>
-            <a:prstGeom prst="line">
-              <a:avLst/>
-            </a:prstGeom>
-            <a:ln cap="flat">
-              <a:solidFill>
-                <a:srgbClr val="FF0000"/>
-              </a:solidFill>
-            </a:ln>
-          </p:spPr>
-          <p:style>
-            <a:lnRef idx="1">
-              <a:schemeClr val="accent1"/>
-            </a:lnRef>
-            <a:fillRef idx="0">
-              <a:schemeClr val="accent1"/>
-            </a:fillRef>
-            <a:effectRef idx="0">
-              <a:schemeClr val="accent1"/>
-            </a:effectRef>
-            <a:fontRef idx="minor">
-              <a:schemeClr val="tx1"/>
-            </a:fontRef>
-          </p:style>
-        </p:cxnSp>
-      </p:grpSp>
-      <p:cxnSp>
-        <p:nvCxnSpPr>
-          <p:cNvPr id="95" name="Straight Connector 94">
-            <a:extLst>
-              <a:ext uri="{FF2B5EF4-FFF2-40B4-BE49-F238E27FC236}">
-                <a16:creationId xmlns:a16="http://schemas.microsoft.com/office/drawing/2014/main" id="{01B45A48-BA9F-1245-6011-5B3A2B93B476}"/>
-              </a:ext>
-            </a:extLst>
-          </p:cNvPr>
-          <p:cNvCxnSpPr>
-            <a:cxnSpLocks/>
-          </p:cNvCxnSpPr>
-          <p:nvPr/>
-        </p:nvCxnSpPr>
-        <p:spPr>
-          <a:xfrm flipH="1">
-            <a:off x="2761097" y="213316"/>
-            <a:ext cx="0" cy="2084832"/>
-          </a:xfrm>
-          <a:prstGeom prst="line">
-            <a:avLst/>
-          </a:prstGeom>
-          <a:ln w="9525">
-            <a:solidFill>
-              <a:schemeClr val="tx1"/>
-            </a:solidFill>
-            <a:prstDash val="sysDot"/>
-          </a:ln>
-        </p:spPr>
-        <p:style>
-          <a:lnRef idx="1">
-            <a:schemeClr val="accent1"/>
-          </a:lnRef>
-          <a:fillRef idx="0">
-            <a:schemeClr val="accent1"/>
-          </a:fillRef>
-          <a:effectRef idx="0">
-            <a:schemeClr val="accent1"/>
-          </a:effectRef>
-          <a:fontRef idx="minor">
-            <a:schemeClr val="tx1"/>
-          </a:fontRef>
-        </p:style>
-      </p:cxnSp>
-      <p:sp>
-        <p:nvSpPr>
-          <p:cNvPr id="96" name="TextBox 95">
-            <a:extLst>
-              <a:ext uri="{FF2B5EF4-FFF2-40B4-BE49-F238E27FC236}">
-                <a16:creationId xmlns:a16="http://schemas.microsoft.com/office/drawing/2014/main" id="{6C917430-E1FF-7FBE-6167-875CFFCF0DB0}"/>
-              </a:ext>
-            </a:extLst>
-          </p:cNvPr>
-          <p:cNvSpPr txBox="1"/>
-          <p:nvPr/>
-        </p:nvSpPr>
-        <p:spPr>
-          <a:xfrm>
-            <a:off x="2813335" y="93720"/>
-            <a:ext cx="551754" cy="215444"/>
-          </a:xfrm>
-          <a:prstGeom prst="rect">
-            <a:avLst/>
-          </a:prstGeom>
-          <a:noFill/>
-        </p:spPr>
-        <p:txBody>
-          <a:bodyPr wrap="none" rtlCol="0">
-            <a:spAutoFit/>
-          </a:bodyPr>
-          <a:lstStyle/>
-          <a:p>
-            <a:pPr algn="ctr"/>
-            <a:r>
-              <a:rPr lang="en-US" sz="800" dirty="0">
-                <a:solidFill>
-                  <a:srgbClr val="ED7D31"/>
-                </a:solidFill>
-                <a:latin typeface="Arial" panose="020B0604020202020204" pitchFamily="34" charset="0"/>
-                <a:cs typeface="Arial" panose="020B0604020202020204" pitchFamily="34" charset="0"/>
-              </a:rPr>
-              <a:t>Block 2 </a:t>
-            </a:r>
-          </a:p>
-        </p:txBody>
-      </p:sp>
-      <p:cxnSp>
-        <p:nvCxnSpPr>
-          <p:cNvPr id="97" name="Straight Connector 96">
-            <a:extLst>
-              <a:ext uri="{FF2B5EF4-FFF2-40B4-BE49-F238E27FC236}">
-                <a16:creationId xmlns:a16="http://schemas.microsoft.com/office/drawing/2014/main" id="{26647C6F-FB69-F661-96CF-81CEB8E747FE}"/>
-              </a:ext>
-            </a:extLst>
-          </p:cNvPr>
-          <p:cNvCxnSpPr>
-            <a:cxnSpLocks/>
-          </p:cNvCxnSpPr>
-          <p:nvPr/>
-        </p:nvCxnSpPr>
-        <p:spPr>
-          <a:xfrm flipH="1">
-            <a:off x="3449366" y="213316"/>
-            <a:ext cx="0" cy="2084832"/>
-          </a:xfrm>
-          <a:prstGeom prst="line">
-            <a:avLst/>
-          </a:prstGeom>
-          <a:ln w="9525">
-            <a:solidFill>
-              <a:schemeClr val="tx1"/>
-            </a:solidFill>
-            <a:prstDash val="sysDot"/>
-          </a:ln>
-        </p:spPr>
-        <p:style>
-          <a:lnRef idx="1">
-            <a:schemeClr val="accent1"/>
-          </a:lnRef>
-          <a:fillRef idx="0">
-            <a:schemeClr val="accent1"/>
-          </a:fillRef>
-          <a:effectRef idx="0">
-            <a:schemeClr val="accent1"/>
-          </a:effectRef>
-          <a:fontRef idx="minor">
-            <a:schemeClr val="tx1"/>
-          </a:fontRef>
-        </p:style>
-      </p:cxnSp>
-      <p:grpSp>
-        <p:nvGrpSpPr>
-          <p:cNvPr id="98" name="Group 97">
-            <a:extLst>
-              <a:ext uri="{FF2B5EF4-FFF2-40B4-BE49-F238E27FC236}">
-                <a16:creationId xmlns:a16="http://schemas.microsoft.com/office/drawing/2014/main" id="{E2838B6B-6B56-6C07-10C1-61B006BCC9BE}"/>
-              </a:ext>
-            </a:extLst>
-          </p:cNvPr>
-          <p:cNvGrpSpPr/>
-          <p:nvPr/>
-        </p:nvGrpSpPr>
-        <p:grpSpPr>
-          <a:xfrm>
-            <a:off x="3725830" y="650485"/>
-            <a:ext cx="57365" cy="101335"/>
-            <a:chOff x="1602622" y="515214"/>
-            <a:chExt cx="77646" cy="137160"/>
-          </a:xfrm>
-        </p:grpSpPr>
-        <p:sp>
-          <p:nvSpPr>
-            <p:cNvPr id="99" name="Freeform 298">
-              <a:extLst>
-                <a:ext uri="{FF2B5EF4-FFF2-40B4-BE49-F238E27FC236}">
-                  <a16:creationId xmlns:a16="http://schemas.microsoft.com/office/drawing/2014/main" id="{07A442CE-E2FD-6855-FE3C-02C44CCBD407}"/>
-                </a:ext>
-              </a:extLst>
-            </p:cNvPr>
-            <p:cNvSpPr/>
-            <p:nvPr/>
-          </p:nvSpPr>
-          <p:spPr>
-            <a:xfrm>
-              <a:off x="1602622" y="515214"/>
-              <a:ext cx="45720" cy="137160"/>
-            </a:xfrm>
-            <a:custGeom>
-              <a:avLst/>
-              <a:gdLst>
-                <a:gd name="connsiteX0" fmla="*/ 50901 w 83746"/>
-                <a:gd name="connsiteY0" fmla="*/ 0 h 418222"/>
-                <a:gd name="connsiteX1" fmla="*/ 81767 w 83746"/>
-                <a:gd name="connsiteY1" fmla="*/ 162046 h 418222"/>
-                <a:gd name="connsiteX2" fmla="*/ 744 w 83746"/>
-                <a:gd name="connsiteY2" fmla="*/ 289367 h 418222"/>
-                <a:gd name="connsiteX3" fmla="*/ 39327 w 83746"/>
-                <a:gd name="connsiteY3" fmla="*/ 408972 h 418222"/>
-                <a:gd name="connsiteX4" fmla="*/ 39327 w 83746"/>
-                <a:gd name="connsiteY4" fmla="*/ 401256 h 418222"/>
-              </a:gdLst>
-              <a:ahLst/>
-              <a:cxnLst>
-                <a:cxn ang="0">
-                  <a:pos x="connsiteX0" y="connsiteY0"/>
-                </a:cxn>
-                <a:cxn ang="0">
-                  <a:pos x="connsiteX1" y="connsiteY1"/>
-                </a:cxn>
-                <a:cxn ang="0">
-                  <a:pos x="connsiteX2" y="connsiteY2"/>
-                </a:cxn>
-                <a:cxn ang="0">
-                  <a:pos x="connsiteX3" y="connsiteY3"/>
-                </a:cxn>
-                <a:cxn ang="0">
-                  <a:pos x="connsiteX4" y="connsiteY4"/>
-                </a:cxn>
-              </a:cxnLst>
-              <a:rect l="l" t="t" r="r" b="b"/>
-              <a:pathLst>
-                <a:path w="83746" h="418222">
-                  <a:moveTo>
-                    <a:pt x="50901" y="0"/>
-                  </a:moveTo>
-                  <a:cubicBezTo>
-                    <a:pt x="70513" y="56909"/>
-                    <a:pt x="90126" y="113818"/>
-                    <a:pt x="81767" y="162046"/>
-                  </a:cubicBezTo>
-                  <a:cubicBezTo>
-                    <a:pt x="73408" y="210274"/>
-                    <a:pt x="7817" y="248213"/>
-                    <a:pt x="744" y="289367"/>
-                  </a:cubicBezTo>
-                  <a:cubicBezTo>
-                    <a:pt x="-6329" y="330521"/>
-                    <a:pt x="39327" y="408972"/>
-                    <a:pt x="39327" y="408972"/>
-                  </a:cubicBezTo>
-                  <a:cubicBezTo>
-                    <a:pt x="45757" y="427620"/>
-                    <a:pt x="42542" y="414438"/>
-                    <a:pt x="39327" y="401256"/>
-                  </a:cubicBezTo>
-                </a:path>
-              </a:pathLst>
-            </a:custGeom>
-            <a:noFill/>
-            <a:ln>
-              <a:solidFill>
-                <a:schemeClr val="tx1"/>
-              </a:solidFill>
-            </a:ln>
-          </p:spPr>
-          <p:style>
-            <a:lnRef idx="2">
-              <a:schemeClr val="accent1">
-                <a:shade val="50000"/>
-              </a:schemeClr>
-            </a:lnRef>
-            <a:fillRef idx="1">
-              <a:schemeClr val="accent1"/>
-            </a:fillRef>
-            <a:effectRef idx="0">
-              <a:schemeClr val="accent1"/>
-            </a:effectRef>
-            <a:fontRef idx="minor">
-              <a:schemeClr val="lt1"/>
-            </a:fontRef>
-          </p:style>
-          <p:txBody>
-            <a:bodyPr rot="0" spcFirstLastPara="0" vertOverflow="overflow" horzOverflow="overflow" vert="horz" wrap="square" lIns="91440" tIns="45720" rIns="91440" bIns="45720" numCol="1" spcCol="0" rtlCol="0" fromWordArt="0" anchor="ctr" anchorCtr="0" forceAA="0" compatLnSpc="1">
-              <a:prstTxWarp prst="textNoShape">
-                <a:avLst/>
-              </a:prstTxWarp>
-              <a:noAutofit/>
-            </a:bodyPr>
-            <a:lstStyle/>
-            <a:p>
-              <a:pPr algn="ctr"/>
-              <a:endParaRPr lang="en-US">
-                <a:latin typeface="Arial" panose="020B0604020202020204" pitchFamily="34" charset="0"/>
-                <a:cs typeface="Arial" panose="020B0604020202020204" pitchFamily="34" charset="0"/>
-              </a:endParaRPr>
-            </a:p>
-          </p:txBody>
-        </p:sp>
-        <p:sp>
-          <p:nvSpPr>
-            <p:cNvPr id="100" name="Freeform 299">
-              <a:extLst>
-                <a:ext uri="{FF2B5EF4-FFF2-40B4-BE49-F238E27FC236}">
-                  <a16:creationId xmlns:a16="http://schemas.microsoft.com/office/drawing/2014/main" id="{75988DEF-C4D8-4706-7646-251DD938EBF7}"/>
-                </a:ext>
-              </a:extLst>
-            </p:cNvPr>
-            <p:cNvSpPr/>
-            <p:nvPr/>
-          </p:nvSpPr>
-          <p:spPr>
-            <a:xfrm>
-              <a:off x="1634548" y="515214"/>
-              <a:ext cx="45720" cy="137160"/>
-            </a:xfrm>
-            <a:custGeom>
-              <a:avLst/>
-              <a:gdLst>
-                <a:gd name="connsiteX0" fmla="*/ 50901 w 83746"/>
-                <a:gd name="connsiteY0" fmla="*/ 0 h 418222"/>
-                <a:gd name="connsiteX1" fmla="*/ 81767 w 83746"/>
-                <a:gd name="connsiteY1" fmla="*/ 162046 h 418222"/>
-                <a:gd name="connsiteX2" fmla="*/ 744 w 83746"/>
-                <a:gd name="connsiteY2" fmla="*/ 289367 h 418222"/>
-                <a:gd name="connsiteX3" fmla="*/ 39327 w 83746"/>
-                <a:gd name="connsiteY3" fmla="*/ 408972 h 418222"/>
-                <a:gd name="connsiteX4" fmla="*/ 39327 w 83746"/>
-                <a:gd name="connsiteY4" fmla="*/ 401256 h 418222"/>
-              </a:gdLst>
-              <a:ahLst/>
-              <a:cxnLst>
-                <a:cxn ang="0">
-                  <a:pos x="connsiteX0" y="connsiteY0"/>
-                </a:cxn>
-                <a:cxn ang="0">
-                  <a:pos x="connsiteX1" y="connsiteY1"/>
-                </a:cxn>
-                <a:cxn ang="0">
-                  <a:pos x="connsiteX2" y="connsiteY2"/>
-                </a:cxn>
-                <a:cxn ang="0">
-                  <a:pos x="connsiteX3" y="connsiteY3"/>
-                </a:cxn>
-                <a:cxn ang="0">
-                  <a:pos x="connsiteX4" y="connsiteY4"/>
-                </a:cxn>
-              </a:cxnLst>
-              <a:rect l="l" t="t" r="r" b="b"/>
-              <a:pathLst>
-                <a:path w="83746" h="418222">
-                  <a:moveTo>
-                    <a:pt x="50901" y="0"/>
-                  </a:moveTo>
-                  <a:cubicBezTo>
-                    <a:pt x="70513" y="56909"/>
-                    <a:pt x="90126" y="113818"/>
-                    <a:pt x="81767" y="162046"/>
-                  </a:cubicBezTo>
-                  <a:cubicBezTo>
-                    <a:pt x="73408" y="210274"/>
-                    <a:pt x="7817" y="248213"/>
-                    <a:pt x="744" y="289367"/>
-                  </a:cubicBezTo>
-                  <a:cubicBezTo>
-                    <a:pt x="-6329" y="330521"/>
-                    <a:pt x="39327" y="408972"/>
-                    <a:pt x="39327" y="408972"/>
-                  </a:cubicBezTo>
-                  <a:cubicBezTo>
-                    <a:pt x="45757" y="427620"/>
-                    <a:pt x="42542" y="414438"/>
-                    <a:pt x="39327" y="401256"/>
-                  </a:cubicBezTo>
-                </a:path>
-              </a:pathLst>
-            </a:custGeom>
-            <a:noFill/>
-            <a:ln>
-              <a:solidFill>
-                <a:schemeClr val="tx1"/>
-              </a:solidFill>
-            </a:ln>
-          </p:spPr>
-          <p:style>
-            <a:lnRef idx="2">
-              <a:schemeClr val="accent1">
-                <a:shade val="50000"/>
-              </a:schemeClr>
-            </a:lnRef>
-            <a:fillRef idx="1">
-              <a:schemeClr val="accent1"/>
-            </a:fillRef>
-            <a:effectRef idx="0">
-              <a:schemeClr val="accent1"/>
-            </a:effectRef>
-            <a:fontRef idx="minor">
-              <a:schemeClr val="lt1"/>
-            </a:fontRef>
-          </p:style>
-          <p:txBody>
-            <a:bodyPr rot="0" spcFirstLastPara="0" vertOverflow="overflow" horzOverflow="overflow" vert="horz" wrap="square" lIns="91440" tIns="45720" rIns="91440" bIns="45720" numCol="1" spcCol="0" rtlCol="0" fromWordArt="0" anchor="ctr" anchorCtr="0" forceAA="0" compatLnSpc="1">
-              <a:prstTxWarp prst="textNoShape">
-                <a:avLst/>
-              </a:prstTxWarp>
-              <a:noAutofit/>
-            </a:bodyPr>
-            <a:lstStyle/>
-            <a:p>
-              <a:pPr algn="ctr"/>
-              <a:endParaRPr lang="en-US">
-                <a:latin typeface="Arial" panose="020B0604020202020204" pitchFamily="34" charset="0"/>
-                <a:cs typeface="Arial" panose="020B0604020202020204" pitchFamily="34" charset="0"/>
-              </a:endParaRPr>
-            </a:p>
-          </p:txBody>
-        </p:sp>
-      </p:grpSp>
-      <p:cxnSp>
-        <p:nvCxnSpPr>
-          <p:cNvPr id="101" name="Straight Connector 100">
-            <a:extLst>
-              <a:ext uri="{FF2B5EF4-FFF2-40B4-BE49-F238E27FC236}">
-                <a16:creationId xmlns:a16="http://schemas.microsoft.com/office/drawing/2014/main" id="{7BD7A795-7B74-F6FE-2BC9-FB1CC972D33D}"/>
-              </a:ext>
-            </a:extLst>
-          </p:cNvPr>
-          <p:cNvCxnSpPr>
-            <a:cxnSpLocks/>
-          </p:cNvCxnSpPr>
-          <p:nvPr/>
-        </p:nvCxnSpPr>
-        <p:spPr>
-          <a:xfrm flipH="1">
-            <a:off x="4050479" y="213316"/>
-            <a:ext cx="0" cy="2084832"/>
-          </a:xfrm>
-          <a:prstGeom prst="line">
-            <a:avLst/>
-          </a:prstGeom>
-          <a:ln w="9525">
-            <a:solidFill>
-              <a:schemeClr val="tx1"/>
-            </a:solidFill>
-            <a:prstDash val="sysDot"/>
-          </a:ln>
-        </p:spPr>
-        <p:style>
-          <a:lnRef idx="1">
-            <a:schemeClr val="accent1"/>
-          </a:lnRef>
-          <a:fillRef idx="0">
-            <a:schemeClr val="accent1"/>
-          </a:fillRef>
-          <a:effectRef idx="0">
-            <a:schemeClr val="accent1"/>
-          </a:effectRef>
-          <a:fontRef idx="minor">
-            <a:schemeClr val="tx1"/>
-          </a:fontRef>
-        </p:style>
-      </p:cxnSp>
-      <p:cxnSp>
-        <p:nvCxnSpPr>
-          <p:cNvPr id="102" name="Straight Connector 101">
-            <a:extLst>
-              <a:ext uri="{FF2B5EF4-FFF2-40B4-BE49-F238E27FC236}">
-                <a16:creationId xmlns:a16="http://schemas.microsoft.com/office/drawing/2014/main" id="{A92A3F15-848C-BA21-09C6-5F0CEE0C3B4F}"/>
-              </a:ext>
-            </a:extLst>
-          </p:cNvPr>
-          <p:cNvCxnSpPr>
-            <a:cxnSpLocks/>
-          </p:cNvCxnSpPr>
-          <p:nvPr/>
-        </p:nvCxnSpPr>
-        <p:spPr>
-          <a:xfrm flipH="1">
-            <a:off x="4732828" y="213316"/>
-            <a:ext cx="0" cy="2084832"/>
-          </a:xfrm>
-          <a:prstGeom prst="line">
-            <a:avLst/>
-          </a:prstGeom>
-          <a:ln w="9525">
-            <a:solidFill>
-              <a:schemeClr val="tx1"/>
-            </a:solidFill>
-            <a:prstDash val="sysDot"/>
-          </a:ln>
-        </p:spPr>
-        <p:style>
-          <a:lnRef idx="1">
-            <a:schemeClr val="accent1"/>
-          </a:lnRef>
-          <a:fillRef idx="0">
-            <a:schemeClr val="accent1"/>
-          </a:fillRef>
-          <a:effectRef idx="0">
-            <a:schemeClr val="accent1"/>
-          </a:effectRef>
-          <a:fontRef idx="minor">
-            <a:schemeClr val="tx1"/>
-          </a:fontRef>
-        </p:style>
-      </p:cxnSp>
-      <p:sp>
-        <p:nvSpPr>
-          <p:cNvPr id="103" name="TextBox 102">
-            <a:extLst>
-              <a:ext uri="{FF2B5EF4-FFF2-40B4-BE49-F238E27FC236}">
-                <a16:creationId xmlns:a16="http://schemas.microsoft.com/office/drawing/2014/main" id="{8CE2F5D1-C660-5C8E-D9D0-6031FE878310}"/>
-              </a:ext>
-            </a:extLst>
-          </p:cNvPr>
-          <p:cNvSpPr txBox="1"/>
-          <p:nvPr/>
-        </p:nvSpPr>
-        <p:spPr>
-          <a:xfrm>
-            <a:off x="4209395" y="93720"/>
-            <a:ext cx="551754" cy="215444"/>
-          </a:xfrm>
-          <a:prstGeom prst="rect">
-            <a:avLst/>
-          </a:prstGeom>
-          <a:noFill/>
-        </p:spPr>
-        <p:txBody>
-          <a:bodyPr wrap="none" rtlCol="0">
-            <a:spAutoFit/>
-          </a:bodyPr>
-          <a:lstStyle/>
-          <a:p>
-            <a:pPr algn="ctr"/>
-            <a:r>
-              <a:rPr lang="en-US" sz="800" dirty="0">
-                <a:solidFill>
-                  <a:srgbClr val="00B050"/>
-                </a:solidFill>
-                <a:latin typeface="Arial" panose="020B0604020202020204" pitchFamily="34" charset="0"/>
-                <a:cs typeface="Arial" panose="020B0604020202020204" pitchFamily="34" charset="0"/>
-              </a:rPr>
-              <a:t>Block 8 </a:t>
-            </a:r>
-          </a:p>
-        </p:txBody>
-      </p:sp>
-      <p:sp>
-        <p:nvSpPr>
-          <p:cNvPr id="104" name="TextBox 103">
-            <a:extLst>
-              <a:ext uri="{FF2B5EF4-FFF2-40B4-BE49-F238E27FC236}">
-                <a16:creationId xmlns:a16="http://schemas.microsoft.com/office/drawing/2014/main" id="{D56CABB9-3ADD-B06F-24DD-D0606814CF2D}"/>
-              </a:ext>
-            </a:extLst>
-          </p:cNvPr>
-          <p:cNvSpPr txBox="1"/>
-          <p:nvPr/>
-        </p:nvSpPr>
-        <p:spPr>
-          <a:xfrm>
-            <a:off x="2627325" y="2313879"/>
-            <a:ext cx="466794" cy="246221"/>
-          </a:xfrm>
-          <a:prstGeom prst="rect">
-            <a:avLst/>
-          </a:prstGeom>
-          <a:noFill/>
-        </p:spPr>
-        <p:txBody>
-          <a:bodyPr wrap="none" rtlCol="0">
-            <a:spAutoFit/>
-          </a:bodyPr>
-          <a:lstStyle/>
-          <a:p>
-            <a:r>
-              <a:rPr lang="en-US" sz="1000" dirty="0">
-                <a:latin typeface="Arial" panose="020B0604020202020204" pitchFamily="34" charset="0"/>
-                <a:cs typeface="Arial" panose="020B0604020202020204" pitchFamily="34" charset="0"/>
-              </a:rPr>
-              <a:t>6.55 </a:t>
-            </a:r>
-          </a:p>
-        </p:txBody>
-      </p:sp>
-      <p:sp>
-        <p:nvSpPr>
-          <p:cNvPr id="105" name="TextBox 104">
-            <a:extLst>
-              <a:ext uri="{FF2B5EF4-FFF2-40B4-BE49-F238E27FC236}">
-                <a16:creationId xmlns:a16="http://schemas.microsoft.com/office/drawing/2014/main" id="{8D0F41BE-4B50-AC59-F1BA-F2859C7FD24D}"/>
-              </a:ext>
-            </a:extLst>
-          </p:cNvPr>
-          <p:cNvSpPr txBox="1"/>
-          <p:nvPr/>
-        </p:nvSpPr>
-        <p:spPr>
-          <a:xfrm>
-            <a:off x="1980372" y="2313879"/>
-            <a:ext cx="290464" cy="246221"/>
-          </a:xfrm>
-          <a:prstGeom prst="rect">
-            <a:avLst/>
-          </a:prstGeom>
-          <a:noFill/>
-        </p:spPr>
-        <p:txBody>
-          <a:bodyPr wrap="none" rtlCol="0">
-            <a:spAutoFit/>
-          </a:bodyPr>
-          <a:lstStyle/>
-          <a:p>
-            <a:r>
-              <a:rPr lang="en-US" sz="1000" dirty="0">
-                <a:latin typeface="Arial" panose="020B0604020202020204" pitchFamily="34" charset="0"/>
-                <a:cs typeface="Arial" panose="020B0604020202020204" pitchFamily="34" charset="0"/>
-              </a:rPr>
-              <a:t>0 </a:t>
-            </a:r>
-          </a:p>
-        </p:txBody>
-      </p:sp>
-      <p:cxnSp>
-        <p:nvCxnSpPr>
-          <p:cNvPr id="106" name="Straight Connector 105">
-            <a:extLst>
-              <a:ext uri="{FF2B5EF4-FFF2-40B4-BE49-F238E27FC236}">
-                <a16:creationId xmlns:a16="http://schemas.microsoft.com/office/drawing/2014/main" id="{452E2E08-C6B5-19F2-E569-17B19E9F9CBF}"/>
-              </a:ext>
-            </a:extLst>
-          </p:cNvPr>
-          <p:cNvCxnSpPr/>
-          <p:nvPr/>
-        </p:nvCxnSpPr>
-        <p:spPr>
-          <a:xfrm>
-            <a:off x="2760502" y="2306879"/>
-            <a:ext cx="0" cy="39927"/>
-          </a:xfrm>
-          <a:prstGeom prst="line">
-            <a:avLst/>
-          </a:prstGeom>
-          <a:ln w="12700">
-            <a:solidFill>
-              <a:schemeClr val="tx1"/>
-            </a:solidFill>
-          </a:ln>
-        </p:spPr>
-        <p:style>
-          <a:lnRef idx="1">
-            <a:schemeClr val="accent1"/>
-          </a:lnRef>
-          <a:fillRef idx="0">
-            <a:schemeClr val="accent1"/>
-          </a:fillRef>
-          <a:effectRef idx="0">
-            <a:schemeClr val="accent1"/>
-          </a:effectRef>
-          <a:fontRef idx="minor">
-            <a:schemeClr val="tx1"/>
-          </a:fontRef>
-        </p:style>
-      </p:cxnSp>
-      <p:cxnSp>
-        <p:nvCxnSpPr>
-          <p:cNvPr id="107" name="Straight Connector 106">
-            <a:extLst>
-              <a:ext uri="{FF2B5EF4-FFF2-40B4-BE49-F238E27FC236}">
-                <a16:creationId xmlns:a16="http://schemas.microsoft.com/office/drawing/2014/main" id="{DAF9F590-0E1A-1902-4B6A-9A28EF0A7B43}"/>
-              </a:ext>
-            </a:extLst>
-          </p:cNvPr>
-          <p:cNvCxnSpPr/>
-          <p:nvPr/>
-        </p:nvCxnSpPr>
-        <p:spPr>
-          <a:xfrm>
-            <a:off x="3448649" y="2304368"/>
-            <a:ext cx="0" cy="39927"/>
-          </a:xfrm>
-          <a:prstGeom prst="line">
-            <a:avLst/>
-          </a:prstGeom>
-          <a:ln w="12700">
-            <a:solidFill>
-              <a:schemeClr val="tx1"/>
-            </a:solidFill>
-          </a:ln>
-        </p:spPr>
-        <p:style>
-          <a:lnRef idx="1">
-            <a:schemeClr val="accent1"/>
-          </a:lnRef>
-          <a:fillRef idx="0">
-            <a:schemeClr val="accent1"/>
-          </a:fillRef>
-          <a:effectRef idx="0">
-            <a:schemeClr val="accent1"/>
-          </a:effectRef>
-          <a:fontRef idx="minor">
-            <a:schemeClr val="tx1"/>
-          </a:fontRef>
-        </p:style>
-      </p:cxnSp>
-      <p:sp>
-        <p:nvSpPr>
-          <p:cNvPr id="108" name="TextBox 107">
-            <a:extLst>
-              <a:ext uri="{FF2B5EF4-FFF2-40B4-BE49-F238E27FC236}">
-                <a16:creationId xmlns:a16="http://schemas.microsoft.com/office/drawing/2014/main" id="{9C4E34FA-82F0-5C60-2A8E-2C81720FA161}"/>
-              </a:ext>
-            </a:extLst>
-          </p:cNvPr>
-          <p:cNvSpPr txBox="1"/>
-          <p:nvPr/>
-        </p:nvSpPr>
-        <p:spPr>
-          <a:xfrm>
-            <a:off x="3285863" y="2313879"/>
-            <a:ext cx="431528" cy="246221"/>
-          </a:xfrm>
-          <a:prstGeom prst="rect">
-            <a:avLst/>
-          </a:prstGeom>
-          <a:noFill/>
-        </p:spPr>
-        <p:txBody>
-          <a:bodyPr wrap="none" rtlCol="0">
-            <a:spAutoFit/>
-          </a:bodyPr>
-          <a:lstStyle/>
-          <a:p>
-            <a:r>
-              <a:rPr lang="en-US" sz="1000" dirty="0">
-                <a:latin typeface="Arial" panose="020B0604020202020204" pitchFamily="34" charset="0"/>
-                <a:cs typeface="Arial" panose="020B0604020202020204" pitchFamily="34" charset="0"/>
-              </a:rPr>
-              <a:t>13.1</a:t>
-            </a:r>
-          </a:p>
-        </p:txBody>
-      </p:sp>
-      <p:grpSp>
-        <p:nvGrpSpPr>
-          <p:cNvPr id="109" name="Group 108">
-            <a:extLst>
-              <a:ext uri="{FF2B5EF4-FFF2-40B4-BE49-F238E27FC236}">
-                <a16:creationId xmlns:a16="http://schemas.microsoft.com/office/drawing/2014/main" id="{50DDE42A-618C-C4F9-4D57-27FB3F90A3FD}"/>
-              </a:ext>
-            </a:extLst>
-          </p:cNvPr>
-          <p:cNvGrpSpPr/>
-          <p:nvPr/>
-        </p:nvGrpSpPr>
-        <p:grpSpPr>
-          <a:xfrm>
-            <a:off x="3739665" y="2234055"/>
-            <a:ext cx="57365" cy="101335"/>
-            <a:chOff x="1602622" y="515214"/>
-            <a:chExt cx="77646" cy="137160"/>
-          </a:xfrm>
-        </p:grpSpPr>
-        <p:sp>
-          <p:nvSpPr>
-            <p:cNvPr id="110" name="Freeform 128">
-              <a:extLst>
-                <a:ext uri="{FF2B5EF4-FFF2-40B4-BE49-F238E27FC236}">
-                  <a16:creationId xmlns:a16="http://schemas.microsoft.com/office/drawing/2014/main" id="{28C655D9-1966-D52B-F96A-E593F54F08CB}"/>
-                </a:ext>
-              </a:extLst>
-            </p:cNvPr>
-            <p:cNvSpPr/>
-            <p:nvPr/>
-          </p:nvSpPr>
-          <p:spPr>
-            <a:xfrm>
-              <a:off x="1602622" y="515214"/>
-              <a:ext cx="45720" cy="137160"/>
-            </a:xfrm>
-            <a:custGeom>
-              <a:avLst/>
-              <a:gdLst>
-                <a:gd name="connsiteX0" fmla="*/ 50901 w 83746"/>
-                <a:gd name="connsiteY0" fmla="*/ 0 h 418222"/>
-                <a:gd name="connsiteX1" fmla="*/ 81767 w 83746"/>
-                <a:gd name="connsiteY1" fmla="*/ 162046 h 418222"/>
-                <a:gd name="connsiteX2" fmla="*/ 744 w 83746"/>
-                <a:gd name="connsiteY2" fmla="*/ 289367 h 418222"/>
-                <a:gd name="connsiteX3" fmla="*/ 39327 w 83746"/>
-                <a:gd name="connsiteY3" fmla="*/ 408972 h 418222"/>
-                <a:gd name="connsiteX4" fmla="*/ 39327 w 83746"/>
-                <a:gd name="connsiteY4" fmla="*/ 401256 h 418222"/>
-              </a:gdLst>
-              <a:ahLst/>
-              <a:cxnLst>
-                <a:cxn ang="0">
-                  <a:pos x="connsiteX0" y="connsiteY0"/>
-                </a:cxn>
-                <a:cxn ang="0">
-                  <a:pos x="connsiteX1" y="connsiteY1"/>
-                </a:cxn>
-                <a:cxn ang="0">
-                  <a:pos x="connsiteX2" y="connsiteY2"/>
-                </a:cxn>
-                <a:cxn ang="0">
-                  <a:pos x="connsiteX3" y="connsiteY3"/>
-                </a:cxn>
-                <a:cxn ang="0">
-                  <a:pos x="connsiteX4" y="connsiteY4"/>
-                </a:cxn>
-              </a:cxnLst>
-              <a:rect l="l" t="t" r="r" b="b"/>
-              <a:pathLst>
-                <a:path w="83746" h="418222">
-                  <a:moveTo>
-                    <a:pt x="50901" y="0"/>
-                  </a:moveTo>
-                  <a:cubicBezTo>
-                    <a:pt x="70513" y="56909"/>
-                    <a:pt x="90126" y="113818"/>
-                    <a:pt x="81767" y="162046"/>
-                  </a:cubicBezTo>
-                  <a:cubicBezTo>
-                    <a:pt x="73408" y="210274"/>
-                    <a:pt x="7817" y="248213"/>
-                    <a:pt x="744" y="289367"/>
-                  </a:cubicBezTo>
-                  <a:cubicBezTo>
-                    <a:pt x="-6329" y="330521"/>
-                    <a:pt x="39327" y="408972"/>
-                    <a:pt x="39327" y="408972"/>
-                  </a:cubicBezTo>
-                  <a:cubicBezTo>
-                    <a:pt x="45757" y="427620"/>
-                    <a:pt x="42542" y="414438"/>
-                    <a:pt x="39327" y="401256"/>
-                  </a:cubicBezTo>
-                </a:path>
-              </a:pathLst>
-            </a:custGeom>
-            <a:noFill/>
-            <a:ln>
-              <a:solidFill>
-                <a:schemeClr val="tx1"/>
-              </a:solidFill>
-            </a:ln>
-          </p:spPr>
-          <p:style>
-            <a:lnRef idx="2">
-              <a:schemeClr val="accent1">
-                <a:shade val="50000"/>
-              </a:schemeClr>
-            </a:lnRef>
-            <a:fillRef idx="1">
-              <a:schemeClr val="accent1"/>
-            </a:fillRef>
-            <a:effectRef idx="0">
-              <a:schemeClr val="accent1"/>
-            </a:effectRef>
-            <a:fontRef idx="minor">
-              <a:schemeClr val="lt1"/>
-            </a:fontRef>
-          </p:style>
-          <p:txBody>
-            <a:bodyPr rot="0" spcFirstLastPara="0" vertOverflow="overflow" horzOverflow="overflow" vert="horz" wrap="square" lIns="91440" tIns="45720" rIns="91440" bIns="45720" numCol="1" spcCol="0" rtlCol="0" fromWordArt="0" anchor="ctr" anchorCtr="0" forceAA="0" compatLnSpc="1">
-              <a:prstTxWarp prst="textNoShape">
-                <a:avLst/>
-              </a:prstTxWarp>
-              <a:noAutofit/>
-            </a:bodyPr>
-            <a:lstStyle/>
-            <a:p>
-              <a:pPr algn="ctr"/>
-              <a:endParaRPr lang="en-US"/>
-            </a:p>
-          </p:txBody>
-        </p:sp>
-        <p:sp>
-          <p:nvSpPr>
-            <p:cNvPr id="111" name="Freeform 129">
-              <a:extLst>
-                <a:ext uri="{FF2B5EF4-FFF2-40B4-BE49-F238E27FC236}">
-                  <a16:creationId xmlns:a16="http://schemas.microsoft.com/office/drawing/2014/main" id="{740106CA-2491-3996-970F-FB52ECCF7B7C}"/>
-                </a:ext>
-              </a:extLst>
-            </p:cNvPr>
-            <p:cNvSpPr/>
-            <p:nvPr/>
-          </p:nvSpPr>
-          <p:spPr>
-            <a:xfrm>
-              <a:off x="1634548" y="515214"/>
-              <a:ext cx="45720" cy="137160"/>
-            </a:xfrm>
-            <a:custGeom>
-              <a:avLst/>
-              <a:gdLst>
-                <a:gd name="connsiteX0" fmla="*/ 50901 w 83746"/>
-                <a:gd name="connsiteY0" fmla="*/ 0 h 418222"/>
-                <a:gd name="connsiteX1" fmla="*/ 81767 w 83746"/>
-                <a:gd name="connsiteY1" fmla="*/ 162046 h 418222"/>
-                <a:gd name="connsiteX2" fmla="*/ 744 w 83746"/>
-                <a:gd name="connsiteY2" fmla="*/ 289367 h 418222"/>
-                <a:gd name="connsiteX3" fmla="*/ 39327 w 83746"/>
-                <a:gd name="connsiteY3" fmla="*/ 408972 h 418222"/>
-                <a:gd name="connsiteX4" fmla="*/ 39327 w 83746"/>
-                <a:gd name="connsiteY4" fmla="*/ 401256 h 418222"/>
-              </a:gdLst>
-              <a:ahLst/>
-              <a:cxnLst>
-                <a:cxn ang="0">
-                  <a:pos x="connsiteX0" y="connsiteY0"/>
-                </a:cxn>
-                <a:cxn ang="0">
-                  <a:pos x="connsiteX1" y="connsiteY1"/>
-                </a:cxn>
-                <a:cxn ang="0">
-                  <a:pos x="connsiteX2" y="connsiteY2"/>
-                </a:cxn>
-                <a:cxn ang="0">
-                  <a:pos x="connsiteX3" y="connsiteY3"/>
-                </a:cxn>
-                <a:cxn ang="0">
-                  <a:pos x="connsiteX4" y="connsiteY4"/>
-                </a:cxn>
-              </a:cxnLst>
-              <a:rect l="l" t="t" r="r" b="b"/>
-              <a:pathLst>
-                <a:path w="83746" h="418222">
-                  <a:moveTo>
-                    <a:pt x="50901" y="0"/>
-                  </a:moveTo>
-                  <a:cubicBezTo>
-                    <a:pt x="70513" y="56909"/>
-                    <a:pt x="90126" y="113818"/>
-                    <a:pt x="81767" y="162046"/>
-                  </a:cubicBezTo>
-                  <a:cubicBezTo>
-                    <a:pt x="73408" y="210274"/>
-                    <a:pt x="7817" y="248213"/>
-                    <a:pt x="744" y="289367"/>
-                  </a:cubicBezTo>
-                  <a:cubicBezTo>
-                    <a:pt x="-6329" y="330521"/>
-                    <a:pt x="39327" y="408972"/>
-                    <a:pt x="39327" y="408972"/>
-                  </a:cubicBezTo>
-                  <a:cubicBezTo>
-                    <a:pt x="45757" y="427620"/>
-                    <a:pt x="42542" y="414438"/>
-                    <a:pt x="39327" y="401256"/>
-                  </a:cubicBezTo>
-                </a:path>
-              </a:pathLst>
-            </a:custGeom>
-            <a:noFill/>
-            <a:ln>
-              <a:solidFill>
-                <a:schemeClr val="tx1"/>
-              </a:solidFill>
-            </a:ln>
-          </p:spPr>
-          <p:style>
-            <a:lnRef idx="2">
-              <a:schemeClr val="accent1">
-                <a:shade val="50000"/>
-              </a:schemeClr>
-            </a:lnRef>
-            <a:fillRef idx="1">
-              <a:schemeClr val="accent1"/>
-            </a:fillRef>
-            <a:effectRef idx="0">
-              <a:schemeClr val="accent1"/>
-            </a:effectRef>
-            <a:fontRef idx="minor">
-              <a:schemeClr val="lt1"/>
-            </a:fontRef>
-          </p:style>
-          <p:txBody>
-            <a:bodyPr rot="0" spcFirstLastPara="0" vertOverflow="overflow" horzOverflow="overflow" vert="horz" wrap="square" lIns="91440" tIns="45720" rIns="91440" bIns="45720" numCol="1" spcCol="0" rtlCol="0" fromWordArt="0" anchor="ctr" anchorCtr="0" forceAA="0" compatLnSpc="1">
-              <a:prstTxWarp prst="textNoShape">
-                <a:avLst/>
-              </a:prstTxWarp>
-              <a:noAutofit/>
-            </a:bodyPr>
-            <a:lstStyle/>
-            <a:p>
-              <a:pPr algn="ctr"/>
-              <a:endParaRPr lang="en-US"/>
-            </a:p>
-          </p:txBody>
-        </p:sp>
-      </p:grpSp>
-      <p:grpSp>
-        <p:nvGrpSpPr>
-          <p:cNvPr id="112" name="Group 111">
-            <a:extLst>
-              <a:ext uri="{FF2B5EF4-FFF2-40B4-BE49-F238E27FC236}">
-                <a16:creationId xmlns:a16="http://schemas.microsoft.com/office/drawing/2014/main" id="{BAC1D56F-94A3-554C-4995-228478A84416}"/>
-              </a:ext>
-            </a:extLst>
-          </p:cNvPr>
-          <p:cNvGrpSpPr/>
-          <p:nvPr/>
-        </p:nvGrpSpPr>
-        <p:grpSpPr>
-          <a:xfrm>
-            <a:off x="4358762" y="2234055"/>
-            <a:ext cx="57365" cy="101335"/>
-            <a:chOff x="1602622" y="515214"/>
-            <a:chExt cx="77646" cy="137160"/>
-          </a:xfrm>
-        </p:grpSpPr>
-        <p:sp>
-          <p:nvSpPr>
-            <p:cNvPr id="113" name="Freeform 131">
-              <a:extLst>
-                <a:ext uri="{FF2B5EF4-FFF2-40B4-BE49-F238E27FC236}">
-                  <a16:creationId xmlns:a16="http://schemas.microsoft.com/office/drawing/2014/main" id="{D3A8555D-C5BB-CB8C-1983-527D25E9AC58}"/>
-                </a:ext>
-              </a:extLst>
-            </p:cNvPr>
-            <p:cNvSpPr/>
-            <p:nvPr/>
-          </p:nvSpPr>
-          <p:spPr>
-            <a:xfrm>
-              <a:off x="1602622" y="515214"/>
-              <a:ext cx="45720" cy="137160"/>
-            </a:xfrm>
-            <a:custGeom>
-              <a:avLst/>
-              <a:gdLst>
-                <a:gd name="connsiteX0" fmla="*/ 50901 w 83746"/>
-                <a:gd name="connsiteY0" fmla="*/ 0 h 418222"/>
-                <a:gd name="connsiteX1" fmla="*/ 81767 w 83746"/>
-                <a:gd name="connsiteY1" fmla="*/ 162046 h 418222"/>
-                <a:gd name="connsiteX2" fmla="*/ 744 w 83746"/>
-                <a:gd name="connsiteY2" fmla="*/ 289367 h 418222"/>
-                <a:gd name="connsiteX3" fmla="*/ 39327 w 83746"/>
-                <a:gd name="connsiteY3" fmla="*/ 408972 h 418222"/>
-                <a:gd name="connsiteX4" fmla="*/ 39327 w 83746"/>
-                <a:gd name="connsiteY4" fmla="*/ 401256 h 418222"/>
-              </a:gdLst>
-              <a:ahLst/>
-              <a:cxnLst>
-                <a:cxn ang="0">
-                  <a:pos x="connsiteX0" y="connsiteY0"/>
-                </a:cxn>
-                <a:cxn ang="0">
-                  <a:pos x="connsiteX1" y="connsiteY1"/>
-                </a:cxn>
-                <a:cxn ang="0">
-                  <a:pos x="connsiteX2" y="connsiteY2"/>
-                </a:cxn>
-                <a:cxn ang="0">
-                  <a:pos x="connsiteX3" y="connsiteY3"/>
-                </a:cxn>
-                <a:cxn ang="0">
-                  <a:pos x="connsiteX4" y="connsiteY4"/>
-                </a:cxn>
-              </a:cxnLst>
-              <a:rect l="l" t="t" r="r" b="b"/>
-              <a:pathLst>
-                <a:path w="83746" h="418222">
-                  <a:moveTo>
-                    <a:pt x="50901" y="0"/>
-                  </a:moveTo>
-                  <a:cubicBezTo>
-                    <a:pt x="70513" y="56909"/>
-                    <a:pt x="90126" y="113818"/>
-                    <a:pt x="81767" y="162046"/>
-                  </a:cubicBezTo>
-                  <a:cubicBezTo>
-                    <a:pt x="73408" y="210274"/>
-                    <a:pt x="7817" y="248213"/>
-                    <a:pt x="744" y="289367"/>
-                  </a:cubicBezTo>
-                  <a:cubicBezTo>
-                    <a:pt x="-6329" y="330521"/>
-                    <a:pt x="39327" y="408972"/>
-                    <a:pt x="39327" y="408972"/>
-                  </a:cubicBezTo>
-                  <a:cubicBezTo>
-                    <a:pt x="45757" y="427620"/>
-                    <a:pt x="42542" y="414438"/>
-                    <a:pt x="39327" y="401256"/>
-                  </a:cubicBezTo>
-                </a:path>
-              </a:pathLst>
-            </a:custGeom>
-            <a:noFill/>
-            <a:ln>
-              <a:solidFill>
-                <a:schemeClr val="tx1"/>
-              </a:solidFill>
-            </a:ln>
-          </p:spPr>
-          <p:style>
-            <a:lnRef idx="2">
-              <a:schemeClr val="accent1">
-                <a:shade val="50000"/>
-              </a:schemeClr>
-            </a:lnRef>
-            <a:fillRef idx="1">
-              <a:schemeClr val="accent1"/>
-            </a:fillRef>
-            <a:effectRef idx="0">
-              <a:schemeClr val="accent1"/>
-            </a:effectRef>
-            <a:fontRef idx="minor">
-              <a:schemeClr val="lt1"/>
-            </a:fontRef>
-          </p:style>
-          <p:txBody>
-            <a:bodyPr rot="0" spcFirstLastPara="0" vertOverflow="overflow" horzOverflow="overflow" vert="horz" wrap="square" lIns="91440" tIns="45720" rIns="91440" bIns="45720" numCol="1" spcCol="0" rtlCol="0" fromWordArt="0" anchor="ctr" anchorCtr="0" forceAA="0" compatLnSpc="1">
-              <a:prstTxWarp prst="textNoShape">
-                <a:avLst/>
-              </a:prstTxWarp>
-              <a:noAutofit/>
-            </a:bodyPr>
-            <a:lstStyle/>
-            <a:p>
-              <a:pPr algn="ctr"/>
-              <a:endParaRPr lang="en-US"/>
-            </a:p>
-          </p:txBody>
-        </p:sp>
-        <p:sp>
-          <p:nvSpPr>
-            <p:cNvPr id="114" name="Freeform 132">
-              <a:extLst>
-                <a:ext uri="{FF2B5EF4-FFF2-40B4-BE49-F238E27FC236}">
-                  <a16:creationId xmlns:a16="http://schemas.microsoft.com/office/drawing/2014/main" id="{BC279124-6E5C-86CC-BD44-497A29F2FBBE}"/>
-                </a:ext>
-              </a:extLst>
-            </p:cNvPr>
-            <p:cNvSpPr/>
-            <p:nvPr/>
-          </p:nvSpPr>
-          <p:spPr>
-            <a:xfrm>
-              <a:off x="1634548" y="515214"/>
-              <a:ext cx="45720" cy="137160"/>
-            </a:xfrm>
-            <a:custGeom>
-              <a:avLst/>
-              <a:gdLst>
-                <a:gd name="connsiteX0" fmla="*/ 50901 w 83746"/>
-                <a:gd name="connsiteY0" fmla="*/ 0 h 418222"/>
-                <a:gd name="connsiteX1" fmla="*/ 81767 w 83746"/>
-                <a:gd name="connsiteY1" fmla="*/ 162046 h 418222"/>
-                <a:gd name="connsiteX2" fmla="*/ 744 w 83746"/>
-                <a:gd name="connsiteY2" fmla="*/ 289367 h 418222"/>
-                <a:gd name="connsiteX3" fmla="*/ 39327 w 83746"/>
-                <a:gd name="connsiteY3" fmla="*/ 408972 h 418222"/>
-                <a:gd name="connsiteX4" fmla="*/ 39327 w 83746"/>
-                <a:gd name="connsiteY4" fmla="*/ 401256 h 418222"/>
-              </a:gdLst>
-              <a:ahLst/>
-              <a:cxnLst>
-                <a:cxn ang="0">
-                  <a:pos x="connsiteX0" y="connsiteY0"/>
-                </a:cxn>
-                <a:cxn ang="0">
-                  <a:pos x="connsiteX1" y="connsiteY1"/>
-                </a:cxn>
-                <a:cxn ang="0">
-                  <a:pos x="connsiteX2" y="connsiteY2"/>
-                </a:cxn>
-                <a:cxn ang="0">
-                  <a:pos x="connsiteX3" y="connsiteY3"/>
-                </a:cxn>
-                <a:cxn ang="0">
-                  <a:pos x="connsiteX4" y="connsiteY4"/>
-                </a:cxn>
-              </a:cxnLst>
-              <a:rect l="l" t="t" r="r" b="b"/>
-              <a:pathLst>
-                <a:path w="83746" h="418222">
-                  <a:moveTo>
-                    <a:pt x="50901" y="0"/>
-                  </a:moveTo>
-                  <a:cubicBezTo>
-                    <a:pt x="70513" y="56909"/>
-                    <a:pt x="90126" y="113818"/>
-                    <a:pt x="81767" y="162046"/>
-                  </a:cubicBezTo>
-                  <a:cubicBezTo>
-                    <a:pt x="73408" y="210274"/>
-                    <a:pt x="7817" y="248213"/>
-                    <a:pt x="744" y="289367"/>
-                  </a:cubicBezTo>
-                  <a:cubicBezTo>
-                    <a:pt x="-6329" y="330521"/>
-                    <a:pt x="39327" y="408972"/>
-                    <a:pt x="39327" y="408972"/>
-                  </a:cubicBezTo>
-                  <a:cubicBezTo>
-                    <a:pt x="45757" y="427620"/>
-                    <a:pt x="42542" y="414438"/>
-                    <a:pt x="39327" y="401256"/>
-                  </a:cubicBezTo>
-                </a:path>
-              </a:pathLst>
-            </a:custGeom>
-            <a:noFill/>
-            <a:ln>
-              <a:solidFill>
-                <a:schemeClr val="tx1"/>
-              </a:solidFill>
-            </a:ln>
-          </p:spPr>
-          <p:style>
-            <a:lnRef idx="2">
-              <a:schemeClr val="accent1">
-                <a:shade val="50000"/>
-              </a:schemeClr>
-            </a:lnRef>
-            <a:fillRef idx="1">
-              <a:schemeClr val="accent1"/>
-            </a:fillRef>
-            <a:effectRef idx="0">
-              <a:schemeClr val="accent1"/>
-            </a:effectRef>
-            <a:fontRef idx="minor">
-              <a:schemeClr val="lt1"/>
-            </a:fontRef>
-          </p:style>
-          <p:txBody>
-            <a:bodyPr rot="0" spcFirstLastPara="0" vertOverflow="overflow" horzOverflow="overflow" vert="horz" wrap="square" lIns="91440" tIns="45720" rIns="91440" bIns="45720" numCol="1" spcCol="0" rtlCol="0" fromWordArt="0" anchor="ctr" anchorCtr="0" forceAA="0" compatLnSpc="1">
-              <a:prstTxWarp prst="textNoShape">
-                <a:avLst/>
-              </a:prstTxWarp>
-              <a:noAutofit/>
-            </a:bodyPr>
-            <a:lstStyle/>
-            <a:p>
-              <a:pPr algn="ctr"/>
-              <a:endParaRPr lang="en-US"/>
-            </a:p>
-          </p:txBody>
-        </p:sp>
-      </p:grpSp>
-      <p:grpSp>
-        <p:nvGrpSpPr>
-          <p:cNvPr id="115" name="Group 114">
-            <a:extLst>
-              <a:ext uri="{FF2B5EF4-FFF2-40B4-BE49-F238E27FC236}">
-                <a16:creationId xmlns:a16="http://schemas.microsoft.com/office/drawing/2014/main" id="{B102DE2C-73DF-BF72-4DED-DE7B46F2F867}"/>
-              </a:ext>
-            </a:extLst>
-          </p:cNvPr>
-          <p:cNvGrpSpPr/>
-          <p:nvPr/>
-        </p:nvGrpSpPr>
-        <p:grpSpPr>
-          <a:xfrm>
-            <a:off x="4056209" y="2106180"/>
-            <a:ext cx="254701" cy="197729"/>
-            <a:chOff x="1264082" y="826651"/>
-            <a:chExt cx="344745" cy="267633"/>
-          </a:xfrm>
-        </p:grpSpPr>
-        <p:cxnSp>
-          <p:nvCxnSpPr>
-            <p:cNvPr id="116" name="Straight Connector 115">
-              <a:extLst>
-                <a:ext uri="{FF2B5EF4-FFF2-40B4-BE49-F238E27FC236}">
-                  <a16:creationId xmlns:a16="http://schemas.microsoft.com/office/drawing/2014/main" id="{594AB039-668B-4177-D2B3-99FF46F0833E}"/>
-                </a:ext>
-              </a:extLst>
-            </p:cNvPr>
-            <p:cNvCxnSpPr/>
-            <p:nvPr/>
-          </p:nvCxnSpPr>
-          <p:spPr>
-            <a:xfrm>
-              <a:off x="1348450" y="840287"/>
-              <a:ext cx="0" cy="249746"/>
-            </a:xfrm>
-            <a:prstGeom prst="line">
-              <a:avLst/>
-            </a:prstGeom>
-            <a:ln cap="flat">
-              <a:solidFill>
-                <a:srgbClr val="FF0000"/>
-              </a:solidFill>
-            </a:ln>
-          </p:spPr>
-          <p:style>
-            <a:lnRef idx="1">
-              <a:schemeClr val="accent1"/>
-            </a:lnRef>
-            <a:fillRef idx="0">
-              <a:schemeClr val="accent1"/>
-            </a:fillRef>
-            <a:effectRef idx="0">
-              <a:schemeClr val="accent1"/>
-            </a:effectRef>
-            <a:fontRef idx="minor">
-              <a:schemeClr val="tx1"/>
-            </a:fontRef>
-          </p:style>
-        </p:cxnSp>
-        <p:cxnSp>
-          <p:nvCxnSpPr>
-            <p:cNvPr id="117" name="Straight Connector 116">
-              <a:extLst>
-                <a:ext uri="{FF2B5EF4-FFF2-40B4-BE49-F238E27FC236}">
-                  <a16:creationId xmlns:a16="http://schemas.microsoft.com/office/drawing/2014/main" id="{F0DE5C8D-52BA-3C27-D3AD-8FA3E67904AE}"/>
-                </a:ext>
-              </a:extLst>
-            </p:cNvPr>
-            <p:cNvCxnSpPr/>
-            <p:nvPr/>
-          </p:nvCxnSpPr>
-          <p:spPr>
-            <a:xfrm>
-              <a:off x="1439858" y="830152"/>
-              <a:ext cx="0" cy="249743"/>
-            </a:xfrm>
-            <a:prstGeom prst="line">
-              <a:avLst/>
-            </a:prstGeom>
-            <a:ln cap="flat">
-              <a:solidFill>
-                <a:srgbClr val="FF0000"/>
-              </a:solidFill>
-            </a:ln>
-          </p:spPr>
-          <p:style>
-            <a:lnRef idx="1">
-              <a:schemeClr val="accent1"/>
-            </a:lnRef>
-            <a:fillRef idx="0">
-              <a:schemeClr val="accent1"/>
-            </a:fillRef>
-            <a:effectRef idx="0">
-              <a:schemeClr val="accent1"/>
-            </a:effectRef>
-            <a:fontRef idx="minor">
-              <a:schemeClr val="tx1"/>
-            </a:fontRef>
-          </p:style>
-        </p:cxnSp>
-        <p:cxnSp>
-          <p:nvCxnSpPr>
-            <p:cNvPr id="118" name="Straight Connector 117">
-              <a:extLst>
-                <a:ext uri="{FF2B5EF4-FFF2-40B4-BE49-F238E27FC236}">
-                  <a16:creationId xmlns:a16="http://schemas.microsoft.com/office/drawing/2014/main" id="{95ACEB02-B25C-D3FA-A6C8-BB84079147DD}"/>
-                </a:ext>
-              </a:extLst>
-            </p:cNvPr>
-            <p:cNvCxnSpPr/>
-            <p:nvPr/>
-          </p:nvCxnSpPr>
-          <p:spPr>
-            <a:xfrm>
-              <a:off x="1607705" y="832387"/>
-              <a:ext cx="0" cy="249743"/>
-            </a:xfrm>
-            <a:prstGeom prst="line">
-              <a:avLst/>
-            </a:prstGeom>
-            <a:ln cap="flat">
-              <a:solidFill>
-                <a:srgbClr val="FF0000"/>
-              </a:solidFill>
-            </a:ln>
-          </p:spPr>
-          <p:style>
-            <a:lnRef idx="1">
-              <a:schemeClr val="accent1"/>
-            </a:lnRef>
-            <a:fillRef idx="0">
-              <a:schemeClr val="accent1"/>
-            </a:fillRef>
-            <a:effectRef idx="0">
-              <a:schemeClr val="accent1"/>
-            </a:effectRef>
-            <a:fontRef idx="minor">
-              <a:schemeClr val="tx1"/>
-            </a:fontRef>
-          </p:style>
-        </p:cxnSp>
-        <p:cxnSp>
-          <p:nvCxnSpPr>
-            <p:cNvPr id="119" name="Straight Connector 118">
-              <a:extLst>
-                <a:ext uri="{FF2B5EF4-FFF2-40B4-BE49-F238E27FC236}">
-                  <a16:creationId xmlns:a16="http://schemas.microsoft.com/office/drawing/2014/main" id="{81EA57A7-B25F-7F33-6013-E1BE5B91E434}"/>
-                </a:ext>
-              </a:extLst>
-            </p:cNvPr>
-            <p:cNvCxnSpPr/>
-            <p:nvPr/>
-          </p:nvCxnSpPr>
-          <p:spPr>
-            <a:xfrm flipH="1">
-              <a:off x="1264082" y="836786"/>
-              <a:ext cx="83329" cy="257498"/>
-            </a:xfrm>
-            <a:prstGeom prst="line">
-              <a:avLst/>
-            </a:prstGeom>
-            <a:ln cap="flat">
-              <a:solidFill>
-                <a:srgbClr val="FF0000"/>
-              </a:solidFill>
-            </a:ln>
-          </p:spPr>
-          <p:style>
-            <a:lnRef idx="1">
-              <a:schemeClr val="accent1"/>
-            </a:lnRef>
-            <a:fillRef idx="0">
-              <a:schemeClr val="accent1"/>
-            </a:fillRef>
-            <a:effectRef idx="0">
-              <a:schemeClr val="accent1"/>
-            </a:effectRef>
-            <a:fontRef idx="minor">
-              <a:schemeClr val="tx1"/>
-            </a:fontRef>
-          </p:style>
-        </p:cxnSp>
-        <p:cxnSp>
-          <p:nvCxnSpPr>
-            <p:cNvPr id="120" name="Straight Connector 119">
-              <a:extLst>
-                <a:ext uri="{FF2B5EF4-FFF2-40B4-BE49-F238E27FC236}">
-                  <a16:creationId xmlns:a16="http://schemas.microsoft.com/office/drawing/2014/main" id="{36638F37-76A0-0163-B4B9-0D364B359DF6}"/>
-                </a:ext>
-              </a:extLst>
-            </p:cNvPr>
-            <p:cNvCxnSpPr/>
-            <p:nvPr/>
-          </p:nvCxnSpPr>
-          <p:spPr>
-            <a:xfrm flipH="1">
-              <a:off x="1352518" y="826651"/>
-              <a:ext cx="83329" cy="257498"/>
-            </a:xfrm>
-            <a:prstGeom prst="line">
-              <a:avLst/>
-            </a:prstGeom>
-            <a:ln cap="flat">
-              <a:solidFill>
-                <a:srgbClr val="FF0000"/>
-              </a:solidFill>
-            </a:ln>
-          </p:spPr>
-          <p:style>
-            <a:lnRef idx="1">
-              <a:schemeClr val="accent1"/>
-            </a:lnRef>
-            <a:fillRef idx="0">
-              <a:schemeClr val="accent1"/>
-            </a:fillRef>
-            <a:effectRef idx="0">
-              <a:schemeClr val="accent1"/>
-            </a:effectRef>
-            <a:fontRef idx="minor">
-              <a:schemeClr val="tx1"/>
-            </a:fontRef>
-          </p:style>
-        </p:cxnSp>
-        <p:cxnSp>
-          <p:nvCxnSpPr>
-            <p:cNvPr id="121" name="Straight Connector 120">
-              <a:extLst>
-                <a:ext uri="{FF2B5EF4-FFF2-40B4-BE49-F238E27FC236}">
-                  <a16:creationId xmlns:a16="http://schemas.microsoft.com/office/drawing/2014/main" id="{7E5B744F-7A4D-DB7D-027B-282107F2A5EC}"/>
-                </a:ext>
-              </a:extLst>
-            </p:cNvPr>
-            <p:cNvCxnSpPr/>
-            <p:nvPr/>
-          </p:nvCxnSpPr>
-          <p:spPr>
-            <a:xfrm flipH="1">
-              <a:off x="1525498" y="826651"/>
-              <a:ext cx="83329" cy="257498"/>
-            </a:xfrm>
-            <a:prstGeom prst="line">
-              <a:avLst/>
-            </a:prstGeom>
-            <a:ln cap="flat">
-              <a:solidFill>
-                <a:srgbClr val="FF0000"/>
-              </a:solidFill>
-            </a:ln>
-          </p:spPr>
-          <p:style>
-            <a:lnRef idx="1">
-              <a:schemeClr val="accent1"/>
-            </a:lnRef>
-            <a:fillRef idx="0">
-              <a:schemeClr val="accent1"/>
-            </a:fillRef>
-            <a:effectRef idx="0">
-              <a:schemeClr val="accent1"/>
-            </a:effectRef>
-            <a:fontRef idx="minor">
-              <a:schemeClr val="tx1"/>
-            </a:fontRef>
-          </p:style>
-        </p:cxnSp>
-      </p:grpSp>
-      <p:grpSp>
-        <p:nvGrpSpPr>
-          <p:cNvPr id="122" name="Group 121">
-            <a:extLst>
-              <a:ext uri="{FF2B5EF4-FFF2-40B4-BE49-F238E27FC236}">
-                <a16:creationId xmlns:a16="http://schemas.microsoft.com/office/drawing/2014/main" id="{0566536E-A5B8-1BAB-6AD8-AA1C6B98C730}"/>
-              </a:ext>
-            </a:extLst>
-          </p:cNvPr>
-          <p:cNvGrpSpPr/>
-          <p:nvPr/>
-        </p:nvGrpSpPr>
-        <p:grpSpPr>
-          <a:xfrm>
-            <a:off x="4476772" y="2106180"/>
-            <a:ext cx="254701" cy="197729"/>
-            <a:chOff x="1264082" y="826651"/>
-            <a:chExt cx="344745" cy="267633"/>
-          </a:xfrm>
-        </p:grpSpPr>
-        <p:cxnSp>
-          <p:nvCxnSpPr>
-            <p:cNvPr id="123" name="Straight Connector 122">
-              <a:extLst>
-                <a:ext uri="{FF2B5EF4-FFF2-40B4-BE49-F238E27FC236}">
-                  <a16:creationId xmlns:a16="http://schemas.microsoft.com/office/drawing/2014/main" id="{6AC99264-41FF-90FE-74CA-A36B2BC01EB7}"/>
-                </a:ext>
-              </a:extLst>
-            </p:cNvPr>
-            <p:cNvCxnSpPr/>
-            <p:nvPr/>
-          </p:nvCxnSpPr>
-          <p:spPr>
-            <a:xfrm>
-              <a:off x="1348450" y="840287"/>
-              <a:ext cx="0" cy="249746"/>
-            </a:xfrm>
-            <a:prstGeom prst="line">
-              <a:avLst/>
-            </a:prstGeom>
-            <a:ln cap="flat">
-              <a:solidFill>
-                <a:srgbClr val="FF0000"/>
-              </a:solidFill>
-            </a:ln>
-          </p:spPr>
-          <p:style>
-            <a:lnRef idx="1">
-              <a:schemeClr val="accent1"/>
-            </a:lnRef>
-            <a:fillRef idx="0">
-              <a:schemeClr val="accent1"/>
-            </a:fillRef>
-            <a:effectRef idx="0">
-              <a:schemeClr val="accent1"/>
-            </a:effectRef>
-            <a:fontRef idx="minor">
-              <a:schemeClr val="tx1"/>
-            </a:fontRef>
-          </p:style>
-        </p:cxnSp>
-        <p:cxnSp>
-          <p:nvCxnSpPr>
-            <p:cNvPr id="124" name="Straight Connector 123">
-              <a:extLst>
-                <a:ext uri="{FF2B5EF4-FFF2-40B4-BE49-F238E27FC236}">
-                  <a16:creationId xmlns:a16="http://schemas.microsoft.com/office/drawing/2014/main" id="{4D57095F-8BBE-0F0B-EE9A-D05132491118}"/>
-                </a:ext>
-              </a:extLst>
-            </p:cNvPr>
-            <p:cNvCxnSpPr/>
-            <p:nvPr/>
-          </p:nvCxnSpPr>
-          <p:spPr>
-            <a:xfrm>
-              <a:off x="1439858" y="830152"/>
-              <a:ext cx="0" cy="249743"/>
-            </a:xfrm>
-            <a:prstGeom prst="line">
-              <a:avLst/>
-            </a:prstGeom>
-            <a:ln cap="flat">
-              <a:solidFill>
-                <a:srgbClr val="FF0000"/>
-              </a:solidFill>
-            </a:ln>
-          </p:spPr>
-          <p:style>
-            <a:lnRef idx="1">
-              <a:schemeClr val="accent1"/>
-            </a:lnRef>
-            <a:fillRef idx="0">
-              <a:schemeClr val="accent1"/>
-            </a:fillRef>
-            <a:effectRef idx="0">
-              <a:schemeClr val="accent1"/>
-            </a:effectRef>
-            <a:fontRef idx="minor">
-              <a:schemeClr val="tx1"/>
-            </a:fontRef>
-          </p:style>
-        </p:cxnSp>
-        <p:cxnSp>
-          <p:nvCxnSpPr>
-            <p:cNvPr id="125" name="Straight Connector 124">
-              <a:extLst>
-                <a:ext uri="{FF2B5EF4-FFF2-40B4-BE49-F238E27FC236}">
-                  <a16:creationId xmlns:a16="http://schemas.microsoft.com/office/drawing/2014/main" id="{7AC6C2D6-E7D1-1163-D91F-92C080D2ACF4}"/>
-                </a:ext>
-              </a:extLst>
-            </p:cNvPr>
-            <p:cNvCxnSpPr/>
-            <p:nvPr/>
-          </p:nvCxnSpPr>
-          <p:spPr>
-            <a:xfrm>
-              <a:off x="1607705" y="832387"/>
-              <a:ext cx="0" cy="249743"/>
-            </a:xfrm>
-            <a:prstGeom prst="line">
-              <a:avLst/>
-            </a:prstGeom>
-            <a:ln cap="flat">
-              <a:solidFill>
-                <a:srgbClr val="FF0000"/>
-              </a:solidFill>
-            </a:ln>
-          </p:spPr>
-          <p:style>
-            <a:lnRef idx="1">
-              <a:schemeClr val="accent1"/>
-            </a:lnRef>
-            <a:fillRef idx="0">
-              <a:schemeClr val="accent1"/>
-            </a:fillRef>
-            <a:effectRef idx="0">
-              <a:schemeClr val="accent1"/>
-            </a:effectRef>
-            <a:fontRef idx="minor">
-              <a:schemeClr val="tx1"/>
-            </a:fontRef>
-          </p:style>
-        </p:cxnSp>
-        <p:cxnSp>
-          <p:nvCxnSpPr>
-            <p:cNvPr id="126" name="Straight Connector 125">
-              <a:extLst>
-                <a:ext uri="{FF2B5EF4-FFF2-40B4-BE49-F238E27FC236}">
-                  <a16:creationId xmlns:a16="http://schemas.microsoft.com/office/drawing/2014/main" id="{A2508F72-25D8-645D-5260-F3E5C85A6D18}"/>
-                </a:ext>
-              </a:extLst>
-            </p:cNvPr>
-            <p:cNvCxnSpPr/>
-            <p:nvPr/>
-          </p:nvCxnSpPr>
-          <p:spPr>
-            <a:xfrm flipH="1">
-              <a:off x="1264082" y="836786"/>
-              <a:ext cx="83329" cy="257498"/>
-            </a:xfrm>
-            <a:prstGeom prst="line">
-              <a:avLst/>
-            </a:prstGeom>
-            <a:ln cap="flat">
-              <a:solidFill>
-                <a:srgbClr val="FF0000"/>
-              </a:solidFill>
-            </a:ln>
-          </p:spPr>
-          <p:style>
-            <a:lnRef idx="1">
-              <a:schemeClr val="accent1"/>
-            </a:lnRef>
-            <a:fillRef idx="0">
-              <a:schemeClr val="accent1"/>
-            </a:fillRef>
-            <a:effectRef idx="0">
-              <a:schemeClr val="accent1"/>
-            </a:effectRef>
-            <a:fontRef idx="minor">
-              <a:schemeClr val="tx1"/>
-            </a:fontRef>
-          </p:style>
-        </p:cxnSp>
-        <p:cxnSp>
-          <p:nvCxnSpPr>
-            <p:cNvPr id="127" name="Straight Connector 126">
-              <a:extLst>
-                <a:ext uri="{FF2B5EF4-FFF2-40B4-BE49-F238E27FC236}">
-                  <a16:creationId xmlns:a16="http://schemas.microsoft.com/office/drawing/2014/main" id="{F02F41DA-DE0E-40B5-0BFB-83EE8B6BC3A1}"/>
-                </a:ext>
-              </a:extLst>
-            </p:cNvPr>
-            <p:cNvCxnSpPr/>
-            <p:nvPr/>
-          </p:nvCxnSpPr>
-          <p:spPr>
-            <a:xfrm flipH="1">
-              <a:off x="1352518" y="826651"/>
-              <a:ext cx="83329" cy="257498"/>
-            </a:xfrm>
-            <a:prstGeom prst="line">
-              <a:avLst/>
-            </a:prstGeom>
-            <a:ln cap="flat">
-              <a:solidFill>
-                <a:srgbClr val="FF0000"/>
-              </a:solidFill>
-            </a:ln>
-          </p:spPr>
-          <p:style>
-            <a:lnRef idx="1">
-              <a:schemeClr val="accent1"/>
-            </a:lnRef>
-            <a:fillRef idx="0">
-              <a:schemeClr val="accent1"/>
-            </a:fillRef>
-            <a:effectRef idx="0">
-              <a:schemeClr val="accent1"/>
-            </a:effectRef>
-            <a:fontRef idx="minor">
-              <a:schemeClr val="tx1"/>
-            </a:fontRef>
-          </p:style>
-        </p:cxnSp>
-        <p:cxnSp>
-          <p:nvCxnSpPr>
-            <p:cNvPr id="128" name="Straight Connector 127">
-              <a:extLst>
-                <a:ext uri="{FF2B5EF4-FFF2-40B4-BE49-F238E27FC236}">
-                  <a16:creationId xmlns:a16="http://schemas.microsoft.com/office/drawing/2014/main" id="{62718F4C-B028-5339-4A27-CD03F764E842}"/>
-                </a:ext>
-              </a:extLst>
-            </p:cNvPr>
-            <p:cNvCxnSpPr/>
-            <p:nvPr/>
-          </p:nvCxnSpPr>
-          <p:spPr>
-            <a:xfrm flipH="1">
-              <a:off x="1525498" y="826651"/>
-              <a:ext cx="83329" cy="257498"/>
-            </a:xfrm>
-            <a:prstGeom prst="line">
-              <a:avLst/>
-            </a:prstGeom>
-            <a:ln cap="flat">
-              <a:solidFill>
-                <a:srgbClr val="FF0000"/>
-              </a:solidFill>
-            </a:ln>
-          </p:spPr>
-          <p:style>
-            <a:lnRef idx="1">
-              <a:schemeClr val="accent1"/>
-            </a:lnRef>
-            <a:fillRef idx="0">
-              <a:schemeClr val="accent1"/>
-            </a:fillRef>
-            <a:effectRef idx="0">
-              <a:schemeClr val="accent1"/>
-            </a:effectRef>
-            <a:fontRef idx="minor">
-              <a:schemeClr val="tx1"/>
-            </a:fontRef>
-          </p:style>
-        </p:cxnSp>
-      </p:grpSp>
-      <p:sp>
-        <p:nvSpPr>
-          <p:cNvPr id="129" name="TextBox 128">
-            <a:extLst>
-              <a:ext uri="{FF2B5EF4-FFF2-40B4-BE49-F238E27FC236}">
-                <a16:creationId xmlns:a16="http://schemas.microsoft.com/office/drawing/2014/main" id="{5AE6DD09-65E6-9E7C-C330-12FDEBC1C6A5}"/>
-              </a:ext>
-            </a:extLst>
-          </p:cNvPr>
-          <p:cNvSpPr txBox="1"/>
-          <p:nvPr/>
-        </p:nvSpPr>
-        <p:spPr>
-          <a:xfrm>
-            <a:off x="3908018" y="2313879"/>
-            <a:ext cx="502061" cy="246221"/>
-          </a:xfrm>
-          <a:prstGeom prst="rect">
-            <a:avLst/>
-          </a:prstGeom>
-          <a:noFill/>
-        </p:spPr>
-        <p:txBody>
-          <a:bodyPr wrap="none" rtlCol="0">
-            <a:spAutoFit/>
-          </a:bodyPr>
-          <a:lstStyle/>
-          <a:p>
-            <a:r>
-              <a:rPr lang="en-US" sz="1000" dirty="0">
-                <a:latin typeface="Arial" panose="020B0604020202020204" pitchFamily="34" charset="0"/>
-                <a:cs typeface="Arial" panose="020B0604020202020204" pitchFamily="34" charset="0"/>
-              </a:rPr>
-              <a:t>45.85</a:t>
-            </a:r>
-          </a:p>
-        </p:txBody>
-      </p:sp>
-      <p:sp>
-        <p:nvSpPr>
-          <p:cNvPr id="130" name="TextBox 129">
-            <a:extLst>
-              <a:ext uri="{FF2B5EF4-FFF2-40B4-BE49-F238E27FC236}">
-                <a16:creationId xmlns:a16="http://schemas.microsoft.com/office/drawing/2014/main" id="{5FC75859-1CDE-AFB7-1B98-E96C48518FD0}"/>
-              </a:ext>
-            </a:extLst>
-          </p:cNvPr>
-          <p:cNvSpPr txBox="1"/>
-          <p:nvPr/>
-        </p:nvSpPr>
-        <p:spPr>
-          <a:xfrm>
-            <a:off x="4572887" y="2313879"/>
-            <a:ext cx="431528" cy="246221"/>
-          </a:xfrm>
-          <a:prstGeom prst="rect">
-            <a:avLst/>
-          </a:prstGeom>
-          <a:noFill/>
-        </p:spPr>
-        <p:txBody>
-          <a:bodyPr wrap="none" rtlCol="0">
-            <a:spAutoFit/>
-          </a:bodyPr>
-          <a:lstStyle/>
-          <a:p>
-            <a:r>
-              <a:rPr lang="en-US" sz="1000" dirty="0">
-                <a:latin typeface="Arial" panose="020B0604020202020204" pitchFamily="34" charset="0"/>
-                <a:cs typeface="Arial" panose="020B0604020202020204" pitchFamily="34" charset="0"/>
-              </a:rPr>
-              <a:t>52.4</a:t>
-            </a:r>
-          </a:p>
-        </p:txBody>
-      </p:sp>
-      <p:sp>
-        <p:nvSpPr>
-          <p:cNvPr id="131" name="TextBox 130">
-            <a:extLst>
-              <a:ext uri="{FF2B5EF4-FFF2-40B4-BE49-F238E27FC236}">
-                <a16:creationId xmlns:a16="http://schemas.microsoft.com/office/drawing/2014/main" id="{03017A75-8792-37B7-23E8-40C658EB344B}"/>
-              </a:ext>
-            </a:extLst>
-          </p:cNvPr>
-          <p:cNvSpPr txBox="1"/>
-          <p:nvPr/>
-        </p:nvSpPr>
-        <p:spPr>
-          <a:xfrm>
-            <a:off x="2163883" y="1632443"/>
-            <a:ext cx="1136529" cy="107850"/>
-          </a:xfrm>
-          <a:prstGeom prst="rect">
-            <a:avLst/>
-          </a:prstGeom>
-          <a:solidFill>
-            <a:schemeClr val="bg1"/>
-          </a:solidFill>
-        </p:spPr>
-        <p:txBody>
-          <a:bodyPr wrap="none" lIns="0" tIns="0" rIns="0" bIns="0" rtlCol="0">
-            <a:spAutoFit/>
-          </a:bodyPr>
-          <a:lstStyle/>
-          <a:p>
-            <a:pPr algn="ctr"/>
-            <a:r>
-              <a:rPr lang="en-US" sz="701" dirty="0">
-                <a:latin typeface="Arial" panose="020B0604020202020204" pitchFamily="34" charset="0"/>
-                <a:cs typeface="Arial" panose="020B0604020202020204" pitchFamily="34" charset="0"/>
-              </a:rPr>
-              <a:t>Saw-tooth × 16 × 32 repeats</a:t>
-            </a:r>
-          </a:p>
-        </p:txBody>
-      </p:sp>
-      <p:cxnSp>
-        <p:nvCxnSpPr>
-          <p:cNvPr id="132" name="Straight Arrow Connector 131">
-            <a:extLst>
-              <a:ext uri="{FF2B5EF4-FFF2-40B4-BE49-F238E27FC236}">
-                <a16:creationId xmlns:a16="http://schemas.microsoft.com/office/drawing/2014/main" id="{00E23B35-5861-2C8E-15E9-CC9203A5389C}"/>
-              </a:ext>
-            </a:extLst>
-          </p:cNvPr>
-          <p:cNvCxnSpPr/>
-          <p:nvPr/>
-        </p:nvCxnSpPr>
-        <p:spPr>
-          <a:xfrm flipV="1">
-            <a:off x="2071175" y="2307535"/>
-            <a:ext cx="338328" cy="1435"/>
-          </a:xfrm>
-          <a:prstGeom prst="straightConnector1">
-            <a:avLst/>
-          </a:prstGeom>
-          <a:ln w="19050">
-            <a:solidFill>
-              <a:schemeClr val="tx1"/>
-            </a:solidFill>
-            <a:tailEnd type="none"/>
-          </a:ln>
-        </p:spPr>
-        <p:style>
-          <a:lnRef idx="1">
-            <a:schemeClr val="accent1"/>
-          </a:lnRef>
-          <a:fillRef idx="0">
-            <a:schemeClr val="accent1"/>
-          </a:fillRef>
-          <a:effectRef idx="0">
-            <a:schemeClr val="accent1"/>
-          </a:effectRef>
-          <a:fontRef idx="minor">
-            <a:schemeClr val="tx1"/>
-          </a:fontRef>
-        </p:style>
-      </p:cxnSp>
-      <p:cxnSp>
-        <p:nvCxnSpPr>
-          <p:cNvPr id="133" name="Straight Arrow Connector 132">
-            <a:extLst>
-              <a:ext uri="{FF2B5EF4-FFF2-40B4-BE49-F238E27FC236}">
-                <a16:creationId xmlns:a16="http://schemas.microsoft.com/office/drawing/2014/main" id="{4F24088D-416C-8A0C-DAD4-274A53B44DCA}"/>
-              </a:ext>
-            </a:extLst>
-          </p:cNvPr>
-          <p:cNvCxnSpPr/>
-          <p:nvPr/>
-        </p:nvCxnSpPr>
-        <p:spPr>
-          <a:xfrm flipV="1">
-            <a:off x="2425674" y="2307535"/>
-            <a:ext cx="649224" cy="1435"/>
-          </a:xfrm>
-          <a:prstGeom prst="straightConnector1">
-            <a:avLst/>
-          </a:prstGeom>
-          <a:ln w="19050">
-            <a:solidFill>
-              <a:schemeClr val="tx1"/>
-            </a:solidFill>
-            <a:tailEnd type="none"/>
-          </a:ln>
-        </p:spPr>
-        <p:style>
-          <a:lnRef idx="1">
-            <a:schemeClr val="accent1"/>
-          </a:lnRef>
-          <a:fillRef idx="0">
-            <a:schemeClr val="accent1"/>
-          </a:fillRef>
-          <a:effectRef idx="0">
-            <a:schemeClr val="accent1"/>
-          </a:effectRef>
-          <a:fontRef idx="minor">
-            <a:schemeClr val="tx1"/>
-          </a:fontRef>
-        </p:style>
-      </p:cxnSp>
-      <p:cxnSp>
-        <p:nvCxnSpPr>
-          <p:cNvPr id="134" name="Straight Arrow Connector 133">
-            <a:extLst>
-              <a:ext uri="{FF2B5EF4-FFF2-40B4-BE49-F238E27FC236}">
-                <a16:creationId xmlns:a16="http://schemas.microsoft.com/office/drawing/2014/main" id="{66FCB7F7-837B-EF0B-A66F-DFD3D263F0CA}"/>
-              </a:ext>
-            </a:extLst>
-          </p:cNvPr>
-          <p:cNvCxnSpPr/>
-          <p:nvPr/>
-        </p:nvCxnSpPr>
-        <p:spPr>
-          <a:xfrm flipV="1">
-            <a:off x="3772025" y="2307535"/>
-            <a:ext cx="594360" cy="1435"/>
-          </a:xfrm>
-          <a:prstGeom prst="straightConnector1">
-            <a:avLst/>
-          </a:prstGeom>
-          <a:ln w="19050">
-            <a:solidFill>
-              <a:schemeClr val="tx1"/>
-            </a:solidFill>
-            <a:tailEnd type="none"/>
-          </a:ln>
-        </p:spPr>
-        <p:style>
-          <a:lnRef idx="1">
-            <a:schemeClr val="accent1"/>
-          </a:lnRef>
-          <a:fillRef idx="0">
-            <a:schemeClr val="accent1"/>
-          </a:fillRef>
-          <a:effectRef idx="0">
-            <a:schemeClr val="accent1"/>
-          </a:effectRef>
-          <a:fontRef idx="minor">
-            <a:schemeClr val="tx1"/>
-          </a:fontRef>
-        </p:style>
-      </p:cxnSp>
-      <p:cxnSp>
-        <p:nvCxnSpPr>
-          <p:cNvPr id="135" name="Straight Arrow Connector 134">
-            <a:extLst>
-              <a:ext uri="{FF2B5EF4-FFF2-40B4-BE49-F238E27FC236}">
-                <a16:creationId xmlns:a16="http://schemas.microsoft.com/office/drawing/2014/main" id="{F134504B-943A-A420-A831-D24BFFECFF91}"/>
-              </a:ext>
-            </a:extLst>
-          </p:cNvPr>
-          <p:cNvCxnSpPr/>
-          <p:nvPr/>
-        </p:nvCxnSpPr>
-        <p:spPr>
-          <a:xfrm flipV="1">
-            <a:off x="3098822" y="2307535"/>
-            <a:ext cx="640080" cy="1435"/>
-          </a:xfrm>
-          <a:prstGeom prst="straightConnector1">
-            <a:avLst/>
-          </a:prstGeom>
-          <a:ln w="19050">
-            <a:solidFill>
-              <a:schemeClr val="tx1"/>
-            </a:solidFill>
-            <a:tailEnd type="none"/>
-          </a:ln>
-        </p:spPr>
-        <p:style>
-          <a:lnRef idx="1">
-            <a:schemeClr val="accent1"/>
-          </a:lnRef>
-          <a:fillRef idx="0">
-            <a:schemeClr val="accent1"/>
-          </a:fillRef>
-          <a:effectRef idx="0">
-            <a:schemeClr val="accent1"/>
-          </a:effectRef>
-          <a:fontRef idx="minor">
-            <a:schemeClr val="tx1"/>
-          </a:fontRef>
-        </p:style>
-      </p:cxnSp>
-      <p:cxnSp>
-        <p:nvCxnSpPr>
-          <p:cNvPr id="136" name="Straight Arrow Connector 135">
-            <a:extLst>
-              <a:ext uri="{FF2B5EF4-FFF2-40B4-BE49-F238E27FC236}">
-                <a16:creationId xmlns:a16="http://schemas.microsoft.com/office/drawing/2014/main" id="{25157CBF-95AB-84FB-24D3-2CC715E84F52}"/>
-              </a:ext>
-            </a:extLst>
-          </p:cNvPr>
-          <p:cNvCxnSpPr/>
-          <p:nvPr/>
-        </p:nvCxnSpPr>
-        <p:spPr>
-          <a:xfrm flipV="1">
-            <a:off x="4383612" y="2307535"/>
-            <a:ext cx="475488" cy="1435"/>
-          </a:xfrm>
-          <a:prstGeom prst="straightConnector1">
-            <a:avLst/>
-          </a:prstGeom>
-          <a:ln w="19050">
-            <a:solidFill>
-              <a:schemeClr val="tx1"/>
-            </a:solidFill>
-            <a:tailEnd type="triangle"/>
-          </a:ln>
-        </p:spPr>
-        <p:style>
-          <a:lnRef idx="1">
-            <a:schemeClr val="accent1"/>
-          </a:lnRef>
-          <a:fillRef idx="0">
-            <a:schemeClr val="accent1"/>
-          </a:fillRef>
-          <a:effectRef idx="0">
-            <a:schemeClr val="accent1"/>
-          </a:effectRef>
-          <a:fontRef idx="minor">
-            <a:schemeClr val="tx1"/>
-          </a:fontRef>
-        </p:style>
-      </p:cxnSp>
-      <p:cxnSp>
-        <p:nvCxnSpPr>
-          <p:cNvPr id="137" name="Straight Connector 136">
-            <a:extLst>
-              <a:ext uri="{FF2B5EF4-FFF2-40B4-BE49-F238E27FC236}">
-                <a16:creationId xmlns:a16="http://schemas.microsoft.com/office/drawing/2014/main" id="{93082F1E-707E-3270-A956-65004F6BBB8E}"/>
-              </a:ext>
-            </a:extLst>
-          </p:cNvPr>
-          <p:cNvCxnSpPr/>
-          <p:nvPr/>
-        </p:nvCxnSpPr>
-        <p:spPr>
-          <a:xfrm>
-            <a:off x="4049325" y="2302009"/>
-            <a:ext cx="0" cy="39927"/>
-          </a:xfrm>
-          <a:prstGeom prst="line">
-            <a:avLst/>
-          </a:prstGeom>
-          <a:ln w="12700">
-            <a:solidFill>
-              <a:schemeClr val="tx1"/>
-            </a:solidFill>
-          </a:ln>
-        </p:spPr>
-        <p:style>
-          <a:lnRef idx="1">
-            <a:schemeClr val="accent1"/>
-          </a:lnRef>
-          <a:fillRef idx="0">
-            <a:schemeClr val="accent1"/>
-          </a:fillRef>
-          <a:effectRef idx="0">
-            <a:schemeClr val="accent1"/>
-          </a:effectRef>
-          <a:fontRef idx="minor">
-            <a:schemeClr val="tx1"/>
-          </a:fontRef>
-        </p:style>
-      </p:cxnSp>
-      <p:cxnSp>
-        <p:nvCxnSpPr>
-          <p:cNvPr id="138" name="Straight Connector 137">
-            <a:extLst>
-              <a:ext uri="{FF2B5EF4-FFF2-40B4-BE49-F238E27FC236}">
-                <a16:creationId xmlns:a16="http://schemas.microsoft.com/office/drawing/2014/main" id="{07606B84-97B7-FD74-019F-CDEA77669F09}"/>
-              </a:ext>
-            </a:extLst>
-          </p:cNvPr>
-          <p:cNvCxnSpPr/>
-          <p:nvPr/>
-        </p:nvCxnSpPr>
-        <p:spPr>
-          <a:xfrm>
-            <a:off x="4739260" y="2302009"/>
-            <a:ext cx="0" cy="39927"/>
-          </a:xfrm>
-          <a:prstGeom prst="line">
-            <a:avLst/>
-          </a:prstGeom>
-          <a:ln w="12700">
-            <a:solidFill>
-              <a:schemeClr val="tx1"/>
-            </a:solidFill>
-          </a:ln>
-        </p:spPr>
-        <p:style>
-          <a:lnRef idx="1">
-            <a:schemeClr val="accent1"/>
-          </a:lnRef>
-          <a:fillRef idx="0">
-            <a:schemeClr val="accent1"/>
-          </a:fillRef>
-          <a:effectRef idx="0">
-            <a:schemeClr val="accent1"/>
-          </a:effectRef>
-          <a:fontRef idx="minor">
-            <a:schemeClr val="tx1"/>
-          </a:fontRef>
-        </p:style>
-      </p:cxnSp>
-      <p:grpSp>
-        <p:nvGrpSpPr>
-          <p:cNvPr id="139" name="Group 138">
-            <a:extLst>
-              <a:ext uri="{FF2B5EF4-FFF2-40B4-BE49-F238E27FC236}">
-                <a16:creationId xmlns:a16="http://schemas.microsoft.com/office/drawing/2014/main" id="{3B207DD5-164B-DCF2-C73D-08AD7F2085F1}"/>
-              </a:ext>
-            </a:extLst>
-          </p:cNvPr>
-          <p:cNvGrpSpPr/>
-          <p:nvPr/>
-        </p:nvGrpSpPr>
-        <p:grpSpPr>
-          <a:xfrm rot="5400000">
-            <a:off x="2044793" y="537573"/>
-            <a:ext cx="67195" cy="101336"/>
-            <a:chOff x="1602622" y="515214"/>
-            <a:chExt cx="90952" cy="137161"/>
-          </a:xfrm>
-        </p:grpSpPr>
-        <p:sp>
-          <p:nvSpPr>
-            <p:cNvPr id="140" name="Freeform 328">
-              <a:extLst>
-                <a:ext uri="{FF2B5EF4-FFF2-40B4-BE49-F238E27FC236}">
-                  <a16:creationId xmlns:a16="http://schemas.microsoft.com/office/drawing/2014/main" id="{F133F1C8-CD9D-2F36-C818-F67D4E661D26}"/>
-                </a:ext>
-              </a:extLst>
-            </p:cNvPr>
-            <p:cNvSpPr/>
-            <p:nvPr/>
-          </p:nvSpPr>
-          <p:spPr>
-            <a:xfrm>
-              <a:off x="1602622" y="515214"/>
-              <a:ext cx="45720" cy="137160"/>
-            </a:xfrm>
-            <a:custGeom>
-              <a:avLst/>
-              <a:gdLst>
-                <a:gd name="connsiteX0" fmla="*/ 50901 w 83746"/>
-                <a:gd name="connsiteY0" fmla="*/ 0 h 418222"/>
-                <a:gd name="connsiteX1" fmla="*/ 81767 w 83746"/>
-                <a:gd name="connsiteY1" fmla="*/ 162046 h 418222"/>
-                <a:gd name="connsiteX2" fmla="*/ 744 w 83746"/>
-                <a:gd name="connsiteY2" fmla="*/ 289367 h 418222"/>
-                <a:gd name="connsiteX3" fmla="*/ 39327 w 83746"/>
-                <a:gd name="connsiteY3" fmla="*/ 408972 h 418222"/>
-                <a:gd name="connsiteX4" fmla="*/ 39327 w 83746"/>
-                <a:gd name="connsiteY4" fmla="*/ 401256 h 418222"/>
-              </a:gdLst>
-              <a:ahLst/>
-              <a:cxnLst>
-                <a:cxn ang="0">
-                  <a:pos x="connsiteX0" y="connsiteY0"/>
-                </a:cxn>
-                <a:cxn ang="0">
-                  <a:pos x="connsiteX1" y="connsiteY1"/>
-                </a:cxn>
-                <a:cxn ang="0">
-                  <a:pos x="connsiteX2" y="connsiteY2"/>
-                </a:cxn>
-                <a:cxn ang="0">
-                  <a:pos x="connsiteX3" y="connsiteY3"/>
-                </a:cxn>
-                <a:cxn ang="0">
-                  <a:pos x="connsiteX4" y="connsiteY4"/>
-                </a:cxn>
-              </a:cxnLst>
-              <a:rect l="l" t="t" r="r" b="b"/>
-              <a:pathLst>
-                <a:path w="83746" h="418222">
-                  <a:moveTo>
-                    <a:pt x="50901" y="0"/>
-                  </a:moveTo>
-                  <a:cubicBezTo>
-                    <a:pt x="70513" y="56909"/>
-                    <a:pt x="90126" y="113818"/>
-                    <a:pt x="81767" y="162046"/>
-                  </a:cubicBezTo>
-                  <a:cubicBezTo>
-                    <a:pt x="73408" y="210274"/>
-                    <a:pt x="7817" y="248213"/>
-                    <a:pt x="744" y="289367"/>
-                  </a:cubicBezTo>
-                  <a:cubicBezTo>
-                    <a:pt x="-6329" y="330521"/>
-                    <a:pt x="39327" y="408972"/>
-                    <a:pt x="39327" y="408972"/>
-                  </a:cubicBezTo>
-                  <a:cubicBezTo>
-                    <a:pt x="45757" y="427620"/>
-                    <a:pt x="42542" y="414438"/>
-                    <a:pt x="39327" y="401256"/>
-                  </a:cubicBezTo>
-                </a:path>
-              </a:pathLst>
-            </a:custGeom>
-            <a:noFill/>
-            <a:ln>
-              <a:solidFill>
-                <a:schemeClr val="tx1"/>
-              </a:solidFill>
-            </a:ln>
-          </p:spPr>
-          <p:style>
-            <a:lnRef idx="2">
-              <a:schemeClr val="accent1">
-                <a:shade val="50000"/>
-              </a:schemeClr>
-            </a:lnRef>
-            <a:fillRef idx="1">
-              <a:schemeClr val="accent1"/>
-            </a:fillRef>
-            <a:effectRef idx="0">
-              <a:schemeClr val="accent1"/>
-            </a:effectRef>
-            <a:fontRef idx="minor">
-              <a:schemeClr val="lt1"/>
-            </a:fontRef>
-          </p:style>
-          <p:txBody>
-            <a:bodyPr rot="0" spcFirstLastPara="0" vertOverflow="overflow" horzOverflow="overflow" vert="horz" wrap="square" lIns="91440" tIns="45720" rIns="91440" bIns="45720" numCol="1" spcCol="0" rtlCol="0" fromWordArt="0" anchor="ctr" anchorCtr="0" forceAA="0" compatLnSpc="1">
-              <a:prstTxWarp prst="textNoShape">
-                <a:avLst/>
-              </a:prstTxWarp>
-              <a:noAutofit/>
-            </a:bodyPr>
-            <a:lstStyle/>
-            <a:p>
-              <a:pPr algn="ctr"/>
-              <a:endParaRPr lang="en-US">
-                <a:latin typeface="Arial" panose="020B0604020202020204" pitchFamily="34" charset="0"/>
-                <a:cs typeface="Arial" panose="020B0604020202020204" pitchFamily="34" charset="0"/>
-              </a:endParaRPr>
-            </a:p>
-          </p:txBody>
-        </p:sp>
-        <p:sp>
-          <p:nvSpPr>
-            <p:cNvPr id="141" name="Freeform 329">
-              <a:extLst>
-                <a:ext uri="{FF2B5EF4-FFF2-40B4-BE49-F238E27FC236}">
-                  <a16:creationId xmlns:a16="http://schemas.microsoft.com/office/drawing/2014/main" id="{71532C3D-ED48-9148-C1C4-66EF1FCDD663}"/>
-                </a:ext>
-              </a:extLst>
-            </p:cNvPr>
-            <p:cNvSpPr/>
-            <p:nvPr/>
-          </p:nvSpPr>
-          <p:spPr>
-            <a:xfrm>
-              <a:off x="1647854" y="515215"/>
-              <a:ext cx="45720" cy="137160"/>
-            </a:xfrm>
-            <a:custGeom>
-              <a:avLst/>
-              <a:gdLst>
-                <a:gd name="connsiteX0" fmla="*/ 50901 w 83746"/>
-                <a:gd name="connsiteY0" fmla="*/ 0 h 418222"/>
-                <a:gd name="connsiteX1" fmla="*/ 81767 w 83746"/>
-                <a:gd name="connsiteY1" fmla="*/ 162046 h 418222"/>
-                <a:gd name="connsiteX2" fmla="*/ 744 w 83746"/>
-                <a:gd name="connsiteY2" fmla="*/ 289367 h 418222"/>
-                <a:gd name="connsiteX3" fmla="*/ 39327 w 83746"/>
-                <a:gd name="connsiteY3" fmla="*/ 408972 h 418222"/>
-                <a:gd name="connsiteX4" fmla="*/ 39327 w 83746"/>
-                <a:gd name="connsiteY4" fmla="*/ 401256 h 418222"/>
-              </a:gdLst>
-              <a:ahLst/>
-              <a:cxnLst>
-                <a:cxn ang="0">
-                  <a:pos x="connsiteX0" y="connsiteY0"/>
-                </a:cxn>
-                <a:cxn ang="0">
-                  <a:pos x="connsiteX1" y="connsiteY1"/>
-                </a:cxn>
-                <a:cxn ang="0">
-                  <a:pos x="connsiteX2" y="connsiteY2"/>
-                </a:cxn>
-                <a:cxn ang="0">
-                  <a:pos x="connsiteX3" y="connsiteY3"/>
-                </a:cxn>
-                <a:cxn ang="0">
-                  <a:pos x="connsiteX4" y="connsiteY4"/>
-                </a:cxn>
-              </a:cxnLst>
-              <a:rect l="l" t="t" r="r" b="b"/>
-              <a:pathLst>
-                <a:path w="83746" h="418222">
-                  <a:moveTo>
-                    <a:pt x="50901" y="0"/>
-                  </a:moveTo>
-                  <a:cubicBezTo>
-                    <a:pt x="70513" y="56909"/>
-                    <a:pt x="90126" y="113818"/>
-                    <a:pt x="81767" y="162046"/>
-                  </a:cubicBezTo>
-                  <a:cubicBezTo>
-                    <a:pt x="73408" y="210274"/>
-                    <a:pt x="7817" y="248213"/>
-                    <a:pt x="744" y="289367"/>
-                  </a:cubicBezTo>
-                  <a:cubicBezTo>
-                    <a:pt x="-6329" y="330521"/>
-                    <a:pt x="39327" y="408972"/>
-                    <a:pt x="39327" y="408972"/>
-                  </a:cubicBezTo>
-                  <a:cubicBezTo>
-                    <a:pt x="45757" y="427620"/>
-                    <a:pt x="42542" y="414438"/>
-                    <a:pt x="39327" y="401256"/>
-                  </a:cubicBezTo>
-                </a:path>
-              </a:pathLst>
-            </a:custGeom>
-            <a:noFill/>
-            <a:ln>
-              <a:solidFill>
-                <a:schemeClr val="tx1"/>
-              </a:solidFill>
-            </a:ln>
-          </p:spPr>
-          <p:style>
-            <a:lnRef idx="2">
-              <a:schemeClr val="accent1">
-                <a:shade val="50000"/>
-              </a:schemeClr>
-            </a:lnRef>
-            <a:fillRef idx="1">
-              <a:schemeClr val="accent1"/>
-            </a:fillRef>
-            <a:effectRef idx="0">
-              <a:schemeClr val="accent1"/>
-            </a:effectRef>
-            <a:fontRef idx="minor">
-              <a:schemeClr val="lt1"/>
-            </a:fontRef>
-          </p:style>
-          <p:txBody>
-            <a:bodyPr rot="0" spcFirstLastPara="0" vertOverflow="overflow" horzOverflow="overflow" vert="horz" wrap="square" lIns="91440" tIns="45720" rIns="91440" bIns="45720" numCol="1" spcCol="0" rtlCol="0" fromWordArt="0" anchor="ctr" anchorCtr="0" forceAA="0" compatLnSpc="1">
-              <a:prstTxWarp prst="textNoShape">
-                <a:avLst/>
-              </a:prstTxWarp>
-              <a:noAutofit/>
-            </a:bodyPr>
-            <a:lstStyle/>
-            <a:p>
-              <a:pPr algn="ctr"/>
-              <a:endParaRPr lang="en-US">
-                <a:latin typeface="Arial" panose="020B0604020202020204" pitchFamily="34" charset="0"/>
-                <a:cs typeface="Arial" panose="020B0604020202020204" pitchFamily="34" charset="0"/>
-              </a:endParaRPr>
-            </a:p>
-          </p:txBody>
-        </p:sp>
-      </p:grpSp>
-      <p:cxnSp>
-        <p:nvCxnSpPr>
-          <p:cNvPr id="142" name="Straight Arrow Connector 141">
-            <a:extLst>
-              <a:ext uri="{FF2B5EF4-FFF2-40B4-BE49-F238E27FC236}">
-                <a16:creationId xmlns:a16="http://schemas.microsoft.com/office/drawing/2014/main" id="{D7D3F011-693F-532A-852F-0FCC9B4EFE7F}"/>
-              </a:ext>
-            </a:extLst>
-          </p:cNvPr>
-          <p:cNvCxnSpPr/>
-          <p:nvPr/>
-        </p:nvCxnSpPr>
-        <p:spPr>
-          <a:xfrm flipV="1">
-            <a:off x="2077513" y="212768"/>
-            <a:ext cx="0" cy="365760"/>
-          </a:xfrm>
-          <a:prstGeom prst="straightConnector1">
-            <a:avLst/>
-          </a:prstGeom>
-          <a:ln w="19050">
-            <a:solidFill>
-              <a:schemeClr val="tx1"/>
-            </a:solidFill>
-            <a:tailEnd type="triangle"/>
-          </a:ln>
-        </p:spPr>
-        <p:style>
-          <a:lnRef idx="1">
-            <a:schemeClr val="accent1"/>
-          </a:lnRef>
-          <a:fillRef idx="0">
-            <a:schemeClr val="accent1"/>
-          </a:fillRef>
-          <a:effectRef idx="0">
-            <a:schemeClr val="accent1"/>
-          </a:effectRef>
-          <a:fontRef idx="minor">
-            <a:schemeClr val="tx1"/>
-          </a:fontRef>
-        </p:style>
-      </p:cxnSp>
-      <p:sp>
-        <p:nvSpPr>
-          <p:cNvPr id="143" name="TextBox 142">
-            <a:extLst>
-              <a:ext uri="{FF2B5EF4-FFF2-40B4-BE49-F238E27FC236}">
-                <a16:creationId xmlns:a16="http://schemas.microsoft.com/office/drawing/2014/main" id="{A5C8FEEE-47B8-BBDF-F769-CEE3285EDE80}"/>
-              </a:ext>
-            </a:extLst>
-          </p:cNvPr>
-          <p:cNvSpPr txBox="1"/>
-          <p:nvPr/>
-        </p:nvSpPr>
-        <p:spPr>
-          <a:xfrm>
-            <a:off x="2216427" y="2107935"/>
-            <a:ext cx="81754" cy="92333"/>
-          </a:xfrm>
-          <a:prstGeom prst="rect">
-            <a:avLst/>
-          </a:prstGeom>
-          <a:noFill/>
-        </p:spPr>
-        <p:txBody>
-          <a:bodyPr wrap="square" lIns="0" tIns="0" rIns="0" bIns="0" rtlCol="0">
-            <a:spAutoFit/>
-          </a:bodyPr>
-          <a:lstStyle/>
-          <a:p>
-            <a:r>
-              <a:rPr lang="en-US" sz="600" dirty="0">
-                <a:solidFill>
-                  <a:srgbClr val="FF0000"/>
-                </a:solidFill>
-                <a:latin typeface="Arial" panose="020B0604020202020204" pitchFamily="34" charset="0"/>
-                <a:cs typeface="Arial" panose="020B0604020202020204" pitchFamily="34" charset="0"/>
-              </a:rPr>
-              <a:t>…</a:t>
-            </a:r>
-          </a:p>
-        </p:txBody>
-      </p:sp>
-      <p:sp>
-        <p:nvSpPr>
-          <p:cNvPr id="144" name="Right Brace 143">
-            <a:extLst>
-              <a:ext uri="{FF2B5EF4-FFF2-40B4-BE49-F238E27FC236}">
-                <a16:creationId xmlns:a16="http://schemas.microsoft.com/office/drawing/2014/main" id="{5EA3D31C-B850-7D33-BC50-54E4AA74FC72}"/>
-              </a:ext>
-            </a:extLst>
-          </p:cNvPr>
-          <p:cNvSpPr/>
-          <p:nvPr/>
-        </p:nvSpPr>
-        <p:spPr>
-          <a:xfrm rot="16200000">
-            <a:off x="2194432" y="1953422"/>
-            <a:ext cx="52040" cy="247167"/>
-          </a:xfrm>
-          <a:prstGeom prst="rightBrace">
-            <a:avLst>
-              <a:gd name="adj1" fmla="val 26746"/>
-              <a:gd name="adj2" fmla="val 50928"/>
-            </a:avLst>
-          </a:prstGeom>
-          <a:ln w="9525">
-            <a:solidFill>
-              <a:schemeClr val="tx1"/>
-            </a:solidFill>
-          </a:ln>
-        </p:spPr>
-        <p:style>
-          <a:lnRef idx="1">
-            <a:schemeClr val="accent1"/>
-          </a:lnRef>
-          <a:fillRef idx="0">
-            <a:schemeClr val="accent1"/>
-          </a:fillRef>
-          <a:effectRef idx="0">
-            <a:schemeClr val="accent1"/>
-          </a:effectRef>
-          <a:fontRef idx="minor">
-            <a:schemeClr val="tx1"/>
-          </a:fontRef>
-        </p:style>
-        <p:txBody>
-          <a:bodyPr rot="0" spcFirstLastPara="0" vertOverflow="overflow" horzOverflow="overflow" vert="horz" wrap="square" lIns="91440" tIns="45720" rIns="91440" bIns="45720" numCol="1" spcCol="0" rtlCol="0" fromWordArt="0" anchor="ctr" anchorCtr="0" forceAA="0" compatLnSpc="1">
-            <a:prstTxWarp prst="textNoShape">
-              <a:avLst/>
-            </a:prstTxWarp>
-            <a:noAutofit/>
-          </a:bodyPr>
-          <a:lstStyle/>
-          <a:p>
-            <a:pPr algn="ctr"/>
-            <a:endParaRPr lang="en-US">
-              <a:latin typeface="Arial" panose="020B0604020202020204" pitchFamily="34" charset="0"/>
-              <a:cs typeface="Arial" panose="020B0604020202020204" pitchFamily="34" charset="0"/>
-            </a:endParaRPr>
-          </a:p>
-        </p:txBody>
-      </p:sp>
-      <p:sp>
-        <p:nvSpPr>
-          <p:cNvPr id="145" name="TextBox 144">
-            <a:extLst>
-              <a:ext uri="{FF2B5EF4-FFF2-40B4-BE49-F238E27FC236}">
-                <a16:creationId xmlns:a16="http://schemas.microsoft.com/office/drawing/2014/main" id="{207DCD3B-D407-9234-F091-CAB2B67426CA}"/>
-              </a:ext>
-            </a:extLst>
-          </p:cNvPr>
-          <p:cNvSpPr txBox="1"/>
-          <p:nvPr/>
-        </p:nvSpPr>
-        <p:spPr>
-          <a:xfrm>
-            <a:off x="2116797" y="1889783"/>
-            <a:ext cx="607538" cy="107850"/>
-          </a:xfrm>
-          <a:prstGeom prst="rect">
-            <a:avLst/>
-          </a:prstGeom>
-          <a:solidFill>
-            <a:schemeClr val="bg1"/>
-          </a:solidFill>
-        </p:spPr>
-        <p:txBody>
-          <a:bodyPr wrap="none" lIns="0" tIns="0" rIns="0" bIns="0" rtlCol="0">
-            <a:spAutoFit/>
-          </a:bodyPr>
-          <a:lstStyle/>
-          <a:p>
-            <a:pPr algn="ctr"/>
-            <a:r>
-              <a:rPr lang="en-US" sz="701" dirty="0">
-                <a:latin typeface="Arial" panose="020B0604020202020204" pitchFamily="34" charset="0"/>
-                <a:cs typeface="Arial" panose="020B0604020202020204" pitchFamily="34" charset="0"/>
-              </a:rPr>
-              <a:t>Saw-tooth × 16</a:t>
-            </a:r>
-          </a:p>
-        </p:txBody>
-      </p:sp>
-      <p:sp>
-        <p:nvSpPr>
-          <p:cNvPr id="146" name="TextBox 145">
-            <a:extLst>
-              <a:ext uri="{FF2B5EF4-FFF2-40B4-BE49-F238E27FC236}">
-                <a16:creationId xmlns:a16="http://schemas.microsoft.com/office/drawing/2014/main" id="{7BF78DF6-0395-6775-0DD9-7304A38CA12B}"/>
-              </a:ext>
-            </a:extLst>
-          </p:cNvPr>
-          <p:cNvSpPr txBox="1"/>
-          <p:nvPr/>
-        </p:nvSpPr>
-        <p:spPr>
-          <a:xfrm>
-            <a:off x="2641800" y="2107935"/>
-            <a:ext cx="81754" cy="92333"/>
-          </a:xfrm>
-          <a:prstGeom prst="rect">
-            <a:avLst/>
-          </a:prstGeom>
-          <a:noFill/>
-        </p:spPr>
-        <p:txBody>
-          <a:bodyPr wrap="square" lIns="0" tIns="0" rIns="0" bIns="0" rtlCol="0">
-            <a:spAutoFit/>
-          </a:bodyPr>
-          <a:lstStyle/>
-          <a:p>
-            <a:r>
-              <a:rPr lang="en-US" sz="600" dirty="0">
-                <a:solidFill>
-                  <a:srgbClr val="FF0000"/>
-                </a:solidFill>
-                <a:latin typeface="Arial" panose="020B0604020202020204" pitchFamily="34" charset="0"/>
-                <a:cs typeface="Arial" panose="020B0604020202020204" pitchFamily="34" charset="0"/>
-              </a:rPr>
-              <a:t>…</a:t>
-            </a:r>
-          </a:p>
-        </p:txBody>
-      </p:sp>
-      <p:sp>
-        <p:nvSpPr>
-          <p:cNvPr id="147" name="TextBox 146">
-            <a:extLst>
-              <a:ext uri="{FF2B5EF4-FFF2-40B4-BE49-F238E27FC236}">
-                <a16:creationId xmlns:a16="http://schemas.microsoft.com/office/drawing/2014/main" id="{A16F5EF5-85B8-BBC2-6750-54871F5B5FEE}"/>
-              </a:ext>
-            </a:extLst>
-          </p:cNvPr>
-          <p:cNvSpPr txBox="1"/>
-          <p:nvPr/>
-        </p:nvSpPr>
-        <p:spPr>
-          <a:xfrm>
-            <a:off x="2900293" y="2107935"/>
-            <a:ext cx="81754" cy="92333"/>
-          </a:xfrm>
-          <a:prstGeom prst="rect">
-            <a:avLst/>
-          </a:prstGeom>
-          <a:noFill/>
-        </p:spPr>
-        <p:txBody>
-          <a:bodyPr wrap="square" lIns="0" tIns="0" rIns="0" bIns="0" rtlCol="0">
-            <a:spAutoFit/>
-          </a:bodyPr>
-          <a:lstStyle/>
-          <a:p>
-            <a:r>
-              <a:rPr lang="en-US" sz="600" dirty="0">
-                <a:solidFill>
-                  <a:srgbClr val="FF0000"/>
-                </a:solidFill>
-                <a:latin typeface="Arial" panose="020B0604020202020204" pitchFamily="34" charset="0"/>
-                <a:cs typeface="Arial" panose="020B0604020202020204" pitchFamily="34" charset="0"/>
-              </a:rPr>
-              <a:t>…</a:t>
-            </a:r>
-          </a:p>
-        </p:txBody>
-      </p:sp>
-      <p:sp>
-        <p:nvSpPr>
-          <p:cNvPr id="148" name="TextBox 147">
-            <a:extLst>
-              <a:ext uri="{FF2B5EF4-FFF2-40B4-BE49-F238E27FC236}">
-                <a16:creationId xmlns:a16="http://schemas.microsoft.com/office/drawing/2014/main" id="{79C218A0-0C93-D461-A0FE-883BE1D8899E}"/>
-              </a:ext>
-            </a:extLst>
-          </p:cNvPr>
-          <p:cNvSpPr txBox="1"/>
-          <p:nvPr/>
-        </p:nvSpPr>
-        <p:spPr>
-          <a:xfrm>
-            <a:off x="3325811" y="2107935"/>
-            <a:ext cx="81754" cy="92333"/>
-          </a:xfrm>
-          <a:prstGeom prst="rect">
-            <a:avLst/>
-          </a:prstGeom>
-          <a:noFill/>
-        </p:spPr>
-        <p:txBody>
-          <a:bodyPr wrap="square" lIns="0" tIns="0" rIns="0" bIns="0" rtlCol="0">
-            <a:spAutoFit/>
-          </a:bodyPr>
-          <a:lstStyle/>
-          <a:p>
-            <a:r>
-              <a:rPr lang="en-US" sz="600" dirty="0">
-                <a:solidFill>
-                  <a:srgbClr val="FF0000"/>
-                </a:solidFill>
-                <a:latin typeface="Arial" panose="020B0604020202020204" pitchFamily="34" charset="0"/>
-                <a:cs typeface="Arial" panose="020B0604020202020204" pitchFamily="34" charset="0"/>
-              </a:rPr>
-              <a:t>…</a:t>
-            </a:r>
-          </a:p>
-        </p:txBody>
-      </p:sp>
-      <p:sp>
-        <p:nvSpPr>
-          <p:cNvPr id="149" name="TextBox 148">
-            <a:extLst>
-              <a:ext uri="{FF2B5EF4-FFF2-40B4-BE49-F238E27FC236}">
-                <a16:creationId xmlns:a16="http://schemas.microsoft.com/office/drawing/2014/main" id="{E83214DB-FA7B-153F-A49B-5EBC53E65D07}"/>
-              </a:ext>
-            </a:extLst>
-          </p:cNvPr>
-          <p:cNvSpPr txBox="1"/>
-          <p:nvPr/>
-        </p:nvSpPr>
-        <p:spPr>
-          <a:xfrm>
-            <a:off x="4191762" y="2107935"/>
-            <a:ext cx="81754" cy="92333"/>
-          </a:xfrm>
-          <a:prstGeom prst="rect">
-            <a:avLst/>
-          </a:prstGeom>
-          <a:noFill/>
-        </p:spPr>
-        <p:txBody>
-          <a:bodyPr wrap="square" lIns="0" tIns="0" rIns="0" bIns="0" rtlCol="0">
-            <a:spAutoFit/>
-          </a:bodyPr>
-          <a:lstStyle/>
-          <a:p>
-            <a:r>
-              <a:rPr lang="en-US" sz="600" dirty="0">
-                <a:solidFill>
-                  <a:srgbClr val="FF0000"/>
-                </a:solidFill>
-                <a:latin typeface="Arial" panose="020B0604020202020204" pitchFamily="34" charset="0"/>
-                <a:cs typeface="Arial" panose="020B0604020202020204" pitchFamily="34" charset="0"/>
-              </a:rPr>
-              <a:t>…</a:t>
-            </a:r>
-          </a:p>
-        </p:txBody>
-      </p:sp>
-      <p:sp>
-        <p:nvSpPr>
-          <p:cNvPr id="150" name="TextBox 149">
-            <a:extLst>
-              <a:ext uri="{FF2B5EF4-FFF2-40B4-BE49-F238E27FC236}">
-                <a16:creationId xmlns:a16="http://schemas.microsoft.com/office/drawing/2014/main" id="{F23D8E62-7C95-1EA2-E3B3-865FD8E2220C}"/>
-              </a:ext>
-            </a:extLst>
-          </p:cNvPr>
-          <p:cNvSpPr txBox="1"/>
-          <p:nvPr/>
-        </p:nvSpPr>
-        <p:spPr>
-          <a:xfrm>
-            <a:off x="4612791" y="2107935"/>
-            <a:ext cx="81754" cy="92333"/>
-          </a:xfrm>
-          <a:prstGeom prst="rect">
-            <a:avLst/>
-          </a:prstGeom>
-          <a:noFill/>
-        </p:spPr>
-        <p:txBody>
-          <a:bodyPr wrap="square" lIns="0" tIns="0" rIns="0" bIns="0" rtlCol="0">
-            <a:spAutoFit/>
-          </a:bodyPr>
-          <a:lstStyle/>
-          <a:p>
-            <a:r>
-              <a:rPr lang="en-US" sz="600" dirty="0">
-                <a:solidFill>
-                  <a:srgbClr val="FF0000"/>
-                </a:solidFill>
-                <a:latin typeface="Arial" panose="020B0604020202020204" pitchFamily="34" charset="0"/>
-                <a:cs typeface="Arial" panose="020B0604020202020204" pitchFamily="34" charset="0"/>
-              </a:rPr>
-              <a:t>…</a:t>
-            </a:r>
-          </a:p>
-        </p:txBody>
-      </p:sp>
-      <p:sp>
-        <p:nvSpPr>
-          <p:cNvPr id="151" name="Right Brace 150">
-            <a:extLst>
-              <a:ext uri="{FF2B5EF4-FFF2-40B4-BE49-F238E27FC236}">
-                <a16:creationId xmlns:a16="http://schemas.microsoft.com/office/drawing/2014/main" id="{076552D9-D296-39DE-3D52-056E3278A133}"/>
-              </a:ext>
-            </a:extLst>
-          </p:cNvPr>
-          <p:cNvSpPr/>
-          <p:nvPr/>
-        </p:nvSpPr>
-        <p:spPr>
-          <a:xfrm rot="16200000">
-            <a:off x="2367216" y="1503256"/>
-            <a:ext cx="144184" cy="654955"/>
-          </a:xfrm>
-          <a:prstGeom prst="rightBrace">
-            <a:avLst/>
-          </a:prstGeom>
-          <a:ln w="9525">
-            <a:solidFill>
-              <a:schemeClr val="tx1"/>
-            </a:solidFill>
-          </a:ln>
-        </p:spPr>
-        <p:style>
-          <a:lnRef idx="1">
-            <a:schemeClr val="accent1"/>
-          </a:lnRef>
-          <a:fillRef idx="0">
-            <a:schemeClr val="accent1"/>
-          </a:fillRef>
-          <a:effectRef idx="0">
-            <a:schemeClr val="accent1"/>
-          </a:effectRef>
-          <a:fontRef idx="minor">
-            <a:schemeClr val="tx1"/>
-          </a:fontRef>
-        </p:style>
-        <p:txBody>
-          <a:bodyPr rot="0" spcFirstLastPara="0" vertOverflow="overflow" horzOverflow="overflow" vert="horz" wrap="square" lIns="91440" tIns="45720" rIns="91440" bIns="45720" numCol="1" spcCol="0" rtlCol="0" fromWordArt="0" anchor="ctr" anchorCtr="0" forceAA="0" compatLnSpc="1">
-            <a:prstTxWarp prst="textNoShape">
-              <a:avLst/>
-            </a:prstTxWarp>
-            <a:noAutofit/>
-          </a:bodyPr>
-          <a:lstStyle/>
-          <a:p>
-            <a:pPr algn="ctr"/>
-            <a:endParaRPr lang="en-US"/>
-          </a:p>
-        </p:txBody>
-      </p:sp>
-      <p:sp>
-        <p:nvSpPr>
-          <p:cNvPr id="152" name="Right Brace 151">
-            <a:extLst>
-              <a:ext uri="{FF2B5EF4-FFF2-40B4-BE49-F238E27FC236}">
-                <a16:creationId xmlns:a16="http://schemas.microsoft.com/office/drawing/2014/main" id="{5ACF6047-58F2-E3FC-64AD-52C2A2036EA3}"/>
-              </a:ext>
-            </a:extLst>
-          </p:cNvPr>
-          <p:cNvSpPr/>
-          <p:nvPr/>
-        </p:nvSpPr>
-        <p:spPr>
-          <a:xfrm rot="16200000">
-            <a:off x="2211124" y="1079782"/>
-            <a:ext cx="52040" cy="247167"/>
-          </a:xfrm>
-          <a:prstGeom prst="rightBrace">
-            <a:avLst>
-              <a:gd name="adj1" fmla="val 26746"/>
-              <a:gd name="adj2" fmla="val 50928"/>
-            </a:avLst>
-          </a:prstGeom>
-          <a:ln w="9525">
-            <a:solidFill>
-              <a:schemeClr val="tx1"/>
-            </a:solidFill>
-          </a:ln>
-        </p:spPr>
-        <p:style>
-          <a:lnRef idx="1">
-            <a:schemeClr val="accent1"/>
-          </a:lnRef>
-          <a:fillRef idx="0">
-            <a:schemeClr val="accent1"/>
-          </a:fillRef>
-          <a:effectRef idx="0">
-            <a:schemeClr val="accent1"/>
-          </a:effectRef>
-          <a:fontRef idx="minor">
-            <a:schemeClr val="tx1"/>
-          </a:fontRef>
-        </p:style>
-        <p:txBody>
-          <a:bodyPr rot="0" spcFirstLastPara="0" vertOverflow="overflow" horzOverflow="overflow" vert="horz" wrap="square" lIns="91440" tIns="45720" rIns="91440" bIns="45720" numCol="1" spcCol="0" rtlCol="0" fromWordArt="0" anchor="ctr" anchorCtr="0" forceAA="0" compatLnSpc="1">
-            <a:prstTxWarp prst="textNoShape">
-              <a:avLst/>
-            </a:prstTxWarp>
-            <a:noAutofit/>
-          </a:bodyPr>
-          <a:lstStyle/>
-          <a:p>
-            <a:pPr algn="ctr"/>
-            <a:endParaRPr lang="en-US">
-              <a:latin typeface="Arial" panose="020B0604020202020204" pitchFamily="34" charset="0"/>
-              <a:cs typeface="Arial" panose="020B0604020202020204" pitchFamily="34" charset="0"/>
-            </a:endParaRPr>
-          </a:p>
-        </p:txBody>
-      </p:sp>
-      <p:sp>
-        <p:nvSpPr>
-          <p:cNvPr id="153" name="TextBox 152">
-            <a:extLst>
-              <a:ext uri="{FF2B5EF4-FFF2-40B4-BE49-F238E27FC236}">
-                <a16:creationId xmlns:a16="http://schemas.microsoft.com/office/drawing/2014/main" id="{340F541D-0742-C3E0-6817-179F89D86D16}"/>
-              </a:ext>
-            </a:extLst>
-          </p:cNvPr>
-          <p:cNvSpPr txBox="1"/>
-          <p:nvPr/>
-        </p:nvSpPr>
-        <p:spPr>
-          <a:xfrm>
-            <a:off x="2112780" y="1026946"/>
-            <a:ext cx="766235" cy="107850"/>
-          </a:xfrm>
-          <a:prstGeom prst="rect">
-            <a:avLst/>
-          </a:prstGeom>
-          <a:solidFill>
-            <a:schemeClr val="bg1"/>
-          </a:solidFill>
-        </p:spPr>
-        <p:txBody>
-          <a:bodyPr wrap="none" lIns="0" tIns="0" rIns="0" bIns="0" rtlCol="0">
-            <a:spAutoFit/>
-          </a:bodyPr>
-          <a:lstStyle/>
-          <a:p>
-            <a:pPr algn="ctr"/>
-            <a:r>
-              <a:rPr lang="en-US" sz="701" dirty="0">
-                <a:latin typeface="Arial" panose="020B0604020202020204" pitchFamily="34" charset="0"/>
-                <a:cs typeface="Arial" panose="020B0604020202020204" pitchFamily="34" charset="0"/>
-              </a:rPr>
-              <a:t>Step × 16 locations</a:t>
-            </a:r>
-          </a:p>
-        </p:txBody>
-      </p:sp>
-      <p:sp>
-        <p:nvSpPr>
-          <p:cNvPr id="154" name="TextBox 153">
-            <a:extLst>
-              <a:ext uri="{FF2B5EF4-FFF2-40B4-BE49-F238E27FC236}">
-                <a16:creationId xmlns:a16="http://schemas.microsoft.com/office/drawing/2014/main" id="{ADB9DE0D-D139-746B-D095-BCDF868801B5}"/>
-              </a:ext>
-            </a:extLst>
-          </p:cNvPr>
-          <p:cNvSpPr txBox="1"/>
-          <p:nvPr/>
-        </p:nvSpPr>
-        <p:spPr>
-          <a:xfrm>
-            <a:off x="2157720" y="562919"/>
-            <a:ext cx="556243" cy="323550"/>
-          </a:xfrm>
-          <a:prstGeom prst="rect">
-            <a:avLst/>
-          </a:prstGeom>
-          <a:solidFill>
-            <a:schemeClr val="bg1"/>
-          </a:solidFill>
-        </p:spPr>
-        <p:txBody>
-          <a:bodyPr wrap="none" lIns="0" tIns="0" rIns="0" bIns="0" rtlCol="0">
-            <a:spAutoFit/>
-          </a:bodyPr>
-          <a:lstStyle/>
-          <a:p>
-            <a:pPr algn="ctr"/>
-            <a:r>
-              <a:rPr lang="en-US" sz="701" dirty="0">
-                <a:latin typeface="Arial" panose="020B0604020202020204" pitchFamily="34" charset="0"/>
-                <a:cs typeface="Arial" panose="020B0604020202020204" pitchFamily="34" charset="0"/>
-              </a:rPr>
-              <a:t>Step ×</a:t>
-            </a:r>
-          </a:p>
-          <a:p>
-            <a:pPr algn="ctr"/>
-            <a:r>
-              <a:rPr lang="en-US" sz="701" dirty="0">
-                <a:latin typeface="Arial" panose="020B0604020202020204" pitchFamily="34" charset="0"/>
-                <a:cs typeface="Arial" panose="020B0604020202020204" pitchFamily="34" charset="0"/>
-              </a:rPr>
-              <a:t>16 locations ×</a:t>
-            </a:r>
-          </a:p>
-          <a:p>
-            <a:pPr algn="ctr"/>
-            <a:r>
-              <a:rPr lang="en-US" sz="701" dirty="0">
-                <a:latin typeface="Arial" panose="020B0604020202020204" pitchFamily="34" charset="0"/>
-                <a:cs typeface="Arial" panose="020B0604020202020204" pitchFamily="34" charset="0"/>
-              </a:rPr>
-              <a:t>32 repeats</a:t>
-            </a:r>
-          </a:p>
-        </p:txBody>
-      </p:sp>
-      <p:grpSp>
-        <p:nvGrpSpPr>
-          <p:cNvPr id="155" name="Group 154">
-            <a:extLst>
-              <a:ext uri="{FF2B5EF4-FFF2-40B4-BE49-F238E27FC236}">
-                <a16:creationId xmlns:a16="http://schemas.microsoft.com/office/drawing/2014/main" id="{6F8BD823-ADFE-61DD-1C59-6A257F785E13}"/>
-              </a:ext>
-            </a:extLst>
-          </p:cNvPr>
-          <p:cNvGrpSpPr/>
-          <p:nvPr/>
-        </p:nvGrpSpPr>
-        <p:grpSpPr>
-          <a:xfrm>
-            <a:off x="2081081" y="1259359"/>
-            <a:ext cx="684674" cy="283738"/>
-            <a:chOff x="2009961" y="1259359"/>
-            <a:chExt cx="684674" cy="283738"/>
-          </a:xfrm>
-        </p:grpSpPr>
-        <p:cxnSp>
-          <p:nvCxnSpPr>
-            <p:cNvPr id="156" name="Straight Connector 155">
-              <a:extLst>
-                <a:ext uri="{FF2B5EF4-FFF2-40B4-BE49-F238E27FC236}">
-                  <a16:creationId xmlns:a16="http://schemas.microsoft.com/office/drawing/2014/main" id="{E068C1DF-1B64-40D5-B357-0ECE37225296}"/>
-                </a:ext>
-              </a:extLst>
-            </p:cNvPr>
-            <p:cNvCxnSpPr>
-              <a:cxnSpLocks/>
-            </p:cNvCxnSpPr>
-            <p:nvPr/>
-          </p:nvCxnSpPr>
-          <p:spPr>
-            <a:xfrm flipH="1">
-              <a:off x="2263670" y="1259360"/>
-              <a:ext cx="1027" cy="283737"/>
-            </a:xfrm>
-            <a:prstGeom prst="line">
-              <a:avLst/>
-            </a:prstGeom>
-            <a:ln w="6350" cap="rnd">
-              <a:solidFill>
-                <a:srgbClr val="00B0F0"/>
-              </a:solidFill>
-            </a:ln>
-          </p:spPr>
-          <p:style>
-            <a:lnRef idx="1">
-              <a:schemeClr val="accent1"/>
-            </a:lnRef>
-            <a:fillRef idx="0">
-              <a:schemeClr val="accent1"/>
-            </a:fillRef>
-            <a:effectRef idx="0">
-              <a:schemeClr val="accent1"/>
-            </a:effectRef>
-            <a:fontRef idx="minor">
-              <a:schemeClr val="tx1"/>
-            </a:fontRef>
-          </p:style>
-        </p:cxnSp>
-        <p:cxnSp>
-          <p:nvCxnSpPr>
-            <p:cNvPr id="157" name="Elbow Connector 133">
-              <a:extLst>
-                <a:ext uri="{FF2B5EF4-FFF2-40B4-BE49-F238E27FC236}">
-                  <a16:creationId xmlns:a16="http://schemas.microsoft.com/office/drawing/2014/main" id="{8EE376BD-7A98-919A-78F4-80774D39363F}"/>
-                </a:ext>
-              </a:extLst>
-            </p:cNvPr>
-            <p:cNvCxnSpPr>
-              <a:cxnSpLocks/>
-            </p:cNvCxnSpPr>
-            <p:nvPr/>
-          </p:nvCxnSpPr>
-          <p:spPr>
-            <a:xfrm flipV="1">
-              <a:off x="2009961" y="1489744"/>
-              <a:ext cx="119717" cy="39842"/>
-            </a:xfrm>
-            <a:prstGeom prst="bentConnector3">
-              <a:avLst/>
-            </a:prstGeom>
-            <a:ln w="6350">
-              <a:solidFill>
-                <a:srgbClr val="00B0F0"/>
-              </a:solidFill>
-            </a:ln>
-          </p:spPr>
-          <p:style>
-            <a:lnRef idx="1">
-              <a:schemeClr val="accent1"/>
-            </a:lnRef>
-            <a:fillRef idx="0">
-              <a:schemeClr val="accent1"/>
-            </a:fillRef>
-            <a:effectRef idx="0">
-              <a:schemeClr val="accent1"/>
-            </a:effectRef>
-            <a:fontRef idx="minor">
-              <a:schemeClr val="tx1"/>
-            </a:fontRef>
-          </p:style>
-        </p:cxnSp>
-        <p:cxnSp>
-          <p:nvCxnSpPr>
-            <p:cNvPr id="158" name="Straight Connector 157">
-              <a:extLst>
-                <a:ext uri="{FF2B5EF4-FFF2-40B4-BE49-F238E27FC236}">
-                  <a16:creationId xmlns:a16="http://schemas.microsoft.com/office/drawing/2014/main" id="{90ADA241-A428-11B2-95D9-4A979BFC2ADB}"/>
-                </a:ext>
-              </a:extLst>
-            </p:cNvPr>
-            <p:cNvCxnSpPr>
-              <a:cxnSpLocks/>
-            </p:cNvCxnSpPr>
-            <p:nvPr/>
-          </p:nvCxnSpPr>
-          <p:spPr>
-            <a:xfrm flipV="1">
-              <a:off x="2209833" y="1259359"/>
-              <a:ext cx="54864" cy="0"/>
-            </a:xfrm>
-            <a:prstGeom prst="line">
-              <a:avLst/>
-            </a:prstGeom>
-            <a:ln w="6350" cap="sq">
-              <a:solidFill>
-                <a:srgbClr val="00B0F0"/>
-              </a:solidFill>
-            </a:ln>
-          </p:spPr>
-          <p:style>
-            <a:lnRef idx="1">
-              <a:schemeClr val="accent1"/>
-            </a:lnRef>
-            <a:fillRef idx="0">
-              <a:schemeClr val="accent1"/>
-            </a:fillRef>
-            <a:effectRef idx="0">
-              <a:schemeClr val="accent1"/>
-            </a:effectRef>
-            <a:fontRef idx="minor">
-              <a:schemeClr val="tx1"/>
-            </a:fontRef>
-          </p:style>
-        </p:cxnSp>
-        <p:cxnSp>
-          <p:nvCxnSpPr>
-            <p:cNvPr id="159" name="Straight Connector 158">
-              <a:extLst>
-                <a:ext uri="{FF2B5EF4-FFF2-40B4-BE49-F238E27FC236}">
-                  <a16:creationId xmlns:a16="http://schemas.microsoft.com/office/drawing/2014/main" id="{94ADC2AE-E0ED-A1BC-AB72-F216ECE2517E}"/>
-                </a:ext>
-              </a:extLst>
-            </p:cNvPr>
-            <p:cNvCxnSpPr>
-              <a:cxnSpLocks/>
-            </p:cNvCxnSpPr>
-            <p:nvPr/>
-          </p:nvCxnSpPr>
-          <p:spPr>
-            <a:xfrm flipH="1">
-              <a:off x="2209833" y="1259360"/>
-              <a:ext cx="0" cy="36576"/>
-            </a:xfrm>
-            <a:prstGeom prst="line">
-              <a:avLst/>
-            </a:prstGeom>
-            <a:ln w="6350" cap="sq">
-              <a:solidFill>
-                <a:srgbClr val="00B0F0"/>
-              </a:solidFill>
-            </a:ln>
-          </p:spPr>
-          <p:style>
-            <a:lnRef idx="1">
-              <a:schemeClr val="accent1"/>
-            </a:lnRef>
-            <a:fillRef idx="0">
-              <a:schemeClr val="accent1"/>
-            </a:fillRef>
-            <a:effectRef idx="0">
-              <a:schemeClr val="accent1"/>
-            </a:effectRef>
-            <a:fontRef idx="minor">
-              <a:schemeClr val="tx1"/>
-            </a:fontRef>
-          </p:style>
-        </p:cxnSp>
-        <p:sp>
-          <p:nvSpPr>
-            <p:cNvPr id="160" name="TextBox 159">
-              <a:extLst>
-                <a:ext uri="{FF2B5EF4-FFF2-40B4-BE49-F238E27FC236}">
-                  <a16:creationId xmlns:a16="http://schemas.microsoft.com/office/drawing/2014/main" id="{750EC90A-CA92-95F0-E003-BD2A7B0CF929}"/>
-                </a:ext>
-              </a:extLst>
-            </p:cNvPr>
-            <p:cNvSpPr txBox="1"/>
-            <p:nvPr/>
-          </p:nvSpPr>
-          <p:spPr>
-            <a:xfrm>
-              <a:off x="2135012" y="1297549"/>
-              <a:ext cx="81754" cy="92333"/>
-            </a:xfrm>
-            <a:prstGeom prst="rect">
-              <a:avLst/>
-            </a:prstGeom>
-            <a:noFill/>
-          </p:spPr>
-          <p:txBody>
-            <a:bodyPr wrap="square" lIns="0" tIns="0" rIns="0" bIns="0" rtlCol="0">
-              <a:spAutoFit/>
-            </a:bodyPr>
-            <a:lstStyle/>
-            <a:p>
-              <a:r>
-                <a:rPr lang="en-US" sz="600" dirty="0">
-                  <a:solidFill>
-                    <a:srgbClr val="00B0F0"/>
-                  </a:solidFill>
-                  <a:latin typeface="Arial" panose="020B0604020202020204" pitchFamily="34" charset="0"/>
-                  <a:cs typeface="Arial" panose="020B0604020202020204" pitchFamily="34" charset="0"/>
-                </a:rPr>
-                <a:t>…</a:t>
-              </a:r>
-            </a:p>
-          </p:txBody>
-        </p:sp>
-        <p:grpSp>
-          <p:nvGrpSpPr>
-            <p:cNvPr id="161" name="Group 160">
-              <a:extLst>
-                <a:ext uri="{FF2B5EF4-FFF2-40B4-BE49-F238E27FC236}">
-                  <a16:creationId xmlns:a16="http://schemas.microsoft.com/office/drawing/2014/main" id="{CDE5C15D-8E69-7D63-81E4-4B4871C579B2}"/>
-                </a:ext>
-              </a:extLst>
-            </p:cNvPr>
-            <p:cNvGrpSpPr/>
-            <p:nvPr/>
-          </p:nvGrpSpPr>
-          <p:grpSpPr>
-            <a:xfrm>
-              <a:off x="2639771" y="1259359"/>
-              <a:ext cx="54864" cy="36577"/>
-              <a:chOff x="2627866" y="1259359"/>
-              <a:chExt cx="54864" cy="36577"/>
-            </a:xfrm>
-          </p:grpSpPr>
-          <p:cxnSp>
-            <p:nvCxnSpPr>
-              <p:cNvPr id="167" name="Straight Connector 166">
-                <a:extLst>
-                  <a:ext uri="{FF2B5EF4-FFF2-40B4-BE49-F238E27FC236}">
-                    <a16:creationId xmlns:a16="http://schemas.microsoft.com/office/drawing/2014/main" id="{76598AFB-63D6-63C2-2AF3-7BED5D7B2964}"/>
-                  </a:ext>
-                </a:extLst>
-              </p:cNvPr>
-              <p:cNvCxnSpPr>
-                <a:cxnSpLocks/>
-              </p:cNvCxnSpPr>
-              <p:nvPr/>
-            </p:nvCxnSpPr>
-            <p:spPr>
-              <a:xfrm flipV="1">
-                <a:off x="2627866" y="1259359"/>
-                <a:ext cx="54864" cy="0"/>
-              </a:xfrm>
-              <a:prstGeom prst="line">
-                <a:avLst/>
-              </a:prstGeom>
-              <a:ln w="6350" cap="sq">
-                <a:solidFill>
-                  <a:srgbClr val="00B0F0"/>
-                </a:solidFill>
-                <a:round/>
-              </a:ln>
-            </p:spPr>
-            <p:style>
-              <a:lnRef idx="1">
-                <a:schemeClr val="accent1"/>
-              </a:lnRef>
-              <a:fillRef idx="0">
-                <a:schemeClr val="accent1"/>
-              </a:fillRef>
-              <a:effectRef idx="0">
-                <a:schemeClr val="accent1"/>
-              </a:effectRef>
-              <a:fontRef idx="minor">
-                <a:schemeClr val="tx1"/>
-              </a:fontRef>
-            </p:style>
-          </p:cxnSp>
-          <p:cxnSp>
-            <p:nvCxnSpPr>
-              <p:cNvPr id="168" name="Straight Connector 167">
-                <a:extLst>
-                  <a:ext uri="{FF2B5EF4-FFF2-40B4-BE49-F238E27FC236}">
-                    <a16:creationId xmlns:a16="http://schemas.microsoft.com/office/drawing/2014/main" id="{18B099FF-B732-EFBD-A112-CD6DCD4CA437}"/>
-                  </a:ext>
-                </a:extLst>
-              </p:cNvPr>
-              <p:cNvCxnSpPr>
-                <a:cxnSpLocks/>
-              </p:cNvCxnSpPr>
-              <p:nvPr/>
-            </p:nvCxnSpPr>
-            <p:spPr>
-              <a:xfrm flipH="1">
-                <a:off x="2627866" y="1259360"/>
-                <a:ext cx="0" cy="36576"/>
-              </a:xfrm>
-              <a:prstGeom prst="line">
-                <a:avLst/>
-              </a:prstGeom>
-              <a:ln w="6350" cap="sq">
-                <a:solidFill>
-                  <a:srgbClr val="00B0F0"/>
-                </a:solidFill>
-                <a:round/>
-              </a:ln>
-            </p:spPr>
-            <p:style>
-              <a:lnRef idx="1">
-                <a:schemeClr val="accent1"/>
-              </a:lnRef>
-              <a:fillRef idx="0">
-                <a:schemeClr val="accent1"/>
-              </a:fillRef>
-              <a:effectRef idx="0">
-                <a:schemeClr val="accent1"/>
-              </a:effectRef>
-              <a:fontRef idx="minor">
-                <a:schemeClr val="tx1"/>
-              </a:fontRef>
-            </p:style>
-          </p:cxnSp>
-        </p:grpSp>
-        <p:sp>
-          <p:nvSpPr>
-            <p:cNvPr id="162" name="TextBox 161">
-              <a:extLst>
-                <a:ext uri="{FF2B5EF4-FFF2-40B4-BE49-F238E27FC236}">
-                  <a16:creationId xmlns:a16="http://schemas.microsoft.com/office/drawing/2014/main" id="{C064EA30-51E7-42AF-F71B-1C0C5E68D802}"/>
-                </a:ext>
-              </a:extLst>
-            </p:cNvPr>
-            <p:cNvSpPr txBox="1"/>
-            <p:nvPr/>
-          </p:nvSpPr>
-          <p:spPr>
-            <a:xfrm>
-              <a:off x="2564950" y="1297549"/>
-              <a:ext cx="81754" cy="92333"/>
-            </a:xfrm>
-            <a:prstGeom prst="rect">
-              <a:avLst/>
-            </a:prstGeom>
-            <a:noFill/>
-          </p:spPr>
-          <p:txBody>
-            <a:bodyPr wrap="square" lIns="0" tIns="0" rIns="0" bIns="0" rtlCol="0">
-              <a:spAutoFit/>
-            </a:bodyPr>
-            <a:lstStyle/>
-            <a:p>
-              <a:r>
-                <a:rPr lang="en-US" sz="600" dirty="0">
-                  <a:solidFill>
-                    <a:srgbClr val="00B0F0"/>
-                  </a:solidFill>
-                  <a:latin typeface="Arial" panose="020B0604020202020204" pitchFamily="34" charset="0"/>
-                  <a:cs typeface="Arial" panose="020B0604020202020204" pitchFamily="34" charset="0"/>
-                </a:rPr>
-                <a:t>…</a:t>
-              </a:r>
-            </a:p>
-          </p:txBody>
-        </p:sp>
-        <p:cxnSp>
-          <p:nvCxnSpPr>
-            <p:cNvPr id="163" name="Straight Connector 162">
-              <a:extLst>
-                <a:ext uri="{FF2B5EF4-FFF2-40B4-BE49-F238E27FC236}">
-                  <a16:creationId xmlns:a16="http://schemas.microsoft.com/office/drawing/2014/main" id="{F8F1F8E6-2AD8-74F3-FC38-A984371A40AA}"/>
-                </a:ext>
-              </a:extLst>
-            </p:cNvPr>
-            <p:cNvCxnSpPr>
-              <a:cxnSpLocks/>
-            </p:cNvCxnSpPr>
-            <p:nvPr/>
-          </p:nvCxnSpPr>
-          <p:spPr>
-            <a:xfrm flipH="1">
-              <a:off x="2129678" y="1451736"/>
-              <a:ext cx="0" cy="36576"/>
-            </a:xfrm>
-            <a:prstGeom prst="line">
-              <a:avLst/>
-            </a:prstGeom>
-            <a:ln w="6350" cap="sq">
-              <a:solidFill>
-                <a:srgbClr val="00B0F0"/>
-              </a:solidFill>
-            </a:ln>
-          </p:spPr>
-          <p:style>
-            <a:lnRef idx="1">
-              <a:schemeClr val="accent1"/>
-            </a:lnRef>
-            <a:fillRef idx="0">
-              <a:schemeClr val="accent1"/>
-            </a:fillRef>
-            <a:effectRef idx="0">
-              <a:schemeClr val="accent1"/>
-            </a:effectRef>
-            <a:fontRef idx="minor">
-              <a:schemeClr val="tx1"/>
-            </a:fontRef>
-          </p:style>
-        </p:cxnSp>
-        <p:grpSp>
-          <p:nvGrpSpPr>
-            <p:cNvPr id="164" name="Group 163">
-              <a:extLst>
-                <a:ext uri="{FF2B5EF4-FFF2-40B4-BE49-F238E27FC236}">
-                  <a16:creationId xmlns:a16="http://schemas.microsoft.com/office/drawing/2014/main" id="{C20D45B4-FEA2-7BB3-EAA9-CB239313D3E6}"/>
-                </a:ext>
-              </a:extLst>
-            </p:cNvPr>
-            <p:cNvGrpSpPr/>
-            <p:nvPr/>
-          </p:nvGrpSpPr>
-          <p:grpSpPr>
-            <a:xfrm>
-              <a:off x="2439899" y="1452390"/>
-              <a:ext cx="119717" cy="77196"/>
-              <a:chOff x="2439899" y="1452390"/>
-              <a:chExt cx="119717" cy="77196"/>
-            </a:xfrm>
-          </p:grpSpPr>
-          <p:cxnSp>
-            <p:nvCxnSpPr>
-              <p:cNvPr id="165" name="Elbow Connector 133">
-                <a:extLst>
-                  <a:ext uri="{FF2B5EF4-FFF2-40B4-BE49-F238E27FC236}">
-                    <a16:creationId xmlns:a16="http://schemas.microsoft.com/office/drawing/2014/main" id="{F73818C2-D84D-761F-B056-E6C630BC4E83}"/>
-                  </a:ext>
-                </a:extLst>
-              </p:cNvPr>
-              <p:cNvCxnSpPr>
-                <a:cxnSpLocks/>
-              </p:cNvCxnSpPr>
-              <p:nvPr/>
-            </p:nvCxnSpPr>
-            <p:spPr>
-              <a:xfrm flipV="1">
-                <a:off x="2439899" y="1489744"/>
-                <a:ext cx="119717" cy="39842"/>
-              </a:xfrm>
-              <a:prstGeom prst="bentConnector3">
-                <a:avLst/>
-              </a:prstGeom>
-              <a:ln w="6350">
-                <a:solidFill>
-                  <a:srgbClr val="00B0F0"/>
-                </a:solidFill>
-              </a:ln>
-            </p:spPr>
-            <p:style>
-              <a:lnRef idx="1">
-                <a:schemeClr val="accent1"/>
-              </a:lnRef>
-              <a:fillRef idx="0">
-                <a:schemeClr val="accent1"/>
-              </a:fillRef>
-              <a:effectRef idx="0">
-                <a:schemeClr val="accent1"/>
-              </a:effectRef>
-              <a:fontRef idx="minor">
-                <a:schemeClr val="tx1"/>
-              </a:fontRef>
-            </p:style>
-          </p:cxnSp>
-          <p:cxnSp>
-            <p:nvCxnSpPr>
-              <p:cNvPr id="166" name="Straight Connector 165">
-                <a:extLst>
-                  <a:ext uri="{FF2B5EF4-FFF2-40B4-BE49-F238E27FC236}">
-                    <a16:creationId xmlns:a16="http://schemas.microsoft.com/office/drawing/2014/main" id="{1FB20243-793A-7AB1-3C04-78C8D1F7F8F8}"/>
-                  </a:ext>
-                </a:extLst>
-              </p:cNvPr>
-              <p:cNvCxnSpPr>
-                <a:cxnSpLocks/>
-              </p:cNvCxnSpPr>
-              <p:nvPr/>
-            </p:nvCxnSpPr>
-            <p:spPr>
-              <a:xfrm flipH="1">
-                <a:off x="2559616" y="1452390"/>
-                <a:ext cx="0" cy="36576"/>
-              </a:xfrm>
-              <a:prstGeom prst="line">
-                <a:avLst/>
-              </a:prstGeom>
-              <a:ln w="6350" cap="sq">
-                <a:solidFill>
-                  <a:srgbClr val="00B0F0"/>
-                </a:solidFill>
-              </a:ln>
-            </p:spPr>
-            <p:style>
-              <a:lnRef idx="1">
-                <a:schemeClr val="accent1"/>
-              </a:lnRef>
-              <a:fillRef idx="0">
-                <a:schemeClr val="accent1"/>
-              </a:fillRef>
-              <a:effectRef idx="0">
-                <a:schemeClr val="accent1"/>
-              </a:effectRef>
-              <a:fontRef idx="minor">
-                <a:schemeClr val="tx1"/>
-              </a:fontRef>
-            </p:style>
-          </p:cxnSp>
-        </p:grpSp>
-      </p:grpSp>
-      <p:grpSp>
-        <p:nvGrpSpPr>
-          <p:cNvPr id="169" name="Group 168">
-            <a:extLst>
-              <a:ext uri="{FF2B5EF4-FFF2-40B4-BE49-F238E27FC236}">
-                <a16:creationId xmlns:a16="http://schemas.microsoft.com/office/drawing/2014/main" id="{AE6AF56E-5206-9A60-C052-2431A433F7D1}"/>
-              </a:ext>
-            </a:extLst>
-          </p:cNvPr>
-          <p:cNvGrpSpPr/>
-          <p:nvPr/>
-        </p:nvGrpSpPr>
-        <p:grpSpPr>
-          <a:xfrm>
-            <a:off x="2764261" y="940110"/>
-            <a:ext cx="684674" cy="314943"/>
-            <a:chOff x="2693141" y="940110"/>
-            <a:chExt cx="684674" cy="314943"/>
-          </a:xfrm>
-        </p:grpSpPr>
-        <p:grpSp>
-          <p:nvGrpSpPr>
-            <p:cNvPr id="170" name="Group 169">
-              <a:extLst>
-                <a:ext uri="{FF2B5EF4-FFF2-40B4-BE49-F238E27FC236}">
-                  <a16:creationId xmlns:a16="http://schemas.microsoft.com/office/drawing/2014/main" id="{824B532E-7C67-3FD1-3327-D19AE26FE469}"/>
-                </a:ext>
-              </a:extLst>
-            </p:cNvPr>
-            <p:cNvGrpSpPr/>
-            <p:nvPr/>
-          </p:nvGrpSpPr>
-          <p:grpSpPr>
-            <a:xfrm>
-              <a:off x="2693141" y="940110"/>
-              <a:ext cx="684674" cy="283738"/>
-              <a:chOff x="2009961" y="1259359"/>
-              <a:chExt cx="684674" cy="283738"/>
-            </a:xfrm>
-          </p:grpSpPr>
-          <p:cxnSp>
-            <p:nvCxnSpPr>
-              <p:cNvPr id="172" name="Straight Connector 171">
-                <a:extLst>
-                  <a:ext uri="{FF2B5EF4-FFF2-40B4-BE49-F238E27FC236}">
-                    <a16:creationId xmlns:a16="http://schemas.microsoft.com/office/drawing/2014/main" id="{1C9784B5-B0E5-DC9D-0F0F-1106B724DDE9}"/>
-                  </a:ext>
-                </a:extLst>
-              </p:cNvPr>
-              <p:cNvCxnSpPr>
-                <a:cxnSpLocks/>
-              </p:cNvCxnSpPr>
-              <p:nvPr/>
-            </p:nvCxnSpPr>
-            <p:spPr>
-              <a:xfrm flipH="1">
-                <a:off x="2263670" y="1259360"/>
-                <a:ext cx="1027" cy="283737"/>
-              </a:xfrm>
-              <a:prstGeom prst="line">
-                <a:avLst/>
-              </a:prstGeom>
-              <a:ln w="6350" cap="rnd">
-                <a:solidFill>
-                  <a:srgbClr val="ED7D31"/>
-                </a:solidFill>
-              </a:ln>
-            </p:spPr>
-            <p:style>
-              <a:lnRef idx="1">
-                <a:schemeClr val="accent1"/>
-              </a:lnRef>
-              <a:fillRef idx="0">
-                <a:schemeClr val="accent1"/>
-              </a:fillRef>
-              <a:effectRef idx="0">
-                <a:schemeClr val="accent1"/>
-              </a:effectRef>
-              <a:fontRef idx="minor">
-                <a:schemeClr val="tx1"/>
-              </a:fontRef>
-            </p:style>
-          </p:cxnSp>
-          <p:cxnSp>
-            <p:nvCxnSpPr>
-              <p:cNvPr id="173" name="Elbow Connector 133">
-                <a:extLst>
-                  <a:ext uri="{FF2B5EF4-FFF2-40B4-BE49-F238E27FC236}">
-                    <a16:creationId xmlns:a16="http://schemas.microsoft.com/office/drawing/2014/main" id="{84206463-5573-6DEE-48B7-C673FCC98FCB}"/>
-                  </a:ext>
-                </a:extLst>
-              </p:cNvPr>
-              <p:cNvCxnSpPr>
-                <a:cxnSpLocks/>
-              </p:cNvCxnSpPr>
-              <p:nvPr/>
-            </p:nvCxnSpPr>
-            <p:spPr>
-              <a:xfrm flipV="1">
-                <a:off x="2009961" y="1489744"/>
-                <a:ext cx="119717" cy="39842"/>
-              </a:xfrm>
-              <a:prstGeom prst="bentConnector3">
-                <a:avLst/>
-              </a:prstGeom>
-              <a:ln w="6350">
-                <a:solidFill>
-                  <a:srgbClr val="ED7D31"/>
-                </a:solidFill>
-              </a:ln>
-            </p:spPr>
-            <p:style>
-              <a:lnRef idx="1">
-                <a:schemeClr val="accent1"/>
-              </a:lnRef>
-              <a:fillRef idx="0">
-                <a:schemeClr val="accent1"/>
-              </a:fillRef>
-              <a:effectRef idx="0">
-                <a:schemeClr val="accent1"/>
-              </a:effectRef>
-              <a:fontRef idx="minor">
-                <a:schemeClr val="tx1"/>
-              </a:fontRef>
-            </p:style>
-          </p:cxnSp>
-          <p:cxnSp>
-            <p:nvCxnSpPr>
-              <p:cNvPr id="174" name="Straight Connector 173">
-                <a:extLst>
-                  <a:ext uri="{FF2B5EF4-FFF2-40B4-BE49-F238E27FC236}">
-                    <a16:creationId xmlns:a16="http://schemas.microsoft.com/office/drawing/2014/main" id="{6DC135BF-6F77-D99C-20E6-C75BA03643E0}"/>
-                  </a:ext>
-                </a:extLst>
-              </p:cNvPr>
-              <p:cNvCxnSpPr>
-                <a:cxnSpLocks/>
-              </p:cNvCxnSpPr>
-              <p:nvPr/>
-            </p:nvCxnSpPr>
-            <p:spPr>
-              <a:xfrm flipV="1">
-                <a:off x="2209833" y="1259359"/>
-                <a:ext cx="54864" cy="0"/>
-              </a:xfrm>
-              <a:prstGeom prst="line">
-                <a:avLst/>
-              </a:prstGeom>
-              <a:ln w="6350" cap="sq">
-                <a:solidFill>
-                  <a:srgbClr val="ED7D31"/>
-                </a:solidFill>
-              </a:ln>
-            </p:spPr>
-            <p:style>
-              <a:lnRef idx="1">
-                <a:schemeClr val="accent1"/>
-              </a:lnRef>
-              <a:fillRef idx="0">
-                <a:schemeClr val="accent1"/>
-              </a:fillRef>
-              <a:effectRef idx="0">
-                <a:schemeClr val="accent1"/>
-              </a:effectRef>
-              <a:fontRef idx="minor">
-                <a:schemeClr val="tx1"/>
-              </a:fontRef>
-            </p:style>
-          </p:cxnSp>
-          <p:cxnSp>
-            <p:nvCxnSpPr>
-              <p:cNvPr id="175" name="Straight Connector 174">
-                <a:extLst>
-                  <a:ext uri="{FF2B5EF4-FFF2-40B4-BE49-F238E27FC236}">
-                    <a16:creationId xmlns:a16="http://schemas.microsoft.com/office/drawing/2014/main" id="{FE9A5325-3870-66B8-3841-93F11EE3F5E5}"/>
-                  </a:ext>
-                </a:extLst>
-              </p:cNvPr>
-              <p:cNvCxnSpPr>
-                <a:cxnSpLocks/>
-              </p:cNvCxnSpPr>
-              <p:nvPr/>
-            </p:nvCxnSpPr>
-            <p:spPr>
-              <a:xfrm flipH="1">
-                <a:off x="2209833" y="1259360"/>
-                <a:ext cx="0" cy="36576"/>
-              </a:xfrm>
-              <a:prstGeom prst="line">
-                <a:avLst/>
-              </a:prstGeom>
-              <a:ln w="6350" cap="sq">
-                <a:solidFill>
-                  <a:srgbClr val="ED7D31"/>
-                </a:solidFill>
-              </a:ln>
-            </p:spPr>
-            <p:style>
-              <a:lnRef idx="1">
-                <a:schemeClr val="accent1"/>
-              </a:lnRef>
-              <a:fillRef idx="0">
-                <a:schemeClr val="accent1"/>
-              </a:fillRef>
-              <a:effectRef idx="0">
-                <a:schemeClr val="accent1"/>
-              </a:effectRef>
-              <a:fontRef idx="minor">
-                <a:schemeClr val="tx1"/>
-              </a:fontRef>
-            </p:style>
-          </p:cxnSp>
-          <p:sp>
-            <p:nvSpPr>
-              <p:cNvPr id="176" name="TextBox 175">
-                <a:extLst>
-                  <a:ext uri="{FF2B5EF4-FFF2-40B4-BE49-F238E27FC236}">
-                    <a16:creationId xmlns:a16="http://schemas.microsoft.com/office/drawing/2014/main" id="{C95C6C89-C040-09A3-CF85-43C445AC6706}"/>
-                  </a:ext>
-                </a:extLst>
-              </p:cNvPr>
-              <p:cNvSpPr txBox="1"/>
-              <p:nvPr/>
-            </p:nvSpPr>
-            <p:spPr>
-              <a:xfrm>
-                <a:off x="2135012" y="1297549"/>
-                <a:ext cx="81754" cy="92333"/>
-              </a:xfrm>
-              <a:prstGeom prst="rect">
-                <a:avLst/>
-              </a:prstGeom>
-              <a:noFill/>
-              <a:ln>
-                <a:noFill/>
-              </a:ln>
-            </p:spPr>
-            <p:txBody>
-              <a:bodyPr wrap="square" lIns="0" tIns="0" rIns="0" bIns="0" rtlCol="0">
-                <a:spAutoFit/>
-              </a:bodyPr>
-              <a:lstStyle/>
-              <a:p>
-                <a:r>
-                  <a:rPr lang="en-US" sz="600" dirty="0">
-                    <a:solidFill>
-                      <a:srgbClr val="ED7D31"/>
-                    </a:solidFill>
-                    <a:latin typeface="Arial" panose="020B0604020202020204" pitchFamily="34" charset="0"/>
-                    <a:cs typeface="Arial" panose="020B0604020202020204" pitchFamily="34" charset="0"/>
-                  </a:rPr>
-                  <a:t>…</a:t>
-                </a:r>
-              </a:p>
-            </p:txBody>
-          </p:sp>
-          <p:grpSp>
-            <p:nvGrpSpPr>
-              <p:cNvPr id="177" name="Group 176">
-                <a:extLst>
-                  <a:ext uri="{FF2B5EF4-FFF2-40B4-BE49-F238E27FC236}">
-                    <a16:creationId xmlns:a16="http://schemas.microsoft.com/office/drawing/2014/main" id="{0154F1AC-B686-1475-C782-07EC8F2AAB44}"/>
-                  </a:ext>
-                </a:extLst>
-              </p:cNvPr>
-              <p:cNvGrpSpPr/>
-              <p:nvPr/>
-            </p:nvGrpSpPr>
-            <p:grpSpPr>
-              <a:xfrm>
-                <a:off x="2639771" y="1259359"/>
-                <a:ext cx="54864" cy="36577"/>
-                <a:chOff x="2627866" y="1259359"/>
-                <a:chExt cx="54864" cy="36577"/>
-              </a:xfrm>
-            </p:grpSpPr>
-            <p:cxnSp>
-              <p:nvCxnSpPr>
-                <p:cNvPr id="183" name="Straight Connector 182">
-                  <a:extLst>
-                    <a:ext uri="{FF2B5EF4-FFF2-40B4-BE49-F238E27FC236}">
-                      <a16:creationId xmlns:a16="http://schemas.microsoft.com/office/drawing/2014/main" id="{6E746CC0-4057-6931-0DD2-EA2CFEA9B418}"/>
-                    </a:ext>
-                  </a:extLst>
-                </p:cNvPr>
-                <p:cNvCxnSpPr>
-                  <a:cxnSpLocks/>
-                </p:cNvCxnSpPr>
-                <p:nvPr/>
-              </p:nvCxnSpPr>
-              <p:spPr>
-                <a:xfrm flipV="1">
-                  <a:off x="2627866" y="1259359"/>
-                  <a:ext cx="54864" cy="0"/>
-                </a:xfrm>
-                <a:prstGeom prst="line">
-                  <a:avLst/>
-                </a:prstGeom>
-                <a:ln w="6350" cap="sq">
-                  <a:solidFill>
-                    <a:srgbClr val="ED7D31"/>
-                  </a:solidFill>
-                  <a:round/>
-                </a:ln>
-              </p:spPr>
-              <p:style>
-                <a:lnRef idx="1">
-                  <a:schemeClr val="accent1"/>
-                </a:lnRef>
-                <a:fillRef idx="0">
-                  <a:schemeClr val="accent1"/>
-                </a:fillRef>
-                <a:effectRef idx="0">
-                  <a:schemeClr val="accent1"/>
-                </a:effectRef>
-                <a:fontRef idx="minor">
-                  <a:schemeClr val="tx1"/>
-                </a:fontRef>
-              </p:style>
-            </p:cxnSp>
-            <p:cxnSp>
-              <p:nvCxnSpPr>
-                <p:cNvPr id="184" name="Straight Connector 183">
-                  <a:extLst>
-                    <a:ext uri="{FF2B5EF4-FFF2-40B4-BE49-F238E27FC236}">
-                      <a16:creationId xmlns:a16="http://schemas.microsoft.com/office/drawing/2014/main" id="{7AFFE26B-9353-487E-CE74-3D7941926665}"/>
-                    </a:ext>
-                  </a:extLst>
-                </p:cNvPr>
-                <p:cNvCxnSpPr>
-                  <a:cxnSpLocks/>
-                </p:cNvCxnSpPr>
-                <p:nvPr/>
-              </p:nvCxnSpPr>
-              <p:spPr>
-                <a:xfrm flipH="1">
-                  <a:off x="2627866" y="1259360"/>
-                  <a:ext cx="0" cy="36576"/>
-                </a:xfrm>
-                <a:prstGeom prst="line">
-                  <a:avLst/>
-                </a:prstGeom>
-                <a:ln w="6350" cap="sq">
-                  <a:solidFill>
-                    <a:srgbClr val="ED7D31"/>
-                  </a:solidFill>
-                  <a:round/>
-                </a:ln>
-              </p:spPr>
-              <p:style>
-                <a:lnRef idx="1">
-                  <a:schemeClr val="accent1"/>
-                </a:lnRef>
-                <a:fillRef idx="0">
-                  <a:schemeClr val="accent1"/>
-                </a:fillRef>
-                <a:effectRef idx="0">
-                  <a:schemeClr val="accent1"/>
-                </a:effectRef>
-                <a:fontRef idx="minor">
-                  <a:schemeClr val="tx1"/>
-                </a:fontRef>
-              </p:style>
-            </p:cxnSp>
-          </p:grpSp>
-          <p:sp>
-            <p:nvSpPr>
-              <p:cNvPr id="178" name="TextBox 177">
-                <a:extLst>
-                  <a:ext uri="{FF2B5EF4-FFF2-40B4-BE49-F238E27FC236}">
-                    <a16:creationId xmlns:a16="http://schemas.microsoft.com/office/drawing/2014/main" id="{728A893B-C925-420A-DDC6-58EF2AA86757}"/>
-                  </a:ext>
-                </a:extLst>
-              </p:cNvPr>
-              <p:cNvSpPr txBox="1"/>
-              <p:nvPr/>
-            </p:nvSpPr>
-            <p:spPr>
-              <a:xfrm>
-                <a:off x="2564950" y="1297549"/>
-                <a:ext cx="81754" cy="92333"/>
-              </a:xfrm>
-              <a:prstGeom prst="rect">
-                <a:avLst/>
-              </a:prstGeom>
-              <a:noFill/>
-              <a:ln>
-                <a:noFill/>
-              </a:ln>
-            </p:spPr>
-            <p:txBody>
-              <a:bodyPr wrap="square" lIns="0" tIns="0" rIns="0" bIns="0" rtlCol="0">
-                <a:spAutoFit/>
-              </a:bodyPr>
-              <a:lstStyle/>
-              <a:p>
-                <a:r>
-                  <a:rPr lang="en-US" sz="600" dirty="0">
-                    <a:solidFill>
-                      <a:srgbClr val="ED7D31"/>
-                    </a:solidFill>
-                    <a:latin typeface="Arial" panose="020B0604020202020204" pitchFamily="34" charset="0"/>
-                    <a:cs typeface="Arial" panose="020B0604020202020204" pitchFamily="34" charset="0"/>
-                  </a:rPr>
-                  <a:t>…</a:t>
-                </a:r>
-              </a:p>
-            </p:txBody>
-          </p:sp>
-          <p:cxnSp>
-            <p:nvCxnSpPr>
-              <p:cNvPr id="179" name="Straight Connector 178">
-                <a:extLst>
-                  <a:ext uri="{FF2B5EF4-FFF2-40B4-BE49-F238E27FC236}">
-                    <a16:creationId xmlns:a16="http://schemas.microsoft.com/office/drawing/2014/main" id="{605E9ED2-7928-DE4B-ADE3-09250C3F3792}"/>
-                  </a:ext>
-                </a:extLst>
-              </p:cNvPr>
-              <p:cNvCxnSpPr>
-                <a:cxnSpLocks/>
-              </p:cNvCxnSpPr>
-              <p:nvPr/>
-            </p:nvCxnSpPr>
-            <p:spPr>
-              <a:xfrm flipH="1">
-                <a:off x="2129678" y="1451736"/>
-                <a:ext cx="0" cy="36576"/>
-              </a:xfrm>
-              <a:prstGeom prst="line">
-                <a:avLst/>
-              </a:prstGeom>
-              <a:ln w="6350" cap="sq">
-                <a:solidFill>
-                  <a:srgbClr val="ED7D31"/>
-                </a:solidFill>
-              </a:ln>
-            </p:spPr>
-            <p:style>
-              <a:lnRef idx="1">
-                <a:schemeClr val="accent1"/>
-              </a:lnRef>
-              <a:fillRef idx="0">
-                <a:schemeClr val="accent1"/>
-              </a:fillRef>
-              <a:effectRef idx="0">
-                <a:schemeClr val="accent1"/>
-              </a:effectRef>
-              <a:fontRef idx="minor">
-                <a:schemeClr val="tx1"/>
-              </a:fontRef>
-            </p:style>
-          </p:cxnSp>
-          <p:grpSp>
-            <p:nvGrpSpPr>
-              <p:cNvPr id="180" name="Group 179">
-                <a:extLst>
-                  <a:ext uri="{FF2B5EF4-FFF2-40B4-BE49-F238E27FC236}">
-                    <a16:creationId xmlns:a16="http://schemas.microsoft.com/office/drawing/2014/main" id="{C3CB7FB6-FEDC-08FB-C1A1-86965F78D750}"/>
-                  </a:ext>
-                </a:extLst>
-              </p:cNvPr>
-              <p:cNvGrpSpPr/>
-              <p:nvPr/>
-            </p:nvGrpSpPr>
-            <p:grpSpPr>
-              <a:xfrm>
-                <a:off x="2439899" y="1452390"/>
-                <a:ext cx="119717" cy="77196"/>
-                <a:chOff x="2439899" y="1452390"/>
-                <a:chExt cx="119717" cy="77196"/>
-              </a:xfrm>
-            </p:grpSpPr>
-            <p:cxnSp>
-              <p:nvCxnSpPr>
-                <p:cNvPr id="181" name="Elbow Connector 133">
-                  <a:extLst>
-                    <a:ext uri="{FF2B5EF4-FFF2-40B4-BE49-F238E27FC236}">
-                      <a16:creationId xmlns:a16="http://schemas.microsoft.com/office/drawing/2014/main" id="{0DAD2732-90D6-C2C9-28AF-AE4894F3B2CF}"/>
-                    </a:ext>
-                  </a:extLst>
-                </p:cNvPr>
-                <p:cNvCxnSpPr>
-                  <a:cxnSpLocks/>
-                </p:cNvCxnSpPr>
-                <p:nvPr/>
-              </p:nvCxnSpPr>
-              <p:spPr>
-                <a:xfrm flipV="1">
-                  <a:off x="2439899" y="1489744"/>
-                  <a:ext cx="119717" cy="39842"/>
-                </a:xfrm>
-                <a:prstGeom prst="bentConnector3">
-                  <a:avLst/>
-                </a:prstGeom>
-                <a:ln w="6350">
-                  <a:solidFill>
-                    <a:srgbClr val="ED7D31"/>
-                  </a:solidFill>
-                </a:ln>
-              </p:spPr>
-              <p:style>
-                <a:lnRef idx="1">
-                  <a:schemeClr val="accent1"/>
-                </a:lnRef>
-                <a:fillRef idx="0">
-                  <a:schemeClr val="accent1"/>
-                </a:fillRef>
-                <a:effectRef idx="0">
-                  <a:schemeClr val="accent1"/>
-                </a:effectRef>
-                <a:fontRef idx="minor">
-                  <a:schemeClr val="tx1"/>
-                </a:fontRef>
-              </p:style>
-            </p:cxnSp>
-            <p:cxnSp>
-              <p:nvCxnSpPr>
-                <p:cNvPr id="182" name="Straight Connector 181">
-                  <a:extLst>
-                    <a:ext uri="{FF2B5EF4-FFF2-40B4-BE49-F238E27FC236}">
-                      <a16:creationId xmlns:a16="http://schemas.microsoft.com/office/drawing/2014/main" id="{BD461DD5-C7ED-914C-3118-E93650F96A00}"/>
-                    </a:ext>
-                  </a:extLst>
-                </p:cNvPr>
-                <p:cNvCxnSpPr>
-                  <a:cxnSpLocks/>
-                </p:cNvCxnSpPr>
-                <p:nvPr/>
-              </p:nvCxnSpPr>
-              <p:spPr>
-                <a:xfrm flipH="1">
-                  <a:off x="2559616" y="1452390"/>
-                  <a:ext cx="0" cy="36576"/>
-                </a:xfrm>
-                <a:prstGeom prst="line">
-                  <a:avLst/>
-                </a:prstGeom>
-                <a:ln w="6350" cap="sq">
-                  <a:solidFill>
-                    <a:srgbClr val="ED7D31"/>
-                  </a:solidFill>
-                </a:ln>
-              </p:spPr>
-              <p:style>
-                <a:lnRef idx="1">
-                  <a:schemeClr val="accent1"/>
-                </a:lnRef>
-                <a:fillRef idx="0">
-                  <a:schemeClr val="accent1"/>
-                </a:fillRef>
-                <a:effectRef idx="0">
-                  <a:schemeClr val="accent1"/>
-                </a:effectRef>
-                <a:fontRef idx="minor">
-                  <a:schemeClr val="tx1"/>
-                </a:fontRef>
-              </p:style>
-            </p:cxnSp>
-          </p:grpSp>
-        </p:grpSp>
-        <p:cxnSp>
-          <p:nvCxnSpPr>
-            <p:cNvPr id="171" name="Straight Connector 170">
-              <a:extLst>
-                <a:ext uri="{FF2B5EF4-FFF2-40B4-BE49-F238E27FC236}">
-                  <a16:creationId xmlns:a16="http://schemas.microsoft.com/office/drawing/2014/main" id="{173007E2-1019-5705-4D2D-00BB6F9590B1}"/>
-                </a:ext>
-              </a:extLst>
-            </p:cNvPr>
-            <p:cNvCxnSpPr>
-              <a:cxnSpLocks/>
-            </p:cNvCxnSpPr>
-            <p:nvPr/>
-          </p:nvCxnSpPr>
-          <p:spPr>
-            <a:xfrm flipH="1">
-              <a:off x="2693141" y="1218477"/>
-              <a:ext cx="0" cy="36576"/>
-            </a:xfrm>
-            <a:prstGeom prst="line">
-              <a:avLst/>
-            </a:prstGeom>
-            <a:ln w="6350" cap="sq">
-              <a:solidFill>
-                <a:srgbClr val="ED7D31"/>
-              </a:solidFill>
-            </a:ln>
-          </p:spPr>
-          <p:style>
-            <a:lnRef idx="1">
-              <a:schemeClr val="accent1"/>
-            </a:lnRef>
-            <a:fillRef idx="0">
-              <a:schemeClr val="accent1"/>
-            </a:fillRef>
-            <a:effectRef idx="0">
-              <a:schemeClr val="accent1"/>
-            </a:effectRef>
-            <a:fontRef idx="minor">
-              <a:schemeClr val="tx1"/>
-            </a:fontRef>
-          </p:style>
-        </p:cxnSp>
-      </p:grpSp>
-      <p:grpSp>
-        <p:nvGrpSpPr>
-          <p:cNvPr id="185" name="Group 184">
-            <a:extLst>
-              <a:ext uri="{FF2B5EF4-FFF2-40B4-BE49-F238E27FC236}">
-                <a16:creationId xmlns:a16="http://schemas.microsoft.com/office/drawing/2014/main" id="{3E8A1653-A787-30A1-945A-4678B97C743A}"/>
-              </a:ext>
-            </a:extLst>
-          </p:cNvPr>
-          <p:cNvGrpSpPr/>
-          <p:nvPr/>
-        </p:nvGrpSpPr>
-        <p:grpSpPr>
-          <a:xfrm>
-            <a:off x="4362437" y="489409"/>
-            <a:ext cx="57365" cy="101335"/>
-            <a:chOff x="1602622" y="515214"/>
-            <a:chExt cx="77646" cy="137160"/>
-          </a:xfrm>
-        </p:grpSpPr>
-        <p:sp>
-          <p:nvSpPr>
-            <p:cNvPr id="186" name="Freeform 242">
-              <a:extLst>
-                <a:ext uri="{FF2B5EF4-FFF2-40B4-BE49-F238E27FC236}">
-                  <a16:creationId xmlns:a16="http://schemas.microsoft.com/office/drawing/2014/main" id="{DAB56605-D28F-EDFC-0C5A-B0AB32D76A38}"/>
-                </a:ext>
-              </a:extLst>
-            </p:cNvPr>
-            <p:cNvSpPr/>
-            <p:nvPr/>
-          </p:nvSpPr>
-          <p:spPr>
-            <a:xfrm>
-              <a:off x="1602622" y="515214"/>
-              <a:ext cx="45720" cy="137160"/>
-            </a:xfrm>
-            <a:custGeom>
-              <a:avLst/>
-              <a:gdLst>
-                <a:gd name="connsiteX0" fmla="*/ 50901 w 83746"/>
-                <a:gd name="connsiteY0" fmla="*/ 0 h 418222"/>
-                <a:gd name="connsiteX1" fmla="*/ 81767 w 83746"/>
-                <a:gd name="connsiteY1" fmla="*/ 162046 h 418222"/>
-                <a:gd name="connsiteX2" fmla="*/ 744 w 83746"/>
-                <a:gd name="connsiteY2" fmla="*/ 289367 h 418222"/>
-                <a:gd name="connsiteX3" fmla="*/ 39327 w 83746"/>
-                <a:gd name="connsiteY3" fmla="*/ 408972 h 418222"/>
-                <a:gd name="connsiteX4" fmla="*/ 39327 w 83746"/>
-                <a:gd name="connsiteY4" fmla="*/ 401256 h 418222"/>
-              </a:gdLst>
-              <a:ahLst/>
-              <a:cxnLst>
-                <a:cxn ang="0">
-                  <a:pos x="connsiteX0" y="connsiteY0"/>
-                </a:cxn>
-                <a:cxn ang="0">
-                  <a:pos x="connsiteX1" y="connsiteY1"/>
-                </a:cxn>
-                <a:cxn ang="0">
-                  <a:pos x="connsiteX2" y="connsiteY2"/>
-                </a:cxn>
-                <a:cxn ang="0">
-                  <a:pos x="connsiteX3" y="connsiteY3"/>
-                </a:cxn>
-                <a:cxn ang="0">
-                  <a:pos x="connsiteX4" y="connsiteY4"/>
-                </a:cxn>
-              </a:cxnLst>
-              <a:rect l="l" t="t" r="r" b="b"/>
-              <a:pathLst>
-                <a:path w="83746" h="418222">
-                  <a:moveTo>
-                    <a:pt x="50901" y="0"/>
-                  </a:moveTo>
-                  <a:cubicBezTo>
-                    <a:pt x="70513" y="56909"/>
-                    <a:pt x="90126" y="113818"/>
-                    <a:pt x="81767" y="162046"/>
-                  </a:cubicBezTo>
-                  <a:cubicBezTo>
-                    <a:pt x="73408" y="210274"/>
-                    <a:pt x="7817" y="248213"/>
-                    <a:pt x="744" y="289367"/>
-                  </a:cubicBezTo>
-                  <a:cubicBezTo>
-                    <a:pt x="-6329" y="330521"/>
-                    <a:pt x="39327" y="408972"/>
-                    <a:pt x="39327" y="408972"/>
-                  </a:cubicBezTo>
-                  <a:cubicBezTo>
-                    <a:pt x="45757" y="427620"/>
-                    <a:pt x="42542" y="414438"/>
-                    <a:pt x="39327" y="401256"/>
-                  </a:cubicBezTo>
-                </a:path>
-              </a:pathLst>
-            </a:custGeom>
-            <a:noFill/>
-            <a:ln>
-              <a:solidFill>
-                <a:schemeClr val="tx1"/>
-              </a:solidFill>
-            </a:ln>
-          </p:spPr>
-          <p:style>
-            <a:lnRef idx="2">
-              <a:schemeClr val="accent1">
-                <a:shade val="50000"/>
-              </a:schemeClr>
-            </a:lnRef>
-            <a:fillRef idx="1">
-              <a:schemeClr val="accent1"/>
-            </a:fillRef>
-            <a:effectRef idx="0">
-              <a:schemeClr val="accent1"/>
-            </a:effectRef>
-            <a:fontRef idx="minor">
-              <a:schemeClr val="lt1"/>
-            </a:fontRef>
-          </p:style>
-          <p:txBody>
-            <a:bodyPr rot="0" spcFirstLastPara="0" vertOverflow="overflow" horzOverflow="overflow" vert="horz" wrap="square" lIns="91440" tIns="45720" rIns="91440" bIns="45720" numCol="1" spcCol="0" rtlCol="0" fromWordArt="0" anchor="ctr" anchorCtr="0" forceAA="0" compatLnSpc="1">
-              <a:prstTxWarp prst="textNoShape">
-                <a:avLst/>
-              </a:prstTxWarp>
-              <a:noAutofit/>
-            </a:bodyPr>
-            <a:lstStyle/>
-            <a:p>
-              <a:pPr algn="ctr"/>
-              <a:endParaRPr lang="en-US">
-                <a:latin typeface="Arial" panose="020B0604020202020204" pitchFamily="34" charset="0"/>
-                <a:cs typeface="Arial" panose="020B0604020202020204" pitchFamily="34" charset="0"/>
-              </a:endParaRPr>
-            </a:p>
-          </p:txBody>
-        </p:sp>
-        <p:sp>
-          <p:nvSpPr>
-            <p:cNvPr id="187" name="Freeform 243">
-              <a:extLst>
-                <a:ext uri="{FF2B5EF4-FFF2-40B4-BE49-F238E27FC236}">
-                  <a16:creationId xmlns:a16="http://schemas.microsoft.com/office/drawing/2014/main" id="{FFBE26A0-025F-378E-52A0-67FDDF9CEEBB}"/>
-                </a:ext>
-              </a:extLst>
-            </p:cNvPr>
-            <p:cNvSpPr/>
-            <p:nvPr/>
-          </p:nvSpPr>
-          <p:spPr>
-            <a:xfrm>
-              <a:off x="1634548" y="515214"/>
-              <a:ext cx="45720" cy="137160"/>
-            </a:xfrm>
-            <a:custGeom>
-              <a:avLst/>
-              <a:gdLst>
-                <a:gd name="connsiteX0" fmla="*/ 50901 w 83746"/>
-                <a:gd name="connsiteY0" fmla="*/ 0 h 418222"/>
-                <a:gd name="connsiteX1" fmla="*/ 81767 w 83746"/>
-                <a:gd name="connsiteY1" fmla="*/ 162046 h 418222"/>
-                <a:gd name="connsiteX2" fmla="*/ 744 w 83746"/>
-                <a:gd name="connsiteY2" fmla="*/ 289367 h 418222"/>
-                <a:gd name="connsiteX3" fmla="*/ 39327 w 83746"/>
-                <a:gd name="connsiteY3" fmla="*/ 408972 h 418222"/>
-                <a:gd name="connsiteX4" fmla="*/ 39327 w 83746"/>
-                <a:gd name="connsiteY4" fmla="*/ 401256 h 418222"/>
-              </a:gdLst>
-              <a:ahLst/>
-              <a:cxnLst>
-                <a:cxn ang="0">
-                  <a:pos x="connsiteX0" y="connsiteY0"/>
-                </a:cxn>
-                <a:cxn ang="0">
-                  <a:pos x="connsiteX1" y="connsiteY1"/>
-                </a:cxn>
-                <a:cxn ang="0">
-                  <a:pos x="connsiteX2" y="connsiteY2"/>
-                </a:cxn>
-                <a:cxn ang="0">
-                  <a:pos x="connsiteX3" y="connsiteY3"/>
-                </a:cxn>
-                <a:cxn ang="0">
-                  <a:pos x="connsiteX4" y="connsiteY4"/>
-                </a:cxn>
-              </a:cxnLst>
-              <a:rect l="l" t="t" r="r" b="b"/>
-              <a:pathLst>
-                <a:path w="83746" h="418222">
-                  <a:moveTo>
-                    <a:pt x="50901" y="0"/>
-                  </a:moveTo>
-                  <a:cubicBezTo>
-                    <a:pt x="70513" y="56909"/>
-                    <a:pt x="90126" y="113818"/>
-                    <a:pt x="81767" y="162046"/>
-                  </a:cubicBezTo>
-                  <a:cubicBezTo>
-                    <a:pt x="73408" y="210274"/>
-                    <a:pt x="7817" y="248213"/>
-                    <a:pt x="744" y="289367"/>
-                  </a:cubicBezTo>
-                  <a:cubicBezTo>
-                    <a:pt x="-6329" y="330521"/>
-                    <a:pt x="39327" y="408972"/>
-                    <a:pt x="39327" y="408972"/>
-                  </a:cubicBezTo>
-                  <a:cubicBezTo>
-                    <a:pt x="45757" y="427620"/>
-                    <a:pt x="42542" y="414438"/>
-                    <a:pt x="39327" y="401256"/>
-                  </a:cubicBezTo>
-                </a:path>
-              </a:pathLst>
-            </a:custGeom>
-            <a:noFill/>
-            <a:ln>
-              <a:solidFill>
-                <a:schemeClr val="tx1"/>
-              </a:solidFill>
-            </a:ln>
-          </p:spPr>
-          <p:style>
-            <a:lnRef idx="2">
-              <a:schemeClr val="accent1">
-                <a:shade val="50000"/>
-              </a:schemeClr>
-            </a:lnRef>
-            <a:fillRef idx="1">
-              <a:schemeClr val="accent1"/>
-            </a:fillRef>
-            <a:effectRef idx="0">
-              <a:schemeClr val="accent1"/>
-            </a:effectRef>
-            <a:fontRef idx="minor">
-              <a:schemeClr val="lt1"/>
-            </a:fontRef>
-          </p:style>
-          <p:txBody>
-            <a:bodyPr rot="0" spcFirstLastPara="0" vertOverflow="overflow" horzOverflow="overflow" vert="horz" wrap="square" lIns="91440" tIns="45720" rIns="91440" bIns="45720" numCol="1" spcCol="0" rtlCol="0" fromWordArt="0" anchor="ctr" anchorCtr="0" forceAA="0" compatLnSpc="1">
-              <a:prstTxWarp prst="textNoShape">
-                <a:avLst/>
-              </a:prstTxWarp>
-              <a:noAutofit/>
-            </a:bodyPr>
-            <a:lstStyle/>
-            <a:p>
-              <a:pPr algn="ctr"/>
-              <a:endParaRPr lang="en-US">
-                <a:latin typeface="Arial" panose="020B0604020202020204" pitchFamily="34" charset="0"/>
-                <a:cs typeface="Arial" panose="020B0604020202020204" pitchFamily="34" charset="0"/>
-              </a:endParaRPr>
-            </a:p>
-          </p:txBody>
-        </p:sp>
-      </p:grpSp>
-      <p:grpSp>
-        <p:nvGrpSpPr>
-          <p:cNvPr id="188" name="Group 187">
-            <a:extLst>
-              <a:ext uri="{FF2B5EF4-FFF2-40B4-BE49-F238E27FC236}">
-                <a16:creationId xmlns:a16="http://schemas.microsoft.com/office/drawing/2014/main" id="{F3EC28A0-4EC9-4F94-1502-10A49768A934}"/>
-              </a:ext>
-            </a:extLst>
-          </p:cNvPr>
-          <p:cNvGrpSpPr/>
-          <p:nvPr/>
-        </p:nvGrpSpPr>
-        <p:grpSpPr>
-          <a:xfrm>
-            <a:off x="4054586" y="281011"/>
-            <a:ext cx="684674" cy="314943"/>
-            <a:chOff x="2693141" y="940110"/>
-            <a:chExt cx="684674" cy="314943"/>
-          </a:xfrm>
-        </p:grpSpPr>
-        <p:grpSp>
-          <p:nvGrpSpPr>
-            <p:cNvPr id="189" name="Group 188">
-              <a:extLst>
-                <a:ext uri="{FF2B5EF4-FFF2-40B4-BE49-F238E27FC236}">
-                  <a16:creationId xmlns:a16="http://schemas.microsoft.com/office/drawing/2014/main" id="{C0F05E85-61A7-5E03-5AE4-9F47BADC057F}"/>
-                </a:ext>
-              </a:extLst>
-            </p:cNvPr>
-            <p:cNvGrpSpPr/>
-            <p:nvPr/>
-          </p:nvGrpSpPr>
-          <p:grpSpPr>
-            <a:xfrm>
-              <a:off x="2693141" y="940110"/>
-              <a:ext cx="684674" cy="283738"/>
-              <a:chOff x="2009961" y="1259359"/>
-              <a:chExt cx="684674" cy="283738"/>
-            </a:xfrm>
-          </p:grpSpPr>
-          <p:cxnSp>
-            <p:nvCxnSpPr>
-              <p:cNvPr id="191" name="Straight Connector 190">
-                <a:extLst>
-                  <a:ext uri="{FF2B5EF4-FFF2-40B4-BE49-F238E27FC236}">
-                    <a16:creationId xmlns:a16="http://schemas.microsoft.com/office/drawing/2014/main" id="{503B1170-C8F9-CD79-D26D-8BF32F5C63BE}"/>
-                  </a:ext>
-                </a:extLst>
-              </p:cNvPr>
-              <p:cNvCxnSpPr>
-                <a:cxnSpLocks/>
-              </p:cNvCxnSpPr>
-              <p:nvPr/>
-            </p:nvCxnSpPr>
-            <p:spPr>
-              <a:xfrm flipH="1">
-                <a:off x="2263670" y="1259360"/>
-                <a:ext cx="1027" cy="283737"/>
-              </a:xfrm>
-              <a:prstGeom prst="line">
-                <a:avLst/>
-              </a:prstGeom>
-              <a:ln w="6350" cap="rnd">
-                <a:solidFill>
-                  <a:srgbClr val="00B050"/>
-                </a:solidFill>
-              </a:ln>
-            </p:spPr>
-            <p:style>
-              <a:lnRef idx="1">
-                <a:schemeClr val="accent1"/>
-              </a:lnRef>
-              <a:fillRef idx="0">
-                <a:schemeClr val="accent1"/>
-              </a:fillRef>
-              <a:effectRef idx="0">
-                <a:schemeClr val="accent1"/>
-              </a:effectRef>
-              <a:fontRef idx="minor">
-                <a:schemeClr val="tx1"/>
-              </a:fontRef>
-            </p:style>
-          </p:cxnSp>
-          <p:cxnSp>
-            <p:nvCxnSpPr>
-              <p:cNvPr id="192" name="Elbow Connector 133">
-                <a:extLst>
-                  <a:ext uri="{FF2B5EF4-FFF2-40B4-BE49-F238E27FC236}">
-                    <a16:creationId xmlns:a16="http://schemas.microsoft.com/office/drawing/2014/main" id="{3C62126A-6ED5-329B-D556-5E8A474114D6}"/>
-                  </a:ext>
-                </a:extLst>
-              </p:cNvPr>
-              <p:cNvCxnSpPr>
-                <a:cxnSpLocks/>
-              </p:cNvCxnSpPr>
-              <p:nvPr/>
-            </p:nvCxnSpPr>
-            <p:spPr>
-              <a:xfrm flipV="1">
-                <a:off x="2009961" y="1489744"/>
-                <a:ext cx="119717" cy="39842"/>
-              </a:xfrm>
-              <a:prstGeom prst="bentConnector3">
-                <a:avLst/>
-              </a:prstGeom>
-              <a:ln w="6350">
-                <a:solidFill>
-                  <a:srgbClr val="00B050"/>
-                </a:solidFill>
-              </a:ln>
-            </p:spPr>
-            <p:style>
-              <a:lnRef idx="1">
-                <a:schemeClr val="accent1"/>
-              </a:lnRef>
-              <a:fillRef idx="0">
-                <a:schemeClr val="accent1"/>
-              </a:fillRef>
-              <a:effectRef idx="0">
-                <a:schemeClr val="accent1"/>
-              </a:effectRef>
-              <a:fontRef idx="minor">
-                <a:schemeClr val="tx1"/>
-              </a:fontRef>
-            </p:style>
-          </p:cxnSp>
-          <p:cxnSp>
-            <p:nvCxnSpPr>
-              <p:cNvPr id="193" name="Straight Connector 192">
-                <a:extLst>
-                  <a:ext uri="{FF2B5EF4-FFF2-40B4-BE49-F238E27FC236}">
-                    <a16:creationId xmlns:a16="http://schemas.microsoft.com/office/drawing/2014/main" id="{04B957BD-0E17-22B8-4B0A-6C26EADFF89F}"/>
-                  </a:ext>
-                </a:extLst>
-              </p:cNvPr>
-              <p:cNvCxnSpPr>
-                <a:cxnSpLocks/>
-              </p:cNvCxnSpPr>
-              <p:nvPr/>
-            </p:nvCxnSpPr>
-            <p:spPr>
-              <a:xfrm flipV="1">
-                <a:off x="2209833" y="1259359"/>
-                <a:ext cx="54864" cy="0"/>
-              </a:xfrm>
-              <a:prstGeom prst="line">
-                <a:avLst/>
-              </a:prstGeom>
-              <a:ln w="6350" cap="sq">
-                <a:solidFill>
-                  <a:srgbClr val="00B050"/>
-                </a:solidFill>
-              </a:ln>
-            </p:spPr>
-            <p:style>
-              <a:lnRef idx="1">
-                <a:schemeClr val="accent1"/>
-              </a:lnRef>
-              <a:fillRef idx="0">
-                <a:schemeClr val="accent1"/>
-              </a:fillRef>
-              <a:effectRef idx="0">
-                <a:schemeClr val="accent1"/>
-              </a:effectRef>
-              <a:fontRef idx="minor">
-                <a:schemeClr val="tx1"/>
-              </a:fontRef>
-            </p:style>
-          </p:cxnSp>
-          <p:cxnSp>
-            <p:nvCxnSpPr>
-              <p:cNvPr id="194" name="Straight Connector 193">
-                <a:extLst>
-                  <a:ext uri="{FF2B5EF4-FFF2-40B4-BE49-F238E27FC236}">
-                    <a16:creationId xmlns:a16="http://schemas.microsoft.com/office/drawing/2014/main" id="{60CCE27E-116B-C846-CAA4-9A473E551990}"/>
-                  </a:ext>
-                </a:extLst>
-              </p:cNvPr>
-              <p:cNvCxnSpPr>
-                <a:cxnSpLocks/>
-              </p:cNvCxnSpPr>
-              <p:nvPr/>
-            </p:nvCxnSpPr>
-            <p:spPr>
-              <a:xfrm flipH="1">
-                <a:off x="2209833" y="1259360"/>
-                <a:ext cx="0" cy="36576"/>
-              </a:xfrm>
-              <a:prstGeom prst="line">
-                <a:avLst/>
-              </a:prstGeom>
-              <a:ln w="6350" cap="sq">
-                <a:solidFill>
-                  <a:srgbClr val="00B050"/>
-                </a:solidFill>
-              </a:ln>
-            </p:spPr>
-            <p:style>
-              <a:lnRef idx="1">
-                <a:schemeClr val="accent1"/>
-              </a:lnRef>
-              <a:fillRef idx="0">
-                <a:schemeClr val="accent1"/>
-              </a:fillRef>
-              <a:effectRef idx="0">
-                <a:schemeClr val="accent1"/>
-              </a:effectRef>
-              <a:fontRef idx="minor">
-                <a:schemeClr val="tx1"/>
-              </a:fontRef>
-            </p:style>
-          </p:cxnSp>
-          <p:sp>
-            <p:nvSpPr>
-              <p:cNvPr id="195" name="TextBox 194">
-                <a:extLst>
-                  <a:ext uri="{FF2B5EF4-FFF2-40B4-BE49-F238E27FC236}">
-                    <a16:creationId xmlns:a16="http://schemas.microsoft.com/office/drawing/2014/main" id="{E52F74BD-1D4D-92E8-C60A-713FA2A3C0EC}"/>
-                  </a:ext>
-                </a:extLst>
-              </p:cNvPr>
-              <p:cNvSpPr txBox="1"/>
-              <p:nvPr/>
-            </p:nvSpPr>
-            <p:spPr>
-              <a:xfrm>
-                <a:off x="2135012" y="1297549"/>
-                <a:ext cx="81754" cy="92333"/>
-              </a:xfrm>
-              <a:prstGeom prst="rect">
-                <a:avLst/>
-              </a:prstGeom>
-              <a:noFill/>
-              <a:ln>
-                <a:noFill/>
-              </a:ln>
-            </p:spPr>
-            <p:txBody>
-              <a:bodyPr wrap="square" lIns="0" tIns="0" rIns="0" bIns="0" rtlCol="0">
-                <a:spAutoFit/>
-              </a:bodyPr>
-              <a:lstStyle/>
-              <a:p>
-                <a:r>
-                  <a:rPr lang="en-US" sz="600" dirty="0">
-                    <a:solidFill>
-                      <a:srgbClr val="00B050"/>
-                    </a:solidFill>
-                    <a:latin typeface="Arial" panose="020B0604020202020204" pitchFamily="34" charset="0"/>
-                    <a:cs typeface="Arial" panose="020B0604020202020204" pitchFamily="34" charset="0"/>
-                  </a:rPr>
-                  <a:t>…</a:t>
-                </a:r>
-              </a:p>
-            </p:txBody>
-          </p:sp>
-          <p:cxnSp>
-            <p:nvCxnSpPr>
-              <p:cNvPr id="196" name="Straight Connector 195">
-                <a:extLst>
-                  <a:ext uri="{FF2B5EF4-FFF2-40B4-BE49-F238E27FC236}">
-                    <a16:creationId xmlns:a16="http://schemas.microsoft.com/office/drawing/2014/main" id="{D8A6E2FB-4881-FC3D-FF25-D4B185809993}"/>
-                  </a:ext>
-                </a:extLst>
-              </p:cNvPr>
-              <p:cNvCxnSpPr>
-                <a:cxnSpLocks/>
-              </p:cNvCxnSpPr>
-              <p:nvPr/>
-            </p:nvCxnSpPr>
-            <p:spPr>
-              <a:xfrm flipH="1">
-                <a:off x="2693608" y="1259360"/>
-                <a:ext cx="1027" cy="283737"/>
-              </a:xfrm>
-              <a:prstGeom prst="line">
-                <a:avLst/>
-              </a:prstGeom>
-              <a:ln w="6350" cap="sq">
-                <a:solidFill>
-                  <a:srgbClr val="00B050"/>
-                </a:solidFill>
-                <a:round/>
-              </a:ln>
-            </p:spPr>
-            <p:style>
-              <a:lnRef idx="1">
-                <a:schemeClr val="accent1"/>
-              </a:lnRef>
-              <a:fillRef idx="0">
-                <a:schemeClr val="accent1"/>
-              </a:fillRef>
-              <a:effectRef idx="0">
-                <a:schemeClr val="accent1"/>
-              </a:effectRef>
-              <a:fontRef idx="minor">
-                <a:schemeClr val="tx1"/>
-              </a:fontRef>
-            </p:style>
-          </p:cxnSp>
-          <p:grpSp>
-            <p:nvGrpSpPr>
-              <p:cNvPr id="197" name="Group 196">
-                <a:extLst>
-                  <a:ext uri="{FF2B5EF4-FFF2-40B4-BE49-F238E27FC236}">
-                    <a16:creationId xmlns:a16="http://schemas.microsoft.com/office/drawing/2014/main" id="{016C7808-7ED5-8C1E-A9E1-4D2A8FD654AF}"/>
-                  </a:ext>
-                </a:extLst>
-              </p:cNvPr>
-              <p:cNvGrpSpPr/>
-              <p:nvPr/>
-            </p:nvGrpSpPr>
-            <p:grpSpPr>
-              <a:xfrm>
-                <a:off x="2639771" y="1259359"/>
-                <a:ext cx="54864" cy="36577"/>
-                <a:chOff x="2627866" y="1259359"/>
-                <a:chExt cx="54864" cy="36577"/>
-              </a:xfrm>
-            </p:grpSpPr>
-            <p:cxnSp>
-              <p:nvCxnSpPr>
-                <p:cNvPr id="203" name="Straight Connector 202">
-                  <a:extLst>
-                    <a:ext uri="{FF2B5EF4-FFF2-40B4-BE49-F238E27FC236}">
-                      <a16:creationId xmlns:a16="http://schemas.microsoft.com/office/drawing/2014/main" id="{C49E73FA-C67D-3291-9505-33C05E645295}"/>
-                    </a:ext>
-                  </a:extLst>
-                </p:cNvPr>
-                <p:cNvCxnSpPr>
-                  <a:cxnSpLocks/>
-                </p:cNvCxnSpPr>
-                <p:nvPr/>
-              </p:nvCxnSpPr>
-              <p:spPr>
-                <a:xfrm flipV="1">
-                  <a:off x="2627866" y="1259359"/>
-                  <a:ext cx="54864" cy="0"/>
-                </a:xfrm>
-                <a:prstGeom prst="line">
-                  <a:avLst/>
-                </a:prstGeom>
-                <a:ln w="6350" cap="sq">
-                  <a:solidFill>
-                    <a:srgbClr val="00B050"/>
-                  </a:solidFill>
-                  <a:round/>
-                </a:ln>
-              </p:spPr>
-              <p:style>
-                <a:lnRef idx="1">
-                  <a:schemeClr val="accent1"/>
-                </a:lnRef>
-                <a:fillRef idx="0">
-                  <a:schemeClr val="accent1"/>
-                </a:fillRef>
-                <a:effectRef idx="0">
-                  <a:schemeClr val="accent1"/>
-                </a:effectRef>
-                <a:fontRef idx="minor">
-                  <a:schemeClr val="tx1"/>
-                </a:fontRef>
-              </p:style>
-            </p:cxnSp>
-            <p:cxnSp>
-              <p:nvCxnSpPr>
-                <p:cNvPr id="204" name="Straight Connector 203">
-                  <a:extLst>
-                    <a:ext uri="{FF2B5EF4-FFF2-40B4-BE49-F238E27FC236}">
-                      <a16:creationId xmlns:a16="http://schemas.microsoft.com/office/drawing/2014/main" id="{661E8141-D1A3-ADAF-F988-25BB0808C581}"/>
-                    </a:ext>
-                  </a:extLst>
-                </p:cNvPr>
-                <p:cNvCxnSpPr>
-                  <a:cxnSpLocks/>
-                </p:cNvCxnSpPr>
-                <p:nvPr/>
-              </p:nvCxnSpPr>
-              <p:spPr>
-                <a:xfrm flipH="1">
-                  <a:off x="2627866" y="1259360"/>
-                  <a:ext cx="0" cy="36576"/>
-                </a:xfrm>
-                <a:prstGeom prst="line">
-                  <a:avLst/>
-                </a:prstGeom>
-                <a:ln w="6350" cap="sq">
-                  <a:solidFill>
-                    <a:srgbClr val="00B050"/>
-                  </a:solidFill>
-                  <a:round/>
-                </a:ln>
-              </p:spPr>
-              <p:style>
-                <a:lnRef idx="1">
-                  <a:schemeClr val="accent1"/>
-                </a:lnRef>
-                <a:fillRef idx="0">
-                  <a:schemeClr val="accent1"/>
-                </a:fillRef>
-                <a:effectRef idx="0">
-                  <a:schemeClr val="accent1"/>
-                </a:effectRef>
-                <a:fontRef idx="minor">
-                  <a:schemeClr val="tx1"/>
-                </a:fontRef>
-              </p:style>
-            </p:cxnSp>
-          </p:grpSp>
-          <p:sp>
-            <p:nvSpPr>
-              <p:cNvPr id="198" name="TextBox 197">
-                <a:extLst>
-                  <a:ext uri="{FF2B5EF4-FFF2-40B4-BE49-F238E27FC236}">
-                    <a16:creationId xmlns:a16="http://schemas.microsoft.com/office/drawing/2014/main" id="{F29CBC05-C38F-0F3C-7ED0-08B0FC0D484C}"/>
-                  </a:ext>
-                </a:extLst>
-              </p:cNvPr>
-              <p:cNvSpPr txBox="1"/>
-              <p:nvPr/>
-            </p:nvSpPr>
-            <p:spPr>
-              <a:xfrm>
-                <a:off x="2564950" y="1297549"/>
-                <a:ext cx="81754" cy="92333"/>
-              </a:xfrm>
-              <a:prstGeom prst="rect">
-                <a:avLst/>
-              </a:prstGeom>
-              <a:noFill/>
-              <a:ln>
-                <a:noFill/>
-              </a:ln>
-            </p:spPr>
-            <p:txBody>
-              <a:bodyPr wrap="square" lIns="0" tIns="0" rIns="0" bIns="0" rtlCol="0">
-                <a:spAutoFit/>
-              </a:bodyPr>
-              <a:lstStyle/>
-              <a:p>
-                <a:r>
-                  <a:rPr lang="en-US" sz="600" dirty="0">
-                    <a:solidFill>
-                      <a:srgbClr val="00B050"/>
-                    </a:solidFill>
-                    <a:latin typeface="Arial" panose="020B0604020202020204" pitchFamily="34" charset="0"/>
-                    <a:cs typeface="Arial" panose="020B0604020202020204" pitchFamily="34" charset="0"/>
-                  </a:rPr>
-                  <a:t>…</a:t>
-                </a:r>
-              </a:p>
-            </p:txBody>
-          </p:sp>
-          <p:cxnSp>
-            <p:nvCxnSpPr>
-              <p:cNvPr id="199" name="Straight Connector 198">
-                <a:extLst>
-                  <a:ext uri="{FF2B5EF4-FFF2-40B4-BE49-F238E27FC236}">
-                    <a16:creationId xmlns:a16="http://schemas.microsoft.com/office/drawing/2014/main" id="{B9925E8A-2283-CF77-B472-7EE05AF7ED56}"/>
-                  </a:ext>
-                </a:extLst>
-              </p:cNvPr>
-              <p:cNvCxnSpPr>
-                <a:cxnSpLocks/>
-              </p:cNvCxnSpPr>
-              <p:nvPr/>
-            </p:nvCxnSpPr>
-            <p:spPr>
-              <a:xfrm flipH="1">
-                <a:off x="2129678" y="1451736"/>
-                <a:ext cx="0" cy="36576"/>
-              </a:xfrm>
-              <a:prstGeom prst="line">
-                <a:avLst/>
-              </a:prstGeom>
-              <a:ln w="6350" cap="sq">
-                <a:solidFill>
-                  <a:srgbClr val="00B050"/>
-                </a:solidFill>
-              </a:ln>
-            </p:spPr>
-            <p:style>
-              <a:lnRef idx="1">
-                <a:schemeClr val="accent1"/>
-              </a:lnRef>
-              <a:fillRef idx="0">
-                <a:schemeClr val="accent1"/>
-              </a:fillRef>
-              <a:effectRef idx="0">
-                <a:schemeClr val="accent1"/>
-              </a:effectRef>
-              <a:fontRef idx="minor">
-                <a:schemeClr val="tx1"/>
-              </a:fontRef>
-            </p:style>
-          </p:cxnSp>
-          <p:grpSp>
-            <p:nvGrpSpPr>
-              <p:cNvPr id="200" name="Group 199">
-                <a:extLst>
-                  <a:ext uri="{FF2B5EF4-FFF2-40B4-BE49-F238E27FC236}">
-                    <a16:creationId xmlns:a16="http://schemas.microsoft.com/office/drawing/2014/main" id="{7EE93982-1869-E9B1-AD5C-993AA52040FD}"/>
-                  </a:ext>
-                </a:extLst>
-              </p:cNvPr>
-              <p:cNvGrpSpPr/>
-              <p:nvPr/>
-            </p:nvGrpSpPr>
-            <p:grpSpPr>
-              <a:xfrm>
-                <a:off x="2439899" y="1452390"/>
-                <a:ext cx="119717" cy="77196"/>
-                <a:chOff x="2439899" y="1452390"/>
-                <a:chExt cx="119717" cy="77196"/>
-              </a:xfrm>
-            </p:grpSpPr>
-            <p:cxnSp>
-              <p:nvCxnSpPr>
-                <p:cNvPr id="201" name="Elbow Connector 133">
-                  <a:extLst>
-                    <a:ext uri="{FF2B5EF4-FFF2-40B4-BE49-F238E27FC236}">
-                      <a16:creationId xmlns:a16="http://schemas.microsoft.com/office/drawing/2014/main" id="{69A9809B-2435-5E85-D0B1-5D70BFDBDD98}"/>
-                    </a:ext>
-                  </a:extLst>
-                </p:cNvPr>
-                <p:cNvCxnSpPr>
-                  <a:cxnSpLocks/>
-                </p:cNvCxnSpPr>
-                <p:nvPr/>
-              </p:nvCxnSpPr>
-              <p:spPr>
-                <a:xfrm flipV="1">
-                  <a:off x="2439899" y="1489744"/>
-                  <a:ext cx="119717" cy="39842"/>
-                </a:xfrm>
-                <a:prstGeom prst="bentConnector3">
-                  <a:avLst/>
-                </a:prstGeom>
-                <a:ln w="6350">
-                  <a:solidFill>
-                    <a:srgbClr val="00B050"/>
-                  </a:solidFill>
-                </a:ln>
-              </p:spPr>
-              <p:style>
-                <a:lnRef idx="1">
-                  <a:schemeClr val="accent1"/>
-                </a:lnRef>
-                <a:fillRef idx="0">
-                  <a:schemeClr val="accent1"/>
-                </a:fillRef>
-                <a:effectRef idx="0">
-                  <a:schemeClr val="accent1"/>
-                </a:effectRef>
-                <a:fontRef idx="minor">
-                  <a:schemeClr val="tx1"/>
-                </a:fontRef>
-              </p:style>
-            </p:cxnSp>
-            <p:cxnSp>
-              <p:nvCxnSpPr>
-                <p:cNvPr id="202" name="Straight Connector 201">
-                  <a:extLst>
-                    <a:ext uri="{FF2B5EF4-FFF2-40B4-BE49-F238E27FC236}">
-                      <a16:creationId xmlns:a16="http://schemas.microsoft.com/office/drawing/2014/main" id="{607B5772-1BF4-CB21-DE10-817E249E7140}"/>
-                    </a:ext>
-                  </a:extLst>
-                </p:cNvPr>
-                <p:cNvCxnSpPr>
-                  <a:cxnSpLocks/>
-                </p:cNvCxnSpPr>
-                <p:nvPr/>
-              </p:nvCxnSpPr>
-              <p:spPr>
-                <a:xfrm flipH="1">
-                  <a:off x="2559616" y="1452390"/>
-                  <a:ext cx="0" cy="36576"/>
-                </a:xfrm>
-                <a:prstGeom prst="line">
-                  <a:avLst/>
-                </a:prstGeom>
-                <a:ln w="6350" cap="sq">
-                  <a:solidFill>
-                    <a:srgbClr val="00B050"/>
-                  </a:solidFill>
-                </a:ln>
-              </p:spPr>
-              <p:style>
-                <a:lnRef idx="1">
-                  <a:schemeClr val="accent1"/>
-                </a:lnRef>
-                <a:fillRef idx="0">
-                  <a:schemeClr val="accent1"/>
-                </a:fillRef>
-                <a:effectRef idx="0">
-                  <a:schemeClr val="accent1"/>
-                </a:effectRef>
-                <a:fontRef idx="minor">
-                  <a:schemeClr val="tx1"/>
-                </a:fontRef>
-              </p:style>
-            </p:cxnSp>
-          </p:grpSp>
-        </p:grpSp>
-        <p:cxnSp>
-          <p:nvCxnSpPr>
-            <p:cNvPr id="190" name="Straight Connector 189">
-              <a:extLst>
-                <a:ext uri="{FF2B5EF4-FFF2-40B4-BE49-F238E27FC236}">
-                  <a16:creationId xmlns:a16="http://schemas.microsoft.com/office/drawing/2014/main" id="{AFE0C9A1-355E-7282-EB45-F437D2B6ECC2}"/>
-                </a:ext>
-              </a:extLst>
-            </p:cNvPr>
-            <p:cNvCxnSpPr>
-              <a:cxnSpLocks/>
-            </p:cNvCxnSpPr>
-            <p:nvPr/>
-          </p:nvCxnSpPr>
-          <p:spPr>
-            <a:xfrm flipH="1">
-              <a:off x="2693141" y="1218477"/>
-              <a:ext cx="0" cy="36576"/>
-            </a:xfrm>
-            <a:prstGeom prst="line">
-              <a:avLst/>
-            </a:prstGeom>
-            <a:ln w="6350" cap="sq">
-              <a:solidFill>
-                <a:srgbClr val="00B050"/>
-              </a:solidFill>
-            </a:ln>
-          </p:spPr>
-          <p:style>
-            <a:lnRef idx="1">
-              <a:schemeClr val="accent1"/>
-            </a:lnRef>
-            <a:fillRef idx="0">
-              <a:schemeClr val="accent1"/>
-            </a:fillRef>
-            <a:effectRef idx="0">
-              <a:schemeClr val="accent1"/>
-            </a:effectRef>
-            <a:fontRef idx="minor">
-              <a:schemeClr val="tx1"/>
-            </a:fontRef>
-          </p:style>
-        </p:cxnSp>
-      </p:grpSp>
-      <p:sp>
-        <p:nvSpPr>
-          <p:cNvPr id="205" name="TextBox 204">
-            <a:extLst>
-              <a:ext uri="{FF2B5EF4-FFF2-40B4-BE49-F238E27FC236}">
-                <a16:creationId xmlns:a16="http://schemas.microsoft.com/office/drawing/2014/main" id="{37FEF7AC-9D8D-476C-111C-485FE6D881FA}"/>
-              </a:ext>
-            </a:extLst>
-          </p:cNvPr>
-          <p:cNvSpPr txBox="1"/>
-          <p:nvPr/>
-        </p:nvSpPr>
-        <p:spPr>
-          <a:xfrm>
-            <a:off x="3680093" y="101070"/>
-            <a:ext cx="81754" cy="138499"/>
-          </a:xfrm>
-          <a:prstGeom prst="rect">
-            <a:avLst/>
-          </a:prstGeom>
-          <a:noFill/>
-          <a:ln>
-            <a:noFill/>
-          </a:ln>
-        </p:spPr>
-        <p:txBody>
-          <a:bodyPr wrap="square" lIns="0" tIns="0" rIns="0" bIns="0" rtlCol="0">
-            <a:spAutoFit/>
-          </a:bodyPr>
-          <a:lstStyle/>
-          <a:p>
-            <a:r>
-              <a:rPr lang="en-US" sz="900" dirty="0">
-                <a:latin typeface="Arial" panose="020B0604020202020204" pitchFamily="34" charset="0"/>
-                <a:cs typeface="Arial" panose="020B0604020202020204" pitchFamily="34" charset="0"/>
-              </a:rPr>
-              <a:t>…</a:t>
-            </a:r>
-          </a:p>
-        </p:txBody>
-      </p:sp>
-      <p:sp>
-        <p:nvSpPr>
-          <p:cNvPr id="206" name="TextBox 205">
-            <a:extLst>
-              <a:ext uri="{FF2B5EF4-FFF2-40B4-BE49-F238E27FC236}">
-                <a16:creationId xmlns:a16="http://schemas.microsoft.com/office/drawing/2014/main" id="{94621D9B-2A1B-1EE2-674C-E6EB70123C5C}"/>
-              </a:ext>
-            </a:extLst>
-          </p:cNvPr>
-          <p:cNvSpPr txBox="1"/>
-          <p:nvPr/>
-        </p:nvSpPr>
-        <p:spPr>
-          <a:xfrm>
-            <a:off x="286994" y="2703038"/>
-            <a:ext cx="4538422" cy="230832"/>
-          </a:xfrm>
-          <a:prstGeom prst="rect">
-            <a:avLst/>
-          </a:prstGeom>
-          <a:noFill/>
-        </p:spPr>
-        <p:txBody>
-          <a:bodyPr wrap="none" rtlCol="0">
-            <a:spAutoFit/>
-          </a:bodyPr>
-          <a:lstStyle/>
-          <a:p>
-            <a:pPr algn="ctr"/>
-            <a:r>
-              <a:rPr lang="en-US" sz="900" dirty="0">
-                <a:latin typeface="Arial" panose="020B0604020202020204" pitchFamily="34" charset="0"/>
-                <a:cs typeface="Arial" panose="020B0604020202020204" pitchFamily="34" charset="0"/>
-              </a:rPr>
-              <a:t>Figure: Schematical scan protocol </a:t>
-            </a:r>
-            <a:r>
-              <a:rPr lang="en-US" sz="800" dirty="0">
-                <a:latin typeface="Arial" panose="020B0604020202020204" pitchFamily="34" charset="0"/>
-                <a:cs typeface="Arial" panose="020B0604020202020204" pitchFamily="34" charset="0"/>
-              </a:rPr>
-              <a:t>[El-Sadek et.al., </a:t>
-            </a:r>
-            <a:r>
-              <a:rPr lang="en-US" sz="800" i="1" dirty="0">
-                <a:latin typeface="Arial" panose="020B0604020202020204" pitchFamily="34" charset="0"/>
-                <a:cs typeface="Arial" panose="020B0604020202020204" pitchFamily="34" charset="0"/>
-              </a:rPr>
-              <a:t>Biomed. Opt. Express</a:t>
-            </a:r>
-            <a:r>
-              <a:rPr lang="en-US" sz="800" dirty="0">
-                <a:latin typeface="Arial" panose="020B0604020202020204" pitchFamily="34" charset="0"/>
-                <a:cs typeface="Arial" panose="020B0604020202020204" pitchFamily="34" charset="0"/>
-              </a:rPr>
-              <a:t> </a:t>
-            </a:r>
-            <a:r>
-              <a:rPr lang="en-US" sz="800" b="1" dirty="0">
-                <a:latin typeface="Arial" panose="020B0604020202020204" pitchFamily="34" charset="0"/>
-                <a:cs typeface="Arial" panose="020B0604020202020204" pitchFamily="34" charset="0"/>
-              </a:rPr>
-              <a:t>12</a:t>
-            </a:r>
-            <a:r>
-              <a:rPr lang="en-US" sz="800" dirty="0">
-                <a:latin typeface="Arial" panose="020B0604020202020204" pitchFamily="34" charset="0"/>
-                <a:cs typeface="Arial" panose="020B0604020202020204" pitchFamily="34" charset="0"/>
-              </a:rPr>
-              <a:t>, 6844- (2021)]</a:t>
-            </a:r>
-            <a:endParaRPr lang="en-US" sz="900" dirty="0">
-              <a:latin typeface="Arial" panose="020B0604020202020204" pitchFamily="34" charset="0"/>
-              <a:cs typeface="Arial" panose="020B0604020202020204" pitchFamily="34" charset="0"/>
-            </a:endParaRPr>
-          </a:p>
-        </p:txBody>
-      </p:sp>
-      <p:sp>
-        <p:nvSpPr>
-          <p:cNvPr id="207" name="TextBox 206">
-            <a:extLst>
-              <a:ext uri="{FF2B5EF4-FFF2-40B4-BE49-F238E27FC236}">
-                <a16:creationId xmlns:a16="http://schemas.microsoft.com/office/drawing/2014/main" id="{8FC75581-EFEA-3453-6045-4EC6666E2917}"/>
-              </a:ext>
-            </a:extLst>
-          </p:cNvPr>
-          <p:cNvSpPr txBox="1"/>
-          <p:nvPr/>
-        </p:nvSpPr>
-        <p:spPr>
-          <a:xfrm rot="16200000">
-            <a:off x="1272237" y="1066963"/>
-            <a:ext cx="872586" cy="369332"/>
-          </a:xfrm>
-          <a:prstGeom prst="rect">
-            <a:avLst/>
-          </a:prstGeom>
-          <a:noFill/>
-        </p:spPr>
-        <p:txBody>
-          <a:bodyPr wrap="square" rtlCol="0">
-            <a:spAutoFit/>
-          </a:bodyPr>
-          <a:lstStyle/>
-          <a:p>
-            <a:pPr algn="ctr"/>
-            <a:r>
-              <a:rPr lang="en-US" sz="900" dirty="0">
-                <a:latin typeface="Arial" panose="020B0604020202020204" pitchFamily="34" charset="0"/>
-                <a:cs typeface="Arial" panose="020B0604020202020204" pitchFamily="34" charset="0"/>
-              </a:rPr>
-              <a:t>16 locations</a:t>
-            </a:r>
-          </a:p>
-          <a:p>
-            <a:pPr algn="ctr"/>
-            <a:r>
-              <a:rPr lang="en-US" sz="900" dirty="0">
-                <a:latin typeface="Arial" panose="020B0604020202020204" pitchFamily="34" charset="0"/>
-                <a:cs typeface="Arial" panose="020B0604020202020204" pitchFamily="34" charset="0"/>
-              </a:rPr>
-              <a:t>32 repeats</a:t>
-            </a:r>
-          </a:p>
-        </p:txBody>
-      </p:sp>
+      </p:pic>
     </p:spTree>
     <p:extLst>
       <p:ext uri="{BB962C8B-B14F-4D97-AF65-F5344CB8AC3E}">
-        <p14:creationId xmlns:p14="http://schemas.microsoft.com/office/powerpoint/2010/main" val="2319617460"/>
+        <p14:creationId xmlns:p14="http://schemas.microsoft.com/office/powerpoint/2010/main" val="2752906887"/>
       </p:ext>
     </p:extLst>
   </p:cSld>

--- a/Manual/figures/figures.pptx
+++ b/Manual/figures/figures.pptx
@@ -5,15 +5,13 @@
     <p:sldMasterId id="2147483648" r:id="rId1"/>
   </p:sldMasterIdLst>
   <p:notesMasterIdLst>
-    <p:notesMasterId r:id="rId8"/>
+    <p:notesMasterId r:id="rId6"/>
   </p:notesMasterIdLst>
   <p:sldIdLst>
-    <p:sldId id="257" r:id="rId2"/>
-    <p:sldId id="258" r:id="rId3"/>
-    <p:sldId id="259" r:id="rId4"/>
-    <p:sldId id="262" r:id="rId5"/>
-    <p:sldId id="260" r:id="rId6"/>
-    <p:sldId id="261" r:id="rId7"/>
+    <p:sldId id="259" r:id="rId2"/>
+    <p:sldId id="257" r:id="rId3"/>
+    <p:sldId id="258" r:id="rId4"/>
+    <p:sldId id="263" r:id="rId5"/>
   </p:sldIdLst>
   <p:sldSz cx="12192000" cy="6858000"/>
   <p:notesSz cx="6858000" cy="9144000"/>
@@ -535,7 +533,7 @@
           <a:p>
             <a:fld id="{FDCF899A-D0BB-4AEB-B7F8-729623E804DA}" type="slidenum">
               <a:rPr kumimoji="1" lang="ja-JP" altLang="en-US" smtClean="0"/>
-              <a:t>2</a:t>
+              <a:t>3</a:t>
             </a:fld>
             <a:endParaRPr kumimoji="1" lang="ja-JP" altLang="en-US"/>
           </a:p>
@@ -545,6 +543,90 @@
     <p:extLst>
       <p:ext uri="{BB962C8B-B14F-4D97-AF65-F5344CB8AC3E}">
         <p14:creationId xmlns:p14="http://schemas.microsoft.com/office/powerpoint/2010/main" val="792847957"/>
+      </p:ext>
+    </p:extLst>
+  </p:cSld>
+  <p:clrMapOvr>
+    <a:masterClrMapping/>
+  </p:clrMapOvr>
+</p:notes>
+</file>
+
+<file path=ppt/notesSlides/notesSlide2.xml><?xml version="1.0" encoding="utf-8"?>
+<p:notes xmlns:a="http://schemas.openxmlformats.org/drawingml/2006/main" xmlns:r="http://schemas.openxmlformats.org/officeDocument/2006/relationships" xmlns:p="http://schemas.openxmlformats.org/presentationml/2006/main">
+  <p:cSld>
+    <p:spTree>
+      <p:nvGrpSpPr>
+        <p:cNvPr id="1" name=""/>
+        <p:cNvGrpSpPr/>
+        <p:nvPr/>
+      </p:nvGrpSpPr>
+      <p:grpSpPr>
+        <a:xfrm>
+          <a:off x="0" y="0"/>
+          <a:ext cx="0" cy="0"/>
+          <a:chOff x="0" y="0"/>
+          <a:chExt cx="0" cy="0"/>
+        </a:xfrm>
+      </p:grpSpPr>
+      <p:sp>
+        <p:nvSpPr>
+          <p:cNvPr id="2" name="Slide Image Placeholder 1"/>
+          <p:cNvSpPr>
+            <a:spLocks noGrp="1" noRot="1" noChangeAspect="1"/>
+          </p:cNvSpPr>
+          <p:nvPr>
+            <p:ph type="sldImg"/>
+          </p:nvPr>
+        </p:nvSpPr>
+        <p:spPr/>
+      </p:sp>
+      <p:sp>
+        <p:nvSpPr>
+          <p:cNvPr id="3" name="Notes Placeholder 2"/>
+          <p:cNvSpPr>
+            <a:spLocks noGrp="1"/>
+          </p:cNvSpPr>
+          <p:nvPr>
+            <p:ph type="body" idx="1"/>
+          </p:nvPr>
+        </p:nvSpPr>
+        <p:spPr/>
+        <p:txBody>
+          <a:bodyPr/>
+          <a:lstStyle/>
+          <a:p>
+            <a:endParaRPr kumimoji="1" lang="ja-JP" altLang="en-US" dirty="0"/>
+          </a:p>
+        </p:txBody>
+      </p:sp>
+      <p:sp>
+        <p:nvSpPr>
+          <p:cNvPr id="4" name="Slide Number Placeholder 3"/>
+          <p:cNvSpPr>
+            <a:spLocks noGrp="1"/>
+          </p:cNvSpPr>
+          <p:nvPr>
+            <p:ph type="sldNum" sz="quarter" idx="5"/>
+          </p:nvPr>
+        </p:nvSpPr>
+        <p:spPr/>
+        <p:txBody>
+          <a:bodyPr/>
+          <a:lstStyle/>
+          <a:p>
+            <a:fld id="{FDCF899A-D0BB-4AEB-B7F8-729623E804DA}" type="slidenum">
+              <a:rPr kumimoji="1" lang="ja-JP" altLang="en-US" smtClean="0"/>
+              <a:t>4</a:t>
+            </a:fld>
+            <a:endParaRPr kumimoji="1" lang="ja-JP" altLang="en-US"/>
+          </a:p>
+        </p:txBody>
+      </p:sp>
+    </p:spTree>
+    <p:extLst>
+      <p:ext uri="{BB962C8B-B14F-4D97-AF65-F5344CB8AC3E}">
+        <p14:creationId xmlns:p14="http://schemas.microsoft.com/office/powerpoint/2010/main" val="2724405286"/>
       </p:ext>
     </p:extLst>
   </p:cSld>
@@ -3773,6 +3855,419 @@
 </file>
 
 <file path=ppt/slides/slide1.xml><?xml version="1.0" encoding="utf-8"?>
+<p:sld xmlns:a="http://schemas.openxmlformats.org/drawingml/2006/main" xmlns:r="http://schemas.openxmlformats.org/officeDocument/2006/relationships" xmlns:p="http://schemas.openxmlformats.org/presentationml/2006/main">
+  <p:cSld>
+    <p:spTree>
+      <p:nvGrpSpPr>
+        <p:cNvPr id="1" name=""/>
+        <p:cNvGrpSpPr/>
+        <p:nvPr/>
+      </p:nvGrpSpPr>
+      <p:grpSpPr>
+        <a:xfrm>
+          <a:off x="0" y="0"/>
+          <a:ext cx="0" cy="0"/>
+          <a:chOff x="0" y="0"/>
+          <a:chExt cx="0" cy="0"/>
+        </a:xfrm>
+      </p:grpSpPr>
+      <p:grpSp>
+        <p:nvGrpSpPr>
+          <p:cNvPr id="11" name="Group 10">
+            <a:extLst>
+              <a:ext uri="{FF2B5EF4-FFF2-40B4-BE49-F238E27FC236}">
+                <a16:creationId xmlns:a16="http://schemas.microsoft.com/office/drawing/2014/main" id="{7CB3181B-4C40-C38C-A17B-4DD51971D0D8}"/>
+              </a:ext>
+            </a:extLst>
+          </p:cNvPr>
+          <p:cNvGrpSpPr/>
+          <p:nvPr/>
+        </p:nvGrpSpPr>
+        <p:grpSpPr>
+          <a:xfrm>
+            <a:off x="1859280" y="1177620"/>
+            <a:ext cx="4236720" cy="2025307"/>
+            <a:chOff x="1064317" y="1187780"/>
+            <a:chExt cx="4236720" cy="2025307"/>
+          </a:xfrm>
+        </p:grpSpPr>
+        <p:sp>
+          <p:nvSpPr>
+            <p:cNvPr id="9" name="Rectangle: Rounded Corners 8">
+              <a:extLst>
+                <a:ext uri="{FF2B5EF4-FFF2-40B4-BE49-F238E27FC236}">
+                  <a16:creationId xmlns:a16="http://schemas.microsoft.com/office/drawing/2014/main" id="{62CE550A-1DA4-1ECE-0B8D-F9E0DD1617CF}"/>
+                </a:ext>
+              </a:extLst>
+            </p:cNvPr>
+            <p:cNvSpPr/>
+            <p:nvPr/>
+          </p:nvSpPr>
+          <p:spPr>
+            <a:xfrm>
+              <a:off x="1270000" y="1198605"/>
+              <a:ext cx="3825239" cy="1989438"/>
+            </a:xfrm>
+            <a:prstGeom prst="roundRect">
+              <a:avLst>
+                <a:gd name="adj" fmla="val 1857"/>
+              </a:avLst>
+            </a:prstGeom>
+            <a:solidFill>
+              <a:srgbClr val="000000"/>
+            </a:solidFill>
+            <a:ln>
+              <a:noFill/>
+            </a:ln>
+            <a:effectLst>
+              <a:outerShdw blurRad="50800" dist="38100" dir="2700000" algn="tl" rotWithShape="0">
+                <a:prstClr val="black">
+                  <a:alpha val="40000"/>
+                </a:prstClr>
+              </a:outerShdw>
+            </a:effectLst>
+          </p:spPr>
+          <p:style>
+            <a:lnRef idx="2">
+              <a:schemeClr val="accent1">
+                <a:shade val="15000"/>
+              </a:schemeClr>
+            </a:lnRef>
+            <a:fillRef idx="1">
+              <a:schemeClr val="accent1"/>
+            </a:fillRef>
+            <a:effectRef idx="0">
+              <a:schemeClr val="accent1"/>
+            </a:effectRef>
+            <a:fontRef idx="minor">
+              <a:schemeClr val="lt1"/>
+            </a:fontRef>
+          </p:style>
+          <p:txBody>
+            <a:bodyPr rtlCol="0" anchor="ctr"/>
+            <a:lstStyle/>
+            <a:p>
+              <a:pPr algn="ctr"/>
+              <a:endParaRPr kumimoji="1" lang="ja-JP" altLang="en-US"/>
+            </a:p>
+          </p:txBody>
+        </p:sp>
+        <p:grpSp>
+          <p:nvGrpSpPr>
+            <p:cNvPr id="228" name="Group 227">
+              <a:extLst>
+                <a:ext uri="{FF2B5EF4-FFF2-40B4-BE49-F238E27FC236}">
+                  <a16:creationId xmlns:a16="http://schemas.microsoft.com/office/drawing/2014/main" id="{2E835723-7BE6-AE6B-E69B-408213426F32}"/>
+                </a:ext>
+              </a:extLst>
+            </p:cNvPr>
+            <p:cNvGrpSpPr/>
+            <p:nvPr/>
+          </p:nvGrpSpPr>
+          <p:grpSpPr>
+            <a:xfrm>
+              <a:off x="1064317" y="1187780"/>
+              <a:ext cx="4236720" cy="2025307"/>
+              <a:chOff x="1126100" y="1237207"/>
+              <a:chExt cx="4236720" cy="2025307"/>
+            </a:xfrm>
+          </p:grpSpPr>
+          <p:sp>
+            <p:nvSpPr>
+              <p:cNvPr id="226" name="Rectangle 225">
+                <a:extLst>
+                  <a:ext uri="{FF2B5EF4-FFF2-40B4-BE49-F238E27FC236}">
+                    <a16:creationId xmlns:a16="http://schemas.microsoft.com/office/drawing/2014/main" id="{C76F7ADF-6534-C808-DB6B-AD62F475A004}"/>
+                  </a:ext>
+                </a:extLst>
+              </p:cNvPr>
+              <p:cNvSpPr/>
+              <p:nvPr/>
+            </p:nvSpPr>
+            <p:spPr>
+              <a:xfrm>
+                <a:off x="1126100" y="1237207"/>
+                <a:ext cx="4236720" cy="2025307"/>
+              </a:xfrm>
+              <a:prstGeom prst="rect">
+                <a:avLst/>
+              </a:prstGeom>
+              <a:noFill/>
+              <a:ln>
+                <a:noFill/>
+              </a:ln>
+            </p:spPr>
+            <p:style>
+              <a:lnRef idx="2">
+                <a:schemeClr val="accent1">
+                  <a:shade val="15000"/>
+                </a:schemeClr>
+              </a:lnRef>
+              <a:fillRef idx="1">
+                <a:schemeClr val="accent1"/>
+              </a:fillRef>
+              <a:effectRef idx="0">
+                <a:schemeClr val="accent1"/>
+              </a:effectRef>
+              <a:fontRef idx="minor">
+                <a:schemeClr val="lt1"/>
+              </a:fontRef>
+            </p:style>
+            <p:txBody>
+              <a:bodyPr rtlCol="0" anchor="ctr"/>
+              <a:lstStyle/>
+              <a:p>
+                <a:pPr algn="ctr"/>
+                <a:endParaRPr kumimoji="1" lang="ja-JP" altLang="en-US"/>
+              </a:p>
+            </p:txBody>
+          </p:sp>
+          <p:grpSp>
+            <p:nvGrpSpPr>
+              <p:cNvPr id="8" name="Group 7">
+                <a:extLst>
+                  <a:ext uri="{FF2B5EF4-FFF2-40B4-BE49-F238E27FC236}">
+                    <a16:creationId xmlns:a16="http://schemas.microsoft.com/office/drawing/2014/main" id="{CD65BE40-3A17-2798-A348-4EFEFB8B58E6}"/>
+                  </a:ext>
+                </a:extLst>
+              </p:cNvPr>
+              <p:cNvGrpSpPr/>
+              <p:nvPr/>
+            </p:nvGrpSpPr>
+            <p:grpSpPr>
+              <a:xfrm>
+                <a:off x="1745604" y="1295575"/>
+                <a:ext cx="2997713" cy="1892092"/>
+                <a:chOff x="303695" y="1890404"/>
+                <a:chExt cx="5632361" cy="3555022"/>
+              </a:xfrm>
+              <a:effectLst>
+                <a:outerShdw blurRad="50800" dist="38100" dir="2700000" algn="tl" rotWithShape="0">
+                  <a:prstClr val="black">
+                    <a:alpha val="40000"/>
+                  </a:prstClr>
+                </a:outerShdw>
+              </a:effectLst>
+            </p:grpSpPr>
+            <p:pic>
+              <p:nvPicPr>
+                <p:cNvPr id="2" name="Picture 1">
+                  <a:extLst>
+                    <a:ext uri="{FF2B5EF4-FFF2-40B4-BE49-F238E27FC236}">
+                      <a16:creationId xmlns:a16="http://schemas.microsoft.com/office/drawing/2014/main" id="{E51016A8-945F-EF99-EFFA-BCC439A1D5DA}"/>
+                    </a:ext>
+                  </a:extLst>
+                </p:cNvPr>
+                <p:cNvPicPr>
+                  <a:picLocks noChangeAspect="1"/>
+                </p:cNvPicPr>
+                <p:nvPr/>
+              </p:nvPicPr>
+              <p:blipFill>
+                <a:blip r:embed="rId2"/>
+                <a:stretch>
+                  <a:fillRect/>
+                </a:stretch>
+              </p:blipFill>
+              <p:spPr>
+                <a:xfrm>
+                  <a:off x="1689575" y="1890408"/>
+                  <a:ext cx="1419130" cy="1419131"/>
+                </a:xfrm>
+                <a:prstGeom prst="rect">
+                  <a:avLst/>
+                </a:prstGeom>
+              </p:spPr>
+            </p:pic>
+            <p:pic>
+              <p:nvPicPr>
+                <p:cNvPr id="3" name="Picture 2">
+                  <a:extLst>
+                    <a:ext uri="{FF2B5EF4-FFF2-40B4-BE49-F238E27FC236}">
+                      <a16:creationId xmlns:a16="http://schemas.microsoft.com/office/drawing/2014/main" id="{11E2F373-64A2-5050-3FF9-D4F713C840C9}"/>
+                    </a:ext>
+                  </a:extLst>
+                </p:cNvPr>
+                <p:cNvPicPr>
+                  <a:picLocks noChangeAspect="1"/>
+                </p:cNvPicPr>
+                <p:nvPr/>
+              </p:nvPicPr>
+              <p:blipFill>
+                <a:blip r:embed="rId3"/>
+                <a:stretch>
+                  <a:fillRect/>
+                </a:stretch>
+              </p:blipFill>
+              <p:spPr>
+                <a:xfrm>
+                  <a:off x="303699" y="1890410"/>
+                  <a:ext cx="1419130" cy="1419131"/>
+                </a:xfrm>
+                <a:prstGeom prst="rect">
+                  <a:avLst/>
+                </a:prstGeom>
+              </p:spPr>
+            </p:pic>
+            <p:pic>
+              <p:nvPicPr>
+                <p:cNvPr id="4" name="Picture 3">
+                  <a:extLst>
+                    <a:ext uri="{FF2B5EF4-FFF2-40B4-BE49-F238E27FC236}">
+                      <a16:creationId xmlns:a16="http://schemas.microsoft.com/office/drawing/2014/main" id="{D0183458-135B-7043-F18A-0F36708D401F}"/>
+                    </a:ext>
+                  </a:extLst>
+                </p:cNvPr>
+                <p:cNvPicPr>
+                  <a:picLocks noChangeAspect="1"/>
+                </p:cNvPicPr>
+                <p:nvPr/>
+              </p:nvPicPr>
+              <p:blipFill>
+                <a:blip r:embed="rId4">
+                  <a:extLst>
+                    <a:ext uri="{BEBA8EAE-BF5A-486C-A8C5-ECC9F3942E4B}">
+                      <a14:imgProps xmlns:a14="http://schemas.microsoft.com/office/drawing/2010/main">
+                        <a14:imgLayer r:embed="rId5">
+                          <a14:imgEffect>
+                            <a14:brightnessContrast contrast="40000"/>
+                          </a14:imgEffect>
+                        </a14:imgLayer>
+                      </a14:imgProps>
+                    </a:ext>
+                  </a:extLst>
+                </a:blip>
+                <a:srcRect l="3330" t="13128" r="5625" b="19580"/>
+                <a:stretch/>
+              </p:blipFill>
+              <p:spPr>
+                <a:xfrm>
+                  <a:off x="303695" y="3285829"/>
+                  <a:ext cx="2921899" cy="2159597"/>
+                </a:xfrm>
+                <a:prstGeom prst="rect">
+                  <a:avLst/>
+                </a:prstGeom>
+              </p:spPr>
+            </p:pic>
+            <p:pic>
+              <p:nvPicPr>
+                <p:cNvPr id="5" name="Picture 4">
+                  <a:extLst>
+                    <a:ext uri="{FF2B5EF4-FFF2-40B4-BE49-F238E27FC236}">
+                      <a16:creationId xmlns:a16="http://schemas.microsoft.com/office/drawing/2014/main" id="{A86DBA70-4616-4C61-4425-B0AF7F8CEDDB}"/>
+                    </a:ext>
+                  </a:extLst>
+                </p:cNvPr>
+                <p:cNvPicPr>
+                  <a:picLocks noChangeAspect="1"/>
+                </p:cNvPicPr>
+                <p:nvPr/>
+              </p:nvPicPr>
+              <p:blipFill>
+                <a:blip r:embed="rId6">
+                  <a:extLst>
+                    <a:ext uri="{BEBA8EAE-BF5A-486C-A8C5-ECC9F3942E4B}">
+                      <a14:imgProps xmlns:a14="http://schemas.microsoft.com/office/drawing/2010/main">
+                        <a14:imgLayer r:embed="rId7">
+                          <a14:imgEffect>
+                            <a14:brightnessContrast contrast="40000"/>
+                          </a14:imgEffect>
+                        </a14:imgLayer>
+                      </a14:imgProps>
+                    </a:ext>
+                  </a:extLst>
+                </a:blip>
+                <a:srcRect l="3330" t="13128" r="5625" b="19580"/>
+                <a:stretch/>
+              </p:blipFill>
+              <p:spPr>
+                <a:xfrm>
+                  <a:off x="3014157" y="3285829"/>
+                  <a:ext cx="2921899" cy="2159597"/>
+                </a:xfrm>
+                <a:prstGeom prst="rect">
+                  <a:avLst/>
+                </a:prstGeom>
+              </p:spPr>
+            </p:pic>
+            <p:pic>
+              <p:nvPicPr>
+                <p:cNvPr id="6" name="Picture 5">
+                  <a:extLst>
+                    <a:ext uri="{FF2B5EF4-FFF2-40B4-BE49-F238E27FC236}">
+                      <a16:creationId xmlns:a16="http://schemas.microsoft.com/office/drawing/2014/main" id="{31C96EAA-CE63-DCDB-A8BA-5CD20C957763}"/>
+                    </a:ext>
+                  </a:extLst>
+                </p:cNvPr>
+                <p:cNvPicPr>
+                  <a:picLocks noChangeAspect="1"/>
+                </p:cNvPicPr>
+                <p:nvPr/>
+              </p:nvPicPr>
+              <p:blipFill>
+                <a:blip r:embed="rId8"/>
+                <a:stretch>
+                  <a:fillRect/>
+                </a:stretch>
+              </p:blipFill>
+              <p:spPr>
+                <a:xfrm>
+                  <a:off x="3104087" y="1890404"/>
+                  <a:ext cx="1419130" cy="1419136"/>
+                </a:xfrm>
+                <a:prstGeom prst="rect">
+                  <a:avLst/>
+                </a:prstGeom>
+              </p:spPr>
+            </p:pic>
+            <p:pic>
+              <p:nvPicPr>
+                <p:cNvPr id="7" name="Picture 6">
+                  <a:extLst>
+                    <a:ext uri="{FF2B5EF4-FFF2-40B4-BE49-F238E27FC236}">
+                      <a16:creationId xmlns:a16="http://schemas.microsoft.com/office/drawing/2014/main" id="{4D9DEBB6-42D6-EB1D-EA71-1C2A76134BC1}"/>
+                    </a:ext>
+                  </a:extLst>
+                </p:cNvPr>
+                <p:cNvPicPr>
+                  <a:picLocks noChangeAspect="1"/>
+                </p:cNvPicPr>
+                <p:nvPr/>
+              </p:nvPicPr>
+              <p:blipFill>
+                <a:blip r:embed="rId9"/>
+                <a:stretch>
+                  <a:fillRect/>
+                </a:stretch>
+              </p:blipFill>
+              <p:spPr>
+                <a:xfrm>
+                  <a:off x="4516926" y="1890404"/>
+                  <a:ext cx="1419130" cy="1419136"/>
+                </a:xfrm>
+                <a:prstGeom prst="rect">
+                  <a:avLst/>
+                </a:prstGeom>
+              </p:spPr>
+            </p:pic>
+          </p:grpSp>
+        </p:grpSp>
+      </p:grpSp>
+    </p:spTree>
+    <p:extLst>
+      <p:ext uri="{BB962C8B-B14F-4D97-AF65-F5344CB8AC3E}">
+        <p14:creationId xmlns:p14="http://schemas.microsoft.com/office/powerpoint/2010/main" val="3101446346"/>
+      </p:ext>
+    </p:extLst>
+  </p:cSld>
+  <p:clrMapOvr>
+    <a:masterClrMapping/>
+  </p:clrMapOvr>
+</p:sld>
+</file>
+
+<file path=ppt/slides/slide2.xml><?xml version="1.0" encoding="utf-8"?>
 <p:sld xmlns:a="http://schemas.openxmlformats.org/drawingml/2006/main" xmlns:r="http://schemas.openxmlformats.org/officeDocument/2006/relationships" xmlns:p="http://schemas.openxmlformats.org/presentationml/2006/main">
   <p:cSld>
     <p:spTree>
@@ -13578,7 +14073,7 @@
 </p:sld>
 </file>
 
-<file path=ppt/slides/slide2.xml><?xml version="1.0" encoding="utf-8"?>
+<file path=ppt/slides/slide3.xml><?xml version="1.0" encoding="utf-8"?>
 <p:sld xmlns:a="http://schemas.openxmlformats.org/drawingml/2006/main" xmlns:r="http://schemas.openxmlformats.org/officeDocument/2006/relationships" xmlns:p="http://schemas.openxmlformats.org/presentationml/2006/main">
   <p:cSld>
     <p:spTree>
@@ -15334,7 +15829,7 @@
 </p:sld>
 </file>
 
-<file path=ppt/slides/slide3.xml><?xml version="1.0" encoding="utf-8"?>
+<file path=ppt/slides/slide4.xml><?xml version="1.0" encoding="utf-8"?>
 <p:sld xmlns:a="http://schemas.openxmlformats.org/drawingml/2006/main" xmlns:r="http://schemas.openxmlformats.org/officeDocument/2006/relationships" xmlns:p="http://schemas.openxmlformats.org/presentationml/2006/main">
   <p:cSld>
     <p:spTree>
@@ -15353,10 +15848,10 @@
       </p:grpSpPr>
       <p:grpSp>
         <p:nvGrpSpPr>
-          <p:cNvPr id="228" name="Group 227">
+          <p:cNvPr id="86" name="Group 85">
             <a:extLst>
               <a:ext uri="{FF2B5EF4-FFF2-40B4-BE49-F238E27FC236}">
-                <a16:creationId xmlns:a16="http://schemas.microsoft.com/office/drawing/2014/main" id="{2E835723-7BE6-AE6B-E69B-408213426F32}"/>
+                <a16:creationId xmlns:a16="http://schemas.microsoft.com/office/drawing/2014/main" id="{14608EFE-48AE-54A2-EAB3-00D14EA69503}"/>
               </a:ext>
             </a:extLst>
           </p:cNvPr>
@@ -15365,18 +15860,1214 @@
         </p:nvGrpSpPr>
         <p:grpSpPr>
           <a:xfrm>
-            <a:off x="1126100" y="1237207"/>
-            <a:ext cx="4236720" cy="2025307"/>
-            <a:chOff x="1126100" y="1237207"/>
-            <a:chExt cx="4236720" cy="2025307"/>
+            <a:off x="-368569" y="680962"/>
+            <a:ext cx="6361889" cy="1887560"/>
+            <a:chOff x="-368569" y="680962"/>
+            <a:chExt cx="6361889" cy="1887560"/>
           </a:xfrm>
         </p:grpSpPr>
+        <p:grpSp>
+          <p:nvGrpSpPr>
+            <p:cNvPr id="38" name="Group 37">
+              <a:extLst>
+                <a:ext uri="{FF2B5EF4-FFF2-40B4-BE49-F238E27FC236}">
+                  <a16:creationId xmlns:a16="http://schemas.microsoft.com/office/drawing/2014/main" id="{A9B57EAC-2937-5635-FD56-6B3B502383BF}"/>
+                </a:ext>
+              </a:extLst>
+            </p:cNvPr>
+            <p:cNvGrpSpPr/>
+            <p:nvPr/>
+          </p:nvGrpSpPr>
+          <p:grpSpPr>
+            <a:xfrm>
+              <a:off x="1452840" y="680962"/>
+              <a:ext cx="3120096" cy="1887560"/>
+              <a:chOff x="1329690" y="660156"/>
+              <a:chExt cx="3084808" cy="1866213"/>
+            </a:xfrm>
+          </p:grpSpPr>
+          <p:cxnSp>
+            <p:nvCxnSpPr>
+              <p:cNvPr id="4" name="Straight Arrow Connector 3">
+                <a:extLst>
+                  <a:ext uri="{FF2B5EF4-FFF2-40B4-BE49-F238E27FC236}">
+                    <a16:creationId xmlns:a16="http://schemas.microsoft.com/office/drawing/2014/main" id="{A605E5C1-76A2-CD72-B733-F0C3C216055D}"/>
+                  </a:ext>
+                </a:extLst>
+              </p:cNvPr>
+              <p:cNvCxnSpPr>
+                <a:cxnSpLocks/>
+              </p:cNvCxnSpPr>
+              <p:nvPr/>
+            </p:nvCxnSpPr>
+            <p:spPr>
+              <a:xfrm>
+                <a:off x="1329690" y="2255321"/>
+                <a:ext cx="2701290" cy="7400"/>
+              </a:xfrm>
+              <a:prstGeom prst="straightConnector1">
+                <a:avLst/>
+              </a:prstGeom>
+              <a:ln>
+                <a:tailEnd type="triangle"/>
+              </a:ln>
+            </p:spPr>
+            <p:style>
+              <a:lnRef idx="2">
+                <a:schemeClr val="dk1"/>
+              </a:lnRef>
+              <a:fillRef idx="0">
+                <a:schemeClr val="dk1"/>
+              </a:fillRef>
+              <a:effectRef idx="1">
+                <a:schemeClr val="dk1"/>
+              </a:effectRef>
+              <a:fontRef idx="minor">
+                <a:schemeClr val="tx1"/>
+              </a:fontRef>
+            </p:style>
+          </p:cxnSp>
+          <p:sp>
+            <p:nvSpPr>
+              <p:cNvPr id="5" name="Oval 4">
+                <a:extLst>
+                  <a:ext uri="{FF2B5EF4-FFF2-40B4-BE49-F238E27FC236}">
+                    <a16:creationId xmlns:a16="http://schemas.microsoft.com/office/drawing/2014/main" id="{69B495CF-998E-81AC-B8F3-D05D9BE28272}"/>
+                  </a:ext>
+                </a:extLst>
+              </p:cNvPr>
+              <p:cNvSpPr/>
+              <p:nvPr/>
+            </p:nvSpPr>
+            <p:spPr>
+              <a:xfrm>
+                <a:off x="1386400" y="2201321"/>
+                <a:ext cx="108000" cy="108000"/>
+              </a:xfrm>
+              <a:prstGeom prst="ellipse">
+                <a:avLst/>
+              </a:prstGeom>
+              <a:solidFill>
+                <a:schemeClr val="accent4"/>
+              </a:solidFill>
+              <a:ln>
+                <a:noFill/>
+              </a:ln>
+            </p:spPr>
+            <p:style>
+              <a:lnRef idx="2">
+                <a:schemeClr val="accent1">
+                  <a:shade val="15000"/>
+                </a:schemeClr>
+              </a:lnRef>
+              <a:fillRef idx="1">
+                <a:schemeClr val="accent1"/>
+              </a:fillRef>
+              <a:effectRef idx="0">
+                <a:schemeClr val="accent1"/>
+              </a:effectRef>
+              <a:fontRef idx="minor">
+                <a:schemeClr val="lt1"/>
+              </a:fontRef>
+            </p:style>
+            <p:txBody>
+              <a:bodyPr rtlCol="0" anchor="ctr"/>
+              <a:lstStyle/>
+              <a:p>
+                <a:pPr algn="ctr"/>
+                <a:r>
+                  <a:rPr kumimoji="1" lang="en-US" altLang="ja-JP" sz="600" dirty="0">
+                    <a:latin typeface="Arial" panose="020B0604020202020204" pitchFamily="34" charset="0"/>
+                    <a:cs typeface="Arial" panose="020B0604020202020204" pitchFamily="34" charset="0"/>
+                  </a:rPr>
+                  <a:t>1</a:t>
+                </a:r>
+                <a:endParaRPr kumimoji="1" lang="ja-JP" altLang="en-US" sz="600" dirty="0">
+                  <a:latin typeface="Arial" panose="020B0604020202020204" pitchFamily="34" charset="0"/>
+                  <a:cs typeface="Arial" panose="020B0604020202020204" pitchFamily="34" charset="0"/>
+                </a:endParaRPr>
+              </a:p>
+            </p:txBody>
+          </p:sp>
+          <p:sp>
+            <p:nvSpPr>
+              <p:cNvPr id="6" name="Oval 5">
+                <a:extLst>
+                  <a:ext uri="{FF2B5EF4-FFF2-40B4-BE49-F238E27FC236}">
+                    <a16:creationId xmlns:a16="http://schemas.microsoft.com/office/drawing/2014/main" id="{90022083-7618-F365-7788-DE82B186468B}"/>
+                  </a:ext>
+                </a:extLst>
+              </p:cNvPr>
+              <p:cNvSpPr/>
+              <p:nvPr/>
+            </p:nvSpPr>
+            <p:spPr>
+              <a:xfrm>
+                <a:off x="1684593" y="2201321"/>
+                <a:ext cx="108000" cy="108000"/>
+              </a:xfrm>
+              <a:prstGeom prst="ellipse">
+                <a:avLst/>
+              </a:prstGeom>
+              <a:solidFill>
+                <a:schemeClr val="accent2"/>
+              </a:solidFill>
+              <a:ln>
+                <a:noFill/>
+              </a:ln>
+            </p:spPr>
+            <p:style>
+              <a:lnRef idx="2">
+                <a:schemeClr val="accent1">
+                  <a:shade val="15000"/>
+                </a:schemeClr>
+              </a:lnRef>
+              <a:fillRef idx="1">
+                <a:schemeClr val="accent1"/>
+              </a:fillRef>
+              <a:effectRef idx="0">
+                <a:schemeClr val="accent1"/>
+              </a:effectRef>
+              <a:fontRef idx="minor">
+                <a:schemeClr val="lt1"/>
+              </a:fontRef>
+            </p:style>
+            <p:txBody>
+              <a:bodyPr rtlCol="0" anchor="ctr"/>
+              <a:lstStyle/>
+              <a:p>
+                <a:pPr algn="ctr"/>
+                <a:r>
+                  <a:rPr kumimoji="1" lang="en-US" altLang="ja-JP" sz="600" dirty="0">
+                    <a:latin typeface="Arial" panose="020B0604020202020204" pitchFamily="34" charset="0"/>
+                    <a:cs typeface="Arial" panose="020B0604020202020204" pitchFamily="34" charset="0"/>
+                  </a:rPr>
+                  <a:t>2</a:t>
+                </a:r>
+                <a:endParaRPr kumimoji="1" lang="ja-JP" altLang="en-US" sz="600" dirty="0">
+                  <a:latin typeface="Arial" panose="020B0604020202020204" pitchFamily="34" charset="0"/>
+                  <a:cs typeface="Arial" panose="020B0604020202020204" pitchFamily="34" charset="0"/>
+                </a:endParaRPr>
+              </a:p>
+            </p:txBody>
+          </p:sp>
+          <p:sp>
+            <p:nvSpPr>
+              <p:cNvPr id="12" name="TextBox 11">
+                <a:extLst>
+                  <a:ext uri="{FF2B5EF4-FFF2-40B4-BE49-F238E27FC236}">
+                    <a16:creationId xmlns:a16="http://schemas.microsoft.com/office/drawing/2014/main" id="{57883D9D-5847-50F1-96FD-A438161ECDC9}"/>
+                  </a:ext>
+                </a:extLst>
+              </p:cNvPr>
+              <p:cNvSpPr txBox="1"/>
+              <p:nvPr/>
+            </p:nvSpPr>
+            <p:spPr>
+              <a:xfrm rot="18818199">
+                <a:off x="1210472" y="1688673"/>
+                <a:ext cx="1371164" cy="100242"/>
+              </a:xfrm>
+              <a:prstGeom prst="rect">
+                <a:avLst/>
+              </a:prstGeom>
+              <a:noFill/>
+            </p:spPr>
+            <p:txBody>
+              <a:bodyPr wrap="none" lIns="0" tIns="0" rIns="0" bIns="0" rtlCol="0">
+                <a:spAutoFit/>
+              </a:bodyPr>
+              <a:lstStyle/>
+              <a:p>
+                <a:pPr algn="ctr">
+                  <a:lnSpc>
+                    <a:spcPts val="700"/>
+                  </a:lnSpc>
+                </a:pPr>
+                <a:r>
+                  <a:rPr lang="en-US" sz="700" dirty="0">
+                    <a:latin typeface="Arial" panose="020B0604020202020204" pitchFamily="34" charset="0"/>
+                    <a:cs typeface="Arial" panose="020B0604020202020204" pitchFamily="34" charset="0"/>
+                  </a:rPr>
+                  <a:t>Load volumetric OCT intensity.</a:t>
+                </a:r>
+              </a:p>
+            </p:txBody>
+          </p:sp>
+          <p:sp>
+            <p:nvSpPr>
+              <p:cNvPr id="13" name="TextBox 12">
+                <a:extLst>
+                  <a:ext uri="{FF2B5EF4-FFF2-40B4-BE49-F238E27FC236}">
+                    <a16:creationId xmlns:a16="http://schemas.microsoft.com/office/drawing/2014/main" id="{EBAB144D-97B9-A774-AFC6-4FAF4A82B648}"/>
+                  </a:ext>
+                </a:extLst>
+              </p:cNvPr>
+              <p:cNvSpPr txBox="1"/>
+              <p:nvPr/>
+            </p:nvSpPr>
+            <p:spPr>
+              <a:xfrm rot="18818199">
+                <a:off x="1425488" y="1573916"/>
+                <a:ext cx="1736331" cy="104537"/>
+              </a:xfrm>
+              <a:prstGeom prst="rect">
+                <a:avLst/>
+              </a:prstGeom>
+              <a:noFill/>
+            </p:spPr>
+            <p:txBody>
+              <a:bodyPr wrap="none" lIns="0" tIns="0" rIns="0" bIns="0" rtlCol="0">
+                <a:spAutoFit/>
+              </a:bodyPr>
+              <a:lstStyle/>
+              <a:p>
+                <a:pPr algn="ctr">
+                  <a:lnSpc>
+                    <a:spcPts val="700"/>
+                  </a:lnSpc>
+                </a:pPr>
+                <a:r>
+                  <a:rPr lang="en-US" altLang="ja-JP" sz="800" b="0" i="0" dirty="0">
+                    <a:solidFill>
+                      <a:srgbClr val="1F2328"/>
+                    </a:solidFill>
+                    <a:effectLst/>
+                    <a:latin typeface="-apple-system"/>
+                  </a:rPr>
+                  <a:t>Extract frames at the B-scan location.</a:t>
+                </a:r>
+                <a:endParaRPr lang="en-US" sz="700" dirty="0">
+                  <a:latin typeface="Arial" panose="020B0604020202020204" pitchFamily="34" charset="0"/>
+                  <a:cs typeface="Arial" panose="020B0604020202020204" pitchFamily="34" charset="0"/>
+                </a:endParaRPr>
+              </a:p>
+            </p:txBody>
+          </p:sp>
+          <p:sp>
+            <p:nvSpPr>
+              <p:cNvPr id="14" name="Oval 13">
+                <a:extLst>
+                  <a:ext uri="{FF2B5EF4-FFF2-40B4-BE49-F238E27FC236}">
+                    <a16:creationId xmlns:a16="http://schemas.microsoft.com/office/drawing/2014/main" id="{0A951528-1D1F-E505-0FB3-812700BC2547}"/>
+                  </a:ext>
+                </a:extLst>
+              </p:cNvPr>
+              <p:cNvSpPr/>
+              <p:nvPr/>
+            </p:nvSpPr>
+            <p:spPr>
+              <a:xfrm>
+                <a:off x="1982786" y="2201321"/>
+                <a:ext cx="108000" cy="108000"/>
+              </a:xfrm>
+              <a:prstGeom prst="ellipse">
+                <a:avLst/>
+              </a:prstGeom>
+              <a:solidFill>
+                <a:schemeClr val="accent2"/>
+              </a:solidFill>
+              <a:ln>
+                <a:noFill/>
+              </a:ln>
+            </p:spPr>
+            <p:style>
+              <a:lnRef idx="2">
+                <a:schemeClr val="accent1">
+                  <a:shade val="15000"/>
+                </a:schemeClr>
+              </a:lnRef>
+              <a:fillRef idx="1">
+                <a:schemeClr val="accent1"/>
+              </a:fillRef>
+              <a:effectRef idx="0">
+                <a:schemeClr val="accent1"/>
+              </a:effectRef>
+              <a:fontRef idx="minor">
+                <a:schemeClr val="lt1"/>
+              </a:fontRef>
+            </p:style>
+            <p:txBody>
+              <a:bodyPr rtlCol="0" anchor="ctr"/>
+              <a:lstStyle/>
+              <a:p>
+                <a:pPr algn="ctr"/>
+                <a:r>
+                  <a:rPr kumimoji="1" lang="en-US" altLang="ja-JP" sz="600" dirty="0">
+                    <a:latin typeface="Arial" panose="020B0604020202020204" pitchFamily="34" charset="0"/>
+                    <a:cs typeface="Arial" panose="020B0604020202020204" pitchFamily="34" charset="0"/>
+                  </a:rPr>
+                  <a:t>3</a:t>
+                </a:r>
+                <a:endParaRPr kumimoji="1" lang="ja-JP" altLang="en-US" sz="600" dirty="0">
+                  <a:latin typeface="Arial" panose="020B0604020202020204" pitchFamily="34" charset="0"/>
+                  <a:cs typeface="Arial" panose="020B0604020202020204" pitchFamily="34" charset="0"/>
+                </a:endParaRPr>
+              </a:p>
+            </p:txBody>
+          </p:sp>
+          <p:sp>
+            <p:nvSpPr>
+              <p:cNvPr id="15" name="TextBox 14">
+                <a:extLst>
+                  <a:ext uri="{FF2B5EF4-FFF2-40B4-BE49-F238E27FC236}">
+                    <a16:creationId xmlns:a16="http://schemas.microsoft.com/office/drawing/2014/main" id="{B4E156B3-D506-93FF-E975-6B1F97974232}"/>
+                  </a:ext>
+                </a:extLst>
+              </p:cNvPr>
+              <p:cNvSpPr txBox="1"/>
+              <p:nvPr/>
+            </p:nvSpPr>
+            <p:spPr>
+              <a:xfrm rot="18818199">
+                <a:off x="1773235" y="1671855"/>
+                <a:ext cx="1455296" cy="104537"/>
+              </a:xfrm>
+              <a:prstGeom prst="rect">
+                <a:avLst/>
+              </a:prstGeom>
+              <a:noFill/>
+            </p:spPr>
+            <p:txBody>
+              <a:bodyPr wrap="none" lIns="0" tIns="0" rIns="0" bIns="0" rtlCol="0">
+                <a:spAutoFit/>
+              </a:bodyPr>
+              <a:lstStyle/>
+              <a:p>
+                <a:pPr algn="ctr">
+                  <a:lnSpc>
+                    <a:spcPts val="700"/>
+                  </a:lnSpc>
+                </a:pPr>
+                <a:r>
+                  <a:rPr lang="en-US" altLang="ja-JP" sz="800" b="0" i="0" dirty="0">
+                    <a:solidFill>
+                      <a:srgbClr val="1F2328"/>
+                    </a:solidFill>
+                    <a:effectLst/>
+                    <a:latin typeface="-apple-system"/>
+                  </a:rPr>
+                  <a:t>Correct bulk-motion (optional).</a:t>
+                </a:r>
+                <a:endParaRPr lang="en-US" sz="700" dirty="0">
+                  <a:latin typeface="Arial" panose="020B0604020202020204" pitchFamily="34" charset="0"/>
+                  <a:cs typeface="Arial" panose="020B0604020202020204" pitchFamily="34" charset="0"/>
+                </a:endParaRPr>
+              </a:p>
+            </p:txBody>
+          </p:sp>
+          <p:sp>
+            <p:nvSpPr>
+              <p:cNvPr id="16" name="Oval 15">
+                <a:extLst>
+                  <a:ext uri="{FF2B5EF4-FFF2-40B4-BE49-F238E27FC236}">
+                    <a16:creationId xmlns:a16="http://schemas.microsoft.com/office/drawing/2014/main" id="{B13A7B1F-E84C-E8E6-0E11-5DDD7153770D}"/>
+                  </a:ext>
+                </a:extLst>
+              </p:cNvPr>
+              <p:cNvSpPr/>
+              <p:nvPr/>
+            </p:nvSpPr>
+            <p:spPr>
+              <a:xfrm>
+                <a:off x="2280979" y="2201321"/>
+                <a:ext cx="108000" cy="108000"/>
+              </a:xfrm>
+              <a:prstGeom prst="ellipse">
+                <a:avLst/>
+              </a:prstGeom>
+              <a:solidFill>
+                <a:schemeClr val="accent2"/>
+              </a:solidFill>
+              <a:ln>
+                <a:noFill/>
+              </a:ln>
+            </p:spPr>
+            <p:style>
+              <a:lnRef idx="2">
+                <a:schemeClr val="accent1">
+                  <a:shade val="15000"/>
+                </a:schemeClr>
+              </a:lnRef>
+              <a:fillRef idx="1">
+                <a:schemeClr val="accent1"/>
+              </a:fillRef>
+              <a:effectRef idx="0">
+                <a:schemeClr val="accent1"/>
+              </a:effectRef>
+              <a:fontRef idx="minor">
+                <a:schemeClr val="lt1"/>
+              </a:fontRef>
+            </p:style>
+            <p:txBody>
+              <a:bodyPr rtlCol="0" anchor="ctr"/>
+              <a:lstStyle/>
+              <a:p>
+                <a:pPr algn="ctr"/>
+                <a:r>
+                  <a:rPr kumimoji="1" lang="en-US" altLang="ja-JP" sz="600" dirty="0">
+                    <a:latin typeface="Arial" panose="020B0604020202020204" pitchFamily="34" charset="0"/>
+                    <a:cs typeface="Arial" panose="020B0604020202020204" pitchFamily="34" charset="0"/>
+                  </a:rPr>
+                  <a:t>4</a:t>
+                </a:r>
+                <a:endParaRPr kumimoji="1" lang="ja-JP" altLang="en-US" sz="600" dirty="0">
+                  <a:latin typeface="Arial" panose="020B0604020202020204" pitchFamily="34" charset="0"/>
+                  <a:cs typeface="Arial" panose="020B0604020202020204" pitchFamily="34" charset="0"/>
+                </a:endParaRPr>
+              </a:p>
+            </p:txBody>
+          </p:sp>
+          <p:sp>
+            <p:nvSpPr>
+              <p:cNvPr id="17" name="TextBox 16">
+                <a:extLst>
+                  <a:ext uri="{FF2B5EF4-FFF2-40B4-BE49-F238E27FC236}">
+                    <a16:creationId xmlns:a16="http://schemas.microsoft.com/office/drawing/2014/main" id="{DC4D4205-863E-4779-91B1-E153E27EE971}"/>
+                  </a:ext>
+                </a:extLst>
+              </p:cNvPr>
+              <p:cNvSpPr txBox="1"/>
+              <p:nvPr/>
+            </p:nvSpPr>
+            <p:spPr>
+              <a:xfrm rot="18818199">
+                <a:off x="2193557" y="1849356"/>
+                <a:ext cx="907546" cy="104537"/>
+              </a:xfrm>
+              <a:prstGeom prst="rect">
+                <a:avLst/>
+              </a:prstGeom>
+              <a:noFill/>
+            </p:spPr>
+            <p:txBody>
+              <a:bodyPr wrap="none" lIns="0" tIns="0" rIns="0" bIns="0" rtlCol="0">
+                <a:spAutoFit/>
+              </a:bodyPr>
+              <a:lstStyle/>
+              <a:p>
+                <a:pPr algn="ctr">
+                  <a:lnSpc>
+                    <a:spcPts val="700"/>
+                  </a:lnSpc>
+                </a:pPr>
+                <a:r>
+                  <a:rPr lang="en-US" altLang="ja-JP" sz="800" dirty="0">
+                    <a:solidFill>
+                      <a:srgbClr val="1F2328"/>
+                    </a:solidFill>
+                    <a:latin typeface="-apple-system"/>
+                  </a:rPr>
+                  <a:t>C</a:t>
+                </a:r>
+                <a:r>
+                  <a:rPr lang="en-US" altLang="ja-JP" sz="800" b="0" i="0" dirty="0">
+                    <a:solidFill>
+                      <a:srgbClr val="1F2328"/>
+                    </a:solidFill>
+                    <a:effectLst/>
+                    <a:latin typeface="-apple-system"/>
+                  </a:rPr>
+                  <a:t>ompute LIV curve.</a:t>
+                </a:r>
+                <a:endParaRPr lang="en-US" sz="700" dirty="0">
+                  <a:latin typeface="Arial" panose="020B0604020202020204" pitchFamily="34" charset="0"/>
+                  <a:cs typeface="Arial" panose="020B0604020202020204" pitchFamily="34" charset="0"/>
+                </a:endParaRPr>
+              </a:p>
+            </p:txBody>
+          </p:sp>
+          <p:sp>
+            <p:nvSpPr>
+              <p:cNvPr id="18" name="Oval 17">
+                <a:extLst>
+                  <a:ext uri="{FF2B5EF4-FFF2-40B4-BE49-F238E27FC236}">
+                    <a16:creationId xmlns:a16="http://schemas.microsoft.com/office/drawing/2014/main" id="{0D9BCCB7-6B70-3226-D69F-DE929A2D63F5}"/>
+                  </a:ext>
+                </a:extLst>
+              </p:cNvPr>
+              <p:cNvSpPr/>
+              <p:nvPr/>
+            </p:nvSpPr>
+            <p:spPr>
+              <a:xfrm>
+                <a:off x="2579172" y="2201321"/>
+                <a:ext cx="108000" cy="108000"/>
+              </a:xfrm>
+              <a:prstGeom prst="ellipse">
+                <a:avLst/>
+              </a:prstGeom>
+              <a:solidFill>
+                <a:schemeClr val="accent2"/>
+              </a:solidFill>
+              <a:ln>
+                <a:noFill/>
+              </a:ln>
+            </p:spPr>
+            <p:style>
+              <a:lnRef idx="2">
+                <a:schemeClr val="accent1">
+                  <a:shade val="15000"/>
+                </a:schemeClr>
+              </a:lnRef>
+              <a:fillRef idx="1">
+                <a:schemeClr val="accent1"/>
+              </a:fillRef>
+              <a:effectRef idx="0">
+                <a:schemeClr val="accent1"/>
+              </a:effectRef>
+              <a:fontRef idx="minor">
+                <a:schemeClr val="lt1"/>
+              </a:fontRef>
+            </p:style>
+            <p:txBody>
+              <a:bodyPr rtlCol="0" anchor="ctr"/>
+              <a:lstStyle/>
+              <a:p>
+                <a:pPr algn="ctr"/>
+                <a:r>
+                  <a:rPr kumimoji="1" lang="en-US" altLang="ja-JP" sz="600" dirty="0">
+                    <a:latin typeface="Arial" panose="020B0604020202020204" pitchFamily="34" charset="0"/>
+                    <a:cs typeface="Arial" panose="020B0604020202020204" pitchFamily="34" charset="0"/>
+                  </a:rPr>
+                  <a:t>5</a:t>
+                </a:r>
+                <a:endParaRPr kumimoji="1" lang="ja-JP" altLang="en-US" sz="600" dirty="0">
+                  <a:latin typeface="Arial" panose="020B0604020202020204" pitchFamily="34" charset="0"/>
+                  <a:cs typeface="Arial" panose="020B0604020202020204" pitchFamily="34" charset="0"/>
+                </a:endParaRPr>
+              </a:p>
+            </p:txBody>
+          </p:sp>
+          <p:sp>
+            <p:nvSpPr>
+              <p:cNvPr id="20" name="Oval 19">
+                <a:extLst>
+                  <a:ext uri="{FF2B5EF4-FFF2-40B4-BE49-F238E27FC236}">
+                    <a16:creationId xmlns:a16="http://schemas.microsoft.com/office/drawing/2014/main" id="{B0452A2C-5CFC-A54E-E9E1-95DCBA4EBFD4}"/>
+                  </a:ext>
+                </a:extLst>
+              </p:cNvPr>
+              <p:cNvSpPr/>
+              <p:nvPr/>
+            </p:nvSpPr>
+            <p:spPr>
+              <a:xfrm>
+                <a:off x="2877365" y="2201321"/>
+                <a:ext cx="108000" cy="108000"/>
+              </a:xfrm>
+              <a:prstGeom prst="ellipse">
+                <a:avLst/>
+              </a:prstGeom>
+              <a:solidFill>
+                <a:schemeClr val="accent2"/>
+              </a:solidFill>
+              <a:ln>
+                <a:noFill/>
+              </a:ln>
+            </p:spPr>
+            <p:style>
+              <a:lnRef idx="2">
+                <a:schemeClr val="accent1">
+                  <a:shade val="15000"/>
+                </a:schemeClr>
+              </a:lnRef>
+              <a:fillRef idx="1">
+                <a:schemeClr val="accent1"/>
+              </a:fillRef>
+              <a:effectRef idx="0">
+                <a:schemeClr val="accent1"/>
+              </a:effectRef>
+              <a:fontRef idx="minor">
+                <a:schemeClr val="lt1"/>
+              </a:fontRef>
+            </p:style>
+            <p:txBody>
+              <a:bodyPr rtlCol="0" anchor="ctr"/>
+              <a:lstStyle/>
+              <a:p>
+                <a:pPr algn="ctr"/>
+                <a:r>
+                  <a:rPr kumimoji="1" lang="en-US" altLang="ja-JP" sz="600" dirty="0">
+                    <a:latin typeface="Arial" panose="020B0604020202020204" pitchFamily="34" charset="0"/>
+                    <a:cs typeface="Arial" panose="020B0604020202020204" pitchFamily="34" charset="0"/>
+                  </a:rPr>
+                  <a:t>6</a:t>
+                </a:r>
+                <a:endParaRPr kumimoji="1" lang="ja-JP" altLang="en-US" sz="600" dirty="0">
+                  <a:latin typeface="Arial" panose="020B0604020202020204" pitchFamily="34" charset="0"/>
+                  <a:cs typeface="Arial" panose="020B0604020202020204" pitchFamily="34" charset="0"/>
+                </a:endParaRPr>
+              </a:p>
+            </p:txBody>
+          </p:sp>
+          <p:sp>
+            <p:nvSpPr>
+              <p:cNvPr id="21" name="TextBox 20">
+                <a:extLst>
+                  <a:ext uri="{FF2B5EF4-FFF2-40B4-BE49-F238E27FC236}">
+                    <a16:creationId xmlns:a16="http://schemas.microsoft.com/office/drawing/2014/main" id="{C8CC7BD7-E061-66BE-3873-380069F8EE5F}"/>
+                  </a:ext>
+                </a:extLst>
+              </p:cNvPr>
+              <p:cNvSpPr txBox="1"/>
+              <p:nvPr/>
+            </p:nvSpPr>
+            <p:spPr>
+              <a:xfrm rot="18818199">
+                <a:off x="2311877" y="1539599"/>
+                <a:ext cx="1863423" cy="104537"/>
+              </a:xfrm>
+              <a:prstGeom prst="rect">
+                <a:avLst/>
+              </a:prstGeom>
+              <a:noFill/>
+            </p:spPr>
+            <p:txBody>
+              <a:bodyPr wrap="none" lIns="0" tIns="0" rIns="0" bIns="0" rtlCol="0">
+                <a:spAutoFit/>
+              </a:bodyPr>
+              <a:lstStyle/>
+              <a:p>
+                <a:pPr algn="ctr">
+                  <a:lnSpc>
+                    <a:spcPts val="700"/>
+                  </a:lnSpc>
+                </a:pPr>
+                <a:r>
+                  <a:rPr lang="en-US" altLang="ja-JP" sz="800" dirty="0">
+                    <a:solidFill>
+                      <a:srgbClr val="1F2328"/>
+                    </a:solidFill>
+                    <a:latin typeface="-apple-system"/>
+                  </a:rPr>
+                  <a:t>Kernel averaging of LIV curve (optional).</a:t>
+                </a:r>
+                <a:endParaRPr lang="en-US" sz="700" dirty="0">
+                  <a:latin typeface="Arial" panose="020B0604020202020204" pitchFamily="34" charset="0"/>
+                  <a:cs typeface="Arial" panose="020B0604020202020204" pitchFamily="34" charset="0"/>
+                </a:endParaRPr>
+              </a:p>
+            </p:txBody>
+          </p:sp>
+          <p:sp>
+            <p:nvSpPr>
+              <p:cNvPr id="22" name="Oval 21">
+                <a:extLst>
+                  <a:ext uri="{FF2B5EF4-FFF2-40B4-BE49-F238E27FC236}">
+                    <a16:creationId xmlns:a16="http://schemas.microsoft.com/office/drawing/2014/main" id="{83BCD307-741E-02C2-F996-CA050018AD98}"/>
+                  </a:ext>
+                </a:extLst>
+              </p:cNvPr>
+              <p:cNvSpPr/>
+              <p:nvPr/>
+            </p:nvSpPr>
+            <p:spPr>
+              <a:xfrm>
+                <a:off x="3175558" y="2201321"/>
+                <a:ext cx="108000" cy="108000"/>
+              </a:xfrm>
+              <a:prstGeom prst="ellipse">
+                <a:avLst/>
+              </a:prstGeom>
+              <a:solidFill>
+                <a:schemeClr val="accent2"/>
+              </a:solidFill>
+              <a:ln>
+                <a:noFill/>
+              </a:ln>
+            </p:spPr>
+            <p:style>
+              <a:lnRef idx="2">
+                <a:schemeClr val="accent1">
+                  <a:shade val="15000"/>
+                </a:schemeClr>
+              </a:lnRef>
+              <a:fillRef idx="1">
+                <a:schemeClr val="accent1"/>
+              </a:fillRef>
+              <a:effectRef idx="0">
+                <a:schemeClr val="accent1"/>
+              </a:effectRef>
+              <a:fontRef idx="minor">
+                <a:schemeClr val="lt1"/>
+              </a:fontRef>
+            </p:style>
+            <p:txBody>
+              <a:bodyPr rtlCol="0" anchor="ctr"/>
+              <a:lstStyle/>
+              <a:p>
+                <a:pPr algn="ctr"/>
+                <a:r>
+                  <a:rPr kumimoji="1" lang="en-US" altLang="ja-JP" sz="600" dirty="0">
+                    <a:latin typeface="Arial" panose="020B0604020202020204" pitchFamily="34" charset="0"/>
+                    <a:cs typeface="Arial" panose="020B0604020202020204" pitchFamily="34" charset="0"/>
+                  </a:rPr>
+                  <a:t>7</a:t>
+                </a:r>
+                <a:endParaRPr kumimoji="1" lang="ja-JP" altLang="en-US" sz="600" dirty="0">
+                  <a:latin typeface="Arial" panose="020B0604020202020204" pitchFamily="34" charset="0"/>
+                  <a:cs typeface="Arial" panose="020B0604020202020204" pitchFamily="34" charset="0"/>
+                </a:endParaRPr>
+              </a:p>
+            </p:txBody>
+          </p:sp>
+          <p:sp>
+            <p:nvSpPr>
+              <p:cNvPr id="23" name="TextBox 22">
+                <a:extLst>
+                  <a:ext uri="{FF2B5EF4-FFF2-40B4-BE49-F238E27FC236}">
+                    <a16:creationId xmlns:a16="http://schemas.microsoft.com/office/drawing/2014/main" id="{1465F318-34D3-55AD-1968-B328CBA53A43}"/>
+                  </a:ext>
+                </a:extLst>
+              </p:cNvPr>
+              <p:cNvSpPr txBox="1"/>
+              <p:nvPr/>
+            </p:nvSpPr>
+            <p:spPr>
+              <a:xfrm rot="18818199">
+                <a:off x="2715299" y="1712504"/>
+                <a:ext cx="1322834" cy="104537"/>
+              </a:xfrm>
+              <a:prstGeom prst="rect">
+                <a:avLst/>
+              </a:prstGeom>
+              <a:noFill/>
+            </p:spPr>
+            <p:txBody>
+              <a:bodyPr wrap="none" lIns="0" tIns="0" rIns="0" bIns="0" rtlCol="0">
+                <a:spAutoFit/>
+              </a:bodyPr>
+              <a:lstStyle/>
+              <a:p>
+                <a:pPr algn="ctr">
+                  <a:lnSpc>
+                    <a:spcPts val="700"/>
+                  </a:lnSpc>
+                </a:pPr>
+                <a:r>
+                  <a:rPr lang="en-US" altLang="ja-JP" sz="800" dirty="0">
+                    <a:solidFill>
+                      <a:srgbClr val="1F2328"/>
+                    </a:solidFill>
+                    <a:latin typeface="-apple-system"/>
+                  </a:rPr>
+                  <a:t>Function fitting of LIV-curve.</a:t>
+                </a:r>
+                <a:endParaRPr lang="en-US" sz="700" dirty="0">
+                  <a:latin typeface="Arial" panose="020B0604020202020204" pitchFamily="34" charset="0"/>
+                  <a:cs typeface="Arial" panose="020B0604020202020204" pitchFamily="34" charset="0"/>
+                </a:endParaRPr>
+              </a:p>
+            </p:txBody>
+          </p:sp>
+          <p:sp>
+            <p:nvSpPr>
+              <p:cNvPr id="24" name="Oval 23">
+                <a:extLst>
+                  <a:ext uri="{FF2B5EF4-FFF2-40B4-BE49-F238E27FC236}">
+                    <a16:creationId xmlns:a16="http://schemas.microsoft.com/office/drawing/2014/main" id="{39DD6FF8-78FE-B80E-B27A-B8313E42D193}"/>
+                  </a:ext>
+                </a:extLst>
+              </p:cNvPr>
+              <p:cNvSpPr/>
+              <p:nvPr/>
+            </p:nvSpPr>
+            <p:spPr>
+              <a:xfrm>
+                <a:off x="3473751" y="2201321"/>
+                <a:ext cx="108000" cy="108000"/>
+              </a:xfrm>
+              <a:prstGeom prst="ellipse">
+                <a:avLst/>
+              </a:prstGeom>
+              <a:solidFill>
+                <a:schemeClr val="accent4"/>
+              </a:solidFill>
+              <a:ln>
+                <a:noFill/>
+              </a:ln>
+            </p:spPr>
+            <p:style>
+              <a:lnRef idx="2">
+                <a:schemeClr val="accent1">
+                  <a:shade val="15000"/>
+                </a:schemeClr>
+              </a:lnRef>
+              <a:fillRef idx="1">
+                <a:schemeClr val="accent1"/>
+              </a:fillRef>
+              <a:effectRef idx="0">
+                <a:schemeClr val="accent1"/>
+              </a:effectRef>
+              <a:fontRef idx="minor">
+                <a:schemeClr val="lt1"/>
+              </a:fontRef>
+            </p:style>
+            <p:txBody>
+              <a:bodyPr rtlCol="0" anchor="ctr"/>
+              <a:lstStyle/>
+              <a:p>
+                <a:pPr algn="ctr"/>
+                <a:r>
+                  <a:rPr lang="en-US" altLang="ja-JP" sz="600" dirty="0">
+                    <a:latin typeface="Arial" panose="020B0604020202020204" pitchFamily="34" charset="0"/>
+                    <a:cs typeface="Arial" panose="020B0604020202020204" pitchFamily="34" charset="0"/>
+                  </a:rPr>
+                  <a:t>8</a:t>
+                </a:r>
+                <a:endParaRPr kumimoji="1" lang="ja-JP" altLang="en-US" sz="600" dirty="0">
+                  <a:latin typeface="Arial" panose="020B0604020202020204" pitchFamily="34" charset="0"/>
+                  <a:cs typeface="Arial" panose="020B0604020202020204" pitchFamily="34" charset="0"/>
+                </a:endParaRPr>
+              </a:p>
+            </p:txBody>
+          </p:sp>
+          <p:sp>
+            <p:nvSpPr>
+              <p:cNvPr id="25" name="TextBox 24">
+                <a:extLst>
+                  <a:ext uri="{FF2B5EF4-FFF2-40B4-BE49-F238E27FC236}">
+                    <a16:creationId xmlns:a16="http://schemas.microsoft.com/office/drawing/2014/main" id="{3FB3486D-30C4-1E67-9AAD-CA4D8A4190B0}"/>
+                  </a:ext>
+                </a:extLst>
+              </p:cNvPr>
+              <p:cNvSpPr txBox="1"/>
+              <p:nvPr/>
+            </p:nvSpPr>
+            <p:spPr>
+              <a:xfrm rot="18818199">
+                <a:off x="3001724" y="1702018"/>
+                <a:ext cx="1349683" cy="104537"/>
+              </a:xfrm>
+              <a:prstGeom prst="rect">
+                <a:avLst/>
+              </a:prstGeom>
+              <a:noFill/>
+            </p:spPr>
+            <p:txBody>
+              <a:bodyPr wrap="none" lIns="0" tIns="0" rIns="0" bIns="0" rtlCol="0">
+                <a:spAutoFit/>
+              </a:bodyPr>
+              <a:lstStyle/>
+              <a:p>
+                <a:pPr algn="ctr">
+                  <a:lnSpc>
+                    <a:spcPts val="700"/>
+                  </a:lnSpc>
+                </a:pPr>
+                <a:r>
+                  <a:rPr lang="en-US" altLang="ja-JP" sz="800" dirty="0">
+                    <a:solidFill>
+                      <a:srgbClr val="1F2328"/>
+                    </a:solidFill>
+                    <a:latin typeface="-apple-system"/>
+                  </a:rPr>
+                  <a:t>Calculate </a:t>
+                </a:r>
+                <a:r>
+                  <a:rPr lang="en-US" altLang="ja-JP" sz="800" dirty="0" err="1">
+                    <a:solidFill>
+                      <a:srgbClr val="1F2328"/>
+                    </a:solidFill>
+                    <a:latin typeface="-apple-system"/>
+                  </a:rPr>
+                  <a:t>aLIV</a:t>
+                </a:r>
+                <a:r>
+                  <a:rPr lang="en-US" altLang="ja-JP" sz="800" dirty="0">
+                    <a:solidFill>
+                      <a:srgbClr val="1F2328"/>
+                    </a:solidFill>
+                    <a:latin typeface="-apple-system"/>
+                  </a:rPr>
+                  <a:t> and Swiftness.</a:t>
+                </a:r>
+                <a:endParaRPr lang="en-US" sz="700" dirty="0">
+                  <a:latin typeface="Arial" panose="020B0604020202020204" pitchFamily="34" charset="0"/>
+                  <a:cs typeface="Arial" panose="020B0604020202020204" pitchFamily="34" charset="0"/>
+                </a:endParaRPr>
+              </a:p>
+            </p:txBody>
+          </p:sp>
+          <p:sp>
+            <p:nvSpPr>
+              <p:cNvPr id="26" name="Oval 25">
+                <a:extLst>
+                  <a:ext uri="{FF2B5EF4-FFF2-40B4-BE49-F238E27FC236}">
+                    <a16:creationId xmlns:a16="http://schemas.microsoft.com/office/drawing/2014/main" id="{7D2405F1-1F99-502F-70E7-587C83ACDB2D}"/>
+                  </a:ext>
+                </a:extLst>
+              </p:cNvPr>
+              <p:cNvSpPr/>
+              <p:nvPr/>
+            </p:nvSpPr>
+            <p:spPr>
+              <a:xfrm>
+                <a:off x="3771944" y="2201321"/>
+                <a:ext cx="108000" cy="108000"/>
+              </a:xfrm>
+              <a:prstGeom prst="ellipse">
+                <a:avLst/>
+              </a:prstGeom>
+              <a:solidFill>
+                <a:schemeClr val="accent4"/>
+              </a:solidFill>
+              <a:ln>
+                <a:noFill/>
+              </a:ln>
+            </p:spPr>
+            <p:style>
+              <a:lnRef idx="2">
+                <a:schemeClr val="accent1">
+                  <a:shade val="15000"/>
+                </a:schemeClr>
+              </a:lnRef>
+              <a:fillRef idx="1">
+                <a:schemeClr val="accent1"/>
+              </a:fillRef>
+              <a:effectRef idx="0">
+                <a:schemeClr val="accent1"/>
+              </a:effectRef>
+              <a:fontRef idx="minor">
+                <a:schemeClr val="lt1"/>
+              </a:fontRef>
+            </p:style>
+            <p:txBody>
+              <a:bodyPr rtlCol="0" anchor="ctr"/>
+              <a:lstStyle/>
+              <a:p>
+                <a:pPr algn="ctr"/>
+                <a:r>
+                  <a:rPr kumimoji="1" lang="en-US" altLang="ja-JP" sz="600" dirty="0">
+                    <a:latin typeface="Arial" panose="020B0604020202020204" pitchFamily="34" charset="0"/>
+                    <a:cs typeface="Arial" panose="020B0604020202020204" pitchFamily="34" charset="0"/>
+                  </a:rPr>
+                  <a:t>9</a:t>
+                </a:r>
+                <a:endParaRPr kumimoji="1" lang="ja-JP" altLang="en-US" sz="600" dirty="0">
+                  <a:latin typeface="Arial" panose="020B0604020202020204" pitchFamily="34" charset="0"/>
+                  <a:cs typeface="Arial" panose="020B0604020202020204" pitchFamily="34" charset="0"/>
+                </a:endParaRPr>
+              </a:p>
+            </p:txBody>
+          </p:sp>
+          <p:sp>
+            <p:nvSpPr>
+              <p:cNvPr id="27" name="TextBox 26">
+                <a:extLst>
+                  <a:ext uri="{FF2B5EF4-FFF2-40B4-BE49-F238E27FC236}">
+                    <a16:creationId xmlns:a16="http://schemas.microsoft.com/office/drawing/2014/main" id="{0016390B-CA4E-D9CC-8352-1FF40A2522F6}"/>
+                  </a:ext>
+                </a:extLst>
+              </p:cNvPr>
+              <p:cNvSpPr txBox="1"/>
+              <p:nvPr/>
+            </p:nvSpPr>
+            <p:spPr>
+              <a:xfrm rot="18818199">
+                <a:off x="3375388" y="1803530"/>
+                <a:ext cx="1048960" cy="104537"/>
+              </a:xfrm>
+              <a:prstGeom prst="rect">
+                <a:avLst/>
+              </a:prstGeom>
+              <a:noFill/>
+            </p:spPr>
+            <p:txBody>
+              <a:bodyPr wrap="none" lIns="0" tIns="0" rIns="0" bIns="0" rtlCol="0">
+                <a:spAutoFit/>
+              </a:bodyPr>
+              <a:lstStyle/>
+              <a:p>
+                <a:pPr algn="ctr">
+                  <a:lnSpc>
+                    <a:spcPts val="700"/>
+                  </a:lnSpc>
+                </a:pPr>
+                <a:r>
+                  <a:rPr lang="en-US" altLang="ja-JP" sz="800" dirty="0">
+                    <a:solidFill>
+                      <a:srgbClr val="1F2328"/>
+                    </a:solidFill>
+                    <a:latin typeface="-apple-system"/>
+                  </a:rPr>
+                  <a:t>Save gray-scale image.</a:t>
+                </a:r>
+                <a:endParaRPr lang="en-US" sz="700" dirty="0">
+                  <a:latin typeface="Arial" panose="020B0604020202020204" pitchFamily="34" charset="0"/>
+                  <a:cs typeface="Arial" panose="020B0604020202020204" pitchFamily="34" charset="0"/>
+                </a:endParaRPr>
+              </a:p>
+            </p:txBody>
+          </p:sp>
+          <p:sp>
+            <p:nvSpPr>
+              <p:cNvPr id="29" name="TextBox 28">
+                <a:extLst>
+                  <a:ext uri="{FF2B5EF4-FFF2-40B4-BE49-F238E27FC236}">
+                    <a16:creationId xmlns:a16="http://schemas.microsoft.com/office/drawing/2014/main" id="{793EF014-7A94-6479-2BEF-C96030F5CD8C}"/>
+                  </a:ext>
+                </a:extLst>
+              </p:cNvPr>
+              <p:cNvSpPr txBox="1"/>
+              <p:nvPr/>
+            </p:nvSpPr>
+            <p:spPr>
+              <a:xfrm rot="18818199">
+                <a:off x="3716922" y="1658529"/>
+                <a:ext cx="1190371" cy="204780"/>
+              </a:xfrm>
+              <a:prstGeom prst="rect">
+                <a:avLst/>
+              </a:prstGeom>
+              <a:noFill/>
+            </p:spPr>
+            <p:txBody>
+              <a:bodyPr wrap="none" lIns="0" tIns="0" rIns="0" bIns="0" rtlCol="0">
+                <a:spAutoFit/>
+              </a:bodyPr>
+              <a:lstStyle/>
+              <a:p>
+                <a:pPr algn="just">
+                  <a:lnSpc>
+                    <a:spcPts val="700"/>
+                  </a:lnSpc>
+                </a:pPr>
+                <a:r>
+                  <a:rPr lang="en-US" altLang="ja-JP" sz="800" dirty="0">
+                    <a:solidFill>
+                      <a:srgbClr val="1F2328"/>
+                    </a:solidFill>
+                    <a:latin typeface="-apple-system"/>
+                  </a:rPr>
+                  <a:t>Generate and</a:t>
+                </a:r>
+              </a:p>
+              <a:p>
+                <a:pPr algn="just">
+                  <a:lnSpc>
+                    <a:spcPts val="700"/>
+                  </a:lnSpc>
+                </a:pPr>
+                <a:r>
+                  <a:rPr lang="en-US" altLang="ja-JP" sz="800" dirty="0">
+                    <a:solidFill>
+                      <a:srgbClr val="1F2328"/>
+                    </a:solidFill>
+                    <a:latin typeface="-apple-system"/>
+                  </a:rPr>
+                  <a:t>save pseudo-color image.</a:t>
+                </a:r>
+                <a:endParaRPr lang="en-US" sz="700" dirty="0">
+                  <a:latin typeface="Arial" panose="020B0604020202020204" pitchFamily="34" charset="0"/>
+                  <a:cs typeface="Arial" panose="020B0604020202020204" pitchFamily="34" charset="0"/>
+                </a:endParaRPr>
+              </a:p>
+            </p:txBody>
+          </p:sp>
+          <p:sp>
+            <p:nvSpPr>
+              <p:cNvPr id="35" name="Left Brace 34">
+                <a:extLst>
+                  <a:ext uri="{FF2B5EF4-FFF2-40B4-BE49-F238E27FC236}">
+                    <a16:creationId xmlns:a16="http://schemas.microsoft.com/office/drawing/2014/main" id="{60B1A79B-BAD0-2E46-EC34-2BF17E814340}"/>
+                  </a:ext>
+                </a:extLst>
+              </p:cNvPr>
+              <p:cNvSpPr/>
+              <p:nvPr/>
+            </p:nvSpPr>
+            <p:spPr>
+              <a:xfrm rot="16200000">
+                <a:off x="2415867" y="1505568"/>
+                <a:ext cx="108000" cy="1689665"/>
+              </a:xfrm>
+              <a:prstGeom prst="leftBrace">
+                <a:avLst/>
+              </a:prstGeom>
+              <a:ln w="12700"/>
+            </p:spPr>
+            <p:style>
+              <a:lnRef idx="2">
+                <a:schemeClr val="dk1"/>
+              </a:lnRef>
+              <a:fillRef idx="0">
+                <a:schemeClr val="dk1"/>
+              </a:fillRef>
+              <a:effectRef idx="1">
+                <a:schemeClr val="dk1"/>
+              </a:effectRef>
+              <a:fontRef idx="minor">
+                <a:schemeClr val="tx1"/>
+              </a:fontRef>
+            </p:style>
+            <p:txBody>
+              <a:bodyPr rtlCol="0" anchor="ctr"/>
+              <a:lstStyle/>
+              <a:p>
+                <a:pPr algn="ctr"/>
+                <a:endParaRPr kumimoji="1" lang="ja-JP" altLang="en-US"/>
+              </a:p>
+            </p:txBody>
+          </p:sp>
+          <p:sp>
+            <p:nvSpPr>
+              <p:cNvPr id="36" name="TextBox 35">
+                <a:extLst>
+                  <a:ext uri="{FF2B5EF4-FFF2-40B4-BE49-F238E27FC236}">
+                    <a16:creationId xmlns:a16="http://schemas.microsoft.com/office/drawing/2014/main" id="{6F4865FD-2420-EFDF-8BA7-D91B2B611758}"/>
+                  </a:ext>
+                </a:extLst>
+              </p:cNvPr>
+              <p:cNvSpPr txBox="1"/>
+              <p:nvPr/>
+            </p:nvSpPr>
+            <p:spPr>
+              <a:xfrm>
+                <a:off x="1769070" y="2433813"/>
+                <a:ext cx="1401594" cy="92556"/>
+              </a:xfrm>
+              <a:prstGeom prst="rect">
+                <a:avLst/>
+              </a:prstGeom>
+              <a:noFill/>
+            </p:spPr>
+            <p:txBody>
+              <a:bodyPr wrap="square" lIns="0" tIns="0" rIns="0" bIns="0" rtlCol="0">
+                <a:spAutoFit/>
+              </a:bodyPr>
+              <a:lstStyle/>
+              <a:p>
+                <a:pPr algn="ctr">
+                  <a:lnSpc>
+                    <a:spcPts val="700"/>
+                  </a:lnSpc>
+                </a:pPr>
+                <a:r>
+                  <a:rPr lang="en-US" sz="800" dirty="0">
+                    <a:solidFill>
+                      <a:srgbClr val="1F2328"/>
+                    </a:solidFill>
+                    <a:latin typeface="-apple-system"/>
+                    <a:cs typeface="Arial" panose="020B0604020202020204" pitchFamily="34" charset="0"/>
+                  </a:rPr>
+                  <a:t>Perform every B-scan location</a:t>
+                </a:r>
+                <a:endParaRPr lang="en-US" sz="700" dirty="0">
+                  <a:latin typeface="Arial" panose="020B0604020202020204" pitchFamily="34" charset="0"/>
+                  <a:cs typeface="Arial" panose="020B0604020202020204" pitchFamily="34" charset="0"/>
+                </a:endParaRPr>
+              </a:p>
+            </p:txBody>
+          </p:sp>
+        </p:grpSp>
         <p:sp>
           <p:nvSpPr>
-            <p:cNvPr id="226" name="Rectangle 225">
+            <p:cNvPr id="41" name="Rectangle 40">
               <a:extLst>
                 <a:ext uri="{FF2B5EF4-FFF2-40B4-BE49-F238E27FC236}">
-                  <a16:creationId xmlns:a16="http://schemas.microsoft.com/office/drawing/2014/main" id="{C76F7ADF-6534-C808-DB6B-AD62F475A004}"/>
+                  <a16:creationId xmlns:a16="http://schemas.microsoft.com/office/drawing/2014/main" id="{2E259623-7567-4947-E1CE-4D7FAC56284E}"/>
                 </a:ext>
               </a:extLst>
             </p:cNvPr>
@@ -15385,14 +17076,14 @@
           </p:nvSpPr>
           <p:spPr>
             <a:xfrm>
-              <a:off x="1126100" y="1237207"/>
-              <a:ext cx="4236720" cy="2025307"/>
+              <a:off x="-368569" y="883920"/>
+              <a:ext cx="6361889" cy="1595120"/>
             </a:xfrm>
             <a:prstGeom prst="rect">
               <a:avLst/>
             </a:prstGeom>
             <a:noFill/>
-            <a:ln>
+            <a:ln w="12700">
               <a:noFill/>
             </a:ln>
           </p:spPr>
@@ -15417,515 +17108,15 @@
             <a:lstStyle/>
             <a:p>
               <a:pPr algn="ctr"/>
-              <a:endParaRPr kumimoji="1" lang="ja-JP" altLang="en-US"/>
+              <a:endParaRPr kumimoji="1" lang="ja-JP" altLang="en-US" sz="2000"/>
             </a:p>
           </p:txBody>
         </p:sp>
-        <p:grpSp>
-          <p:nvGrpSpPr>
-            <p:cNvPr id="8" name="Group 7">
-              <a:extLst>
-                <a:ext uri="{FF2B5EF4-FFF2-40B4-BE49-F238E27FC236}">
-                  <a16:creationId xmlns:a16="http://schemas.microsoft.com/office/drawing/2014/main" id="{CD65BE40-3A17-2798-A348-4EFEFB8B58E6}"/>
-                </a:ext>
-              </a:extLst>
-            </p:cNvPr>
-            <p:cNvGrpSpPr/>
-            <p:nvPr/>
-          </p:nvGrpSpPr>
-          <p:grpSpPr>
-            <a:xfrm>
-              <a:off x="1745604" y="1295575"/>
-              <a:ext cx="2997713" cy="1892092"/>
-              <a:chOff x="303695" y="1890404"/>
-              <a:chExt cx="5632361" cy="3555022"/>
-            </a:xfrm>
-            <a:effectLst>
-              <a:outerShdw blurRad="50800" dist="38100" dir="2700000" algn="tl" rotWithShape="0">
-                <a:prstClr val="black">
-                  <a:alpha val="40000"/>
-                </a:prstClr>
-              </a:outerShdw>
-            </a:effectLst>
-          </p:grpSpPr>
-          <p:pic>
-            <p:nvPicPr>
-              <p:cNvPr id="2" name="Picture 1">
-                <a:extLst>
-                  <a:ext uri="{FF2B5EF4-FFF2-40B4-BE49-F238E27FC236}">
-                    <a16:creationId xmlns:a16="http://schemas.microsoft.com/office/drawing/2014/main" id="{E51016A8-945F-EF99-EFFA-BCC439A1D5DA}"/>
-                  </a:ext>
-                </a:extLst>
-              </p:cNvPr>
-              <p:cNvPicPr>
-                <a:picLocks noChangeAspect="1"/>
-              </p:cNvPicPr>
-              <p:nvPr/>
-            </p:nvPicPr>
-            <p:blipFill>
-              <a:blip r:embed="rId2"/>
-              <a:stretch>
-                <a:fillRect/>
-              </a:stretch>
-            </p:blipFill>
-            <p:spPr>
-              <a:xfrm>
-                <a:off x="1689575" y="1890408"/>
-                <a:ext cx="1419130" cy="1419131"/>
-              </a:xfrm>
-              <a:prstGeom prst="rect">
-                <a:avLst/>
-              </a:prstGeom>
-            </p:spPr>
-          </p:pic>
-          <p:pic>
-            <p:nvPicPr>
-              <p:cNvPr id="3" name="Picture 2">
-                <a:extLst>
-                  <a:ext uri="{FF2B5EF4-FFF2-40B4-BE49-F238E27FC236}">
-                    <a16:creationId xmlns:a16="http://schemas.microsoft.com/office/drawing/2014/main" id="{11E2F373-64A2-5050-3FF9-D4F713C840C9}"/>
-                  </a:ext>
-                </a:extLst>
-              </p:cNvPr>
-              <p:cNvPicPr>
-                <a:picLocks noChangeAspect="1"/>
-              </p:cNvPicPr>
-              <p:nvPr/>
-            </p:nvPicPr>
-            <p:blipFill>
-              <a:blip r:embed="rId3"/>
-              <a:stretch>
-                <a:fillRect/>
-              </a:stretch>
-            </p:blipFill>
-            <p:spPr>
-              <a:xfrm>
-                <a:off x="303699" y="1890410"/>
-                <a:ext cx="1419130" cy="1419131"/>
-              </a:xfrm>
-              <a:prstGeom prst="rect">
-                <a:avLst/>
-              </a:prstGeom>
-            </p:spPr>
-          </p:pic>
-          <p:pic>
-            <p:nvPicPr>
-              <p:cNvPr id="4" name="Picture 3">
-                <a:extLst>
-                  <a:ext uri="{FF2B5EF4-FFF2-40B4-BE49-F238E27FC236}">
-                    <a16:creationId xmlns:a16="http://schemas.microsoft.com/office/drawing/2014/main" id="{D0183458-135B-7043-F18A-0F36708D401F}"/>
-                  </a:ext>
-                </a:extLst>
-              </p:cNvPr>
-              <p:cNvPicPr>
-                <a:picLocks noChangeAspect="1"/>
-              </p:cNvPicPr>
-              <p:nvPr/>
-            </p:nvPicPr>
-            <p:blipFill>
-              <a:blip r:embed="rId4">
-                <a:extLst>
-                  <a:ext uri="{BEBA8EAE-BF5A-486C-A8C5-ECC9F3942E4B}">
-                    <a14:imgProps xmlns:a14="http://schemas.microsoft.com/office/drawing/2010/main">
-                      <a14:imgLayer r:embed="rId5">
-                        <a14:imgEffect>
-                          <a14:brightnessContrast contrast="40000"/>
-                        </a14:imgEffect>
-                      </a14:imgLayer>
-                    </a14:imgProps>
-                  </a:ext>
-                </a:extLst>
-              </a:blip>
-              <a:srcRect l="3330" t="13128" r="5625" b="19580"/>
-              <a:stretch/>
-            </p:blipFill>
-            <p:spPr>
-              <a:xfrm>
-                <a:off x="303695" y="3285829"/>
-                <a:ext cx="2921899" cy="2159597"/>
-              </a:xfrm>
-              <a:prstGeom prst="rect">
-                <a:avLst/>
-              </a:prstGeom>
-            </p:spPr>
-          </p:pic>
-          <p:pic>
-            <p:nvPicPr>
-              <p:cNvPr id="5" name="Picture 4">
-                <a:extLst>
-                  <a:ext uri="{FF2B5EF4-FFF2-40B4-BE49-F238E27FC236}">
-                    <a16:creationId xmlns:a16="http://schemas.microsoft.com/office/drawing/2014/main" id="{A86DBA70-4616-4C61-4425-B0AF7F8CEDDB}"/>
-                  </a:ext>
-                </a:extLst>
-              </p:cNvPr>
-              <p:cNvPicPr>
-                <a:picLocks noChangeAspect="1"/>
-              </p:cNvPicPr>
-              <p:nvPr/>
-            </p:nvPicPr>
-            <p:blipFill>
-              <a:blip r:embed="rId6">
-                <a:extLst>
-                  <a:ext uri="{BEBA8EAE-BF5A-486C-A8C5-ECC9F3942E4B}">
-                    <a14:imgProps xmlns:a14="http://schemas.microsoft.com/office/drawing/2010/main">
-                      <a14:imgLayer r:embed="rId7">
-                        <a14:imgEffect>
-                          <a14:brightnessContrast contrast="40000"/>
-                        </a14:imgEffect>
-                      </a14:imgLayer>
-                    </a14:imgProps>
-                  </a:ext>
-                </a:extLst>
-              </a:blip>
-              <a:srcRect l="3330" t="13128" r="5625" b="19580"/>
-              <a:stretch/>
-            </p:blipFill>
-            <p:spPr>
-              <a:xfrm>
-                <a:off x="3014157" y="3285829"/>
-                <a:ext cx="2921899" cy="2159597"/>
-              </a:xfrm>
-              <a:prstGeom prst="rect">
-                <a:avLst/>
-              </a:prstGeom>
-            </p:spPr>
-          </p:pic>
-          <p:pic>
-            <p:nvPicPr>
-              <p:cNvPr id="6" name="Picture 5">
-                <a:extLst>
-                  <a:ext uri="{FF2B5EF4-FFF2-40B4-BE49-F238E27FC236}">
-                    <a16:creationId xmlns:a16="http://schemas.microsoft.com/office/drawing/2014/main" id="{31C96EAA-CE63-DCDB-A8BA-5CD20C957763}"/>
-                  </a:ext>
-                </a:extLst>
-              </p:cNvPr>
-              <p:cNvPicPr>
-                <a:picLocks noChangeAspect="1"/>
-              </p:cNvPicPr>
-              <p:nvPr/>
-            </p:nvPicPr>
-            <p:blipFill>
-              <a:blip r:embed="rId8"/>
-              <a:stretch>
-                <a:fillRect/>
-              </a:stretch>
-            </p:blipFill>
-            <p:spPr>
-              <a:xfrm>
-                <a:off x="3104087" y="1890404"/>
-                <a:ext cx="1419130" cy="1419136"/>
-              </a:xfrm>
-              <a:prstGeom prst="rect">
-                <a:avLst/>
-              </a:prstGeom>
-            </p:spPr>
-          </p:pic>
-          <p:pic>
-            <p:nvPicPr>
-              <p:cNvPr id="7" name="Picture 6">
-                <a:extLst>
-                  <a:ext uri="{FF2B5EF4-FFF2-40B4-BE49-F238E27FC236}">
-                    <a16:creationId xmlns:a16="http://schemas.microsoft.com/office/drawing/2014/main" id="{4D9DEBB6-42D6-EB1D-EA71-1C2A76134BC1}"/>
-                  </a:ext>
-                </a:extLst>
-              </p:cNvPr>
-              <p:cNvPicPr>
-                <a:picLocks noChangeAspect="1"/>
-              </p:cNvPicPr>
-              <p:nvPr/>
-            </p:nvPicPr>
-            <p:blipFill>
-              <a:blip r:embed="rId9"/>
-              <a:stretch>
-                <a:fillRect/>
-              </a:stretch>
-            </p:blipFill>
-            <p:spPr>
-              <a:xfrm>
-                <a:off x="4516926" y="1890404"/>
-                <a:ext cx="1419130" cy="1419136"/>
-              </a:xfrm>
-              <a:prstGeom prst="rect">
-                <a:avLst/>
-              </a:prstGeom>
-            </p:spPr>
-          </p:pic>
-        </p:grpSp>
       </p:grpSp>
     </p:spTree>
     <p:extLst>
       <p:ext uri="{BB962C8B-B14F-4D97-AF65-F5344CB8AC3E}">
-        <p14:creationId xmlns:p14="http://schemas.microsoft.com/office/powerpoint/2010/main" val="3101446346"/>
-      </p:ext>
-    </p:extLst>
-  </p:cSld>
-  <p:clrMapOvr>
-    <a:masterClrMapping/>
-  </p:clrMapOvr>
-</p:sld>
-</file>
-
-<file path=ppt/slides/slide4.xml><?xml version="1.0" encoding="utf-8"?>
-<p:sld xmlns:a="http://schemas.openxmlformats.org/drawingml/2006/main" xmlns:r="http://schemas.openxmlformats.org/officeDocument/2006/relationships" xmlns:p="http://schemas.openxmlformats.org/presentationml/2006/main" show="0">
-  <p:cSld>
-    <p:spTree>
-      <p:nvGrpSpPr>
-        <p:cNvPr id="1" name=""/>
-        <p:cNvGrpSpPr/>
-        <p:nvPr/>
-      </p:nvGrpSpPr>
-      <p:grpSpPr>
-        <a:xfrm>
-          <a:off x="0" y="0"/>
-          <a:ext cx="0" cy="0"/>
-          <a:chOff x="0" y="0"/>
-          <a:chExt cx="0" cy="0"/>
-        </a:xfrm>
-      </p:grpSpPr>
-      <p:pic>
-        <p:nvPicPr>
-          <p:cNvPr id="2" name="Picture 1">
-            <a:extLst>
-              <a:ext uri="{FF2B5EF4-FFF2-40B4-BE49-F238E27FC236}">
-                <a16:creationId xmlns:a16="http://schemas.microsoft.com/office/drawing/2014/main" id="{BF67DD3D-FCE6-B9C2-9841-F38314EFE7B0}"/>
-              </a:ext>
-            </a:extLst>
-          </p:cNvPr>
-          <p:cNvPicPr>
-            <a:picLocks noChangeAspect="1"/>
-          </p:cNvPicPr>
-          <p:nvPr/>
-        </p:nvPicPr>
-        <p:blipFill>
-          <a:blip r:embed="rId2"/>
-          <a:stretch>
-            <a:fillRect/>
-          </a:stretch>
-        </p:blipFill>
-        <p:spPr>
-          <a:xfrm>
-            <a:off x="3697028" y="1292157"/>
-            <a:ext cx="2398972" cy="2398972"/>
-          </a:xfrm>
-          <a:prstGeom prst="rect">
-            <a:avLst/>
-          </a:prstGeom>
-        </p:spPr>
-      </p:pic>
-      <p:pic>
-        <p:nvPicPr>
-          <p:cNvPr id="3" name="Picture 2">
-            <a:extLst>
-              <a:ext uri="{FF2B5EF4-FFF2-40B4-BE49-F238E27FC236}">
-                <a16:creationId xmlns:a16="http://schemas.microsoft.com/office/drawing/2014/main" id="{C4250331-5838-4F5F-4160-94B2EF0D7F2E}"/>
-              </a:ext>
-            </a:extLst>
-          </p:cNvPr>
-          <p:cNvPicPr>
-            <a:picLocks noChangeAspect="1"/>
-          </p:cNvPicPr>
-          <p:nvPr/>
-        </p:nvPicPr>
-        <p:blipFill>
-          <a:blip r:embed="rId3"/>
-          <a:stretch>
-            <a:fillRect/>
-          </a:stretch>
-        </p:blipFill>
-        <p:spPr>
-          <a:xfrm>
-            <a:off x="1208368" y="1292157"/>
-            <a:ext cx="2398972" cy="2398972"/>
-          </a:xfrm>
-          <a:prstGeom prst="rect">
-            <a:avLst/>
-          </a:prstGeom>
-        </p:spPr>
-      </p:pic>
-    </p:spTree>
-    <p:extLst>
-      <p:ext uri="{BB962C8B-B14F-4D97-AF65-F5344CB8AC3E}">
-        <p14:creationId xmlns:p14="http://schemas.microsoft.com/office/powerpoint/2010/main" val="333004365"/>
-      </p:ext>
-    </p:extLst>
-  </p:cSld>
-  <p:clrMapOvr>
-    <a:masterClrMapping/>
-  </p:clrMapOvr>
-</p:sld>
-</file>
-
-<file path=ppt/slides/slide5.xml><?xml version="1.0" encoding="utf-8"?>
-<p:sld xmlns:a="http://schemas.openxmlformats.org/drawingml/2006/main" xmlns:r="http://schemas.openxmlformats.org/officeDocument/2006/relationships" xmlns:p="http://schemas.openxmlformats.org/presentationml/2006/main" show="0">
-  <p:cSld>
-    <p:spTree>
-      <p:nvGrpSpPr>
-        <p:cNvPr id="1" name=""/>
-        <p:cNvGrpSpPr/>
-        <p:nvPr/>
-      </p:nvGrpSpPr>
-      <p:grpSpPr>
-        <a:xfrm>
-          <a:off x="0" y="0"/>
-          <a:ext cx="0" cy="0"/>
-          <a:chOff x="0" y="0"/>
-          <a:chExt cx="0" cy="0"/>
-        </a:xfrm>
-      </p:grpSpPr>
-      <p:pic>
-        <p:nvPicPr>
-          <p:cNvPr id="2" name="Picture 1">
-            <a:extLst>
-              <a:ext uri="{FF2B5EF4-FFF2-40B4-BE49-F238E27FC236}">
-                <a16:creationId xmlns:a16="http://schemas.microsoft.com/office/drawing/2014/main" id="{FE2D2F26-F884-0BBD-6DE9-E574ECB0B283}"/>
-              </a:ext>
-            </a:extLst>
-          </p:cNvPr>
-          <p:cNvPicPr>
-            <a:picLocks noChangeAspect="1"/>
-          </p:cNvPicPr>
-          <p:nvPr/>
-        </p:nvPicPr>
-        <p:blipFill>
-          <a:blip r:embed="rId2"/>
-          <a:stretch>
-            <a:fillRect/>
-          </a:stretch>
-        </p:blipFill>
-        <p:spPr>
-          <a:xfrm>
-            <a:off x="381838" y="373803"/>
-            <a:ext cx="4876800" cy="4876800"/>
-          </a:xfrm>
-          <a:prstGeom prst="rect">
-            <a:avLst/>
-          </a:prstGeom>
-        </p:spPr>
-      </p:pic>
-      <p:pic>
-        <p:nvPicPr>
-          <p:cNvPr id="3" name="Picture 2">
-            <a:extLst>
-              <a:ext uri="{FF2B5EF4-FFF2-40B4-BE49-F238E27FC236}">
-                <a16:creationId xmlns:a16="http://schemas.microsoft.com/office/drawing/2014/main" id="{CAC827C3-F884-3645-789A-33232B0C28F7}"/>
-              </a:ext>
-            </a:extLst>
-          </p:cNvPr>
-          <p:cNvPicPr>
-            <a:picLocks noChangeAspect="1"/>
-          </p:cNvPicPr>
-          <p:nvPr/>
-        </p:nvPicPr>
-        <p:blipFill>
-          <a:blip r:embed="rId3"/>
-          <a:stretch>
-            <a:fillRect/>
-          </a:stretch>
-        </p:blipFill>
-        <p:spPr>
-          <a:xfrm>
-            <a:off x="5258638" y="373803"/>
-            <a:ext cx="4876800" cy="4876800"/>
-          </a:xfrm>
-          <a:prstGeom prst="rect">
-            <a:avLst/>
-          </a:prstGeom>
-        </p:spPr>
-      </p:pic>
-    </p:spTree>
-    <p:extLst>
-      <p:ext uri="{BB962C8B-B14F-4D97-AF65-F5344CB8AC3E}">
-        <p14:creationId xmlns:p14="http://schemas.microsoft.com/office/powerpoint/2010/main" val="545343639"/>
-      </p:ext>
-    </p:extLst>
-  </p:cSld>
-  <p:clrMapOvr>
-    <a:masterClrMapping/>
-  </p:clrMapOvr>
-</p:sld>
-</file>
-
-<file path=ppt/slides/slide6.xml><?xml version="1.0" encoding="utf-8"?>
-<p:sld xmlns:a="http://schemas.openxmlformats.org/drawingml/2006/main" xmlns:r="http://schemas.openxmlformats.org/officeDocument/2006/relationships" xmlns:p="http://schemas.openxmlformats.org/presentationml/2006/main" show="0">
-  <p:cSld>
-    <p:spTree>
-      <p:nvGrpSpPr>
-        <p:cNvPr id="1" name=""/>
-        <p:cNvGrpSpPr/>
-        <p:nvPr/>
-      </p:nvGrpSpPr>
-      <p:grpSpPr>
-        <a:xfrm>
-          <a:off x="0" y="0"/>
-          <a:ext cx="0" cy="0"/>
-          <a:chOff x="0" y="0"/>
-          <a:chExt cx="0" cy="0"/>
-        </a:xfrm>
-      </p:grpSpPr>
-      <p:pic>
-        <p:nvPicPr>
-          <p:cNvPr id="2" name="Picture 1">
-            <a:extLst>
-              <a:ext uri="{FF2B5EF4-FFF2-40B4-BE49-F238E27FC236}">
-                <a16:creationId xmlns:a16="http://schemas.microsoft.com/office/drawing/2014/main" id="{1D48342D-955A-B3CD-AFAF-F6E7010329E3}"/>
-              </a:ext>
-            </a:extLst>
-          </p:cNvPr>
-          <p:cNvPicPr>
-            <a:picLocks noChangeAspect="1"/>
-          </p:cNvPicPr>
-          <p:nvPr/>
-        </p:nvPicPr>
-        <p:blipFill>
-          <a:blip r:embed="rId2"/>
-          <a:stretch>
-            <a:fillRect/>
-          </a:stretch>
-        </p:blipFill>
-        <p:spPr>
-          <a:xfrm>
-            <a:off x="1592015" y="1900457"/>
-            <a:ext cx="2992589" cy="2992599"/>
-          </a:xfrm>
-          <a:prstGeom prst="rect">
-            <a:avLst/>
-          </a:prstGeom>
-        </p:spPr>
-      </p:pic>
-      <p:pic>
-        <p:nvPicPr>
-          <p:cNvPr id="3" name="Picture 2">
-            <a:extLst>
-              <a:ext uri="{FF2B5EF4-FFF2-40B4-BE49-F238E27FC236}">
-                <a16:creationId xmlns:a16="http://schemas.microsoft.com/office/drawing/2014/main" id="{E3A7CA3B-E042-6125-EA0C-68A56659F49A}"/>
-              </a:ext>
-            </a:extLst>
-          </p:cNvPr>
-          <p:cNvPicPr>
-            <a:picLocks noChangeAspect="1"/>
-          </p:cNvPicPr>
-          <p:nvPr/>
-        </p:nvPicPr>
-        <p:blipFill>
-          <a:blip r:embed="rId3"/>
-          <a:stretch>
-            <a:fillRect/>
-          </a:stretch>
-        </p:blipFill>
-        <p:spPr>
-          <a:xfrm>
-            <a:off x="4708690" y="1900457"/>
-            <a:ext cx="2992589" cy="2992599"/>
-          </a:xfrm>
-          <a:prstGeom prst="rect">
-            <a:avLst/>
-          </a:prstGeom>
-        </p:spPr>
-      </p:pic>
-    </p:spTree>
-    <p:extLst>
-      <p:ext uri="{BB962C8B-B14F-4D97-AF65-F5344CB8AC3E}">
-        <p14:creationId xmlns:p14="http://schemas.microsoft.com/office/powerpoint/2010/main" val="2752906887"/>
+        <p14:creationId xmlns:p14="http://schemas.microsoft.com/office/powerpoint/2010/main" val="1042964639"/>
       </p:ext>
     </p:extLst>
   </p:cSld>
